--- a/ppt/19. 图形化编程.pptx
+++ b/ppt/19. 图形化编程.pptx
@@ -5,7 +5,7 @@
     <p:sldMasterId id="2147483648" r:id="rId1"/>
   </p:sldMasterIdLst>
   <p:notesMasterIdLst>
-    <p:notesMasterId r:id="rId18"/>
+    <p:notesMasterId r:id="rId21"/>
   </p:notesMasterIdLst>
   <p:sldIdLst>
     <p:sldId id="258" r:id="rId2"/>
@@ -13,17 +13,20 @@
     <p:sldId id="539" r:id="rId4"/>
     <p:sldId id="535" r:id="rId5"/>
     <p:sldId id="545" r:id="rId6"/>
-    <p:sldId id="538" r:id="rId7"/>
-    <p:sldId id="537" r:id="rId8"/>
-    <p:sldId id="489" r:id="rId9"/>
-    <p:sldId id="536" r:id="rId10"/>
-    <p:sldId id="540" r:id="rId11"/>
-    <p:sldId id="541" r:id="rId12"/>
-    <p:sldId id="542" r:id="rId13"/>
-    <p:sldId id="543" r:id="rId14"/>
-    <p:sldId id="544" r:id="rId15"/>
-    <p:sldId id="408" r:id="rId16"/>
-    <p:sldId id="534" r:id="rId17"/>
+    <p:sldId id="546" r:id="rId7"/>
+    <p:sldId id="538" r:id="rId8"/>
+    <p:sldId id="537" r:id="rId9"/>
+    <p:sldId id="547" r:id="rId10"/>
+    <p:sldId id="536" r:id="rId11"/>
+    <p:sldId id="548" r:id="rId12"/>
+    <p:sldId id="489" r:id="rId13"/>
+    <p:sldId id="540" r:id="rId14"/>
+    <p:sldId id="541" r:id="rId15"/>
+    <p:sldId id="542" r:id="rId16"/>
+    <p:sldId id="543" r:id="rId17"/>
+    <p:sldId id="544" r:id="rId18"/>
+    <p:sldId id="408" r:id="rId19"/>
+    <p:sldId id="534" r:id="rId20"/>
   </p:sldIdLst>
   <p:sldSz cx="12192000" cy="6858000"/>
   <p:notesSz cx="6858000" cy="9144000"/>
@@ -136,10 +139,13 @@
             <p14:sldId id="539"/>
             <p14:sldId id="535"/>
             <p14:sldId id="545"/>
+            <p14:sldId id="546"/>
             <p14:sldId id="538"/>
             <p14:sldId id="537"/>
+            <p14:sldId id="547"/>
+            <p14:sldId id="536"/>
+            <p14:sldId id="548"/>
             <p14:sldId id="489"/>
-            <p14:sldId id="536"/>
             <p14:sldId id="540"/>
             <p14:sldId id="541"/>
             <p14:sldId id="542"/>
@@ -240,7 +246,7 @@
           <a:p>
             <a:fld id="{66C3546E-20F6-7649-A9A4-4E4A245D3E82}" type="datetimeFigureOut">
               <a:rPr kumimoji="1" lang="zh-CN" altLang="en-US" smtClean="0"/>
-              <a:t>2020/9/24</a:t>
+              <a:t>2020/9/25</a:t>
             </a:fld>
             <a:endParaRPr kumimoji="1" lang="zh-CN" altLang="en-US"/>
           </a:p>
@@ -665,7 +671,7 @@
     </p:spTree>
     <p:extLst>
       <p:ext uri="{BB962C8B-B14F-4D97-AF65-F5344CB8AC3E}">
-        <p14:creationId xmlns:p14="http://schemas.microsoft.com/office/powerpoint/2010/main" val="1862456866"/>
+        <p14:creationId xmlns:p14="http://schemas.microsoft.com/office/powerpoint/2010/main" val="3107012602"/>
       </p:ext>
     </p:extLst>
   </p:cSld>
@@ -749,7 +755,7 @@
     </p:spTree>
     <p:extLst>
       <p:ext uri="{BB962C8B-B14F-4D97-AF65-F5344CB8AC3E}">
-        <p14:creationId xmlns:p14="http://schemas.microsoft.com/office/powerpoint/2010/main" val="2776686365"/>
+        <p14:creationId xmlns:p14="http://schemas.microsoft.com/office/powerpoint/2010/main" val="4143778999"/>
       </p:ext>
     </p:extLst>
   </p:cSld>
@@ -833,7 +839,7 @@
     </p:spTree>
     <p:extLst>
       <p:ext uri="{BB962C8B-B14F-4D97-AF65-F5344CB8AC3E}">
-        <p14:creationId xmlns:p14="http://schemas.microsoft.com/office/powerpoint/2010/main" val="4208785073"/>
+        <p14:creationId xmlns:p14="http://schemas.microsoft.com/office/powerpoint/2010/main" val="1914762086"/>
       </p:ext>
     </p:extLst>
   </p:cSld>
@@ -917,7 +923,7 @@
     </p:spTree>
     <p:extLst>
       <p:ext uri="{BB962C8B-B14F-4D97-AF65-F5344CB8AC3E}">
-        <p14:creationId xmlns:p14="http://schemas.microsoft.com/office/powerpoint/2010/main" val="2410507770"/>
+        <p14:creationId xmlns:p14="http://schemas.microsoft.com/office/powerpoint/2010/main" val="1862456866"/>
       </p:ext>
     </p:extLst>
   </p:cSld>
@@ -1001,7 +1007,7 @@
     </p:spTree>
     <p:extLst>
       <p:ext uri="{BB962C8B-B14F-4D97-AF65-F5344CB8AC3E}">
-        <p14:creationId xmlns:p14="http://schemas.microsoft.com/office/powerpoint/2010/main" val="2541675217"/>
+        <p14:creationId xmlns:p14="http://schemas.microsoft.com/office/powerpoint/2010/main" val="2776686365"/>
       </p:ext>
     </p:extLst>
   </p:cSld>
@@ -1077,6 +1083,258 @@
             <a:fld id="{0F8E57A1-C481-6944-857F-EAC8E932B5ED}" type="slidenum">
               <a:rPr kumimoji="1" lang="zh-CN" altLang="en-US" smtClean="0"/>
               <a:t>16</a:t>
+            </a:fld>
+            <a:endParaRPr kumimoji="1" lang="zh-CN" altLang="en-US"/>
+          </a:p>
+        </p:txBody>
+      </p:sp>
+    </p:spTree>
+    <p:extLst>
+      <p:ext uri="{BB962C8B-B14F-4D97-AF65-F5344CB8AC3E}">
+        <p14:creationId xmlns:p14="http://schemas.microsoft.com/office/powerpoint/2010/main" val="4208785073"/>
+      </p:ext>
+    </p:extLst>
+  </p:cSld>
+  <p:clrMapOvr>
+    <a:masterClrMapping/>
+  </p:clrMapOvr>
+</p:notes>
+</file>
+
+<file path=ppt/notesSlides/notesSlide16.xml><?xml version="1.0" encoding="utf-8"?>
+<p:notes xmlns:a="http://schemas.openxmlformats.org/drawingml/2006/main" xmlns:r="http://schemas.openxmlformats.org/officeDocument/2006/relationships" xmlns:p="http://schemas.openxmlformats.org/presentationml/2006/main">
+  <p:cSld>
+    <p:spTree>
+      <p:nvGrpSpPr>
+        <p:cNvPr id="1" name=""/>
+        <p:cNvGrpSpPr/>
+        <p:nvPr/>
+      </p:nvGrpSpPr>
+      <p:grpSpPr>
+        <a:xfrm>
+          <a:off x="0" y="0"/>
+          <a:ext cx="0" cy="0"/>
+          <a:chOff x="0" y="0"/>
+          <a:chExt cx="0" cy="0"/>
+        </a:xfrm>
+      </p:grpSpPr>
+      <p:sp>
+        <p:nvSpPr>
+          <p:cNvPr id="2" name="幻灯片图像占位符 1"/>
+          <p:cNvSpPr>
+            <a:spLocks noGrp="1" noRot="1" noChangeAspect="1"/>
+          </p:cNvSpPr>
+          <p:nvPr>
+            <p:ph type="sldImg"/>
+          </p:nvPr>
+        </p:nvSpPr>
+        <p:spPr/>
+      </p:sp>
+      <p:sp>
+        <p:nvSpPr>
+          <p:cNvPr id="3" name="备注占位符 2"/>
+          <p:cNvSpPr>
+            <a:spLocks noGrp="1"/>
+          </p:cNvSpPr>
+          <p:nvPr>
+            <p:ph type="body" idx="1"/>
+          </p:nvPr>
+        </p:nvSpPr>
+        <p:spPr/>
+        <p:txBody>
+          <a:bodyPr/>
+          <a:lstStyle/>
+          <a:p>
+            <a:endParaRPr kumimoji="1" lang="zh-CN" altLang="en-US" dirty="0"/>
+          </a:p>
+        </p:txBody>
+      </p:sp>
+      <p:sp>
+        <p:nvSpPr>
+          <p:cNvPr id="4" name="灯片编号占位符 3"/>
+          <p:cNvSpPr>
+            <a:spLocks noGrp="1"/>
+          </p:cNvSpPr>
+          <p:nvPr>
+            <p:ph type="sldNum" sz="quarter" idx="5"/>
+          </p:nvPr>
+        </p:nvSpPr>
+        <p:spPr/>
+        <p:txBody>
+          <a:bodyPr/>
+          <a:lstStyle/>
+          <a:p>
+            <a:fld id="{0F8E57A1-C481-6944-857F-EAC8E932B5ED}" type="slidenum">
+              <a:rPr kumimoji="1" lang="zh-CN" altLang="en-US" smtClean="0"/>
+              <a:t>17</a:t>
+            </a:fld>
+            <a:endParaRPr kumimoji="1" lang="zh-CN" altLang="en-US"/>
+          </a:p>
+        </p:txBody>
+      </p:sp>
+    </p:spTree>
+    <p:extLst>
+      <p:ext uri="{BB962C8B-B14F-4D97-AF65-F5344CB8AC3E}">
+        <p14:creationId xmlns:p14="http://schemas.microsoft.com/office/powerpoint/2010/main" val="2410507770"/>
+      </p:ext>
+    </p:extLst>
+  </p:cSld>
+  <p:clrMapOvr>
+    <a:masterClrMapping/>
+  </p:clrMapOvr>
+</p:notes>
+</file>
+
+<file path=ppt/notesSlides/notesSlide17.xml><?xml version="1.0" encoding="utf-8"?>
+<p:notes xmlns:a="http://schemas.openxmlformats.org/drawingml/2006/main" xmlns:r="http://schemas.openxmlformats.org/officeDocument/2006/relationships" xmlns:p="http://schemas.openxmlformats.org/presentationml/2006/main">
+  <p:cSld>
+    <p:spTree>
+      <p:nvGrpSpPr>
+        <p:cNvPr id="1" name=""/>
+        <p:cNvGrpSpPr/>
+        <p:nvPr/>
+      </p:nvGrpSpPr>
+      <p:grpSpPr>
+        <a:xfrm>
+          <a:off x="0" y="0"/>
+          <a:ext cx="0" cy="0"/>
+          <a:chOff x="0" y="0"/>
+          <a:chExt cx="0" cy="0"/>
+        </a:xfrm>
+      </p:grpSpPr>
+      <p:sp>
+        <p:nvSpPr>
+          <p:cNvPr id="2" name="幻灯片图像占位符 1"/>
+          <p:cNvSpPr>
+            <a:spLocks noGrp="1" noRot="1" noChangeAspect="1"/>
+          </p:cNvSpPr>
+          <p:nvPr>
+            <p:ph type="sldImg"/>
+          </p:nvPr>
+        </p:nvSpPr>
+        <p:spPr/>
+      </p:sp>
+      <p:sp>
+        <p:nvSpPr>
+          <p:cNvPr id="3" name="备注占位符 2"/>
+          <p:cNvSpPr>
+            <a:spLocks noGrp="1"/>
+          </p:cNvSpPr>
+          <p:nvPr>
+            <p:ph type="body" idx="1"/>
+          </p:nvPr>
+        </p:nvSpPr>
+        <p:spPr/>
+        <p:txBody>
+          <a:bodyPr/>
+          <a:lstStyle/>
+          <a:p>
+            <a:endParaRPr kumimoji="1" lang="zh-CN" altLang="en-US" dirty="0"/>
+          </a:p>
+        </p:txBody>
+      </p:sp>
+      <p:sp>
+        <p:nvSpPr>
+          <p:cNvPr id="4" name="灯片编号占位符 3"/>
+          <p:cNvSpPr>
+            <a:spLocks noGrp="1"/>
+          </p:cNvSpPr>
+          <p:nvPr>
+            <p:ph type="sldNum" sz="quarter" idx="5"/>
+          </p:nvPr>
+        </p:nvSpPr>
+        <p:spPr/>
+        <p:txBody>
+          <a:bodyPr/>
+          <a:lstStyle/>
+          <a:p>
+            <a:fld id="{0F8E57A1-C481-6944-857F-EAC8E932B5ED}" type="slidenum">
+              <a:rPr kumimoji="1" lang="zh-CN" altLang="en-US" smtClean="0"/>
+              <a:t>18</a:t>
+            </a:fld>
+            <a:endParaRPr kumimoji="1" lang="zh-CN" altLang="en-US"/>
+          </a:p>
+        </p:txBody>
+      </p:sp>
+    </p:spTree>
+    <p:extLst>
+      <p:ext uri="{BB962C8B-B14F-4D97-AF65-F5344CB8AC3E}">
+        <p14:creationId xmlns:p14="http://schemas.microsoft.com/office/powerpoint/2010/main" val="2541675217"/>
+      </p:ext>
+    </p:extLst>
+  </p:cSld>
+  <p:clrMapOvr>
+    <a:masterClrMapping/>
+  </p:clrMapOvr>
+</p:notes>
+</file>
+
+<file path=ppt/notesSlides/notesSlide18.xml><?xml version="1.0" encoding="utf-8"?>
+<p:notes xmlns:a="http://schemas.openxmlformats.org/drawingml/2006/main" xmlns:r="http://schemas.openxmlformats.org/officeDocument/2006/relationships" xmlns:p="http://schemas.openxmlformats.org/presentationml/2006/main">
+  <p:cSld>
+    <p:spTree>
+      <p:nvGrpSpPr>
+        <p:cNvPr id="1" name=""/>
+        <p:cNvGrpSpPr/>
+        <p:nvPr/>
+      </p:nvGrpSpPr>
+      <p:grpSpPr>
+        <a:xfrm>
+          <a:off x="0" y="0"/>
+          <a:ext cx="0" cy="0"/>
+          <a:chOff x="0" y="0"/>
+          <a:chExt cx="0" cy="0"/>
+        </a:xfrm>
+      </p:grpSpPr>
+      <p:sp>
+        <p:nvSpPr>
+          <p:cNvPr id="2" name="幻灯片图像占位符 1"/>
+          <p:cNvSpPr>
+            <a:spLocks noGrp="1" noRot="1" noChangeAspect="1"/>
+          </p:cNvSpPr>
+          <p:nvPr>
+            <p:ph type="sldImg"/>
+          </p:nvPr>
+        </p:nvSpPr>
+        <p:spPr/>
+      </p:sp>
+      <p:sp>
+        <p:nvSpPr>
+          <p:cNvPr id="3" name="备注占位符 2"/>
+          <p:cNvSpPr>
+            <a:spLocks noGrp="1"/>
+          </p:cNvSpPr>
+          <p:nvPr>
+            <p:ph type="body" idx="1"/>
+          </p:nvPr>
+        </p:nvSpPr>
+        <p:spPr/>
+        <p:txBody>
+          <a:bodyPr/>
+          <a:lstStyle/>
+          <a:p>
+            <a:endParaRPr kumimoji="1" lang="zh-CN" altLang="en-US" dirty="0"/>
+          </a:p>
+        </p:txBody>
+      </p:sp>
+      <p:sp>
+        <p:nvSpPr>
+          <p:cNvPr id="4" name="灯片编号占位符 3"/>
+          <p:cNvSpPr>
+            <a:spLocks noGrp="1"/>
+          </p:cNvSpPr>
+          <p:nvPr>
+            <p:ph type="sldNum" sz="quarter" idx="5"/>
+          </p:nvPr>
+        </p:nvSpPr>
+        <p:spPr/>
+        <p:txBody>
+          <a:bodyPr/>
+          <a:lstStyle/>
+          <a:p>
+            <a:fld id="{0F8E57A1-C481-6944-857F-EAC8E932B5ED}" type="slidenum">
+              <a:rPr kumimoji="1" lang="zh-CN" altLang="en-US" smtClean="0"/>
+              <a:t>19</a:t>
             </a:fld>
             <a:endParaRPr kumimoji="1" lang="zh-CN" altLang="en-US"/>
           </a:p>
@@ -1421,7 +1679,7 @@
     </p:spTree>
     <p:extLst>
       <p:ext uri="{BB962C8B-B14F-4D97-AF65-F5344CB8AC3E}">
-        <p14:creationId xmlns:p14="http://schemas.microsoft.com/office/powerpoint/2010/main" val="1994859399"/>
+        <p14:creationId xmlns:p14="http://schemas.microsoft.com/office/powerpoint/2010/main" val="3883830695"/>
       </p:ext>
     </p:extLst>
   </p:cSld>
@@ -1505,7 +1763,7 @@
     </p:spTree>
     <p:extLst>
       <p:ext uri="{BB962C8B-B14F-4D97-AF65-F5344CB8AC3E}">
-        <p14:creationId xmlns:p14="http://schemas.microsoft.com/office/powerpoint/2010/main" val="1864975533"/>
+        <p14:creationId xmlns:p14="http://schemas.microsoft.com/office/powerpoint/2010/main" val="1994859399"/>
       </p:ext>
     </p:extLst>
   </p:cSld>
@@ -1589,7 +1847,7 @@
     </p:spTree>
     <p:extLst>
       <p:ext uri="{BB962C8B-B14F-4D97-AF65-F5344CB8AC3E}">
-        <p14:creationId xmlns:p14="http://schemas.microsoft.com/office/powerpoint/2010/main" val="4143778999"/>
+        <p14:creationId xmlns:p14="http://schemas.microsoft.com/office/powerpoint/2010/main" val="1864975533"/>
       </p:ext>
     </p:extLst>
   </p:cSld>
@@ -1673,7 +1931,7 @@
     </p:spTree>
     <p:extLst>
       <p:ext uri="{BB962C8B-B14F-4D97-AF65-F5344CB8AC3E}">
-        <p14:creationId xmlns:p14="http://schemas.microsoft.com/office/powerpoint/2010/main" val="4047447231"/>
+        <p14:creationId xmlns:p14="http://schemas.microsoft.com/office/powerpoint/2010/main" val="3544445580"/>
       </p:ext>
     </p:extLst>
   </p:cSld>
@@ -1757,7 +2015,7 @@
     </p:spTree>
     <p:extLst>
       <p:ext uri="{BB962C8B-B14F-4D97-AF65-F5344CB8AC3E}">
-        <p14:creationId xmlns:p14="http://schemas.microsoft.com/office/powerpoint/2010/main" val="1914762086"/>
+        <p14:creationId xmlns:p14="http://schemas.microsoft.com/office/powerpoint/2010/main" val="4047447231"/>
       </p:ext>
     </p:extLst>
   </p:cSld>
@@ -1914,7 +2172,7 @@
           <a:p>
             <a:fld id="{1C49BB65-7B3F-4D4E-A397-BBFD82890A5A}" type="datetimeFigureOut">
               <a:rPr kumimoji="1" lang="zh-CN" altLang="en-US" smtClean="0"/>
-              <a:t>2020/9/24</a:t>
+              <a:t>2020/9/25</a:t>
             </a:fld>
             <a:endParaRPr kumimoji="1" lang="zh-CN" altLang="en-US"/>
           </a:p>
@@ -2112,7 +2370,7 @@
           <a:p>
             <a:fld id="{1C49BB65-7B3F-4D4E-A397-BBFD82890A5A}" type="datetimeFigureOut">
               <a:rPr kumimoji="1" lang="zh-CN" altLang="en-US" smtClean="0"/>
-              <a:t>2020/9/24</a:t>
+              <a:t>2020/9/25</a:t>
             </a:fld>
             <a:endParaRPr kumimoji="1" lang="zh-CN" altLang="en-US"/>
           </a:p>
@@ -2320,7 +2578,7 @@
           <a:p>
             <a:fld id="{1C49BB65-7B3F-4D4E-A397-BBFD82890A5A}" type="datetimeFigureOut">
               <a:rPr kumimoji="1" lang="zh-CN" altLang="en-US" smtClean="0"/>
-              <a:t>2020/9/24</a:t>
+              <a:t>2020/9/25</a:t>
             </a:fld>
             <a:endParaRPr kumimoji="1" lang="zh-CN" altLang="en-US"/>
           </a:p>
@@ -2518,7 +2776,7 @@
           <a:p>
             <a:fld id="{1C49BB65-7B3F-4D4E-A397-BBFD82890A5A}" type="datetimeFigureOut">
               <a:rPr kumimoji="1" lang="zh-CN" altLang="en-US" smtClean="0"/>
-              <a:t>2020/9/24</a:t>
+              <a:t>2020/9/25</a:t>
             </a:fld>
             <a:endParaRPr kumimoji="1" lang="zh-CN" altLang="en-US"/>
           </a:p>
@@ -2793,7 +3051,7 @@
           <a:p>
             <a:fld id="{1C49BB65-7B3F-4D4E-A397-BBFD82890A5A}" type="datetimeFigureOut">
               <a:rPr kumimoji="1" lang="zh-CN" altLang="en-US" smtClean="0"/>
-              <a:t>2020/9/24</a:t>
+              <a:t>2020/9/25</a:t>
             </a:fld>
             <a:endParaRPr kumimoji="1" lang="zh-CN" altLang="en-US"/>
           </a:p>
@@ -3058,7 +3316,7 @@
           <a:p>
             <a:fld id="{1C49BB65-7B3F-4D4E-A397-BBFD82890A5A}" type="datetimeFigureOut">
               <a:rPr kumimoji="1" lang="zh-CN" altLang="en-US" smtClean="0"/>
-              <a:t>2020/9/24</a:t>
+              <a:t>2020/9/25</a:t>
             </a:fld>
             <a:endParaRPr kumimoji="1" lang="zh-CN" altLang="en-US"/>
           </a:p>
@@ -3470,7 +3728,7 @@
           <a:p>
             <a:fld id="{1C49BB65-7B3F-4D4E-A397-BBFD82890A5A}" type="datetimeFigureOut">
               <a:rPr kumimoji="1" lang="zh-CN" altLang="en-US" smtClean="0"/>
-              <a:t>2020/9/24</a:t>
+              <a:t>2020/9/25</a:t>
             </a:fld>
             <a:endParaRPr kumimoji="1" lang="zh-CN" altLang="en-US"/>
           </a:p>
@@ -3611,7 +3869,7 @@
           <a:p>
             <a:fld id="{1C49BB65-7B3F-4D4E-A397-BBFD82890A5A}" type="datetimeFigureOut">
               <a:rPr kumimoji="1" lang="zh-CN" altLang="en-US" smtClean="0"/>
-              <a:t>2020/9/24</a:t>
+              <a:t>2020/9/25</a:t>
             </a:fld>
             <a:endParaRPr kumimoji="1" lang="zh-CN" altLang="en-US"/>
           </a:p>
@@ -3981,7 +4239,7 @@
           <a:p>
             <a:fld id="{1C49BB65-7B3F-4D4E-A397-BBFD82890A5A}" type="datetimeFigureOut">
               <a:rPr kumimoji="1" lang="zh-CN" altLang="en-US" smtClean="0"/>
-              <a:t>2020/9/24</a:t>
+              <a:t>2020/9/25</a:t>
             </a:fld>
             <a:endParaRPr kumimoji="1" lang="zh-CN" altLang="en-US"/>
           </a:p>
@@ -4269,7 +4527,7 @@
           <a:p>
             <a:fld id="{1C49BB65-7B3F-4D4E-A397-BBFD82890A5A}" type="datetimeFigureOut">
               <a:rPr kumimoji="1" lang="zh-CN" altLang="en-US" smtClean="0"/>
-              <a:t>2020/9/24</a:t>
+              <a:t>2020/9/25</a:t>
             </a:fld>
             <a:endParaRPr kumimoji="1" lang="zh-CN" altLang="en-US"/>
           </a:p>
@@ -4510,7 +4768,7 @@
           <a:p>
             <a:fld id="{1C49BB65-7B3F-4D4E-A397-BBFD82890A5A}" type="datetimeFigureOut">
               <a:rPr kumimoji="1" lang="zh-CN" altLang="en-US" smtClean="0"/>
-              <a:t>2020/9/24</a:t>
+              <a:t>2020/9/25</a:t>
             </a:fld>
             <a:endParaRPr kumimoji="1" lang="zh-CN" altLang="en-US"/>
           </a:p>
@@ -5213,30 +5471,17 @@
                 <a:latin typeface="Microsoft YaHei" panose="020B0503020204020204" pitchFamily="34" charset="-122"/>
                 <a:ea typeface="Microsoft YaHei" panose="020B0503020204020204" pitchFamily="34" charset="-122"/>
               </a:rPr>
-              <a:t>7.</a:t>
+              <a:t>5.</a:t>
             </a:r>
             <a:r>
               <a:rPr kumimoji="1" lang="zh-CN" altLang="en-US" sz="4800" dirty="0">
                 <a:latin typeface="Microsoft YaHei" panose="020B0503020204020204" pitchFamily="34" charset="-122"/>
                 <a:ea typeface="Microsoft YaHei" panose="020B0503020204020204" pitchFamily="34" charset="-122"/>
               </a:rPr>
-              <a:t> </a:t>
-            </a:r>
-            <a:r>
-              <a:rPr kumimoji="1" lang="en-US" altLang="zh-CN" sz="4800" dirty="0">
-                <a:latin typeface="Microsoft YaHei" panose="020B0503020204020204" pitchFamily="34" charset="-122"/>
-                <a:ea typeface="Microsoft YaHei" panose="020B0503020204020204" pitchFamily="34" charset="-122"/>
-              </a:rPr>
-              <a:t>Color</a:t>
-            </a:r>
-            <a:r>
-              <a:rPr kumimoji="1" lang="zh-CN" altLang="en-US" sz="4800" dirty="0">
-                <a:latin typeface="Microsoft YaHei" panose="020B0503020204020204" pitchFamily="34" charset="-122"/>
-                <a:ea typeface="Microsoft YaHei" panose="020B0503020204020204" pitchFamily="34" charset="-122"/>
-              </a:rPr>
-              <a:t>类</a:t>
+              <a:t> 属性绑定</a:t>
             </a:r>
             <a:endParaRPr kumimoji="1" lang="en-US" altLang="zh-CN" sz="4800" dirty="0">
+              <a:latin typeface="Microsoft YaHei" panose="020B0503020204020204" pitchFamily="34" charset="-122"/>
               <a:ea typeface="Microsoft YaHei" panose="020B0503020204020204" pitchFamily="34" charset="-122"/>
             </a:endParaRPr>
           </a:p>
@@ -5280,35 +5525,35 @@
                 <a:latin typeface="Microsoft YaHei" panose="020B0503020204020204" pitchFamily="34" charset="-122"/>
                 <a:ea typeface="Microsoft YaHei" panose="020B0503020204020204" pitchFamily="34" charset="-122"/>
               </a:rPr>
-              <a:t>微博</a:t>
+              <a:t>什么是属性： 描述一个控件的大小，颜色，位置，动作等的数据成员， 比如，有一个</a:t>
             </a:r>
             <a:r>
               <a:rPr lang="en-US" altLang="zh-CN" sz="2400" dirty="0">
                 <a:latin typeface="Microsoft YaHei" panose="020B0503020204020204" pitchFamily="34" charset="-122"/>
                 <a:ea typeface="Microsoft YaHei" panose="020B0503020204020204" pitchFamily="34" charset="-122"/>
               </a:rPr>
-              <a:t>		</a:t>
+              <a:t>Button(</a:t>
             </a:r>
             <a:r>
               <a:rPr lang="zh-CN" altLang="en-US" sz="2400" dirty="0">
                 <a:latin typeface="Microsoft YaHei" panose="020B0503020204020204" pitchFamily="34" charset="-122"/>
                 <a:ea typeface="Microsoft YaHei" panose="020B0503020204020204" pitchFamily="34" charset="-122"/>
               </a:rPr>
-              <a:t>微信</a:t>
+              <a:t>按钮</a:t>
             </a:r>
             <a:r>
               <a:rPr lang="en-US" altLang="zh-CN" sz="2400" dirty="0">
                 <a:latin typeface="Microsoft YaHei" panose="020B0503020204020204" pitchFamily="34" charset="-122"/>
                 <a:ea typeface="Microsoft YaHei" panose="020B0503020204020204" pitchFamily="34" charset="-122"/>
               </a:rPr>
-              <a:t>		</a:t>
-            </a:r>
-            <a:r>
-              <a:rPr lang="en-US" altLang="zh-CN" sz="2400" dirty="0" err="1">
-                <a:latin typeface="Microsoft YaHei" panose="020B0503020204020204" pitchFamily="34" charset="-122"/>
-                <a:ea typeface="Microsoft YaHei" panose="020B0503020204020204" pitchFamily="34" charset="-122"/>
-              </a:rPr>
-              <a:t>qq</a:t>
+              <a:t>)</a:t>
+            </a:r>
+            <a:r>
+              <a:rPr lang="zh-CN" altLang="en-US" sz="2400" dirty="0">
+                <a:latin typeface="Microsoft YaHei" panose="020B0503020204020204" pitchFamily="34" charset="-122"/>
+                <a:ea typeface="Microsoft YaHei" panose="020B0503020204020204" pitchFamily="34" charset="-122"/>
+              </a:rPr>
+              <a:t>控件</a:t>
             </a:r>
             <a:endParaRPr lang="en-US" altLang="zh-CN" sz="2400" dirty="0">
               <a:latin typeface="Microsoft YaHei" panose="020B0503020204020204" pitchFamily="34" charset="-122"/>
@@ -5321,41 +5566,10 @@
                 <a:spcPct val="150000"/>
               </a:lnSpc>
             </a:pPr>
-            <a:r>
-              <a:rPr lang="en-US" altLang="zh-CN" sz="2400" dirty="0">
-                <a:latin typeface="Microsoft YaHei" panose="020B0503020204020204" pitchFamily="34" charset="-122"/>
-                <a:ea typeface="Microsoft YaHei" panose="020B0503020204020204" pitchFamily="34" charset="-122"/>
-              </a:rPr>
-              <a:t>	</a:t>
-            </a:r>
-            <a:r>
-              <a:rPr lang="zh-CN" altLang="en-US" sz="2400" dirty="0">
-                <a:latin typeface="Microsoft YaHei" panose="020B0503020204020204" pitchFamily="34" charset="-122"/>
-                <a:ea typeface="Microsoft YaHei" panose="020B0503020204020204" pitchFamily="34" charset="-122"/>
-              </a:rPr>
-              <a:t>淘宝</a:t>
-            </a:r>
-            <a:r>
-              <a:rPr lang="en-US" altLang="zh-CN" sz="2400" dirty="0">
-                <a:latin typeface="Microsoft YaHei" panose="020B0503020204020204" pitchFamily="34" charset="-122"/>
-                <a:ea typeface="Microsoft YaHei" panose="020B0503020204020204" pitchFamily="34" charset="-122"/>
-              </a:rPr>
-              <a:t>		</a:t>
-            </a:r>
-            <a:r>
-              <a:rPr lang="zh-CN" altLang="en-US" sz="2400" dirty="0">
-                <a:latin typeface="Microsoft YaHei" panose="020B0503020204020204" pitchFamily="34" charset="-122"/>
-                <a:ea typeface="Microsoft YaHei" panose="020B0503020204020204" pitchFamily="34" charset="-122"/>
-              </a:rPr>
-              <a:t>支付宝</a:t>
-            </a:r>
-            <a:r>
-              <a:rPr lang="en-US" altLang="zh-CN" sz="2400" dirty="0">
-                <a:latin typeface="Microsoft YaHei" panose="020B0503020204020204" pitchFamily="34" charset="-122"/>
-                <a:ea typeface="Microsoft YaHei" panose="020B0503020204020204" pitchFamily="34" charset="-122"/>
-              </a:rPr>
-              <a:t>	</a:t>
-            </a:r>
+            <a:endParaRPr lang="en-US" altLang="zh-CN" sz="2400" dirty="0">
+              <a:latin typeface="Microsoft YaHei" panose="020B0503020204020204" pitchFamily="34" charset="-122"/>
+              <a:ea typeface="Microsoft YaHei" panose="020B0503020204020204" pitchFamily="34" charset="-122"/>
+            </a:endParaRPr>
           </a:p>
           <a:p>
             <a:pPr>
@@ -5364,30 +5578,12 @@
               </a:lnSpc>
             </a:pPr>
             <a:r>
-              <a:rPr lang="en-US" altLang="zh-CN" sz="2400" dirty="0">
-                <a:latin typeface="Microsoft YaHei" panose="020B0503020204020204" pitchFamily="34" charset="-122"/>
-                <a:ea typeface="Microsoft YaHei" panose="020B0503020204020204" pitchFamily="34" charset="-122"/>
-              </a:rPr>
-              <a:t>		</a:t>
-            </a:r>
-            <a:r>
               <a:rPr lang="zh-CN" altLang="en-US" sz="2400" dirty="0">
                 <a:latin typeface="Microsoft YaHei" panose="020B0503020204020204" pitchFamily="34" charset="-122"/>
                 <a:ea typeface="Microsoft YaHei" panose="020B0503020204020204" pitchFamily="34" charset="-122"/>
               </a:rPr>
-              <a:t>抖音    </a:t>
-            </a:r>
-            <a:r>
-              <a:rPr kumimoji="1" lang="zh-CN" altLang="en-US" sz="2400" dirty="0">
-                <a:latin typeface="Microsoft YaHei" panose="020B0503020204020204" pitchFamily="34" charset="-122"/>
-                <a:ea typeface="Microsoft YaHei" panose="020B0503020204020204" pitchFamily="34" charset="-122"/>
-              </a:rPr>
-              <a:t>网红      直播购物</a:t>
-            </a:r>
-            <a:endParaRPr lang="en-US" altLang="zh-CN" sz="2400" dirty="0">
-              <a:latin typeface="Microsoft YaHei" panose="020B0503020204020204" pitchFamily="34" charset="-122"/>
-              <a:ea typeface="Microsoft YaHei" panose="020B0503020204020204" pitchFamily="34" charset="-122"/>
-            </a:endParaRPr>
+              <a:t>属性绑定：可以将一个目标对象绑定到源对象中。源对象的修改将自动反映到目标对 象中。 </a:t>
+            </a:r>
           </a:p>
           <a:p>
             <a:pPr>
@@ -5395,112 +5591,17 @@
                 <a:spcPct val="150000"/>
               </a:lnSpc>
             </a:pPr>
-            <a:r>
-              <a:rPr lang="en-US" altLang="zh-CN" sz="2400" dirty="0">
-                <a:latin typeface="Microsoft YaHei" panose="020B0503020204020204" pitchFamily="34" charset="-122"/>
-                <a:ea typeface="Microsoft YaHei" panose="020B0503020204020204" pitchFamily="34" charset="-122"/>
-              </a:rPr>
-              <a:t>	</a:t>
-            </a:r>
-            <a:r>
-              <a:rPr lang="zh-CN" altLang="en-US" sz="2400" dirty="0">
-                <a:latin typeface="Microsoft YaHei" panose="020B0503020204020204" pitchFamily="34" charset="-122"/>
-                <a:ea typeface="Microsoft YaHei" panose="020B0503020204020204" pitchFamily="34" charset="-122"/>
-              </a:rPr>
-              <a:t> </a:t>
-            </a:r>
-            <a:r>
-              <a:rPr lang="en-US" altLang="zh-CN" sz="2400" dirty="0">
-                <a:latin typeface="Microsoft YaHei" panose="020B0503020204020204" pitchFamily="34" charset="-122"/>
-                <a:ea typeface="Microsoft YaHei" panose="020B0503020204020204" pitchFamily="34" charset="-122"/>
-              </a:rPr>
-              <a:t>B</a:t>
-            </a:r>
-            <a:r>
-              <a:rPr lang="zh-CN" altLang="en-US" sz="2400" dirty="0">
-                <a:latin typeface="Microsoft YaHei" panose="020B0503020204020204" pitchFamily="34" charset="-122"/>
-                <a:ea typeface="Microsoft YaHei" panose="020B0503020204020204" pitchFamily="34" charset="-122"/>
-              </a:rPr>
-              <a:t>站</a:t>
-            </a:r>
-            <a:r>
-              <a:rPr lang="en-US" altLang="zh-CN" sz="2400" dirty="0">
-                <a:latin typeface="Microsoft YaHei" panose="020B0503020204020204" pitchFamily="34" charset="-122"/>
-                <a:ea typeface="Microsoft YaHei" panose="020B0503020204020204" pitchFamily="34" charset="-122"/>
-              </a:rPr>
-              <a:t>	</a:t>
-            </a:r>
-          </a:p>
-          <a:p>
-            <a:pPr>
-              <a:lnSpc>
-                <a:spcPct val="150000"/>
-              </a:lnSpc>
-            </a:pPr>
-            <a:r>
-              <a:rPr lang="en-US" altLang="zh-CN" sz="2400" dirty="0">
-                <a:latin typeface="Microsoft YaHei" panose="020B0503020204020204" pitchFamily="34" charset="-122"/>
-                <a:ea typeface="Microsoft YaHei" panose="020B0503020204020204" pitchFamily="34" charset="-122"/>
-              </a:rPr>
-              <a:t>			</a:t>
-            </a:r>
-            <a:r>
-              <a:rPr lang="zh-CN" altLang="en-US" sz="2400" dirty="0">
-                <a:latin typeface="Microsoft YaHei" panose="020B0503020204020204" pitchFamily="34" charset="-122"/>
-                <a:ea typeface="Microsoft YaHei" panose="020B0503020204020204" pitchFamily="34" charset="-122"/>
-              </a:rPr>
-              <a:t>视频</a:t>
-            </a:r>
             <a:endParaRPr lang="en-US" altLang="zh-CN" sz="2400" dirty="0">
               <a:latin typeface="Microsoft YaHei" panose="020B0503020204020204" pitchFamily="34" charset="-122"/>
               <a:ea typeface="Microsoft YaHei" panose="020B0503020204020204" pitchFamily="34" charset="-122"/>
             </a:endParaRPr>
           </a:p>
-          <a:p>
-            <a:pPr>
-              <a:lnSpc>
-                <a:spcPct val="150000"/>
-              </a:lnSpc>
-            </a:pPr>
-            <a:r>
-              <a:rPr lang="en-US" altLang="zh-CN" sz="2400" dirty="0">
-                <a:latin typeface="Microsoft YaHei" panose="020B0503020204020204" pitchFamily="34" charset="-122"/>
-                <a:ea typeface="Microsoft YaHei" panose="020B0503020204020204" pitchFamily="34" charset="-122"/>
-              </a:rPr>
-              <a:t>	</a:t>
-            </a:r>
-            <a:r>
-              <a:rPr lang="zh-CN" altLang="en-US" sz="2400" dirty="0">
-                <a:latin typeface="Microsoft YaHei" panose="020B0503020204020204" pitchFamily="34" charset="-122"/>
-                <a:ea typeface="Microsoft YaHei" panose="020B0503020204020204" pitchFamily="34" charset="-122"/>
-              </a:rPr>
-              <a:t> 外卖</a:t>
-            </a:r>
-            <a:r>
-              <a:rPr lang="en-US" altLang="zh-CN" sz="2400" dirty="0">
-                <a:latin typeface="Microsoft YaHei" panose="020B0503020204020204" pitchFamily="34" charset="-122"/>
-                <a:ea typeface="Microsoft YaHei" panose="020B0503020204020204" pitchFamily="34" charset="-122"/>
-              </a:rPr>
-              <a:t>				</a:t>
-            </a:r>
-            <a:r>
-              <a:rPr lang="zh-CN" altLang="en-US" sz="2400" dirty="0">
-                <a:latin typeface="Microsoft YaHei" panose="020B0503020204020204" pitchFamily="34" charset="-122"/>
-                <a:ea typeface="Microsoft YaHei" panose="020B0503020204020204" pitchFamily="34" charset="-122"/>
-              </a:rPr>
-              <a:t>手机游戏</a:t>
-            </a:r>
-            <a:endParaRPr lang="en-US" altLang="zh-CN" sz="2400" dirty="0">
-              <a:latin typeface="Microsoft YaHei" panose="020B0503020204020204" pitchFamily="34" charset="-122"/>
-              <a:ea typeface="Microsoft YaHei" panose="020B0503020204020204" pitchFamily="34" charset="-122"/>
-            </a:endParaRPr>
-          </a:p>
         </p:txBody>
       </p:sp>
     </p:spTree>
     <p:extLst>
       <p:ext uri="{BB962C8B-B14F-4D97-AF65-F5344CB8AC3E}">
-        <p14:creationId xmlns:p14="http://schemas.microsoft.com/office/powerpoint/2010/main" val="3902024920"/>
+        <p14:creationId xmlns:p14="http://schemas.microsoft.com/office/powerpoint/2010/main" val="780594341"/>
       </p:ext>
     </p:extLst>
   </p:cSld>
@@ -5648,30 +5749,17 @@
                 <a:latin typeface="Microsoft YaHei" panose="020B0503020204020204" pitchFamily="34" charset="-122"/>
                 <a:ea typeface="Microsoft YaHei" panose="020B0503020204020204" pitchFamily="34" charset="-122"/>
               </a:rPr>
-              <a:t>8.</a:t>
+              <a:t>5.</a:t>
             </a:r>
             <a:r>
               <a:rPr kumimoji="1" lang="zh-CN" altLang="en-US" sz="4800" dirty="0">
                 <a:latin typeface="Microsoft YaHei" panose="020B0503020204020204" pitchFamily="34" charset="-122"/>
                 <a:ea typeface="Microsoft YaHei" panose="020B0503020204020204" pitchFamily="34" charset="-122"/>
               </a:rPr>
-              <a:t> </a:t>
-            </a:r>
-            <a:r>
-              <a:rPr kumimoji="1" lang="en-US" altLang="zh-CN" sz="4800" dirty="0">
-                <a:latin typeface="Microsoft YaHei" panose="020B0503020204020204" pitchFamily="34" charset="-122"/>
-                <a:ea typeface="Microsoft YaHei" panose="020B0503020204020204" pitchFamily="34" charset="-122"/>
-              </a:rPr>
-              <a:t>Font</a:t>
-            </a:r>
-            <a:r>
-              <a:rPr kumimoji="1" lang="zh-CN" altLang="en-US" sz="4800" dirty="0">
-                <a:latin typeface="Microsoft YaHei" panose="020B0503020204020204" pitchFamily="34" charset="-122"/>
-                <a:ea typeface="Microsoft YaHei" panose="020B0503020204020204" pitchFamily="34" charset="-122"/>
-              </a:rPr>
-              <a:t>类</a:t>
+              <a:t> 属性绑定</a:t>
             </a:r>
             <a:endParaRPr kumimoji="1" lang="en-US" altLang="zh-CN" sz="4800" dirty="0">
+              <a:latin typeface="Microsoft YaHei" panose="020B0503020204020204" pitchFamily="34" charset="-122"/>
               <a:ea typeface="Microsoft YaHei" panose="020B0503020204020204" pitchFamily="34" charset="-122"/>
             </a:endParaRPr>
           </a:p>
@@ -5692,7 +5780,7 @@
         <p:spPr>
           <a:xfrm>
             <a:off x="2097741" y="2187389"/>
-            <a:ext cx="8423977" cy="3351046"/>
+            <a:ext cx="8423977" cy="2243050"/>
           </a:xfrm>
           <a:prstGeom prst="rect">
             <a:avLst/>
@@ -5711,231 +5799,124 @@
               </a:lnSpc>
             </a:pPr>
             <a:r>
+              <a:rPr lang="zh-CN" altLang="en-US" sz="2400">
+                <a:latin typeface="Microsoft YaHei" panose="020B0503020204020204" pitchFamily="34" charset="-122"/>
+                <a:ea typeface="Microsoft YaHei" panose="020B0503020204020204" pitchFamily="34" charset="-122"/>
+              </a:rPr>
+              <a:t>比如：当</a:t>
+            </a:r>
+            <a:r>
               <a:rPr lang="zh-CN" altLang="en-US" sz="2400" dirty="0">
                 <a:latin typeface="Microsoft YaHei" panose="020B0503020204020204" pitchFamily="34" charset="-122"/>
                 <a:ea typeface="Microsoft YaHei" panose="020B0503020204020204" pitchFamily="34" charset="-122"/>
               </a:rPr>
-              <a:t>微博</a:t>
+              <a:t>窗体改变大小 的时候，圆不再居中。窗体改变大小后为了圆依然显示在中央</a:t>
             </a:r>
             <a:r>
               <a:rPr lang="en-US" altLang="zh-CN" sz="2400" dirty="0">
                 <a:latin typeface="Microsoft YaHei" panose="020B0503020204020204" pitchFamily="34" charset="-122"/>
                 <a:ea typeface="Microsoft YaHei" panose="020B0503020204020204" pitchFamily="34" charset="-122"/>
               </a:rPr>
-              <a:t>		</a:t>
+              <a:t>.</a:t>
             </a:r>
             <a:r>
               <a:rPr lang="zh-CN" altLang="en-US" sz="2400" dirty="0">
                 <a:latin typeface="Microsoft YaHei" panose="020B0503020204020204" pitchFamily="34" charset="-122"/>
                 <a:ea typeface="Microsoft YaHei" panose="020B0503020204020204" pitchFamily="34" charset="-122"/>
               </a:rPr>
-              <a:t>微信</a:t>
+              <a:t>圆心的 </a:t>
             </a:r>
             <a:r>
               <a:rPr lang="en-US" altLang="zh-CN" sz="2400" dirty="0">
                 <a:latin typeface="Microsoft YaHei" panose="020B0503020204020204" pitchFamily="34" charset="-122"/>
                 <a:ea typeface="Microsoft YaHei" panose="020B0503020204020204" pitchFamily="34" charset="-122"/>
               </a:rPr>
-              <a:t>		</a:t>
+              <a:t>x </a:t>
+            </a:r>
+            <a:r>
+              <a:rPr lang="zh-CN" altLang="en-US" sz="2400" dirty="0">
+                <a:latin typeface="Microsoft YaHei" panose="020B0503020204020204" pitchFamily="34" charset="-122"/>
+                <a:ea typeface="Microsoft YaHei" panose="020B0503020204020204" pitchFamily="34" charset="-122"/>
+              </a:rPr>
+              <a:t>坐 标 和 坐 标 需 要重新设置到面板的中央。可以通过将 </a:t>
             </a:r>
             <a:r>
               <a:rPr lang="en-US" altLang="zh-CN" sz="2400" dirty="0" err="1">
                 <a:latin typeface="Microsoft YaHei" panose="020B0503020204020204" pitchFamily="34" charset="-122"/>
                 <a:ea typeface="Microsoft YaHei" panose="020B0503020204020204" pitchFamily="34" charset="-122"/>
               </a:rPr>
-              <a:t>qq</a:t>
-            </a:r>
-            <a:endParaRPr lang="en-US" altLang="zh-CN" sz="2400" dirty="0">
-              <a:latin typeface="Microsoft YaHei" panose="020B0503020204020204" pitchFamily="34" charset="-122"/>
-              <a:ea typeface="Microsoft YaHei" panose="020B0503020204020204" pitchFamily="34" charset="-122"/>
-            </a:endParaRPr>
-          </a:p>
-          <a:p>
-            <a:pPr>
-              <a:lnSpc>
-                <a:spcPct val="150000"/>
-              </a:lnSpc>
-            </a:pPr>
+              <a:t>centerX</a:t>
+            </a:r>
             <a:r>
               <a:rPr lang="en-US" altLang="zh-CN" sz="2400" dirty="0">
                 <a:latin typeface="Microsoft YaHei" panose="020B0503020204020204" pitchFamily="34" charset="-122"/>
                 <a:ea typeface="Microsoft YaHei" panose="020B0503020204020204" pitchFamily="34" charset="-122"/>
               </a:rPr>
-              <a:t>	</a:t>
+              <a:t> </a:t>
             </a:r>
             <a:r>
               <a:rPr lang="zh-CN" altLang="en-US" sz="2400" dirty="0">
                 <a:latin typeface="Microsoft YaHei" panose="020B0503020204020204" pitchFamily="34" charset="-122"/>
                 <a:ea typeface="Microsoft YaHei" panose="020B0503020204020204" pitchFamily="34" charset="-122"/>
               </a:rPr>
-              <a:t>淘宝</a:t>
+              <a:t>和 </a:t>
+            </a:r>
+            <a:r>
+              <a:rPr lang="en-US" altLang="zh-CN" sz="2400" dirty="0" err="1">
+                <a:latin typeface="Microsoft YaHei" panose="020B0503020204020204" pitchFamily="34" charset="-122"/>
+                <a:ea typeface="Microsoft YaHei" panose="020B0503020204020204" pitchFamily="34" charset="-122"/>
+              </a:rPr>
+              <a:t>centerY</a:t>
             </a:r>
             <a:r>
               <a:rPr lang="en-US" altLang="zh-CN" sz="2400" dirty="0">
                 <a:latin typeface="Microsoft YaHei" panose="020B0503020204020204" pitchFamily="34" charset="-122"/>
                 <a:ea typeface="Microsoft YaHei" panose="020B0503020204020204" pitchFamily="34" charset="-122"/>
               </a:rPr>
-              <a:t>		</a:t>
+              <a:t> </a:t>
             </a:r>
             <a:r>
               <a:rPr lang="zh-CN" altLang="en-US" sz="2400" dirty="0">
                 <a:latin typeface="Microsoft YaHei" panose="020B0503020204020204" pitchFamily="34" charset="-122"/>
                 <a:ea typeface="Microsoft YaHei" panose="020B0503020204020204" pitchFamily="34" charset="-122"/>
               </a:rPr>
-              <a:t>支付宝</a:t>
+              <a:t>分别绑定到面板的 </a:t>
             </a:r>
             <a:r>
               <a:rPr lang="en-US" altLang="zh-CN" sz="2400" dirty="0">
                 <a:latin typeface="Microsoft YaHei" panose="020B0503020204020204" pitchFamily="34" charset="-122"/>
                 <a:ea typeface="Microsoft YaHei" panose="020B0503020204020204" pitchFamily="34" charset="-122"/>
               </a:rPr>
-              <a:t>	</a:t>
-            </a:r>
-          </a:p>
-          <a:p>
-            <a:pPr>
-              <a:lnSpc>
-                <a:spcPct val="150000"/>
-              </a:lnSpc>
-            </a:pPr>
+              <a:t>width/2 </a:t>
+            </a:r>
+            <a:r>
+              <a:rPr lang="zh-CN" altLang="en-US" sz="2400" dirty="0">
+                <a:latin typeface="Microsoft YaHei" panose="020B0503020204020204" pitchFamily="34" charset="-122"/>
+                <a:ea typeface="Microsoft YaHei" panose="020B0503020204020204" pitchFamily="34" charset="-122"/>
+              </a:rPr>
+              <a:t>以及 </a:t>
+            </a:r>
             <a:r>
               <a:rPr lang="en-US" altLang="zh-CN" sz="2400" dirty="0">
                 <a:latin typeface="Microsoft YaHei" panose="020B0503020204020204" pitchFamily="34" charset="-122"/>
                 <a:ea typeface="Microsoft YaHei" panose="020B0503020204020204" pitchFamily="34" charset="-122"/>
               </a:rPr>
-              <a:t>		</a:t>
+              <a:t>height/2 </a:t>
             </a:r>
             <a:r>
               <a:rPr lang="zh-CN" altLang="en-US" sz="2400" dirty="0">
                 <a:latin typeface="Microsoft YaHei" panose="020B0503020204020204" pitchFamily="34" charset="-122"/>
                 <a:ea typeface="Microsoft YaHei" panose="020B0503020204020204" pitchFamily="34" charset="-122"/>
               </a:rPr>
-              <a:t>抖音    </a:t>
-            </a:r>
-            <a:r>
-              <a:rPr kumimoji="1" lang="zh-CN" altLang="en-US" sz="2400" dirty="0">
-                <a:latin typeface="Microsoft YaHei" panose="020B0503020204020204" pitchFamily="34" charset="-122"/>
-                <a:ea typeface="Microsoft YaHei" panose="020B0503020204020204" pitchFamily="34" charset="-122"/>
-              </a:rPr>
-              <a:t>网红      直播购物</a:t>
-            </a:r>
-            <a:endParaRPr lang="en-US" altLang="zh-CN" sz="2400" dirty="0">
-              <a:latin typeface="Microsoft YaHei" panose="020B0503020204020204" pitchFamily="34" charset="-122"/>
-              <a:ea typeface="Microsoft YaHei" panose="020B0503020204020204" pitchFamily="34" charset="-122"/>
-            </a:endParaRPr>
-          </a:p>
-          <a:p>
-            <a:pPr>
-              <a:lnSpc>
-                <a:spcPct val="150000"/>
-              </a:lnSpc>
-            </a:pPr>
-            <a:r>
-              <a:rPr lang="en-US" altLang="zh-CN" sz="2400" dirty="0">
-                <a:latin typeface="Microsoft YaHei" panose="020B0503020204020204" pitchFamily="34" charset="-122"/>
-                <a:ea typeface="Microsoft YaHei" panose="020B0503020204020204" pitchFamily="34" charset="-122"/>
-              </a:rPr>
-              <a:t>	</a:t>
-            </a:r>
-            <a:r>
-              <a:rPr lang="zh-CN" altLang="en-US" sz="2400" dirty="0">
-                <a:latin typeface="Microsoft YaHei" panose="020B0503020204020204" pitchFamily="34" charset="-122"/>
-                <a:ea typeface="Microsoft YaHei" panose="020B0503020204020204" pitchFamily="34" charset="-122"/>
-              </a:rPr>
-              <a:t> </a:t>
-            </a:r>
-            <a:r>
-              <a:rPr lang="en-US" altLang="zh-CN" sz="2400" dirty="0">
-                <a:latin typeface="Microsoft YaHei" panose="020B0503020204020204" pitchFamily="34" charset="-122"/>
-                <a:ea typeface="Microsoft YaHei" panose="020B0503020204020204" pitchFamily="34" charset="-122"/>
-              </a:rPr>
-              <a:t>B</a:t>
-            </a:r>
-            <a:r>
-              <a:rPr lang="zh-CN" altLang="en-US" sz="2400" dirty="0">
-                <a:latin typeface="Microsoft YaHei" panose="020B0503020204020204" pitchFamily="34" charset="-122"/>
-                <a:ea typeface="Microsoft YaHei" panose="020B0503020204020204" pitchFamily="34" charset="-122"/>
-              </a:rPr>
-              <a:t>站</a:t>
-            </a:r>
-            <a:r>
-              <a:rPr lang="en-US" altLang="zh-CN" sz="2400" dirty="0">
-                <a:latin typeface="Microsoft YaHei" panose="020B0503020204020204" pitchFamily="34" charset="-122"/>
-                <a:ea typeface="Microsoft YaHei" panose="020B0503020204020204" pitchFamily="34" charset="-122"/>
-              </a:rPr>
-              <a:t>	</a:t>
-            </a:r>
-          </a:p>
-          <a:p>
-            <a:pPr>
-              <a:lnSpc>
-                <a:spcPct val="150000"/>
-              </a:lnSpc>
-            </a:pPr>
-            <a:r>
-              <a:rPr lang="en-US" altLang="zh-CN" sz="2400" dirty="0">
-                <a:latin typeface="Microsoft YaHei" panose="020B0503020204020204" pitchFamily="34" charset="-122"/>
-                <a:ea typeface="Microsoft YaHei" panose="020B0503020204020204" pitchFamily="34" charset="-122"/>
-              </a:rPr>
-              <a:t>			</a:t>
-            </a:r>
-            <a:r>
-              <a:rPr lang="zh-CN" altLang="en-US" sz="2400" dirty="0">
-                <a:latin typeface="Microsoft YaHei" panose="020B0503020204020204" pitchFamily="34" charset="-122"/>
-                <a:ea typeface="Microsoft YaHei" panose="020B0503020204020204" pitchFamily="34" charset="-122"/>
-              </a:rPr>
-              <a:t>视频</a:t>
-            </a:r>
-            <a:endParaRPr lang="en-US" altLang="zh-CN" sz="2400" dirty="0">
-              <a:latin typeface="Microsoft YaHei" panose="020B0503020204020204" pitchFamily="34" charset="-122"/>
-              <a:ea typeface="Microsoft YaHei" panose="020B0503020204020204" pitchFamily="34" charset="-122"/>
-            </a:endParaRPr>
-          </a:p>
-          <a:p>
-            <a:pPr>
-              <a:lnSpc>
-                <a:spcPct val="150000"/>
-              </a:lnSpc>
-            </a:pPr>
-            <a:r>
-              <a:rPr lang="en-US" altLang="zh-CN" sz="2400" dirty="0">
-                <a:latin typeface="Microsoft YaHei" panose="020B0503020204020204" pitchFamily="34" charset="-122"/>
-                <a:ea typeface="Microsoft YaHei" panose="020B0503020204020204" pitchFamily="34" charset="-122"/>
-              </a:rPr>
-              <a:t>	</a:t>
-            </a:r>
-            <a:r>
-              <a:rPr lang="zh-CN" altLang="en-US" sz="2400" dirty="0">
-                <a:latin typeface="Microsoft YaHei" panose="020B0503020204020204" pitchFamily="34" charset="-122"/>
-                <a:ea typeface="Microsoft YaHei" panose="020B0503020204020204" pitchFamily="34" charset="-122"/>
-              </a:rPr>
-              <a:t> 外卖</a:t>
-            </a:r>
-            <a:r>
-              <a:rPr lang="en-US" altLang="zh-CN" sz="2400" dirty="0">
-                <a:latin typeface="Microsoft YaHei" panose="020B0503020204020204" pitchFamily="34" charset="-122"/>
-                <a:ea typeface="Microsoft YaHei" panose="020B0503020204020204" pitchFamily="34" charset="-122"/>
-              </a:rPr>
-              <a:t>				</a:t>
-            </a:r>
-            <a:r>
-              <a:rPr lang="zh-CN" altLang="en-US" sz="2400" dirty="0">
-                <a:latin typeface="Microsoft YaHei" panose="020B0503020204020204" pitchFamily="34" charset="-122"/>
-                <a:ea typeface="Microsoft YaHei" panose="020B0503020204020204" pitchFamily="34" charset="-122"/>
-              </a:rPr>
-              <a:t>手机游戏</a:t>
-            </a:r>
-            <a:endParaRPr lang="en-US" altLang="zh-CN" sz="2400" dirty="0">
-              <a:latin typeface="Microsoft YaHei" panose="020B0503020204020204" pitchFamily="34" charset="-122"/>
-              <a:ea typeface="Microsoft YaHei" panose="020B0503020204020204" pitchFamily="34" charset="-122"/>
-            </a:endParaRPr>
+              <a:t>上面实现 </a:t>
+            </a:r>
           </a:p>
         </p:txBody>
       </p:sp>
     </p:spTree>
     <p:extLst>
       <p:ext uri="{BB962C8B-B14F-4D97-AF65-F5344CB8AC3E}">
-        <p14:creationId xmlns:p14="http://schemas.microsoft.com/office/powerpoint/2010/main" val="3330188232"/>
+        <p14:creationId xmlns:p14="http://schemas.microsoft.com/office/powerpoint/2010/main" val="3231540628"/>
       </p:ext>
     </p:extLst>
   </p:cSld>
@@ -6083,35 +6064,14 @@
                 <a:latin typeface="Microsoft YaHei" panose="020B0503020204020204" pitchFamily="34" charset="-122"/>
                 <a:ea typeface="Microsoft YaHei" panose="020B0503020204020204" pitchFamily="34" charset="-122"/>
               </a:rPr>
-              <a:t>9.</a:t>
+              <a:t>6.</a:t>
             </a:r>
             <a:r>
               <a:rPr kumimoji="1" lang="zh-CN" altLang="en-US" sz="4800" dirty="0">
                 <a:latin typeface="Microsoft YaHei" panose="020B0503020204020204" pitchFamily="34" charset="-122"/>
                 <a:ea typeface="Microsoft YaHei" panose="020B0503020204020204" pitchFamily="34" charset="-122"/>
               </a:rPr>
-              <a:t> </a:t>
-            </a:r>
-            <a:r>
-              <a:rPr kumimoji="1" lang="en-US" altLang="zh-CN" sz="4800" dirty="0">
-                <a:latin typeface="Microsoft YaHei" panose="020B0503020204020204" pitchFamily="34" charset="-122"/>
-                <a:ea typeface="Microsoft YaHei" panose="020B0503020204020204" pitchFamily="34" charset="-122"/>
-              </a:rPr>
-              <a:t>Image</a:t>
-            </a:r>
-            <a:r>
-              <a:rPr kumimoji="1" lang="zh-CN" altLang="en-US" sz="4800" dirty="0">
-                <a:latin typeface="Microsoft YaHei" panose="020B0503020204020204" pitchFamily="34" charset="-122"/>
-                <a:ea typeface="Microsoft YaHei" panose="020B0503020204020204" pitchFamily="34" charset="-122"/>
-              </a:rPr>
-              <a:t>和</a:t>
-            </a:r>
-            <a:r>
-              <a:rPr kumimoji="1" lang="en-US" altLang="zh-CN" sz="4800" dirty="0" err="1">
-                <a:latin typeface="Microsoft YaHei" panose="020B0503020204020204" pitchFamily="34" charset="-122"/>
-                <a:ea typeface="Microsoft YaHei" panose="020B0503020204020204" pitchFamily="34" charset="-122"/>
-              </a:rPr>
-              <a:t>ImageView</a:t>
+              <a:t>通用属性和方法</a:t>
             </a:r>
             <a:endParaRPr kumimoji="1" lang="en-US" altLang="zh-CN" sz="4800" dirty="0">
               <a:latin typeface="Microsoft YaHei" panose="020B0503020204020204" pitchFamily="34" charset="-122"/>
@@ -6134,8 +6094,8 @@
         </p:nvSpPr>
         <p:spPr>
           <a:xfrm>
-            <a:off x="2097741" y="2187389"/>
-            <a:ext cx="8423977" cy="3351046"/>
+            <a:off x="0" y="1933601"/>
+            <a:ext cx="12191999" cy="5116209"/>
           </a:xfrm>
           <a:prstGeom prst="rect">
             <a:avLst/>
@@ -6154,44 +6114,82 @@
               </a:lnSpc>
             </a:pPr>
             <a:r>
-              <a:rPr lang="zh-CN" altLang="en-US" sz="2400" dirty="0">
-                <a:latin typeface="Microsoft YaHei" panose="020B0503020204020204" pitchFamily="34" charset="-122"/>
-                <a:ea typeface="Microsoft YaHei" panose="020B0503020204020204" pitchFamily="34" charset="-122"/>
-              </a:rPr>
-              <a:t>微博</a:t>
-            </a:r>
-            <a:r>
-              <a:rPr lang="en-US" altLang="zh-CN" sz="2400" dirty="0">
-                <a:latin typeface="Microsoft YaHei" panose="020B0503020204020204" pitchFamily="34" charset="-122"/>
-                <a:ea typeface="Microsoft YaHei" panose="020B0503020204020204" pitchFamily="34" charset="-122"/>
-              </a:rPr>
-              <a:t>		</a:t>
-            </a:r>
-            <a:r>
-              <a:rPr lang="zh-CN" altLang="en-US" sz="2400" dirty="0">
-                <a:latin typeface="Microsoft YaHei" panose="020B0503020204020204" pitchFamily="34" charset="-122"/>
-                <a:ea typeface="Microsoft YaHei" panose="020B0503020204020204" pitchFamily="34" charset="-122"/>
-              </a:rPr>
-              <a:t>微信</a:t>
-            </a:r>
-            <a:r>
-              <a:rPr lang="en-US" altLang="zh-CN" sz="2400" dirty="0">
-                <a:latin typeface="Microsoft YaHei" panose="020B0503020204020204" pitchFamily="34" charset="-122"/>
-                <a:ea typeface="Microsoft YaHei" panose="020B0503020204020204" pitchFamily="34" charset="-122"/>
-              </a:rPr>
-              <a:t>		</a:t>
-            </a:r>
-            <a:r>
-              <a:rPr lang="en-US" altLang="zh-CN" sz="2400" dirty="0" err="1">
-                <a:latin typeface="Microsoft YaHei" panose="020B0503020204020204" pitchFamily="34" charset="-122"/>
-                <a:ea typeface="Microsoft YaHei" panose="020B0503020204020204" pitchFamily="34" charset="-122"/>
-              </a:rPr>
-              <a:t>qq</a:t>
-            </a:r>
-            <a:endParaRPr lang="en-US" altLang="zh-CN" sz="2400" dirty="0">
-              <a:latin typeface="Microsoft YaHei" panose="020B0503020204020204" pitchFamily="34" charset="-122"/>
-              <a:ea typeface="Microsoft YaHei" panose="020B0503020204020204" pitchFamily="34" charset="-122"/>
-            </a:endParaRPr>
+              <a:rPr lang="en-US" altLang="zh-CN" sz="2000" dirty="0">
+                <a:latin typeface="Microsoft YaHei" panose="020B0503020204020204" pitchFamily="34" charset="-122"/>
+                <a:ea typeface="Microsoft YaHei" panose="020B0503020204020204" pitchFamily="34" charset="-122"/>
+              </a:rPr>
+              <a:t>JavaFX </a:t>
+            </a:r>
+            <a:r>
+              <a:rPr lang="zh-CN" altLang="en-US" sz="2000" dirty="0">
+                <a:latin typeface="Microsoft YaHei" panose="020B0503020204020204" pitchFamily="34" charset="-122"/>
+                <a:ea typeface="Microsoft YaHei" panose="020B0503020204020204" pitchFamily="34" charset="-122"/>
+              </a:rPr>
+              <a:t>的样式属性类似于用于在 </a:t>
+            </a:r>
+            <a:r>
+              <a:rPr lang="en-US" altLang="zh-CN" sz="2000" dirty="0">
+                <a:latin typeface="Microsoft YaHei" panose="020B0503020204020204" pitchFamily="34" charset="-122"/>
+                <a:ea typeface="Microsoft YaHei" panose="020B0503020204020204" pitchFamily="34" charset="-122"/>
+              </a:rPr>
+              <a:t>Web </a:t>
+            </a:r>
+            <a:r>
+              <a:rPr lang="zh-CN" altLang="en-US" sz="2000" dirty="0">
+                <a:latin typeface="Microsoft YaHei" panose="020B0503020204020204" pitchFamily="34" charset="-122"/>
+                <a:ea typeface="Microsoft YaHei" panose="020B0503020204020204" pitchFamily="34" charset="-122"/>
+              </a:rPr>
+              <a:t>页面中指定 </a:t>
+            </a:r>
+            <a:r>
+              <a:rPr lang="en-US" altLang="zh-CN" sz="2000" dirty="0">
+                <a:latin typeface="Microsoft YaHei" panose="020B0503020204020204" pitchFamily="34" charset="-122"/>
+                <a:ea typeface="Microsoft YaHei" panose="020B0503020204020204" pitchFamily="34" charset="-122"/>
+              </a:rPr>
+              <a:t>HTML </a:t>
+            </a:r>
+            <a:r>
+              <a:rPr lang="zh-CN" altLang="en-US" sz="2000" dirty="0">
+                <a:latin typeface="Microsoft YaHei" panose="020B0503020204020204" pitchFamily="34" charset="-122"/>
+                <a:ea typeface="Microsoft YaHei" panose="020B0503020204020204" pitchFamily="34" charset="-122"/>
+              </a:rPr>
+              <a:t>元素样式的层叠样式表 （</a:t>
+            </a:r>
+            <a:r>
+              <a:rPr lang="en-US" altLang="zh-CN" sz="2000" dirty="0">
+                <a:latin typeface="Microsoft YaHei" panose="020B0503020204020204" pitchFamily="34" charset="-122"/>
+                <a:ea typeface="Microsoft YaHei" panose="020B0503020204020204" pitchFamily="34" charset="-122"/>
+              </a:rPr>
+              <a:t>CSS)o </a:t>
+            </a:r>
+            <a:r>
+              <a:rPr lang="zh-CN" altLang="en-US" sz="2000" dirty="0">
+                <a:latin typeface="Microsoft YaHei" panose="020B0503020204020204" pitchFamily="34" charset="-122"/>
+                <a:ea typeface="Microsoft YaHei" panose="020B0503020204020204" pitchFamily="34" charset="-122"/>
+              </a:rPr>
+              <a:t>因此，</a:t>
+            </a:r>
+            <a:r>
+              <a:rPr lang="en-US" altLang="zh-CN" sz="2000" dirty="0">
+                <a:latin typeface="Microsoft YaHei" panose="020B0503020204020204" pitchFamily="34" charset="-122"/>
+                <a:ea typeface="Microsoft YaHei" panose="020B0503020204020204" pitchFamily="34" charset="-122"/>
+              </a:rPr>
+              <a:t>JavaFX </a:t>
+            </a:r>
+            <a:r>
+              <a:rPr lang="zh-CN" altLang="en-US" sz="2000" dirty="0">
+                <a:latin typeface="Microsoft YaHei" panose="020B0503020204020204" pitchFamily="34" charset="-122"/>
+                <a:ea typeface="Microsoft YaHei" panose="020B0503020204020204" pitchFamily="34" charset="-122"/>
+              </a:rPr>
+              <a:t>的样式属性称为 </a:t>
+            </a:r>
+            <a:r>
+              <a:rPr lang="en-US" altLang="zh-CN" sz="2000" dirty="0">
+                <a:latin typeface="Microsoft YaHei" panose="020B0503020204020204" pitchFamily="34" charset="-122"/>
+                <a:ea typeface="Microsoft YaHei" panose="020B0503020204020204" pitchFamily="34" charset="-122"/>
+              </a:rPr>
+              <a:t>JavaFX CSS </a:t>
+            </a:r>
           </a:p>
           <a:p>
             <a:pPr>
@@ -6200,39 +6198,25 @@
               </a:lnSpc>
             </a:pPr>
             <a:r>
-              <a:rPr lang="en-US" altLang="zh-CN" sz="2400" dirty="0">
-                <a:latin typeface="Microsoft YaHei" panose="020B0503020204020204" pitchFamily="34" charset="-122"/>
-                <a:ea typeface="Microsoft YaHei" panose="020B0503020204020204" pitchFamily="34" charset="-122"/>
-              </a:rPr>
-              <a:t>	</a:t>
-            </a:r>
-            <a:r>
-              <a:rPr lang="zh-CN" altLang="en-US" sz="2400" dirty="0">
-                <a:latin typeface="Microsoft YaHei" panose="020B0503020204020204" pitchFamily="34" charset="-122"/>
-                <a:ea typeface="Microsoft YaHei" panose="020B0503020204020204" pitchFamily="34" charset="-122"/>
-              </a:rPr>
-              <a:t>淘宝</a:t>
-            </a:r>
-            <a:r>
-              <a:rPr lang="en-US" altLang="zh-CN" sz="2400" dirty="0">
-                <a:latin typeface="Microsoft YaHei" panose="020B0503020204020204" pitchFamily="34" charset="-122"/>
-                <a:ea typeface="Microsoft YaHei" panose="020B0503020204020204" pitchFamily="34" charset="-122"/>
-              </a:rPr>
-              <a:t>		</a:t>
-            </a:r>
-            <a:r>
-              <a:rPr lang="zh-CN" altLang="en-US" sz="2400" dirty="0">
-                <a:latin typeface="Microsoft YaHei" panose="020B0503020204020204" pitchFamily="34" charset="-122"/>
-                <a:ea typeface="Microsoft YaHei" panose="020B0503020204020204" pitchFamily="34" charset="-122"/>
-              </a:rPr>
-              <a:t>支付宝</a:t>
-            </a:r>
-            <a:r>
-              <a:rPr lang="en-US" altLang="zh-CN" sz="2400" dirty="0">
-                <a:latin typeface="Microsoft YaHei" panose="020B0503020204020204" pitchFamily="34" charset="-122"/>
-                <a:ea typeface="Microsoft YaHei" panose="020B0503020204020204" pitchFamily="34" charset="-122"/>
-              </a:rPr>
-              <a:t>	</a:t>
+              <a:rPr lang="zh-CN" altLang="en-US" sz="2000" dirty="0">
+                <a:latin typeface="Microsoft YaHei" panose="020B0503020204020204" pitchFamily="34" charset="-122"/>
+                <a:ea typeface="Microsoft YaHei" panose="020B0503020204020204" pitchFamily="34" charset="-122"/>
+              </a:rPr>
+              <a:t>设定样式的语法是 </a:t>
+            </a:r>
+            <a:r>
+              <a:rPr lang="en-US" altLang="zh-CN" sz="2000" dirty="0" err="1">
+                <a:latin typeface="Microsoft YaHei" panose="020B0503020204020204" pitchFamily="34" charset="-122"/>
+                <a:ea typeface="Microsoft YaHei" panose="020B0503020204020204" pitchFamily="34" charset="-122"/>
+              </a:rPr>
+              <a:t>styleName:value</a:t>
+            </a:r>
+            <a:r>
+              <a:rPr lang="zh-CN" altLang="en-US" sz="2000" dirty="0">
+                <a:latin typeface="Microsoft YaHei" panose="020B0503020204020204" pitchFamily="34" charset="-122"/>
+                <a:ea typeface="Microsoft YaHei" panose="020B0503020204020204" pitchFamily="34" charset="-122"/>
+              </a:rPr>
+              <a:t>。一个节点的多个样式属性可以一起设置，通过分 </a:t>
             </a:r>
           </a:p>
           <a:p>
@@ -6242,27 +6226,27 @@
               </a:lnSpc>
             </a:pPr>
             <a:r>
-              <a:rPr lang="en-US" altLang="zh-CN" sz="2400" dirty="0">
-                <a:latin typeface="Microsoft YaHei" panose="020B0503020204020204" pitchFamily="34" charset="-122"/>
-                <a:ea typeface="Microsoft YaHei" panose="020B0503020204020204" pitchFamily="34" charset="-122"/>
-              </a:rPr>
-              <a:t>		</a:t>
-            </a:r>
-            <a:r>
-              <a:rPr lang="zh-CN" altLang="en-US" sz="2400" dirty="0">
-                <a:latin typeface="Microsoft YaHei" panose="020B0503020204020204" pitchFamily="34" charset="-122"/>
-                <a:ea typeface="Microsoft YaHei" panose="020B0503020204020204" pitchFamily="34" charset="-122"/>
-              </a:rPr>
-              <a:t>抖音    </a:t>
-            </a:r>
-            <a:r>
-              <a:rPr kumimoji="1" lang="zh-CN" altLang="en-US" sz="2400" dirty="0">
-                <a:latin typeface="Microsoft YaHei" panose="020B0503020204020204" pitchFamily="34" charset="-122"/>
-                <a:ea typeface="Microsoft YaHei" panose="020B0503020204020204" pitchFamily="34" charset="-122"/>
-              </a:rPr>
-              <a:t>网红      直播购物</a:t>
-            </a:r>
-            <a:endParaRPr lang="en-US" altLang="zh-CN" sz="2400" dirty="0">
+              <a:rPr lang="zh-CN" altLang="en-US" sz="2000" dirty="0">
+                <a:latin typeface="Microsoft YaHei" panose="020B0503020204020204" pitchFamily="34" charset="-122"/>
+                <a:ea typeface="Microsoft YaHei" panose="020B0503020204020204" pitchFamily="34" charset="-122"/>
+              </a:rPr>
+              <a:t>号</a:t>
+            </a:r>
+            <a:r>
+              <a:rPr lang="en-US" altLang="zh-CN" sz="2000" dirty="0">
+                <a:latin typeface="Microsoft YaHei" panose="020B0503020204020204" pitchFamily="34" charset="-122"/>
+                <a:ea typeface="Microsoft YaHei" panose="020B0503020204020204" pitchFamily="34" charset="-122"/>
+              </a:rPr>
+              <a:t>(;)</a:t>
+            </a:r>
+            <a:r>
+              <a:rPr lang="zh-CN" altLang="en-US" sz="2000" dirty="0">
+                <a:latin typeface="Microsoft YaHei" panose="020B0503020204020204" pitchFamily="34" charset="-122"/>
+                <a:ea typeface="Microsoft YaHei" panose="020B0503020204020204" pitchFamily="34" charset="-122"/>
+              </a:rPr>
+              <a:t>进行分隔。比如，以下语句 </a:t>
+            </a:r>
+            <a:endParaRPr lang="en-US" altLang="zh-CN" sz="2000" dirty="0">
               <a:latin typeface="Microsoft YaHei" panose="020B0503020204020204" pitchFamily="34" charset="-122"/>
               <a:ea typeface="Microsoft YaHei" panose="020B0503020204020204" pitchFamily="34" charset="-122"/>
             </a:endParaRPr>
@@ -6273,41 +6257,10 @@
                 <a:spcPct val="150000"/>
               </a:lnSpc>
             </a:pPr>
-            <a:r>
-              <a:rPr lang="en-US" altLang="zh-CN" sz="2400" dirty="0">
-                <a:latin typeface="Microsoft YaHei" panose="020B0503020204020204" pitchFamily="34" charset="-122"/>
-                <a:ea typeface="Microsoft YaHei" panose="020B0503020204020204" pitchFamily="34" charset="-122"/>
-              </a:rPr>
-              <a:t>	</a:t>
-            </a:r>
-            <a:r>
-              <a:rPr lang="zh-CN" altLang="en-US" sz="2400" dirty="0">
-                <a:latin typeface="Microsoft YaHei" panose="020B0503020204020204" pitchFamily="34" charset="-122"/>
-                <a:ea typeface="Microsoft YaHei" panose="020B0503020204020204" pitchFamily="34" charset="-122"/>
-              </a:rPr>
-              <a:t> </a:t>
-            </a:r>
-            <a:r>
-              <a:rPr lang="en-US" altLang="zh-CN" sz="2400" dirty="0">
-                <a:latin typeface="Microsoft YaHei" panose="020B0503020204020204" pitchFamily="34" charset="-122"/>
-                <a:ea typeface="Microsoft YaHei" panose="020B0503020204020204" pitchFamily="34" charset="-122"/>
-              </a:rPr>
-              <a:t>B</a:t>
-            </a:r>
-            <a:r>
-              <a:rPr lang="zh-CN" altLang="en-US" sz="2400" dirty="0">
-                <a:latin typeface="Microsoft YaHei" panose="020B0503020204020204" pitchFamily="34" charset="-122"/>
-                <a:ea typeface="Microsoft YaHei" panose="020B0503020204020204" pitchFamily="34" charset="-122"/>
-              </a:rPr>
-              <a:t>站</a:t>
-            </a:r>
-            <a:r>
-              <a:rPr lang="en-US" altLang="zh-CN" sz="2400" dirty="0">
-                <a:latin typeface="Microsoft YaHei" panose="020B0503020204020204" pitchFamily="34" charset="-122"/>
-                <a:ea typeface="Microsoft YaHei" panose="020B0503020204020204" pitchFamily="34" charset="-122"/>
-              </a:rPr>
-              <a:t>	</a:t>
-            </a:r>
+            <a:endParaRPr lang="en-US" altLang="zh-CN" sz="2000" dirty="0">
+              <a:latin typeface="Microsoft YaHei" panose="020B0503020204020204" pitchFamily="34" charset="-122"/>
+              <a:ea typeface="Microsoft YaHei" panose="020B0503020204020204" pitchFamily="34" charset="-122"/>
+            </a:endParaRPr>
           </a:p>
           <a:p>
             <a:pPr>
@@ -6316,23 +6269,54 @@
               </a:lnSpc>
             </a:pPr>
             <a:r>
-              <a:rPr lang="en-US" altLang="zh-CN" sz="2400" dirty="0">
-                <a:latin typeface="Microsoft YaHei" panose="020B0503020204020204" pitchFamily="34" charset="-122"/>
-                <a:ea typeface="Microsoft YaHei" panose="020B0503020204020204" pitchFamily="34" charset="-122"/>
-              </a:rPr>
-              <a:t>			</a:t>
-            </a:r>
-            <a:r>
-              <a:rPr lang="zh-CN" altLang="en-US" sz="2400" dirty="0">
-                <a:latin typeface="Microsoft YaHei" panose="020B0503020204020204" pitchFamily="34" charset="-122"/>
-                <a:ea typeface="Microsoft YaHei" panose="020B0503020204020204" pitchFamily="34" charset="-122"/>
-              </a:rPr>
-              <a:t>视频</a:t>
-            </a:r>
-            <a:endParaRPr lang="en-US" altLang="zh-CN" sz="2400" dirty="0">
-              <a:latin typeface="Microsoft YaHei" panose="020B0503020204020204" pitchFamily="34" charset="-122"/>
-              <a:ea typeface="Microsoft YaHei" panose="020B0503020204020204" pitchFamily="34" charset="-122"/>
-            </a:endParaRPr>
+              <a:rPr lang="en-US" altLang="zh-CN" sz="2000" dirty="0">
+                <a:latin typeface="Microsoft YaHei" panose="020B0503020204020204" pitchFamily="34" charset="-122"/>
+                <a:ea typeface="Microsoft YaHei" panose="020B0503020204020204" pitchFamily="34" charset="-122"/>
+              </a:rPr>
+              <a:t>	</a:t>
+            </a:r>
+            <a:r>
+              <a:rPr lang="en-US" altLang="zh-CN" sz="2000" dirty="0" err="1">
+                <a:latin typeface="Microsoft YaHei" panose="020B0503020204020204" pitchFamily="34" charset="-122"/>
+                <a:ea typeface="Microsoft YaHei" panose="020B0503020204020204" pitchFamily="34" charset="-122"/>
+              </a:rPr>
+              <a:t>circle.setStyle</a:t>
+            </a:r>
+            <a:r>
+              <a:rPr lang="en-US" altLang="zh-CN" sz="2000" dirty="0">
+                <a:latin typeface="Microsoft YaHei" panose="020B0503020204020204" pitchFamily="34" charset="-122"/>
+                <a:ea typeface="Microsoft YaHei" panose="020B0503020204020204" pitchFamily="34" charset="-122"/>
+              </a:rPr>
+              <a:t>( “-</a:t>
+            </a:r>
+            <a:r>
+              <a:rPr lang="en-US" altLang="zh-CN" sz="2000" dirty="0" err="1">
+                <a:latin typeface="Microsoft YaHei" panose="020B0503020204020204" pitchFamily="34" charset="-122"/>
+                <a:ea typeface="Microsoft YaHei" panose="020B0503020204020204" pitchFamily="34" charset="-122"/>
+              </a:rPr>
+              <a:t>fx</a:t>
+            </a:r>
+            <a:r>
+              <a:rPr lang="en-US" altLang="zh-CN" sz="2000" dirty="0">
+                <a:latin typeface="Microsoft YaHei" panose="020B0503020204020204" pitchFamily="34" charset="-122"/>
+                <a:ea typeface="Microsoft YaHei" panose="020B0503020204020204" pitchFamily="34" charset="-122"/>
+              </a:rPr>
+              <a:t>-stroke: black; -</a:t>
+            </a:r>
+            <a:r>
+              <a:rPr lang="en-US" altLang="zh-CN" sz="2000" dirty="0" err="1">
+                <a:latin typeface="Microsoft YaHei" panose="020B0503020204020204" pitchFamily="34" charset="-122"/>
+                <a:ea typeface="Microsoft YaHei" panose="020B0503020204020204" pitchFamily="34" charset="-122"/>
+              </a:rPr>
+              <a:t>fx</a:t>
+            </a:r>
+            <a:r>
+              <a:rPr lang="en-US" altLang="zh-CN" sz="2000" dirty="0">
+                <a:latin typeface="Microsoft YaHei" panose="020B0503020204020204" pitchFamily="34" charset="-122"/>
+                <a:ea typeface="Microsoft YaHei" panose="020B0503020204020204" pitchFamily="34" charset="-122"/>
+              </a:rPr>
+              <a:t>-fill: red;"); </a:t>
+            </a:r>
           </a:p>
           <a:p>
             <a:pPr>
@@ -6341,44 +6325,153 @@
               </a:lnSpc>
             </a:pPr>
             <a:r>
-              <a:rPr lang="en-US" altLang="zh-CN" sz="2400" dirty="0">
-                <a:latin typeface="Microsoft YaHei" panose="020B0503020204020204" pitchFamily="34" charset="-122"/>
-                <a:ea typeface="Microsoft YaHei" panose="020B0503020204020204" pitchFamily="34" charset="-122"/>
-              </a:rPr>
-              <a:t>	</a:t>
-            </a:r>
-            <a:r>
-              <a:rPr lang="zh-CN" altLang="en-US" sz="2400" dirty="0">
-                <a:latin typeface="Microsoft YaHei" panose="020B0503020204020204" pitchFamily="34" charset="-122"/>
-                <a:ea typeface="Microsoft YaHei" panose="020B0503020204020204" pitchFamily="34" charset="-122"/>
-              </a:rPr>
-              <a:t> 外卖</a:t>
-            </a:r>
-            <a:r>
-              <a:rPr lang="en-US" altLang="zh-CN" sz="2400" dirty="0">
-                <a:latin typeface="Microsoft YaHei" panose="020B0503020204020204" pitchFamily="34" charset="-122"/>
-                <a:ea typeface="Microsoft YaHei" panose="020B0503020204020204" pitchFamily="34" charset="-122"/>
-              </a:rPr>
-              <a:t>				</a:t>
-            </a:r>
-            <a:r>
-              <a:rPr lang="zh-CN" altLang="en-US" sz="2400" dirty="0">
-                <a:latin typeface="Microsoft YaHei" panose="020B0503020204020204" pitchFamily="34" charset="-122"/>
-                <a:ea typeface="Microsoft YaHei" panose="020B0503020204020204" pitchFamily="34" charset="-122"/>
-              </a:rPr>
-              <a:t>手机游戏</a:t>
-            </a:r>
-            <a:endParaRPr lang="en-US" altLang="zh-CN" sz="2400" dirty="0">
+              <a:rPr lang="zh-CN" altLang="en-US" sz="2000" dirty="0">
+                <a:latin typeface="Microsoft YaHei" panose="020B0503020204020204" pitchFamily="34" charset="-122"/>
+                <a:ea typeface="Microsoft YaHei" panose="020B0503020204020204" pitchFamily="34" charset="-122"/>
+              </a:rPr>
+              <a:t>设置了一个圆的两个 </a:t>
+            </a:r>
+            <a:r>
+              <a:rPr lang="en-US" altLang="zh-CN" sz="2000" dirty="0">
+                <a:latin typeface="Microsoft YaHei" panose="020B0503020204020204" pitchFamily="34" charset="-122"/>
+                <a:ea typeface="Microsoft YaHei" panose="020B0503020204020204" pitchFamily="34" charset="-122"/>
+              </a:rPr>
+              <a:t>JavaFX CSS </a:t>
+            </a:r>
+            <a:r>
+              <a:rPr lang="zh-CN" altLang="en-US" sz="2000" dirty="0">
+                <a:latin typeface="Microsoft YaHei" panose="020B0503020204020204" pitchFamily="34" charset="-122"/>
+                <a:ea typeface="Microsoft YaHei" panose="020B0503020204020204" pitchFamily="34" charset="-122"/>
+              </a:rPr>
+              <a:t>属性。该语句等价于下面两个语句</a:t>
+            </a:r>
+            <a:r>
+              <a:rPr lang="en-US" altLang="zh-CN" sz="2000" dirty="0">
+                <a:latin typeface="Microsoft YaHei" panose="020B0503020204020204" pitchFamily="34" charset="-122"/>
+                <a:ea typeface="Microsoft YaHei" panose="020B0503020204020204" pitchFamily="34" charset="-122"/>
+              </a:rPr>
+              <a:t>: </a:t>
+            </a:r>
+          </a:p>
+          <a:p>
+            <a:pPr>
+              <a:lnSpc>
+                <a:spcPct val="150000"/>
+              </a:lnSpc>
+            </a:pPr>
+            <a:r>
+              <a:rPr lang="en-US" altLang="zh-CN" sz="2000" dirty="0" err="1">
+                <a:latin typeface="Microsoft YaHei" panose="020B0503020204020204" pitchFamily="34" charset="-122"/>
+                <a:ea typeface="Microsoft YaHei" panose="020B0503020204020204" pitchFamily="34" charset="-122"/>
+              </a:rPr>
+              <a:t>circle.setStroke</a:t>
+            </a:r>
+            <a:r>
+              <a:rPr lang="en-US" altLang="zh-CN" sz="2000" dirty="0">
+                <a:latin typeface="Microsoft YaHei" panose="020B0503020204020204" pitchFamily="34" charset="-122"/>
+                <a:ea typeface="Microsoft YaHei" panose="020B0503020204020204" pitchFamily="34" charset="-122"/>
+              </a:rPr>
+              <a:t>(</a:t>
+            </a:r>
+            <a:r>
+              <a:rPr lang="en-US" altLang="zh-CN" sz="2000" dirty="0" err="1">
+                <a:latin typeface="Microsoft YaHei" panose="020B0503020204020204" pitchFamily="34" charset="-122"/>
+                <a:ea typeface="Microsoft YaHei" panose="020B0503020204020204" pitchFamily="34" charset="-122"/>
+              </a:rPr>
+              <a:t>Color.BLACK</a:t>
+            </a:r>
+            <a:r>
+              <a:rPr lang="en-US" altLang="zh-CN" sz="2000" dirty="0">
+                <a:latin typeface="Microsoft YaHei" panose="020B0503020204020204" pitchFamily="34" charset="-122"/>
+                <a:ea typeface="Microsoft YaHei" panose="020B0503020204020204" pitchFamily="34" charset="-122"/>
+              </a:rPr>
+              <a:t>) : </a:t>
+            </a:r>
+          </a:p>
+          <a:p>
+            <a:pPr>
+              <a:lnSpc>
+                <a:spcPct val="150000"/>
+              </a:lnSpc>
+            </a:pPr>
+            <a:r>
+              <a:rPr lang="en-US" altLang="zh-CN" sz="2000" dirty="0" err="1">
+                <a:latin typeface="Microsoft YaHei" panose="020B0503020204020204" pitchFamily="34" charset="-122"/>
+                <a:ea typeface="Microsoft YaHei" panose="020B0503020204020204" pitchFamily="34" charset="-122"/>
+              </a:rPr>
+              <a:t>circle.setFill</a:t>
+            </a:r>
+            <a:r>
+              <a:rPr lang="en-US" altLang="zh-CN" sz="2000" dirty="0">
+                <a:latin typeface="Microsoft YaHei" panose="020B0503020204020204" pitchFamily="34" charset="-122"/>
+                <a:ea typeface="Microsoft YaHei" panose="020B0503020204020204" pitchFamily="34" charset="-122"/>
+              </a:rPr>
+              <a:t>(</a:t>
+            </a:r>
+            <a:r>
+              <a:rPr lang="en-US" altLang="zh-CN" sz="2000" dirty="0" err="1">
+                <a:latin typeface="Microsoft YaHei" panose="020B0503020204020204" pitchFamily="34" charset="-122"/>
+                <a:ea typeface="Microsoft YaHei" panose="020B0503020204020204" pitchFamily="34" charset="-122"/>
+              </a:rPr>
+              <a:t>Color.RED</a:t>
+            </a:r>
+            <a:r>
+              <a:rPr lang="en-US" altLang="zh-CN" sz="2000" dirty="0">
+                <a:latin typeface="Microsoft YaHei" panose="020B0503020204020204" pitchFamily="34" charset="-122"/>
+                <a:ea typeface="Microsoft YaHei" panose="020B0503020204020204" pitchFamily="34" charset="-122"/>
+              </a:rPr>
+              <a:t>) ;</a:t>
+            </a:r>
+          </a:p>
+          <a:p>
+            <a:pPr>
+              <a:lnSpc>
+                <a:spcPct val="150000"/>
+              </a:lnSpc>
+            </a:pPr>
+            <a:endParaRPr lang="en-US" altLang="zh-CN" sz="2000" dirty="0">
               <a:latin typeface="Microsoft YaHei" panose="020B0503020204020204" pitchFamily="34" charset="-122"/>
               <a:ea typeface="Microsoft YaHei" panose="020B0503020204020204" pitchFamily="34" charset="-122"/>
             </a:endParaRPr>
           </a:p>
+          <a:p>
+            <a:pPr>
+              <a:lnSpc>
+                <a:spcPct val="150000"/>
+              </a:lnSpc>
+            </a:pPr>
+            <a:r>
+              <a:rPr lang="zh-CN" altLang="en-US" sz="2000" dirty="0">
+                <a:latin typeface="Microsoft YaHei" panose="020B0503020204020204" pitchFamily="34" charset="-122"/>
+                <a:ea typeface="Microsoft YaHei" panose="020B0503020204020204" pitchFamily="34" charset="-122"/>
+              </a:rPr>
+              <a:t>注意：如果使用了一个不正确的 </a:t>
+            </a:r>
+            <a:r>
+              <a:rPr lang="en-US" altLang="zh-CN" sz="2000" dirty="0">
+                <a:latin typeface="Microsoft YaHei" panose="020B0503020204020204" pitchFamily="34" charset="-122"/>
+                <a:ea typeface="Microsoft YaHei" panose="020B0503020204020204" pitchFamily="34" charset="-122"/>
+              </a:rPr>
+              <a:t>JavaFX CSS, </a:t>
+            </a:r>
+            <a:r>
+              <a:rPr lang="zh-CN" altLang="en-US" sz="2000" dirty="0">
+                <a:latin typeface="Microsoft YaHei" panose="020B0503020204020204" pitchFamily="34" charset="-122"/>
+                <a:ea typeface="Microsoft YaHei" panose="020B0503020204020204" pitchFamily="34" charset="-122"/>
+              </a:rPr>
+              <a:t>程序依然可以编译和运行，但是样式将被忽略 </a:t>
+            </a:r>
+            <a:endParaRPr lang="en-US" altLang="zh-CN" sz="2000" dirty="0">
+              <a:latin typeface="Microsoft YaHei" panose="020B0503020204020204" pitchFamily="34" charset="-122"/>
+              <a:ea typeface="Microsoft YaHei" panose="020B0503020204020204" pitchFamily="34" charset="-122"/>
+            </a:endParaRPr>
+          </a:p>
         </p:txBody>
       </p:sp>
     </p:spTree>
     <p:extLst>
       <p:ext uri="{BB962C8B-B14F-4D97-AF65-F5344CB8AC3E}">
-        <p14:creationId xmlns:p14="http://schemas.microsoft.com/office/powerpoint/2010/main" val="3662182307"/>
+        <p14:creationId xmlns:p14="http://schemas.microsoft.com/office/powerpoint/2010/main" val="1595146130"/>
       </p:ext>
     </p:extLst>
   </p:cSld>
@@ -6526,17 +6619,30 @@
                 <a:latin typeface="Microsoft YaHei" panose="020B0503020204020204" pitchFamily="34" charset="-122"/>
                 <a:ea typeface="Microsoft YaHei" panose="020B0503020204020204" pitchFamily="34" charset="-122"/>
               </a:rPr>
-              <a:t>10.</a:t>
+              <a:t>7.</a:t>
             </a:r>
             <a:r>
               <a:rPr kumimoji="1" lang="zh-CN" altLang="en-US" sz="4800" dirty="0">
                 <a:latin typeface="Microsoft YaHei" panose="020B0503020204020204" pitchFamily="34" charset="-122"/>
                 <a:ea typeface="Microsoft YaHei" panose="020B0503020204020204" pitchFamily="34" charset="-122"/>
               </a:rPr>
-              <a:t> 布局面板</a:t>
+              <a:t> </a:t>
+            </a:r>
+            <a:r>
+              <a:rPr kumimoji="1" lang="en-US" altLang="zh-CN" sz="4800" dirty="0">
+                <a:latin typeface="Microsoft YaHei" panose="020B0503020204020204" pitchFamily="34" charset="-122"/>
+                <a:ea typeface="Microsoft YaHei" panose="020B0503020204020204" pitchFamily="34" charset="-122"/>
+              </a:rPr>
+              <a:t>Color</a:t>
+            </a:r>
+            <a:r>
+              <a:rPr kumimoji="1" lang="zh-CN" altLang="en-US" sz="4800" dirty="0">
+                <a:latin typeface="Microsoft YaHei" panose="020B0503020204020204" pitchFamily="34" charset="-122"/>
+                <a:ea typeface="Microsoft YaHei" panose="020B0503020204020204" pitchFamily="34" charset="-122"/>
+              </a:rPr>
+              <a:t>类</a:t>
             </a:r>
             <a:endParaRPr kumimoji="1" lang="en-US" altLang="zh-CN" sz="4800" dirty="0">
-              <a:latin typeface="Microsoft YaHei" panose="020B0503020204020204" pitchFamily="34" charset="-122"/>
               <a:ea typeface="Microsoft YaHei" panose="020B0503020204020204" pitchFamily="34" charset="-122"/>
             </a:endParaRPr>
           </a:p>
@@ -6800,7 +6906,7 @@
     </p:spTree>
     <p:extLst>
       <p:ext uri="{BB962C8B-B14F-4D97-AF65-F5344CB8AC3E}">
-        <p14:creationId xmlns:p14="http://schemas.microsoft.com/office/powerpoint/2010/main" val="2103482162"/>
+        <p14:creationId xmlns:p14="http://schemas.microsoft.com/office/powerpoint/2010/main" val="3902024920"/>
       </p:ext>
     </p:extLst>
   </p:cSld>
@@ -6948,17 +7054,30 @@
                 <a:latin typeface="Microsoft YaHei" panose="020B0503020204020204" pitchFamily="34" charset="-122"/>
                 <a:ea typeface="Microsoft YaHei" panose="020B0503020204020204" pitchFamily="34" charset="-122"/>
               </a:rPr>
-              <a:t>11.</a:t>
+              <a:t>8.</a:t>
             </a:r>
             <a:r>
               <a:rPr kumimoji="1" lang="zh-CN" altLang="en-US" sz="4800" dirty="0">
                 <a:latin typeface="Microsoft YaHei" panose="020B0503020204020204" pitchFamily="34" charset="-122"/>
                 <a:ea typeface="Microsoft YaHei" panose="020B0503020204020204" pitchFamily="34" charset="-122"/>
               </a:rPr>
-              <a:t> 形状</a:t>
+              <a:t> </a:t>
+            </a:r>
+            <a:r>
+              <a:rPr kumimoji="1" lang="en-US" altLang="zh-CN" sz="4800" dirty="0">
+                <a:latin typeface="Microsoft YaHei" panose="020B0503020204020204" pitchFamily="34" charset="-122"/>
+                <a:ea typeface="Microsoft YaHei" panose="020B0503020204020204" pitchFamily="34" charset="-122"/>
+              </a:rPr>
+              <a:t>Font</a:t>
+            </a:r>
+            <a:r>
+              <a:rPr kumimoji="1" lang="zh-CN" altLang="en-US" sz="4800" dirty="0">
+                <a:latin typeface="Microsoft YaHei" panose="020B0503020204020204" pitchFamily="34" charset="-122"/>
+                <a:ea typeface="Microsoft YaHei" panose="020B0503020204020204" pitchFamily="34" charset="-122"/>
+              </a:rPr>
+              <a:t>类</a:t>
             </a:r>
             <a:endParaRPr kumimoji="1" lang="en-US" altLang="zh-CN" sz="4800" dirty="0">
-              <a:latin typeface="Microsoft YaHei" panose="020B0503020204020204" pitchFamily="34" charset="-122"/>
               <a:ea typeface="Microsoft YaHei" panose="020B0503020204020204" pitchFamily="34" charset="-122"/>
             </a:endParaRPr>
           </a:p>
@@ -7222,7 +7341,7 @@
     </p:spTree>
     <p:extLst>
       <p:ext uri="{BB962C8B-B14F-4D97-AF65-F5344CB8AC3E}">
-        <p14:creationId xmlns:p14="http://schemas.microsoft.com/office/powerpoint/2010/main" val="624428496"/>
+        <p14:creationId xmlns:p14="http://schemas.microsoft.com/office/powerpoint/2010/main" val="3330188232"/>
       </p:ext>
     </p:extLst>
   </p:cSld>
@@ -7338,6 +7457,1293 @@
       </p:grpSpPr>
       <p:sp>
         <p:nvSpPr>
+          <p:cNvPr id="2" name="文本框 1">
+            <a:extLst>
+              <a:ext uri="{FF2B5EF4-FFF2-40B4-BE49-F238E27FC236}">
+                <a16:creationId xmlns:a16="http://schemas.microsoft.com/office/drawing/2014/main" id="{12AA8BCC-7B15-4842-80C2-48C079429338}"/>
+              </a:ext>
+            </a:extLst>
+          </p:cNvPr>
+          <p:cNvSpPr txBox="1"/>
+          <p:nvPr/>
+        </p:nvSpPr>
+        <p:spPr>
+          <a:xfrm>
+            <a:off x="1152144" y="731520"/>
+            <a:ext cx="10040112" cy="830997"/>
+          </a:xfrm>
+          <a:prstGeom prst="rect">
+            <a:avLst/>
+          </a:prstGeom>
+          <a:noFill/>
+        </p:spPr>
+        <p:txBody>
+          <a:bodyPr wrap="square" rtlCol="0">
+            <a:spAutoFit/>
+          </a:bodyPr>
+          <a:lstStyle/>
+          <a:p>
+            <a:pPr algn="ctr"/>
+            <a:r>
+              <a:rPr kumimoji="1" lang="en-US" altLang="zh-CN" sz="4800" dirty="0">
+                <a:latin typeface="Microsoft YaHei" panose="020B0503020204020204" pitchFamily="34" charset="-122"/>
+                <a:ea typeface="Microsoft YaHei" panose="020B0503020204020204" pitchFamily="34" charset="-122"/>
+              </a:rPr>
+              <a:t>9.</a:t>
+            </a:r>
+            <a:r>
+              <a:rPr kumimoji="1" lang="zh-CN" altLang="en-US" sz="4800" dirty="0">
+                <a:latin typeface="Microsoft YaHei" panose="020B0503020204020204" pitchFamily="34" charset="-122"/>
+                <a:ea typeface="Microsoft YaHei" panose="020B0503020204020204" pitchFamily="34" charset="-122"/>
+              </a:rPr>
+              <a:t> </a:t>
+            </a:r>
+            <a:r>
+              <a:rPr kumimoji="1" lang="en-US" altLang="zh-CN" sz="4800" dirty="0">
+                <a:latin typeface="Microsoft YaHei" panose="020B0503020204020204" pitchFamily="34" charset="-122"/>
+                <a:ea typeface="Microsoft YaHei" panose="020B0503020204020204" pitchFamily="34" charset="-122"/>
+              </a:rPr>
+              <a:t>Image</a:t>
+            </a:r>
+            <a:r>
+              <a:rPr kumimoji="1" lang="zh-CN" altLang="en-US" sz="4800" dirty="0">
+                <a:latin typeface="Microsoft YaHei" panose="020B0503020204020204" pitchFamily="34" charset="-122"/>
+                <a:ea typeface="Microsoft YaHei" panose="020B0503020204020204" pitchFamily="34" charset="-122"/>
+              </a:rPr>
+              <a:t>和</a:t>
+            </a:r>
+            <a:r>
+              <a:rPr kumimoji="1" lang="en-US" altLang="zh-CN" sz="4800" dirty="0" err="1">
+                <a:latin typeface="Microsoft YaHei" panose="020B0503020204020204" pitchFamily="34" charset="-122"/>
+                <a:ea typeface="Microsoft YaHei" panose="020B0503020204020204" pitchFamily="34" charset="-122"/>
+              </a:rPr>
+              <a:t>ImageView</a:t>
+            </a:r>
+            <a:endParaRPr kumimoji="1" lang="en-US" altLang="zh-CN" sz="4800" dirty="0">
+              <a:latin typeface="Microsoft YaHei" panose="020B0503020204020204" pitchFamily="34" charset="-122"/>
+              <a:ea typeface="Microsoft YaHei" panose="020B0503020204020204" pitchFamily="34" charset="-122"/>
+            </a:endParaRPr>
+          </a:p>
+        </p:txBody>
+      </p:sp>
+      <p:sp>
+        <p:nvSpPr>
+          <p:cNvPr id="13" name="文本框 12">
+            <a:extLst>
+              <a:ext uri="{FF2B5EF4-FFF2-40B4-BE49-F238E27FC236}">
+                <a16:creationId xmlns:a16="http://schemas.microsoft.com/office/drawing/2014/main" id="{8E054F89-5FA8-2F47-8710-58E04A67980C}"/>
+              </a:ext>
+            </a:extLst>
+          </p:cNvPr>
+          <p:cNvSpPr txBox="1"/>
+          <p:nvPr/>
+        </p:nvSpPr>
+        <p:spPr>
+          <a:xfrm>
+            <a:off x="2097741" y="2187389"/>
+            <a:ext cx="8423977" cy="3351046"/>
+          </a:xfrm>
+          <a:prstGeom prst="rect">
+            <a:avLst/>
+          </a:prstGeom>
+          <a:noFill/>
+        </p:spPr>
+        <p:txBody>
+          <a:bodyPr wrap="square" rtlCol="0">
+            <a:spAutoFit/>
+          </a:bodyPr>
+          <a:lstStyle/>
+          <a:p>
+            <a:pPr>
+              <a:lnSpc>
+                <a:spcPct val="150000"/>
+              </a:lnSpc>
+            </a:pPr>
+            <a:r>
+              <a:rPr lang="zh-CN" altLang="en-US" sz="2400" dirty="0">
+                <a:latin typeface="Microsoft YaHei" panose="020B0503020204020204" pitchFamily="34" charset="-122"/>
+                <a:ea typeface="Microsoft YaHei" panose="020B0503020204020204" pitchFamily="34" charset="-122"/>
+              </a:rPr>
+              <a:t>微博</a:t>
+            </a:r>
+            <a:r>
+              <a:rPr lang="en-US" altLang="zh-CN" sz="2400" dirty="0">
+                <a:latin typeface="Microsoft YaHei" panose="020B0503020204020204" pitchFamily="34" charset="-122"/>
+                <a:ea typeface="Microsoft YaHei" panose="020B0503020204020204" pitchFamily="34" charset="-122"/>
+              </a:rPr>
+              <a:t>		</a:t>
+            </a:r>
+            <a:r>
+              <a:rPr lang="zh-CN" altLang="en-US" sz="2400" dirty="0">
+                <a:latin typeface="Microsoft YaHei" panose="020B0503020204020204" pitchFamily="34" charset="-122"/>
+                <a:ea typeface="Microsoft YaHei" panose="020B0503020204020204" pitchFamily="34" charset="-122"/>
+              </a:rPr>
+              <a:t>微信</a:t>
+            </a:r>
+            <a:r>
+              <a:rPr lang="en-US" altLang="zh-CN" sz="2400" dirty="0">
+                <a:latin typeface="Microsoft YaHei" panose="020B0503020204020204" pitchFamily="34" charset="-122"/>
+                <a:ea typeface="Microsoft YaHei" panose="020B0503020204020204" pitchFamily="34" charset="-122"/>
+              </a:rPr>
+              <a:t>		</a:t>
+            </a:r>
+            <a:r>
+              <a:rPr lang="en-US" altLang="zh-CN" sz="2400" dirty="0" err="1">
+                <a:latin typeface="Microsoft YaHei" panose="020B0503020204020204" pitchFamily="34" charset="-122"/>
+                <a:ea typeface="Microsoft YaHei" panose="020B0503020204020204" pitchFamily="34" charset="-122"/>
+              </a:rPr>
+              <a:t>qq</a:t>
+            </a:r>
+            <a:endParaRPr lang="en-US" altLang="zh-CN" sz="2400" dirty="0">
+              <a:latin typeface="Microsoft YaHei" panose="020B0503020204020204" pitchFamily="34" charset="-122"/>
+              <a:ea typeface="Microsoft YaHei" panose="020B0503020204020204" pitchFamily="34" charset="-122"/>
+            </a:endParaRPr>
+          </a:p>
+          <a:p>
+            <a:pPr>
+              <a:lnSpc>
+                <a:spcPct val="150000"/>
+              </a:lnSpc>
+            </a:pPr>
+            <a:r>
+              <a:rPr lang="en-US" altLang="zh-CN" sz="2400" dirty="0">
+                <a:latin typeface="Microsoft YaHei" panose="020B0503020204020204" pitchFamily="34" charset="-122"/>
+                <a:ea typeface="Microsoft YaHei" panose="020B0503020204020204" pitchFamily="34" charset="-122"/>
+              </a:rPr>
+              <a:t>	</a:t>
+            </a:r>
+            <a:r>
+              <a:rPr lang="zh-CN" altLang="en-US" sz="2400" dirty="0">
+                <a:latin typeface="Microsoft YaHei" panose="020B0503020204020204" pitchFamily="34" charset="-122"/>
+                <a:ea typeface="Microsoft YaHei" panose="020B0503020204020204" pitchFamily="34" charset="-122"/>
+              </a:rPr>
+              <a:t>淘宝</a:t>
+            </a:r>
+            <a:r>
+              <a:rPr lang="en-US" altLang="zh-CN" sz="2400" dirty="0">
+                <a:latin typeface="Microsoft YaHei" panose="020B0503020204020204" pitchFamily="34" charset="-122"/>
+                <a:ea typeface="Microsoft YaHei" panose="020B0503020204020204" pitchFamily="34" charset="-122"/>
+              </a:rPr>
+              <a:t>		</a:t>
+            </a:r>
+            <a:r>
+              <a:rPr lang="zh-CN" altLang="en-US" sz="2400" dirty="0">
+                <a:latin typeface="Microsoft YaHei" panose="020B0503020204020204" pitchFamily="34" charset="-122"/>
+                <a:ea typeface="Microsoft YaHei" panose="020B0503020204020204" pitchFamily="34" charset="-122"/>
+              </a:rPr>
+              <a:t>支付宝</a:t>
+            </a:r>
+            <a:r>
+              <a:rPr lang="en-US" altLang="zh-CN" sz="2400" dirty="0">
+                <a:latin typeface="Microsoft YaHei" panose="020B0503020204020204" pitchFamily="34" charset="-122"/>
+                <a:ea typeface="Microsoft YaHei" panose="020B0503020204020204" pitchFamily="34" charset="-122"/>
+              </a:rPr>
+              <a:t>	</a:t>
+            </a:r>
+          </a:p>
+          <a:p>
+            <a:pPr>
+              <a:lnSpc>
+                <a:spcPct val="150000"/>
+              </a:lnSpc>
+            </a:pPr>
+            <a:r>
+              <a:rPr lang="en-US" altLang="zh-CN" sz="2400" dirty="0">
+                <a:latin typeface="Microsoft YaHei" panose="020B0503020204020204" pitchFamily="34" charset="-122"/>
+                <a:ea typeface="Microsoft YaHei" panose="020B0503020204020204" pitchFamily="34" charset="-122"/>
+              </a:rPr>
+              <a:t>		</a:t>
+            </a:r>
+            <a:r>
+              <a:rPr lang="zh-CN" altLang="en-US" sz="2400" dirty="0">
+                <a:latin typeface="Microsoft YaHei" panose="020B0503020204020204" pitchFamily="34" charset="-122"/>
+                <a:ea typeface="Microsoft YaHei" panose="020B0503020204020204" pitchFamily="34" charset="-122"/>
+              </a:rPr>
+              <a:t>抖音    </a:t>
+            </a:r>
+            <a:r>
+              <a:rPr kumimoji="1" lang="zh-CN" altLang="en-US" sz="2400" dirty="0">
+                <a:latin typeface="Microsoft YaHei" panose="020B0503020204020204" pitchFamily="34" charset="-122"/>
+                <a:ea typeface="Microsoft YaHei" panose="020B0503020204020204" pitchFamily="34" charset="-122"/>
+              </a:rPr>
+              <a:t>网红      直播购物</a:t>
+            </a:r>
+            <a:endParaRPr lang="en-US" altLang="zh-CN" sz="2400" dirty="0">
+              <a:latin typeface="Microsoft YaHei" panose="020B0503020204020204" pitchFamily="34" charset="-122"/>
+              <a:ea typeface="Microsoft YaHei" panose="020B0503020204020204" pitchFamily="34" charset="-122"/>
+            </a:endParaRPr>
+          </a:p>
+          <a:p>
+            <a:pPr>
+              <a:lnSpc>
+                <a:spcPct val="150000"/>
+              </a:lnSpc>
+            </a:pPr>
+            <a:r>
+              <a:rPr lang="en-US" altLang="zh-CN" sz="2400" dirty="0">
+                <a:latin typeface="Microsoft YaHei" panose="020B0503020204020204" pitchFamily="34" charset="-122"/>
+                <a:ea typeface="Microsoft YaHei" panose="020B0503020204020204" pitchFamily="34" charset="-122"/>
+              </a:rPr>
+              <a:t>	</a:t>
+            </a:r>
+            <a:r>
+              <a:rPr lang="zh-CN" altLang="en-US" sz="2400" dirty="0">
+                <a:latin typeface="Microsoft YaHei" panose="020B0503020204020204" pitchFamily="34" charset="-122"/>
+                <a:ea typeface="Microsoft YaHei" panose="020B0503020204020204" pitchFamily="34" charset="-122"/>
+              </a:rPr>
+              <a:t> </a:t>
+            </a:r>
+            <a:r>
+              <a:rPr lang="en-US" altLang="zh-CN" sz="2400" dirty="0">
+                <a:latin typeface="Microsoft YaHei" panose="020B0503020204020204" pitchFamily="34" charset="-122"/>
+                <a:ea typeface="Microsoft YaHei" panose="020B0503020204020204" pitchFamily="34" charset="-122"/>
+              </a:rPr>
+              <a:t>B</a:t>
+            </a:r>
+            <a:r>
+              <a:rPr lang="zh-CN" altLang="en-US" sz="2400" dirty="0">
+                <a:latin typeface="Microsoft YaHei" panose="020B0503020204020204" pitchFamily="34" charset="-122"/>
+                <a:ea typeface="Microsoft YaHei" panose="020B0503020204020204" pitchFamily="34" charset="-122"/>
+              </a:rPr>
+              <a:t>站</a:t>
+            </a:r>
+            <a:r>
+              <a:rPr lang="en-US" altLang="zh-CN" sz="2400" dirty="0">
+                <a:latin typeface="Microsoft YaHei" panose="020B0503020204020204" pitchFamily="34" charset="-122"/>
+                <a:ea typeface="Microsoft YaHei" panose="020B0503020204020204" pitchFamily="34" charset="-122"/>
+              </a:rPr>
+              <a:t>	</a:t>
+            </a:r>
+          </a:p>
+          <a:p>
+            <a:pPr>
+              <a:lnSpc>
+                <a:spcPct val="150000"/>
+              </a:lnSpc>
+            </a:pPr>
+            <a:r>
+              <a:rPr lang="en-US" altLang="zh-CN" sz="2400" dirty="0">
+                <a:latin typeface="Microsoft YaHei" panose="020B0503020204020204" pitchFamily="34" charset="-122"/>
+                <a:ea typeface="Microsoft YaHei" panose="020B0503020204020204" pitchFamily="34" charset="-122"/>
+              </a:rPr>
+              <a:t>			</a:t>
+            </a:r>
+            <a:r>
+              <a:rPr lang="zh-CN" altLang="en-US" sz="2400" dirty="0">
+                <a:latin typeface="Microsoft YaHei" panose="020B0503020204020204" pitchFamily="34" charset="-122"/>
+                <a:ea typeface="Microsoft YaHei" panose="020B0503020204020204" pitchFamily="34" charset="-122"/>
+              </a:rPr>
+              <a:t>视频</a:t>
+            </a:r>
+            <a:endParaRPr lang="en-US" altLang="zh-CN" sz="2400" dirty="0">
+              <a:latin typeface="Microsoft YaHei" panose="020B0503020204020204" pitchFamily="34" charset="-122"/>
+              <a:ea typeface="Microsoft YaHei" panose="020B0503020204020204" pitchFamily="34" charset="-122"/>
+            </a:endParaRPr>
+          </a:p>
+          <a:p>
+            <a:pPr>
+              <a:lnSpc>
+                <a:spcPct val="150000"/>
+              </a:lnSpc>
+            </a:pPr>
+            <a:r>
+              <a:rPr lang="en-US" altLang="zh-CN" sz="2400" dirty="0">
+                <a:latin typeface="Microsoft YaHei" panose="020B0503020204020204" pitchFamily="34" charset="-122"/>
+                <a:ea typeface="Microsoft YaHei" panose="020B0503020204020204" pitchFamily="34" charset="-122"/>
+              </a:rPr>
+              <a:t>	</a:t>
+            </a:r>
+            <a:r>
+              <a:rPr lang="zh-CN" altLang="en-US" sz="2400" dirty="0">
+                <a:latin typeface="Microsoft YaHei" panose="020B0503020204020204" pitchFamily="34" charset="-122"/>
+                <a:ea typeface="Microsoft YaHei" panose="020B0503020204020204" pitchFamily="34" charset="-122"/>
+              </a:rPr>
+              <a:t> 外卖</a:t>
+            </a:r>
+            <a:r>
+              <a:rPr lang="en-US" altLang="zh-CN" sz="2400" dirty="0">
+                <a:latin typeface="Microsoft YaHei" panose="020B0503020204020204" pitchFamily="34" charset="-122"/>
+                <a:ea typeface="Microsoft YaHei" panose="020B0503020204020204" pitchFamily="34" charset="-122"/>
+              </a:rPr>
+              <a:t>				</a:t>
+            </a:r>
+            <a:r>
+              <a:rPr lang="zh-CN" altLang="en-US" sz="2400" dirty="0">
+                <a:latin typeface="Microsoft YaHei" panose="020B0503020204020204" pitchFamily="34" charset="-122"/>
+                <a:ea typeface="Microsoft YaHei" panose="020B0503020204020204" pitchFamily="34" charset="-122"/>
+              </a:rPr>
+              <a:t>手机游戏</a:t>
+            </a:r>
+            <a:endParaRPr lang="en-US" altLang="zh-CN" sz="2400" dirty="0">
+              <a:latin typeface="Microsoft YaHei" panose="020B0503020204020204" pitchFamily="34" charset="-122"/>
+              <a:ea typeface="Microsoft YaHei" panose="020B0503020204020204" pitchFamily="34" charset="-122"/>
+            </a:endParaRPr>
+          </a:p>
+        </p:txBody>
+      </p:sp>
+    </p:spTree>
+    <p:extLst>
+      <p:ext uri="{BB962C8B-B14F-4D97-AF65-F5344CB8AC3E}">
+        <p14:creationId xmlns:p14="http://schemas.microsoft.com/office/powerpoint/2010/main" val="3662182307"/>
+      </p:ext>
+    </p:extLst>
+  </p:cSld>
+  <p:clrMapOvr>
+    <a:masterClrMapping/>
+  </p:clrMapOvr>
+  <p:timing>
+    <p:tnLst>
+      <p:par>
+        <p:cTn id="1" dur="indefinite" restart="never" nodeType="tmRoot">
+          <p:childTnLst>
+            <p:seq concurrent="1" nextAc="seek">
+              <p:cTn id="2" dur="indefinite" nodeType="mainSeq">
+                <p:childTnLst>
+                  <p:par>
+                    <p:cTn id="3" fill="hold">
+                      <p:stCondLst>
+                        <p:cond delay="indefinite"/>
+                      </p:stCondLst>
+                      <p:childTnLst>
+                        <p:par>
+                          <p:cTn id="4" fill="hold">
+                            <p:stCondLst>
+                              <p:cond delay="0"/>
+                            </p:stCondLst>
+                            <p:childTnLst>
+                              <p:par>
+                                <p:cTn id="5" presetID="1" presetClass="entr" presetSubtype="0" fill="hold" grpId="0" nodeType="clickEffect">
+                                  <p:stCondLst>
+                                    <p:cond delay="0"/>
+                                  </p:stCondLst>
+                                  <p:childTnLst>
+                                    <p:set>
+                                      <p:cBhvr>
+                                        <p:cTn id="6" dur="1" fill="hold">
+                                          <p:stCondLst>
+                                            <p:cond delay="0"/>
+                                          </p:stCondLst>
+                                        </p:cTn>
+                                        <p:tgtEl>
+                                          <p:spTgt spid="13"/>
+                                        </p:tgtEl>
+                                        <p:attrNameLst>
+                                          <p:attrName>style.visibility</p:attrName>
+                                        </p:attrNameLst>
+                                      </p:cBhvr>
+                                      <p:to>
+                                        <p:strVal val="visible"/>
+                                      </p:to>
+                                    </p:set>
+                                  </p:childTnLst>
+                                </p:cTn>
+                              </p:par>
+                            </p:childTnLst>
+                          </p:cTn>
+                        </p:par>
+                      </p:childTnLst>
+                    </p:cTn>
+                  </p:par>
+                </p:childTnLst>
+              </p:cTn>
+              <p:prevCondLst>
+                <p:cond evt="onPrev" delay="0">
+                  <p:tgtEl>
+                    <p:sldTgt/>
+                  </p:tgtEl>
+                </p:cond>
+              </p:prevCondLst>
+              <p:nextCondLst>
+                <p:cond evt="onNext" delay="0">
+                  <p:tgtEl>
+                    <p:sldTgt/>
+                  </p:tgtEl>
+                </p:cond>
+              </p:nextCondLst>
+            </p:seq>
+          </p:childTnLst>
+        </p:cTn>
+      </p:par>
+    </p:tnLst>
+    <p:bldLst>
+      <p:bldP spid="13" grpId="0"/>
+    </p:bldLst>
+  </p:timing>
+</p:sld>
+</file>
+
+<file path=ppt/slides/slide16.xml><?xml version="1.0" encoding="utf-8"?>
+<p:sld xmlns:a="http://schemas.openxmlformats.org/drawingml/2006/main" xmlns:r="http://schemas.openxmlformats.org/officeDocument/2006/relationships" xmlns:p="http://schemas.openxmlformats.org/presentationml/2006/main">
+  <p:cSld>
+    <p:bg>
+      <p:bgPr>
+        <a:blipFill>
+          <a:blip r:embed="rId3"/>
+          <a:tile tx="0" ty="0" sx="100000" sy="100000" flip="none" algn="tl"/>
+        </a:blipFill>
+        <a:effectLst/>
+      </p:bgPr>
+    </p:bg>
+    <p:spTree>
+      <p:nvGrpSpPr>
+        <p:cNvPr id="1" name=""/>
+        <p:cNvGrpSpPr/>
+        <p:nvPr/>
+      </p:nvGrpSpPr>
+      <p:grpSpPr>
+        <a:xfrm>
+          <a:off x="0" y="0"/>
+          <a:ext cx="0" cy="0"/>
+          <a:chOff x="0" y="0"/>
+          <a:chExt cx="0" cy="0"/>
+        </a:xfrm>
+      </p:grpSpPr>
+      <p:sp>
+        <p:nvSpPr>
+          <p:cNvPr id="2" name="文本框 1">
+            <a:extLst>
+              <a:ext uri="{FF2B5EF4-FFF2-40B4-BE49-F238E27FC236}">
+                <a16:creationId xmlns:a16="http://schemas.microsoft.com/office/drawing/2014/main" id="{12AA8BCC-7B15-4842-80C2-48C079429338}"/>
+              </a:ext>
+            </a:extLst>
+          </p:cNvPr>
+          <p:cNvSpPr txBox="1"/>
+          <p:nvPr/>
+        </p:nvSpPr>
+        <p:spPr>
+          <a:xfrm>
+            <a:off x="1152144" y="731520"/>
+            <a:ext cx="10040112" cy="830997"/>
+          </a:xfrm>
+          <a:prstGeom prst="rect">
+            <a:avLst/>
+          </a:prstGeom>
+          <a:noFill/>
+        </p:spPr>
+        <p:txBody>
+          <a:bodyPr wrap="square" rtlCol="0">
+            <a:spAutoFit/>
+          </a:bodyPr>
+          <a:lstStyle/>
+          <a:p>
+            <a:pPr algn="ctr"/>
+            <a:r>
+              <a:rPr kumimoji="1" lang="en-US" altLang="zh-CN" sz="4800" dirty="0">
+                <a:latin typeface="Microsoft YaHei" panose="020B0503020204020204" pitchFamily="34" charset="-122"/>
+                <a:ea typeface="Microsoft YaHei" panose="020B0503020204020204" pitchFamily="34" charset="-122"/>
+              </a:rPr>
+              <a:t>10.</a:t>
+            </a:r>
+            <a:r>
+              <a:rPr kumimoji="1" lang="zh-CN" altLang="en-US" sz="4800" dirty="0">
+                <a:latin typeface="Microsoft YaHei" panose="020B0503020204020204" pitchFamily="34" charset="-122"/>
+                <a:ea typeface="Microsoft YaHei" panose="020B0503020204020204" pitchFamily="34" charset="-122"/>
+              </a:rPr>
+              <a:t> 布局面板</a:t>
+            </a:r>
+            <a:endParaRPr kumimoji="1" lang="en-US" altLang="zh-CN" sz="4800" dirty="0">
+              <a:latin typeface="Microsoft YaHei" panose="020B0503020204020204" pitchFamily="34" charset="-122"/>
+              <a:ea typeface="Microsoft YaHei" panose="020B0503020204020204" pitchFamily="34" charset="-122"/>
+            </a:endParaRPr>
+          </a:p>
+        </p:txBody>
+      </p:sp>
+      <p:sp>
+        <p:nvSpPr>
+          <p:cNvPr id="13" name="文本框 12">
+            <a:extLst>
+              <a:ext uri="{FF2B5EF4-FFF2-40B4-BE49-F238E27FC236}">
+                <a16:creationId xmlns:a16="http://schemas.microsoft.com/office/drawing/2014/main" id="{8E054F89-5FA8-2F47-8710-58E04A67980C}"/>
+              </a:ext>
+            </a:extLst>
+          </p:cNvPr>
+          <p:cNvSpPr txBox="1"/>
+          <p:nvPr/>
+        </p:nvSpPr>
+        <p:spPr>
+          <a:xfrm>
+            <a:off x="2097741" y="2187389"/>
+            <a:ext cx="8423977" cy="3351046"/>
+          </a:xfrm>
+          <a:prstGeom prst="rect">
+            <a:avLst/>
+          </a:prstGeom>
+          <a:noFill/>
+        </p:spPr>
+        <p:txBody>
+          <a:bodyPr wrap="square" rtlCol="0">
+            <a:spAutoFit/>
+          </a:bodyPr>
+          <a:lstStyle/>
+          <a:p>
+            <a:pPr>
+              <a:lnSpc>
+                <a:spcPct val="150000"/>
+              </a:lnSpc>
+            </a:pPr>
+            <a:r>
+              <a:rPr lang="zh-CN" altLang="en-US" sz="2400" dirty="0">
+                <a:latin typeface="Microsoft YaHei" panose="020B0503020204020204" pitchFamily="34" charset="-122"/>
+                <a:ea typeface="Microsoft YaHei" panose="020B0503020204020204" pitchFamily="34" charset="-122"/>
+              </a:rPr>
+              <a:t>微博</a:t>
+            </a:r>
+            <a:r>
+              <a:rPr lang="en-US" altLang="zh-CN" sz="2400" dirty="0">
+                <a:latin typeface="Microsoft YaHei" panose="020B0503020204020204" pitchFamily="34" charset="-122"/>
+                <a:ea typeface="Microsoft YaHei" panose="020B0503020204020204" pitchFamily="34" charset="-122"/>
+              </a:rPr>
+              <a:t>		</a:t>
+            </a:r>
+            <a:r>
+              <a:rPr lang="zh-CN" altLang="en-US" sz="2400" dirty="0">
+                <a:latin typeface="Microsoft YaHei" panose="020B0503020204020204" pitchFamily="34" charset="-122"/>
+                <a:ea typeface="Microsoft YaHei" panose="020B0503020204020204" pitchFamily="34" charset="-122"/>
+              </a:rPr>
+              <a:t>微信</a:t>
+            </a:r>
+            <a:r>
+              <a:rPr lang="en-US" altLang="zh-CN" sz="2400" dirty="0">
+                <a:latin typeface="Microsoft YaHei" panose="020B0503020204020204" pitchFamily="34" charset="-122"/>
+                <a:ea typeface="Microsoft YaHei" panose="020B0503020204020204" pitchFamily="34" charset="-122"/>
+              </a:rPr>
+              <a:t>		</a:t>
+            </a:r>
+            <a:r>
+              <a:rPr lang="en-US" altLang="zh-CN" sz="2400" dirty="0" err="1">
+                <a:latin typeface="Microsoft YaHei" panose="020B0503020204020204" pitchFamily="34" charset="-122"/>
+                <a:ea typeface="Microsoft YaHei" panose="020B0503020204020204" pitchFamily="34" charset="-122"/>
+              </a:rPr>
+              <a:t>qq</a:t>
+            </a:r>
+            <a:endParaRPr lang="en-US" altLang="zh-CN" sz="2400" dirty="0">
+              <a:latin typeface="Microsoft YaHei" panose="020B0503020204020204" pitchFamily="34" charset="-122"/>
+              <a:ea typeface="Microsoft YaHei" panose="020B0503020204020204" pitchFamily="34" charset="-122"/>
+            </a:endParaRPr>
+          </a:p>
+          <a:p>
+            <a:pPr>
+              <a:lnSpc>
+                <a:spcPct val="150000"/>
+              </a:lnSpc>
+            </a:pPr>
+            <a:r>
+              <a:rPr lang="en-US" altLang="zh-CN" sz="2400" dirty="0">
+                <a:latin typeface="Microsoft YaHei" panose="020B0503020204020204" pitchFamily="34" charset="-122"/>
+                <a:ea typeface="Microsoft YaHei" panose="020B0503020204020204" pitchFamily="34" charset="-122"/>
+              </a:rPr>
+              <a:t>	</a:t>
+            </a:r>
+            <a:r>
+              <a:rPr lang="zh-CN" altLang="en-US" sz="2400" dirty="0">
+                <a:latin typeface="Microsoft YaHei" panose="020B0503020204020204" pitchFamily="34" charset="-122"/>
+                <a:ea typeface="Microsoft YaHei" panose="020B0503020204020204" pitchFamily="34" charset="-122"/>
+              </a:rPr>
+              <a:t>淘宝</a:t>
+            </a:r>
+            <a:r>
+              <a:rPr lang="en-US" altLang="zh-CN" sz="2400" dirty="0">
+                <a:latin typeface="Microsoft YaHei" panose="020B0503020204020204" pitchFamily="34" charset="-122"/>
+                <a:ea typeface="Microsoft YaHei" panose="020B0503020204020204" pitchFamily="34" charset="-122"/>
+              </a:rPr>
+              <a:t>		</a:t>
+            </a:r>
+            <a:r>
+              <a:rPr lang="zh-CN" altLang="en-US" sz="2400" dirty="0">
+                <a:latin typeface="Microsoft YaHei" panose="020B0503020204020204" pitchFamily="34" charset="-122"/>
+                <a:ea typeface="Microsoft YaHei" panose="020B0503020204020204" pitchFamily="34" charset="-122"/>
+              </a:rPr>
+              <a:t>支付宝</a:t>
+            </a:r>
+            <a:r>
+              <a:rPr lang="en-US" altLang="zh-CN" sz="2400" dirty="0">
+                <a:latin typeface="Microsoft YaHei" panose="020B0503020204020204" pitchFamily="34" charset="-122"/>
+                <a:ea typeface="Microsoft YaHei" panose="020B0503020204020204" pitchFamily="34" charset="-122"/>
+              </a:rPr>
+              <a:t>	</a:t>
+            </a:r>
+          </a:p>
+          <a:p>
+            <a:pPr>
+              <a:lnSpc>
+                <a:spcPct val="150000"/>
+              </a:lnSpc>
+            </a:pPr>
+            <a:r>
+              <a:rPr lang="en-US" altLang="zh-CN" sz="2400" dirty="0">
+                <a:latin typeface="Microsoft YaHei" panose="020B0503020204020204" pitchFamily="34" charset="-122"/>
+                <a:ea typeface="Microsoft YaHei" panose="020B0503020204020204" pitchFamily="34" charset="-122"/>
+              </a:rPr>
+              <a:t>		</a:t>
+            </a:r>
+            <a:r>
+              <a:rPr lang="zh-CN" altLang="en-US" sz="2400" dirty="0">
+                <a:latin typeface="Microsoft YaHei" panose="020B0503020204020204" pitchFamily="34" charset="-122"/>
+                <a:ea typeface="Microsoft YaHei" panose="020B0503020204020204" pitchFamily="34" charset="-122"/>
+              </a:rPr>
+              <a:t>抖音    </a:t>
+            </a:r>
+            <a:r>
+              <a:rPr kumimoji="1" lang="zh-CN" altLang="en-US" sz="2400" dirty="0">
+                <a:latin typeface="Microsoft YaHei" panose="020B0503020204020204" pitchFamily="34" charset="-122"/>
+                <a:ea typeface="Microsoft YaHei" panose="020B0503020204020204" pitchFamily="34" charset="-122"/>
+              </a:rPr>
+              <a:t>网红      直播购物</a:t>
+            </a:r>
+            <a:endParaRPr lang="en-US" altLang="zh-CN" sz="2400" dirty="0">
+              <a:latin typeface="Microsoft YaHei" panose="020B0503020204020204" pitchFamily="34" charset="-122"/>
+              <a:ea typeface="Microsoft YaHei" panose="020B0503020204020204" pitchFamily="34" charset="-122"/>
+            </a:endParaRPr>
+          </a:p>
+          <a:p>
+            <a:pPr>
+              <a:lnSpc>
+                <a:spcPct val="150000"/>
+              </a:lnSpc>
+            </a:pPr>
+            <a:r>
+              <a:rPr lang="en-US" altLang="zh-CN" sz="2400" dirty="0">
+                <a:latin typeface="Microsoft YaHei" panose="020B0503020204020204" pitchFamily="34" charset="-122"/>
+                <a:ea typeface="Microsoft YaHei" panose="020B0503020204020204" pitchFamily="34" charset="-122"/>
+              </a:rPr>
+              <a:t>	</a:t>
+            </a:r>
+            <a:r>
+              <a:rPr lang="zh-CN" altLang="en-US" sz="2400" dirty="0">
+                <a:latin typeface="Microsoft YaHei" panose="020B0503020204020204" pitchFamily="34" charset="-122"/>
+                <a:ea typeface="Microsoft YaHei" panose="020B0503020204020204" pitchFamily="34" charset="-122"/>
+              </a:rPr>
+              <a:t> </a:t>
+            </a:r>
+            <a:r>
+              <a:rPr lang="en-US" altLang="zh-CN" sz="2400" dirty="0">
+                <a:latin typeface="Microsoft YaHei" panose="020B0503020204020204" pitchFamily="34" charset="-122"/>
+                <a:ea typeface="Microsoft YaHei" panose="020B0503020204020204" pitchFamily="34" charset="-122"/>
+              </a:rPr>
+              <a:t>B</a:t>
+            </a:r>
+            <a:r>
+              <a:rPr lang="zh-CN" altLang="en-US" sz="2400" dirty="0">
+                <a:latin typeface="Microsoft YaHei" panose="020B0503020204020204" pitchFamily="34" charset="-122"/>
+                <a:ea typeface="Microsoft YaHei" panose="020B0503020204020204" pitchFamily="34" charset="-122"/>
+              </a:rPr>
+              <a:t>站</a:t>
+            </a:r>
+            <a:r>
+              <a:rPr lang="en-US" altLang="zh-CN" sz="2400" dirty="0">
+                <a:latin typeface="Microsoft YaHei" panose="020B0503020204020204" pitchFamily="34" charset="-122"/>
+                <a:ea typeface="Microsoft YaHei" panose="020B0503020204020204" pitchFamily="34" charset="-122"/>
+              </a:rPr>
+              <a:t>	</a:t>
+            </a:r>
+          </a:p>
+          <a:p>
+            <a:pPr>
+              <a:lnSpc>
+                <a:spcPct val="150000"/>
+              </a:lnSpc>
+            </a:pPr>
+            <a:r>
+              <a:rPr lang="en-US" altLang="zh-CN" sz="2400" dirty="0">
+                <a:latin typeface="Microsoft YaHei" panose="020B0503020204020204" pitchFamily="34" charset="-122"/>
+                <a:ea typeface="Microsoft YaHei" panose="020B0503020204020204" pitchFamily="34" charset="-122"/>
+              </a:rPr>
+              <a:t>			</a:t>
+            </a:r>
+            <a:r>
+              <a:rPr lang="zh-CN" altLang="en-US" sz="2400" dirty="0">
+                <a:latin typeface="Microsoft YaHei" panose="020B0503020204020204" pitchFamily="34" charset="-122"/>
+                <a:ea typeface="Microsoft YaHei" panose="020B0503020204020204" pitchFamily="34" charset="-122"/>
+              </a:rPr>
+              <a:t>视频</a:t>
+            </a:r>
+            <a:endParaRPr lang="en-US" altLang="zh-CN" sz="2400" dirty="0">
+              <a:latin typeface="Microsoft YaHei" panose="020B0503020204020204" pitchFamily="34" charset="-122"/>
+              <a:ea typeface="Microsoft YaHei" panose="020B0503020204020204" pitchFamily="34" charset="-122"/>
+            </a:endParaRPr>
+          </a:p>
+          <a:p>
+            <a:pPr>
+              <a:lnSpc>
+                <a:spcPct val="150000"/>
+              </a:lnSpc>
+            </a:pPr>
+            <a:r>
+              <a:rPr lang="en-US" altLang="zh-CN" sz="2400" dirty="0">
+                <a:latin typeface="Microsoft YaHei" panose="020B0503020204020204" pitchFamily="34" charset="-122"/>
+                <a:ea typeface="Microsoft YaHei" panose="020B0503020204020204" pitchFamily="34" charset="-122"/>
+              </a:rPr>
+              <a:t>	</a:t>
+            </a:r>
+            <a:r>
+              <a:rPr lang="zh-CN" altLang="en-US" sz="2400" dirty="0">
+                <a:latin typeface="Microsoft YaHei" panose="020B0503020204020204" pitchFamily="34" charset="-122"/>
+                <a:ea typeface="Microsoft YaHei" panose="020B0503020204020204" pitchFamily="34" charset="-122"/>
+              </a:rPr>
+              <a:t> 外卖</a:t>
+            </a:r>
+            <a:r>
+              <a:rPr lang="en-US" altLang="zh-CN" sz="2400" dirty="0">
+                <a:latin typeface="Microsoft YaHei" panose="020B0503020204020204" pitchFamily="34" charset="-122"/>
+                <a:ea typeface="Microsoft YaHei" panose="020B0503020204020204" pitchFamily="34" charset="-122"/>
+              </a:rPr>
+              <a:t>				</a:t>
+            </a:r>
+            <a:r>
+              <a:rPr lang="zh-CN" altLang="en-US" sz="2400" dirty="0">
+                <a:latin typeface="Microsoft YaHei" panose="020B0503020204020204" pitchFamily="34" charset="-122"/>
+                <a:ea typeface="Microsoft YaHei" panose="020B0503020204020204" pitchFamily="34" charset="-122"/>
+              </a:rPr>
+              <a:t>手机游戏</a:t>
+            </a:r>
+            <a:endParaRPr lang="en-US" altLang="zh-CN" sz="2400" dirty="0">
+              <a:latin typeface="Microsoft YaHei" panose="020B0503020204020204" pitchFamily="34" charset="-122"/>
+              <a:ea typeface="Microsoft YaHei" panose="020B0503020204020204" pitchFamily="34" charset="-122"/>
+            </a:endParaRPr>
+          </a:p>
+        </p:txBody>
+      </p:sp>
+    </p:spTree>
+    <p:extLst>
+      <p:ext uri="{BB962C8B-B14F-4D97-AF65-F5344CB8AC3E}">
+        <p14:creationId xmlns:p14="http://schemas.microsoft.com/office/powerpoint/2010/main" val="2103482162"/>
+      </p:ext>
+    </p:extLst>
+  </p:cSld>
+  <p:clrMapOvr>
+    <a:masterClrMapping/>
+  </p:clrMapOvr>
+  <p:timing>
+    <p:tnLst>
+      <p:par>
+        <p:cTn id="1" dur="indefinite" restart="never" nodeType="tmRoot">
+          <p:childTnLst>
+            <p:seq concurrent="1" nextAc="seek">
+              <p:cTn id="2" dur="indefinite" nodeType="mainSeq">
+                <p:childTnLst>
+                  <p:par>
+                    <p:cTn id="3" fill="hold">
+                      <p:stCondLst>
+                        <p:cond delay="indefinite"/>
+                      </p:stCondLst>
+                      <p:childTnLst>
+                        <p:par>
+                          <p:cTn id="4" fill="hold">
+                            <p:stCondLst>
+                              <p:cond delay="0"/>
+                            </p:stCondLst>
+                            <p:childTnLst>
+                              <p:par>
+                                <p:cTn id="5" presetID="1" presetClass="entr" presetSubtype="0" fill="hold" grpId="0" nodeType="clickEffect">
+                                  <p:stCondLst>
+                                    <p:cond delay="0"/>
+                                  </p:stCondLst>
+                                  <p:childTnLst>
+                                    <p:set>
+                                      <p:cBhvr>
+                                        <p:cTn id="6" dur="1" fill="hold">
+                                          <p:stCondLst>
+                                            <p:cond delay="0"/>
+                                          </p:stCondLst>
+                                        </p:cTn>
+                                        <p:tgtEl>
+                                          <p:spTgt spid="13"/>
+                                        </p:tgtEl>
+                                        <p:attrNameLst>
+                                          <p:attrName>style.visibility</p:attrName>
+                                        </p:attrNameLst>
+                                      </p:cBhvr>
+                                      <p:to>
+                                        <p:strVal val="visible"/>
+                                      </p:to>
+                                    </p:set>
+                                  </p:childTnLst>
+                                </p:cTn>
+                              </p:par>
+                            </p:childTnLst>
+                          </p:cTn>
+                        </p:par>
+                      </p:childTnLst>
+                    </p:cTn>
+                  </p:par>
+                </p:childTnLst>
+              </p:cTn>
+              <p:prevCondLst>
+                <p:cond evt="onPrev" delay="0">
+                  <p:tgtEl>
+                    <p:sldTgt/>
+                  </p:tgtEl>
+                </p:cond>
+              </p:prevCondLst>
+              <p:nextCondLst>
+                <p:cond evt="onNext" delay="0">
+                  <p:tgtEl>
+                    <p:sldTgt/>
+                  </p:tgtEl>
+                </p:cond>
+              </p:nextCondLst>
+            </p:seq>
+          </p:childTnLst>
+        </p:cTn>
+      </p:par>
+    </p:tnLst>
+    <p:bldLst>
+      <p:bldP spid="13" grpId="0"/>
+    </p:bldLst>
+  </p:timing>
+</p:sld>
+</file>
+
+<file path=ppt/slides/slide17.xml><?xml version="1.0" encoding="utf-8"?>
+<p:sld xmlns:a="http://schemas.openxmlformats.org/drawingml/2006/main" xmlns:r="http://schemas.openxmlformats.org/officeDocument/2006/relationships" xmlns:p="http://schemas.openxmlformats.org/presentationml/2006/main">
+  <p:cSld>
+    <p:bg>
+      <p:bgPr>
+        <a:blipFill>
+          <a:blip r:embed="rId3"/>
+          <a:tile tx="0" ty="0" sx="100000" sy="100000" flip="none" algn="tl"/>
+        </a:blipFill>
+        <a:effectLst/>
+      </p:bgPr>
+    </p:bg>
+    <p:spTree>
+      <p:nvGrpSpPr>
+        <p:cNvPr id="1" name=""/>
+        <p:cNvGrpSpPr/>
+        <p:nvPr/>
+      </p:nvGrpSpPr>
+      <p:grpSpPr>
+        <a:xfrm>
+          <a:off x="0" y="0"/>
+          <a:ext cx="0" cy="0"/>
+          <a:chOff x="0" y="0"/>
+          <a:chExt cx="0" cy="0"/>
+        </a:xfrm>
+      </p:grpSpPr>
+      <p:sp>
+        <p:nvSpPr>
+          <p:cNvPr id="2" name="文本框 1">
+            <a:extLst>
+              <a:ext uri="{FF2B5EF4-FFF2-40B4-BE49-F238E27FC236}">
+                <a16:creationId xmlns:a16="http://schemas.microsoft.com/office/drawing/2014/main" id="{12AA8BCC-7B15-4842-80C2-48C079429338}"/>
+              </a:ext>
+            </a:extLst>
+          </p:cNvPr>
+          <p:cNvSpPr txBox="1"/>
+          <p:nvPr/>
+        </p:nvSpPr>
+        <p:spPr>
+          <a:xfrm>
+            <a:off x="1152144" y="731520"/>
+            <a:ext cx="10040112" cy="830997"/>
+          </a:xfrm>
+          <a:prstGeom prst="rect">
+            <a:avLst/>
+          </a:prstGeom>
+          <a:noFill/>
+        </p:spPr>
+        <p:txBody>
+          <a:bodyPr wrap="square" rtlCol="0">
+            <a:spAutoFit/>
+          </a:bodyPr>
+          <a:lstStyle/>
+          <a:p>
+            <a:pPr algn="ctr"/>
+            <a:r>
+              <a:rPr kumimoji="1" lang="en-US" altLang="zh-CN" sz="4800" dirty="0">
+                <a:latin typeface="Microsoft YaHei" panose="020B0503020204020204" pitchFamily="34" charset="-122"/>
+                <a:ea typeface="Microsoft YaHei" panose="020B0503020204020204" pitchFamily="34" charset="-122"/>
+              </a:rPr>
+              <a:t>11.</a:t>
+            </a:r>
+            <a:r>
+              <a:rPr kumimoji="1" lang="zh-CN" altLang="en-US" sz="4800" dirty="0">
+                <a:latin typeface="Microsoft YaHei" panose="020B0503020204020204" pitchFamily="34" charset="-122"/>
+                <a:ea typeface="Microsoft YaHei" panose="020B0503020204020204" pitchFamily="34" charset="-122"/>
+              </a:rPr>
+              <a:t> 形状</a:t>
+            </a:r>
+            <a:endParaRPr kumimoji="1" lang="en-US" altLang="zh-CN" sz="4800" dirty="0">
+              <a:latin typeface="Microsoft YaHei" panose="020B0503020204020204" pitchFamily="34" charset="-122"/>
+              <a:ea typeface="Microsoft YaHei" panose="020B0503020204020204" pitchFamily="34" charset="-122"/>
+            </a:endParaRPr>
+          </a:p>
+        </p:txBody>
+      </p:sp>
+      <p:sp>
+        <p:nvSpPr>
+          <p:cNvPr id="13" name="文本框 12">
+            <a:extLst>
+              <a:ext uri="{FF2B5EF4-FFF2-40B4-BE49-F238E27FC236}">
+                <a16:creationId xmlns:a16="http://schemas.microsoft.com/office/drawing/2014/main" id="{8E054F89-5FA8-2F47-8710-58E04A67980C}"/>
+              </a:ext>
+            </a:extLst>
+          </p:cNvPr>
+          <p:cNvSpPr txBox="1"/>
+          <p:nvPr/>
+        </p:nvSpPr>
+        <p:spPr>
+          <a:xfrm>
+            <a:off x="2097741" y="2187389"/>
+            <a:ext cx="8423977" cy="3351046"/>
+          </a:xfrm>
+          <a:prstGeom prst="rect">
+            <a:avLst/>
+          </a:prstGeom>
+          <a:noFill/>
+        </p:spPr>
+        <p:txBody>
+          <a:bodyPr wrap="square" rtlCol="0">
+            <a:spAutoFit/>
+          </a:bodyPr>
+          <a:lstStyle/>
+          <a:p>
+            <a:pPr>
+              <a:lnSpc>
+                <a:spcPct val="150000"/>
+              </a:lnSpc>
+            </a:pPr>
+            <a:r>
+              <a:rPr lang="zh-CN" altLang="en-US" sz="2400" dirty="0">
+                <a:latin typeface="Microsoft YaHei" panose="020B0503020204020204" pitchFamily="34" charset="-122"/>
+                <a:ea typeface="Microsoft YaHei" panose="020B0503020204020204" pitchFamily="34" charset="-122"/>
+              </a:rPr>
+              <a:t>微博</a:t>
+            </a:r>
+            <a:r>
+              <a:rPr lang="en-US" altLang="zh-CN" sz="2400" dirty="0">
+                <a:latin typeface="Microsoft YaHei" panose="020B0503020204020204" pitchFamily="34" charset="-122"/>
+                <a:ea typeface="Microsoft YaHei" panose="020B0503020204020204" pitchFamily="34" charset="-122"/>
+              </a:rPr>
+              <a:t>		</a:t>
+            </a:r>
+            <a:r>
+              <a:rPr lang="zh-CN" altLang="en-US" sz="2400" dirty="0">
+                <a:latin typeface="Microsoft YaHei" panose="020B0503020204020204" pitchFamily="34" charset="-122"/>
+                <a:ea typeface="Microsoft YaHei" panose="020B0503020204020204" pitchFamily="34" charset="-122"/>
+              </a:rPr>
+              <a:t>微信</a:t>
+            </a:r>
+            <a:r>
+              <a:rPr lang="en-US" altLang="zh-CN" sz="2400" dirty="0">
+                <a:latin typeface="Microsoft YaHei" panose="020B0503020204020204" pitchFamily="34" charset="-122"/>
+                <a:ea typeface="Microsoft YaHei" panose="020B0503020204020204" pitchFamily="34" charset="-122"/>
+              </a:rPr>
+              <a:t>		</a:t>
+            </a:r>
+            <a:r>
+              <a:rPr lang="en-US" altLang="zh-CN" sz="2400" dirty="0" err="1">
+                <a:latin typeface="Microsoft YaHei" panose="020B0503020204020204" pitchFamily="34" charset="-122"/>
+                <a:ea typeface="Microsoft YaHei" panose="020B0503020204020204" pitchFamily="34" charset="-122"/>
+              </a:rPr>
+              <a:t>qq</a:t>
+            </a:r>
+            <a:endParaRPr lang="en-US" altLang="zh-CN" sz="2400" dirty="0">
+              <a:latin typeface="Microsoft YaHei" panose="020B0503020204020204" pitchFamily="34" charset="-122"/>
+              <a:ea typeface="Microsoft YaHei" panose="020B0503020204020204" pitchFamily="34" charset="-122"/>
+            </a:endParaRPr>
+          </a:p>
+          <a:p>
+            <a:pPr>
+              <a:lnSpc>
+                <a:spcPct val="150000"/>
+              </a:lnSpc>
+            </a:pPr>
+            <a:r>
+              <a:rPr lang="en-US" altLang="zh-CN" sz="2400" dirty="0">
+                <a:latin typeface="Microsoft YaHei" panose="020B0503020204020204" pitchFamily="34" charset="-122"/>
+                <a:ea typeface="Microsoft YaHei" panose="020B0503020204020204" pitchFamily="34" charset="-122"/>
+              </a:rPr>
+              <a:t>	</a:t>
+            </a:r>
+            <a:r>
+              <a:rPr lang="zh-CN" altLang="en-US" sz="2400" dirty="0">
+                <a:latin typeface="Microsoft YaHei" panose="020B0503020204020204" pitchFamily="34" charset="-122"/>
+                <a:ea typeface="Microsoft YaHei" panose="020B0503020204020204" pitchFamily="34" charset="-122"/>
+              </a:rPr>
+              <a:t>淘宝</a:t>
+            </a:r>
+            <a:r>
+              <a:rPr lang="en-US" altLang="zh-CN" sz="2400" dirty="0">
+                <a:latin typeface="Microsoft YaHei" panose="020B0503020204020204" pitchFamily="34" charset="-122"/>
+                <a:ea typeface="Microsoft YaHei" panose="020B0503020204020204" pitchFamily="34" charset="-122"/>
+              </a:rPr>
+              <a:t>		</a:t>
+            </a:r>
+            <a:r>
+              <a:rPr lang="zh-CN" altLang="en-US" sz="2400" dirty="0">
+                <a:latin typeface="Microsoft YaHei" panose="020B0503020204020204" pitchFamily="34" charset="-122"/>
+                <a:ea typeface="Microsoft YaHei" panose="020B0503020204020204" pitchFamily="34" charset="-122"/>
+              </a:rPr>
+              <a:t>支付宝</a:t>
+            </a:r>
+            <a:r>
+              <a:rPr lang="en-US" altLang="zh-CN" sz="2400" dirty="0">
+                <a:latin typeface="Microsoft YaHei" panose="020B0503020204020204" pitchFamily="34" charset="-122"/>
+                <a:ea typeface="Microsoft YaHei" panose="020B0503020204020204" pitchFamily="34" charset="-122"/>
+              </a:rPr>
+              <a:t>	</a:t>
+            </a:r>
+          </a:p>
+          <a:p>
+            <a:pPr>
+              <a:lnSpc>
+                <a:spcPct val="150000"/>
+              </a:lnSpc>
+            </a:pPr>
+            <a:r>
+              <a:rPr lang="en-US" altLang="zh-CN" sz="2400" dirty="0">
+                <a:latin typeface="Microsoft YaHei" panose="020B0503020204020204" pitchFamily="34" charset="-122"/>
+                <a:ea typeface="Microsoft YaHei" panose="020B0503020204020204" pitchFamily="34" charset="-122"/>
+              </a:rPr>
+              <a:t>		</a:t>
+            </a:r>
+            <a:r>
+              <a:rPr lang="zh-CN" altLang="en-US" sz="2400" dirty="0">
+                <a:latin typeface="Microsoft YaHei" panose="020B0503020204020204" pitchFamily="34" charset="-122"/>
+                <a:ea typeface="Microsoft YaHei" panose="020B0503020204020204" pitchFamily="34" charset="-122"/>
+              </a:rPr>
+              <a:t>抖音    </a:t>
+            </a:r>
+            <a:r>
+              <a:rPr kumimoji="1" lang="zh-CN" altLang="en-US" sz="2400" dirty="0">
+                <a:latin typeface="Microsoft YaHei" panose="020B0503020204020204" pitchFamily="34" charset="-122"/>
+                <a:ea typeface="Microsoft YaHei" panose="020B0503020204020204" pitchFamily="34" charset="-122"/>
+              </a:rPr>
+              <a:t>网红      直播购物</a:t>
+            </a:r>
+            <a:endParaRPr lang="en-US" altLang="zh-CN" sz="2400" dirty="0">
+              <a:latin typeface="Microsoft YaHei" panose="020B0503020204020204" pitchFamily="34" charset="-122"/>
+              <a:ea typeface="Microsoft YaHei" panose="020B0503020204020204" pitchFamily="34" charset="-122"/>
+            </a:endParaRPr>
+          </a:p>
+          <a:p>
+            <a:pPr>
+              <a:lnSpc>
+                <a:spcPct val="150000"/>
+              </a:lnSpc>
+            </a:pPr>
+            <a:r>
+              <a:rPr lang="en-US" altLang="zh-CN" sz="2400" dirty="0">
+                <a:latin typeface="Microsoft YaHei" panose="020B0503020204020204" pitchFamily="34" charset="-122"/>
+                <a:ea typeface="Microsoft YaHei" panose="020B0503020204020204" pitchFamily="34" charset="-122"/>
+              </a:rPr>
+              <a:t>	</a:t>
+            </a:r>
+            <a:r>
+              <a:rPr lang="zh-CN" altLang="en-US" sz="2400" dirty="0">
+                <a:latin typeface="Microsoft YaHei" panose="020B0503020204020204" pitchFamily="34" charset="-122"/>
+                <a:ea typeface="Microsoft YaHei" panose="020B0503020204020204" pitchFamily="34" charset="-122"/>
+              </a:rPr>
+              <a:t> </a:t>
+            </a:r>
+            <a:r>
+              <a:rPr lang="en-US" altLang="zh-CN" sz="2400" dirty="0">
+                <a:latin typeface="Microsoft YaHei" panose="020B0503020204020204" pitchFamily="34" charset="-122"/>
+                <a:ea typeface="Microsoft YaHei" panose="020B0503020204020204" pitchFamily="34" charset="-122"/>
+              </a:rPr>
+              <a:t>B</a:t>
+            </a:r>
+            <a:r>
+              <a:rPr lang="zh-CN" altLang="en-US" sz="2400" dirty="0">
+                <a:latin typeface="Microsoft YaHei" panose="020B0503020204020204" pitchFamily="34" charset="-122"/>
+                <a:ea typeface="Microsoft YaHei" panose="020B0503020204020204" pitchFamily="34" charset="-122"/>
+              </a:rPr>
+              <a:t>站</a:t>
+            </a:r>
+            <a:r>
+              <a:rPr lang="en-US" altLang="zh-CN" sz="2400" dirty="0">
+                <a:latin typeface="Microsoft YaHei" panose="020B0503020204020204" pitchFamily="34" charset="-122"/>
+                <a:ea typeface="Microsoft YaHei" panose="020B0503020204020204" pitchFamily="34" charset="-122"/>
+              </a:rPr>
+              <a:t>	</a:t>
+            </a:r>
+          </a:p>
+          <a:p>
+            <a:pPr>
+              <a:lnSpc>
+                <a:spcPct val="150000"/>
+              </a:lnSpc>
+            </a:pPr>
+            <a:r>
+              <a:rPr lang="en-US" altLang="zh-CN" sz="2400" dirty="0">
+                <a:latin typeface="Microsoft YaHei" panose="020B0503020204020204" pitchFamily="34" charset="-122"/>
+                <a:ea typeface="Microsoft YaHei" panose="020B0503020204020204" pitchFamily="34" charset="-122"/>
+              </a:rPr>
+              <a:t>			</a:t>
+            </a:r>
+            <a:r>
+              <a:rPr lang="zh-CN" altLang="en-US" sz="2400" dirty="0">
+                <a:latin typeface="Microsoft YaHei" panose="020B0503020204020204" pitchFamily="34" charset="-122"/>
+                <a:ea typeface="Microsoft YaHei" panose="020B0503020204020204" pitchFamily="34" charset="-122"/>
+              </a:rPr>
+              <a:t>视频</a:t>
+            </a:r>
+            <a:endParaRPr lang="en-US" altLang="zh-CN" sz="2400" dirty="0">
+              <a:latin typeface="Microsoft YaHei" panose="020B0503020204020204" pitchFamily="34" charset="-122"/>
+              <a:ea typeface="Microsoft YaHei" panose="020B0503020204020204" pitchFamily="34" charset="-122"/>
+            </a:endParaRPr>
+          </a:p>
+          <a:p>
+            <a:pPr>
+              <a:lnSpc>
+                <a:spcPct val="150000"/>
+              </a:lnSpc>
+            </a:pPr>
+            <a:r>
+              <a:rPr lang="en-US" altLang="zh-CN" sz="2400" dirty="0">
+                <a:latin typeface="Microsoft YaHei" panose="020B0503020204020204" pitchFamily="34" charset="-122"/>
+                <a:ea typeface="Microsoft YaHei" panose="020B0503020204020204" pitchFamily="34" charset="-122"/>
+              </a:rPr>
+              <a:t>	</a:t>
+            </a:r>
+            <a:r>
+              <a:rPr lang="zh-CN" altLang="en-US" sz="2400" dirty="0">
+                <a:latin typeface="Microsoft YaHei" panose="020B0503020204020204" pitchFamily="34" charset="-122"/>
+                <a:ea typeface="Microsoft YaHei" panose="020B0503020204020204" pitchFamily="34" charset="-122"/>
+              </a:rPr>
+              <a:t> 外卖</a:t>
+            </a:r>
+            <a:r>
+              <a:rPr lang="en-US" altLang="zh-CN" sz="2400" dirty="0">
+                <a:latin typeface="Microsoft YaHei" panose="020B0503020204020204" pitchFamily="34" charset="-122"/>
+                <a:ea typeface="Microsoft YaHei" panose="020B0503020204020204" pitchFamily="34" charset="-122"/>
+              </a:rPr>
+              <a:t>				</a:t>
+            </a:r>
+            <a:r>
+              <a:rPr lang="zh-CN" altLang="en-US" sz="2400" dirty="0">
+                <a:latin typeface="Microsoft YaHei" panose="020B0503020204020204" pitchFamily="34" charset="-122"/>
+                <a:ea typeface="Microsoft YaHei" panose="020B0503020204020204" pitchFamily="34" charset="-122"/>
+              </a:rPr>
+              <a:t>手机游戏</a:t>
+            </a:r>
+            <a:endParaRPr lang="en-US" altLang="zh-CN" sz="2400" dirty="0">
+              <a:latin typeface="Microsoft YaHei" panose="020B0503020204020204" pitchFamily="34" charset="-122"/>
+              <a:ea typeface="Microsoft YaHei" panose="020B0503020204020204" pitchFamily="34" charset="-122"/>
+            </a:endParaRPr>
+          </a:p>
+        </p:txBody>
+      </p:sp>
+    </p:spTree>
+    <p:extLst>
+      <p:ext uri="{BB962C8B-B14F-4D97-AF65-F5344CB8AC3E}">
+        <p14:creationId xmlns:p14="http://schemas.microsoft.com/office/powerpoint/2010/main" val="624428496"/>
+      </p:ext>
+    </p:extLst>
+  </p:cSld>
+  <p:clrMapOvr>
+    <a:masterClrMapping/>
+  </p:clrMapOvr>
+  <p:timing>
+    <p:tnLst>
+      <p:par>
+        <p:cTn id="1" dur="indefinite" restart="never" nodeType="tmRoot">
+          <p:childTnLst>
+            <p:seq concurrent="1" nextAc="seek">
+              <p:cTn id="2" dur="indefinite" nodeType="mainSeq">
+                <p:childTnLst>
+                  <p:par>
+                    <p:cTn id="3" fill="hold">
+                      <p:stCondLst>
+                        <p:cond delay="indefinite"/>
+                      </p:stCondLst>
+                      <p:childTnLst>
+                        <p:par>
+                          <p:cTn id="4" fill="hold">
+                            <p:stCondLst>
+                              <p:cond delay="0"/>
+                            </p:stCondLst>
+                            <p:childTnLst>
+                              <p:par>
+                                <p:cTn id="5" presetID="1" presetClass="entr" presetSubtype="0" fill="hold" grpId="0" nodeType="clickEffect">
+                                  <p:stCondLst>
+                                    <p:cond delay="0"/>
+                                  </p:stCondLst>
+                                  <p:childTnLst>
+                                    <p:set>
+                                      <p:cBhvr>
+                                        <p:cTn id="6" dur="1" fill="hold">
+                                          <p:stCondLst>
+                                            <p:cond delay="0"/>
+                                          </p:stCondLst>
+                                        </p:cTn>
+                                        <p:tgtEl>
+                                          <p:spTgt spid="13"/>
+                                        </p:tgtEl>
+                                        <p:attrNameLst>
+                                          <p:attrName>style.visibility</p:attrName>
+                                        </p:attrNameLst>
+                                      </p:cBhvr>
+                                      <p:to>
+                                        <p:strVal val="visible"/>
+                                      </p:to>
+                                    </p:set>
+                                  </p:childTnLst>
+                                </p:cTn>
+                              </p:par>
+                            </p:childTnLst>
+                          </p:cTn>
+                        </p:par>
+                      </p:childTnLst>
+                    </p:cTn>
+                  </p:par>
+                </p:childTnLst>
+              </p:cTn>
+              <p:prevCondLst>
+                <p:cond evt="onPrev" delay="0">
+                  <p:tgtEl>
+                    <p:sldTgt/>
+                  </p:tgtEl>
+                </p:cond>
+              </p:prevCondLst>
+              <p:nextCondLst>
+                <p:cond evt="onNext" delay="0">
+                  <p:tgtEl>
+                    <p:sldTgt/>
+                  </p:tgtEl>
+                </p:cond>
+              </p:nextCondLst>
+            </p:seq>
+          </p:childTnLst>
+        </p:cTn>
+      </p:par>
+    </p:tnLst>
+    <p:bldLst>
+      <p:bldP spid="13" grpId="0"/>
+    </p:bldLst>
+  </p:timing>
+</p:sld>
+</file>
+
+<file path=ppt/slides/slide18.xml><?xml version="1.0" encoding="utf-8"?>
+<p:sld xmlns:a="http://schemas.openxmlformats.org/drawingml/2006/main" xmlns:r="http://schemas.openxmlformats.org/officeDocument/2006/relationships" xmlns:p="http://schemas.openxmlformats.org/presentationml/2006/main">
+  <p:cSld>
+    <p:bg>
+      <p:bgPr>
+        <a:blipFill>
+          <a:blip r:embed="rId3"/>
+          <a:tile tx="0" ty="0" sx="100000" sy="100000" flip="none" algn="tl"/>
+        </a:blipFill>
+        <a:effectLst/>
+      </p:bgPr>
+    </p:bg>
+    <p:spTree>
+      <p:nvGrpSpPr>
+        <p:cNvPr id="1" name=""/>
+        <p:cNvGrpSpPr/>
+        <p:nvPr/>
+      </p:nvGrpSpPr>
+      <p:grpSpPr>
+        <a:xfrm>
+          <a:off x="0" y="0"/>
+          <a:ext cx="0" cy="0"/>
+          <a:chOff x="0" y="0"/>
+          <a:chExt cx="0" cy="0"/>
+        </a:xfrm>
+      </p:grpSpPr>
+      <p:sp>
+        <p:nvSpPr>
           <p:cNvPr id="4" name="文本框 3">
             <a:extLst>
               <a:ext uri="{FF2B5EF4-FFF2-40B4-BE49-F238E27FC236}">
@@ -7391,7 +8797,7 @@
 </p:sld>
 </file>
 
-<file path=ppt/slides/slide16.xml><?xml version="1.0" encoding="utf-8"?>
+<file path=ppt/slides/slide19.xml><?xml version="1.0" encoding="utf-8"?>
 <p:sld xmlns:a="http://schemas.openxmlformats.org/drawingml/2006/main" xmlns:r="http://schemas.openxmlformats.org/officeDocument/2006/relationships" xmlns:p="http://schemas.openxmlformats.org/presentationml/2006/main">
   <p:cSld>
     <p:bg>
@@ -9189,7 +10595,7 @@
                 <a:latin typeface="Microsoft YaHei" panose="020B0503020204020204" pitchFamily="34" charset="-122"/>
                 <a:ea typeface="Microsoft YaHei" panose="020B0503020204020204" pitchFamily="34" charset="-122"/>
               </a:rPr>
-              <a:t> </a:t>
+              <a:t>  </a:t>
             </a:r>
             <a:r>
               <a:rPr kumimoji="1" lang="en-US" altLang="zh-CN" sz="4800" dirty="0">
@@ -9212,12 +10618,42 @@
           </a:p>
         </p:txBody>
       </p:sp>
-      <p:sp>
-        <p:nvSpPr>
-          <p:cNvPr id="13" name="文本框 12">
+      <p:pic>
+        <p:nvPicPr>
+          <p:cNvPr id="3" name="图片 2">
             <a:extLst>
               <a:ext uri="{FF2B5EF4-FFF2-40B4-BE49-F238E27FC236}">
-                <a16:creationId xmlns:a16="http://schemas.microsoft.com/office/drawing/2014/main" id="{8E054F89-5FA8-2F47-8710-58E04A67980C}"/>
+                <a16:creationId xmlns:a16="http://schemas.microsoft.com/office/drawing/2014/main" id="{9926D275-1743-9648-A53F-963D5F73102E}"/>
+              </a:ext>
+            </a:extLst>
+          </p:cNvPr>
+          <p:cNvPicPr>
+            <a:picLocks noChangeAspect="1"/>
+          </p:cNvPicPr>
+          <p:nvPr/>
+        </p:nvPicPr>
+        <p:blipFill>
+          <a:blip r:embed="rId4"/>
+          <a:stretch>
+            <a:fillRect/>
+          </a:stretch>
+        </p:blipFill>
+        <p:spPr>
+          <a:xfrm>
+            <a:off x="2718551" y="1889685"/>
+            <a:ext cx="6477000" cy="4584700"/>
+          </a:xfrm>
+          <a:prstGeom prst="rect">
+            <a:avLst/>
+          </a:prstGeom>
+        </p:spPr>
+      </p:pic>
+      <p:sp>
+        <p:nvSpPr>
+          <p:cNvPr id="4" name="文本框 3">
+            <a:extLst>
+              <a:ext uri="{FF2B5EF4-FFF2-40B4-BE49-F238E27FC236}">
+                <a16:creationId xmlns:a16="http://schemas.microsoft.com/office/drawing/2014/main" id="{3EEA93DD-7B32-B543-97F1-61985EDFC740}"/>
               </a:ext>
             </a:extLst>
           </p:cNvPr>
@@ -9226,13 +10662,15 @@
         </p:nvSpPr>
         <p:spPr>
           <a:xfrm>
-            <a:off x="2097741" y="2169459"/>
-            <a:ext cx="8964706" cy="1689052"/>
+            <a:off x="9717741" y="2312894"/>
+            <a:ext cx="2026024" cy="369332"/>
           </a:xfrm>
           <a:prstGeom prst="rect">
             <a:avLst/>
           </a:prstGeom>
-          <a:noFill/>
+          <a:solidFill>
+            <a:srgbClr val="FF9300"/>
+          </a:solidFill>
         </p:spPr>
         <p:txBody>
           <a:bodyPr wrap="square" rtlCol="0">
@@ -9240,193 +10678,359 @@
           </a:bodyPr>
           <a:lstStyle/>
           <a:p>
-            <a:pPr>
-              <a:lnSpc>
-                <a:spcPct val="150000"/>
-              </a:lnSpc>
-            </a:pPr>
-            <a:r>
-              <a:rPr lang="zh-CN" altLang="en-US" sz="2400" dirty="0">
-                <a:latin typeface="Microsoft YaHei" panose="020B0503020204020204" pitchFamily="34" charset="-122"/>
-                <a:ea typeface="Microsoft YaHei" panose="020B0503020204020204" pitchFamily="34" charset="-122"/>
-              </a:rPr>
-              <a:t>在创建</a:t>
-            </a:r>
-            <a:r>
-              <a:rPr lang="en-US" altLang="zh-CN" sz="2400" dirty="0">
-                <a:latin typeface="Microsoft YaHei" panose="020B0503020204020204" pitchFamily="34" charset="-122"/>
-                <a:ea typeface="Microsoft YaHei" panose="020B0503020204020204" pitchFamily="34" charset="-122"/>
-              </a:rPr>
-              <a:t>JavaFX</a:t>
-            </a:r>
-            <a:r>
-              <a:rPr lang="zh-CN" altLang="en-US" sz="2400" dirty="0">
-                <a:latin typeface="Microsoft YaHei" panose="020B0503020204020204" pitchFamily="34" charset="-122"/>
-                <a:ea typeface="Microsoft YaHei" panose="020B0503020204020204" pitchFamily="34" charset="-122"/>
-              </a:rPr>
-              <a:t>项目之前，需要再</a:t>
-            </a:r>
-            <a:r>
-              <a:rPr lang="en-US" altLang="zh-CN" sz="2400" dirty="0">
-                <a:latin typeface="Microsoft YaHei" panose="020B0503020204020204" pitchFamily="34" charset="-122"/>
-                <a:ea typeface="Microsoft YaHei" panose="020B0503020204020204" pitchFamily="34" charset="-122"/>
-              </a:rPr>
-              <a:t>Eclipse</a:t>
-            </a:r>
-            <a:r>
-              <a:rPr lang="zh-CN" altLang="en-US" sz="2400" dirty="0">
-                <a:latin typeface="Microsoft YaHei" panose="020B0503020204020204" pitchFamily="34" charset="-122"/>
-                <a:ea typeface="Microsoft YaHei" panose="020B0503020204020204" pitchFamily="34" charset="-122"/>
-              </a:rPr>
-              <a:t>中添加</a:t>
-            </a:r>
-            <a:r>
-              <a:rPr lang="en-US" altLang="zh-CN" sz="2400" dirty="0" err="1">
-                <a:latin typeface="Microsoft YaHei" panose="020B0503020204020204" pitchFamily="34" charset="-122"/>
-                <a:ea typeface="Microsoft YaHei" panose="020B0503020204020204" pitchFamily="34" charset="-122"/>
-              </a:rPr>
-              <a:t>javaFx</a:t>
-            </a:r>
-            <a:r>
-              <a:rPr lang="zh-CN" altLang="en-US" sz="2400" dirty="0">
-                <a:latin typeface="Microsoft YaHei" panose="020B0503020204020204" pitchFamily="34" charset="-122"/>
-                <a:ea typeface="Microsoft YaHei" panose="020B0503020204020204" pitchFamily="34" charset="-122"/>
-              </a:rPr>
-              <a:t>的相关配置</a:t>
-            </a:r>
-            <a:endParaRPr lang="en-US" altLang="zh-CN" sz="2400" dirty="0">
-              <a:latin typeface="Microsoft YaHei" panose="020B0503020204020204" pitchFamily="34" charset="-122"/>
-              <a:ea typeface="Microsoft YaHei" panose="020B0503020204020204" pitchFamily="34" charset="-122"/>
+            <a:r>
+              <a:rPr kumimoji="1" lang="zh-CN" altLang="en-US" dirty="0">
+                <a:solidFill>
+                  <a:schemeClr val="bg1"/>
+                </a:solidFill>
+              </a:rPr>
+              <a:t>继承自</a:t>
+            </a:r>
+            <a:r>
+              <a:rPr kumimoji="1" lang="en-US" altLang="zh-CN" dirty="0">
+                <a:solidFill>
+                  <a:schemeClr val="bg1"/>
+                </a:solidFill>
+              </a:rPr>
+              <a:t>Application</a:t>
+            </a:r>
+            <a:endParaRPr kumimoji="1" lang="zh-CN" altLang="en-US" dirty="0">
+              <a:solidFill>
+                <a:schemeClr val="bg1"/>
+              </a:solidFill>
             </a:endParaRPr>
           </a:p>
-          <a:p>
-            <a:pPr>
-              <a:lnSpc>
-                <a:spcPct val="150000"/>
-              </a:lnSpc>
-            </a:pPr>
-            <a:r>
-              <a:rPr lang="en-US" altLang="zh-CN" sz="2400" dirty="0">
-                <a:latin typeface="Microsoft YaHei" panose="020B0503020204020204" pitchFamily="34" charset="-122"/>
-                <a:ea typeface="Microsoft YaHei" panose="020B0503020204020204" pitchFamily="34" charset="-122"/>
-                <a:hlinkClick r:id="rId4"/>
-              </a:rPr>
-              <a:t>https://www.jb51.net/article/181980.htm</a:t>
-            </a:r>
-            <a:endParaRPr lang="en-US" altLang="zh-CN" sz="2400" dirty="0">
-              <a:latin typeface="Microsoft YaHei" panose="020B0503020204020204" pitchFamily="34" charset="-122"/>
-              <a:ea typeface="Microsoft YaHei" panose="020B0503020204020204" pitchFamily="34" charset="-122"/>
-            </a:endParaRPr>
-          </a:p>
-          <a:p>
-            <a:pPr>
-              <a:lnSpc>
-                <a:spcPct val="150000"/>
-              </a:lnSpc>
-            </a:pPr>
-            <a:r>
-              <a:rPr lang="en-US" altLang="zh-CN" sz="2400" dirty="0">
-                <a:latin typeface="Microsoft YaHei" panose="020B0503020204020204" pitchFamily="34" charset="-122"/>
-                <a:ea typeface="Microsoft YaHei" panose="020B0503020204020204" pitchFamily="34" charset="-122"/>
-                <a:hlinkClick r:id="rId5"/>
-              </a:rPr>
-              <a:t>https://www.cnblogs.com/csm21/articles/10604958.html</a:t>
-            </a:r>
-            <a:endParaRPr lang="en-US" altLang="zh-CN" sz="2400" dirty="0">
-              <a:latin typeface="Microsoft YaHei" panose="020B0503020204020204" pitchFamily="34" charset="-122"/>
-              <a:ea typeface="Microsoft YaHei" panose="020B0503020204020204" pitchFamily="34" charset="-122"/>
-            </a:endParaRPr>
+        </p:txBody>
+      </p:sp>
+      <p:sp>
+        <p:nvSpPr>
+          <p:cNvPr id="7" name="文本框 6">
+            <a:extLst>
+              <a:ext uri="{FF2B5EF4-FFF2-40B4-BE49-F238E27FC236}">
+                <a16:creationId xmlns:a16="http://schemas.microsoft.com/office/drawing/2014/main" id="{06371AB4-3CA3-AD48-87A1-8E705B42E675}"/>
+              </a:ext>
+            </a:extLst>
+          </p:cNvPr>
+          <p:cNvSpPr txBox="1"/>
+          <p:nvPr/>
+        </p:nvSpPr>
+        <p:spPr>
+          <a:xfrm>
+            <a:off x="139132" y="3448708"/>
+            <a:ext cx="2026024" cy="1754326"/>
+          </a:xfrm>
+          <a:prstGeom prst="rect">
+            <a:avLst/>
+          </a:prstGeom>
+          <a:solidFill>
+            <a:srgbClr val="FF9300"/>
+          </a:solidFill>
+        </p:spPr>
+        <p:txBody>
+          <a:bodyPr wrap="square" rtlCol="0">
+            <a:spAutoFit/>
+          </a:bodyPr>
+          <a:lstStyle/>
+          <a:p>
+            <a:r>
+              <a:rPr kumimoji="1" lang="en-US" altLang="zh-CN" dirty="0" err="1">
+                <a:solidFill>
+                  <a:schemeClr val="bg1"/>
+                </a:solidFill>
+              </a:rPr>
+              <a:t>onStart</a:t>
+            </a:r>
+            <a:r>
+              <a:rPr kumimoji="1" lang="zh-CN" altLang="en-US" dirty="0">
+                <a:solidFill>
+                  <a:schemeClr val="bg1"/>
+                </a:solidFill>
+              </a:rPr>
+              <a:t>函数，</a:t>
+            </a:r>
+            <a:r>
+              <a:rPr kumimoji="1" lang="en-US" altLang="zh-CN" dirty="0">
+                <a:solidFill>
+                  <a:schemeClr val="bg1"/>
+                </a:solidFill>
+              </a:rPr>
+              <a:t>UI</a:t>
+            </a:r>
+            <a:r>
+              <a:rPr kumimoji="1" lang="zh-CN" altLang="en-US" dirty="0">
+                <a:solidFill>
+                  <a:schemeClr val="bg1"/>
+                </a:solidFill>
+              </a:rPr>
+              <a:t>程序运行起来后，自动回调用这个函数，所以，将你需要做的初始化工作放在这里</a:t>
+            </a:r>
+          </a:p>
+        </p:txBody>
+      </p:sp>
+      <p:sp>
+        <p:nvSpPr>
+          <p:cNvPr id="6" name="文本框 5">
+            <a:extLst>
+              <a:ext uri="{FF2B5EF4-FFF2-40B4-BE49-F238E27FC236}">
+                <a16:creationId xmlns:a16="http://schemas.microsoft.com/office/drawing/2014/main" id="{B0497F51-CCA4-A544-BCF0-975E9EBAFC42}"/>
+              </a:ext>
+            </a:extLst>
+          </p:cNvPr>
+          <p:cNvSpPr txBox="1"/>
+          <p:nvPr/>
+        </p:nvSpPr>
+        <p:spPr>
+          <a:xfrm>
+            <a:off x="9473449" y="3429000"/>
+            <a:ext cx="2362380" cy="3416320"/>
+          </a:xfrm>
+          <a:prstGeom prst="rect">
+            <a:avLst/>
+          </a:prstGeom>
+          <a:solidFill>
+            <a:srgbClr val="FF9300"/>
+          </a:solidFill>
+        </p:spPr>
+        <p:txBody>
+          <a:bodyPr wrap="square" rtlCol="0">
+            <a:spAutoFit/>
+          </a:bodyPr>
+          <a:lstStyle/>
+          <a:p>
+            <a:r>
+              <a:rPr lang="en-US" altLang="zh-CN" dirty="0">
+                <a:solidFill>
+                  <a:schemeClr val="bg1"/>
+                </a:solidFill>
+              </a:rPr>
+              <a:t>launch </a:t>
+            </a:r>
+            <a:r>
+              <a:rPr lang="zh-CN" altLang="en-US" dirty="0">
+                <a:solidFill>
+                  <a:schemeClr val="bg1"/>
+                </a:solidFill>
+              </a:rPr>
+              <a:t>方法</a:t>
+            </a:r>
+            <a:r>
+              <a:rPr lang="en-US" altLang="zh-CN" dirty="0">
+                <a:solidFill>
+                  <a:schemeClr val="bg1"/>
+                </a:solidFill>
+              </a:rPr>
+              <a:t>(</a:t>
+            </a:r>
+            <a:r>
+              <a:rPr lang="zh-CN" altLang="en-US" dirty="0">
+                <a:solidFill>
+                  <a:schemeClr val="bg1"/>
+                </a:solidFill>
+              </a:rPr>
+              <a:t>第 </a:t>
+            </a:r>
+            <a:r>
+              <a:rPr lang="en-US" altLang="zh-CN" dirty="0">
+                <a:solidFill>
+                  <a:schemeClr val="bg1"/>
+                </a:solidFill>
+              </a:rPr>
+              <a:t>22 </a:t>
+            </a:r>
+            <a:r>
+              <a:rPr lang="zh-CN" altLang="en-US" dirty="0">
+                <a:solidFill>
+                  <a:schemeClr val="bg1"/>
+                </a:solidFill>
+              </a:rPr>
+              <a:t>行</a:t>
+            </a:r>
+            <a:r>
+              <a:rPr lang="en-US" altLang="zh-CN" dirty="0">
+                <a:solidFill>
+                  <a:schemeClr val="bg1"/>
+                </a:solidFill>
+              </a:rPr>
+              <a:t>)</a:t>
+            </a:r>
+            <a:r>
+              <a:rPr lang="zh-CN" altLang="en-US" dirty="0">
+                <a:solidFill>
+                  <a:schemeClr val="bg1"/>
+                </a:solidFill>
+              </a:rPr>
+              <a:t>是一个定义在 </a:t>
+            </a:r>
+            <a:r>
+              <a:rPr lang="en-US" altLang="zh-CN" dirty="0">
+                <a:solidFill>
+                  <a:schemeClr val="bg1"/>
+                </a:solidFill>
+              </a:rPr>
+              <a:t>Application </a:t>
+            </a:r>
+            <a:r>
+              <a:rPr lang="zh-CN" altLang="en-US" dirty="0">
+                <a:solidFill>
+                  <a:schemeClr val="bg1"/>
+                </a:solidFill>
+              </a:rPr>
+              <a:t>类中的</a:t>
+            </a:r>
+            <a:br>
+              <a:rPr lang="zh-CN" altLang="en-US" dirty="0">
+                <a:solidFill>
+                  <a:schemeClr val="bg1"/>
+                </a:solidFill>
+              </a:rPr>
+            </a:br>
+            <a:r>
+              <a:rPr lang="zh-CN" altLang="en-US" dirty="0">
+                <a:solidFill>
+                  <a:schemeClr val="bg1"/>
+                </a:solidFill>
+              </a:rPr>
+              <a:t>静态方法 ，用于启动一个独立的 </a:t>
+            </a:r>
+            <a:r>
+              <a:rPr lang="en-US" altLang="zh-CN" dirty="0">
+                <a:solidFill>
+                  <a:schemeClr val="bg1"/>
+                </a:solidFill>
+              </a:rPr>
+              <a:t>JavaFX </a:t>
+            </a:r>
+            <a:r>
+              <a:rPr lang="zh-CN" altLang="en-US" dirty="0">
+                <a:solidFill>
+                  <a:schemeClr val="bg1"/>
+                </a:solidFill>
+              </a:rPr>
+              <a:t>应用。当从一</a:t>
+            </a:r>
+            <a:br>
+              <a:rPr lang="zh-CN" altLang="en-US" dirty="0">
+                <a:solidFill>
+                  <a:schemeClr val="bg1"/>
+                </a:solidFill>
+              </a:rPr>
+            </a:br>
+            <a:r>
+              <a:rPr lang="zh-CN" altLang="en-US" dirty="0">
+                <a:solidFill>
+                  <a:schemeClr val="bg1"/>
+                </a:solidFill>
+              </a:rPr>
+              <a:t>个不完全支持 </a:t>
+            </a:r>
+            <a:r>
+              <a:rPr lang="en-US" altLang="zh-CN" dirty="0">
+                <a:solidFill>
+                  <a:schemeClr val="bg1"/>
+                </a:solidFill>
+              </a:rPr>
+              <a:t>JavaFX </a:t>
+            </a:r>
+            <a:r>
+              <a:rPr lang="zh-CN" altLang="en-US" dirty="0">
+                <a:solidFill>
+                  <a:schemeClr val="bg1"/>
+                </a:solidFill>
+              </a:rPr>
+              <a:t>的 </a:t>
+            </a:r>
+            <a:r>
+              <a:rPr lang="en-US" altLang="zh-CN" dirty="0">
+                <a:solidFill>
+                  <a:schemeClr val="bg1"/>
+                </a:solidFill>
+              </a:rPr>
+              <a:t>IDE </a:t>
+            </a:r>
+            <a:r>
+              <a:rPr lang="zh-CN" altLang="en-US" dirty="0">
+                <a:solidFill>
+                  <a:schemeClr val="bg1"/>
+                </a:solidFill>
+              </a:rPr>
+              <a:t>中启动 </a:t>
+            </a:r>
+            <a:r>
+              <a:rPr lang="en-US" altLang="zh-CN" dirty="0">
+                <a:solidFill>
+                  <a:schemeClr val="bg1"/>
+                </a:solidFill>
+              </a:rPr>
+              <a:t>JavaFX </a:t>
+            </a:r>
+            <a:r>
+              <a:rPr lang="zh-CN" altLang="en-US" dirty="0">
+                <a:solidFill>
+                  <a:schemeClr val="bg1"/>
+                </a:solidFill>
+              </a:rPr>
+              <a:t>程 序 的 时 候，</a:t>
+            </a:r>
+            <a:br>
+              <a:rPr lang="en-US" altLang="zh-CN" dirty="0">
+                <a:solidFill>
+                  <a:schemeClr val="bg1"/>
+                </a:solidFill>
+              </a:rPr>
+            </a:br>
+            <a:r>
+              <a:rPr lang="zh-CN" altLang="en-US" dirty="0">
+                <a:solidFill>
+                  <a:schemeClr val="bg1"/>
+                </a:solidFill>
+              </a:rPr>
+              <a:t>可能会需要 </a:t>
+            </a:r>
+            <a:r>
+              <a:rPr lang="en-US" altLang="zh-CN" dirty="0">
+                <a:solidFill>
+                  <a:schemeClr val="bg1"/>
+                </a:solidFill>
+              </a:rPr>
+              <a:t>main </a:t>
+            </a:r>
+            <a:r>
+              <a:rPr lang="zh-CN" altLang="en-US" dirty="0">
+                <a:solidFill>
+                  <a:schemeClr val="bg1"/>
+                </a:solidFill>
+              </a:rPr>
+              <a:t>方法。 默认情况下，不需要写</a:t>
+            </a:r>
+            <a:r>
+              <a:rPr lang="en-US" altLang="zh-CN" dirty="0">
+                <a:solidFill>
+                  <a:schemeClr val="bg1"/>
+                </a:solidFill>
+              </a:rPr>
+              <a:t>main</a:t>
+            </a:r>
+            <a:r>
+              <a:rPr lang="zh-CN" altLang="en-US" dirty="0">
+                <a:solidFill>
+                  <a:schemeClr val="bg1"/>
+                </a:solidFill>
+              </a:rPr>
+              <a:t>方法</a:t>
+            </a:r>
           </a:p>
         </p:txBody>
       </p:sp>
     </p:spTree>
     <p:extLst>
       <p:ext uri="{BB962C8B-B14F-4D97-AF65-F5344CB8AC3E}">
-        <p14:creationId xmlns:p14="http://schemas.microsoft.com/office/powerpoint/2010/main" val="2043610943"/>
+        <p14:creationId xmlns:p14="http://schemas.microsoft.com/office/powerpoint/2010/main" val="2817449584"/>
       </p:ext>
     </p:extLst>
   </p:cSld>
   <p:clrMapOvr>
     <a:masterClrMapping/>
   </p:clrMapOvr>
-  <p:timing>
-    <p:tnLst>
-      <p:par>
-        <p:cTn id="1" dur="indefinite" restart="never" nodeType="tmRoot">
-          <p:childTnLst>
-            <p:seq concurrent="1" nextAc="seek">
-              <p:cTn id="2" dur="indefinite" nodeType="mainSeq">
-                <p:childTnLst>
-                  <p:par>
-                    <p:cTn id="3" fill="hold">
-                      <p:stCondLst>
-                        <p:cond delay="indefinite"/>
-                      </p:stCondLst>
-                      <p:childTnLst>
-                        <p:par>
-                          <p:cTn id="4" fill="hold">
-                            <p:stCondLst>
-                              <p:cond delay="0"/>
-                            </p:stCondLst>
-                            <p:childTnLst>
-                              <p:par>
-                                <p:cTn id="5" presetID="1" presetClass="entr" presetSubtype="0" fill="hold" grpId="0" nodeType="clickEffect">
-                                  <p:stCondLst>
-                                    <p:cond delay="0"/>
-                                  </p:stCondLst>
-                                  <p:childTnLst>
-                                    <p:set>
-                                      <p:cBhvr>
-                                        <p:cTn id="6" dur="1" fill="hold">
-                                          <p:stCondLst>
-                                            <p:cond delay="0"/>
-                                          </p:stCondLst>
-                                        </p:cTn>
-                                        <p:tgtEl>
-                                          <p:spTgt spid="13"/>
-                                        </p:tgtEl>
-                                        <p:attrNameLst>
-                                          <p:attrName>style.visibility</p:attrName>
-                                        </p:attrNameLst>
-                                      </p:cBhvr>
-                                      <p:to>
-                                        <p:strVal val="visible"/>
-                                      </p:to>
-                                    </p:set>
-                                  </p:childTnLst>
-                                </p:cTn>
-                              </p:par>
-                            </p:childTnLst>
-                          </p:cTn>
-                        </p:par>
-                      </p:childTnLst>
-                    </p:cTn>
-                  </p:par>
-                </p:childTnLst>
-              </p:cTn>
-              <p:prevCondLst>
-                <p:cond evt="onPrev" delay="0">
-                  <p:tgtEl>
-                    <p:sldTgt/>
-                  </p:tgtEl>
-                </p:cond>
-              </p:prevCondLst>
-              <p:nextCondLst>
-                <p:cond evt="onNext" delay="0">
-                  <p:tgtEl>
-                    <p:sldTgt/>
-                  </p:tgtEl>
-                </p:cond>
-              </p:nextCondLst>
-            </p:seq>
-          </p:childTnLst>
-        </p:cTn>
-      </p:par>
-    </p:tnLst>
-    <p:bldLst>
-      <p:bldP spid="13" grpId="0"/>
-    </p:bldLst>
-  </p:timing>
 </p:sld>
 </file>
 
@@ -9490,28 +11094,42 @@
                 <a:latin typeface="Microsoft YaHei" panose="020B0503020204020204" pitchFamily="34" charset="-122"/>
                 <a:ea typeface="Microsoft YaHei" panose="020B0503020204020204" pitchFamily="34" charset="-122"/>
               </a:rPr>
-              <a:t>4.</a:t>
+              <a:t>3.</a:t>
             </a:r>
             <a:r>
               <a:rPr kumimoji="1" lang="zh-CN" altLang="en-US" sz="4800" dirty="0">
                 <a:latin typeface="Microsoft YaHei" panose="020B0503020204020204" pitchFamily="34" charset="-122"/>
                 <a:ea typeface="Microsoft YaHei" panose="020B0503020204020204" pitchFamily="34" charset="-122"/>
               </a:rPr>
-              <a:t>面板，</a:t>
+              <a:t> </a:t>
             </a:r>
             <a:r>
               <a:rPr kumimoji="1" lang="en-US" altLang="zh-CN" sz="4800" dirty="0">
                 <a:latin typeface="Microsoft YaHei" panose="020B0503020204020204" pitchFamily="34" charset="-122"/>
                 <a:ea typeface="Microsoft YaHei" panose="020B0503020204020204" pitchFamily="34" charset="-122"/>
               </a:rPr>
-              <a:t>UI</a:t>
+              <a:t>2</a:t>
             </a:r>
             <a:r>
               <a:rPr kumimoji="1" lang="zh-CN" altLang="en-US" sz="4800" dirty="0">
                 <a:latin typeface="Microsoft YaHei" panose="020B0503020204020204" pitchFamily="34" charset="-122"/>
                 <a:ea typeface="Microsoft YaHei" panose="020B0503020204020204" pitchFamily="34" charset="-122"/>
               </a:rPr>
-              <a:t>组件以及形状</a:t>
+              <a:t> </a:t>
+            </a:r>
+            <a:r>
+              <a:rPr kumimoji="1" lang="en-US" altLang="zh-CN" sz="4800" dirty="0">
+                <a:latin typeface="Microsoft YaHei" panose="020B0503020204020204" pitchFamily="34" charset="-122"/>
+                <a:ea typeface="Microsoft YaHei" panose="020B0503020204020204" pitchFamily="34" charset="-122"/>
+              </a:rPr>
+              <a:t>JavaFX</a:t>
+            </a:r>
+            <a:r>
+              <a:rPr kumimoji="1" lang="zh-CN" altLang="en-US" sz="4800" dirty="0">
+                <a:latin typeface="Microsoft YaHei" panose="020B0503020204020204" pitchFamily="34" charset="-122"/>
+                <a:ea typeface="Microsoft YaHei" panose="020B0503020204020204" pitchFamily="34" charset="-122"/>
+              </a:rPr>
+              <a:t>程序的基本结构</a:t>
             </a:r>
             <a:endParaRPr kumimoji="1" lang="en-US" altLang="zh-CN" sz="4800" dirty="0">
               <a:latin typeface="Microsoft YaHei" panose="020B0503020204020204" pitchFamily="34" charset="-122"/>
@@ -9534,8 +11152,8 @@
         </p:nvSpPr>
         <p:spPr>
           <a:xfrm>
-            <a:off x="2097741" y="2187389"/>
-            <a:ext cx="8423977" cy="3351046"/>
+            <a:off x="2097741" y="2169459"/>
+            <a:ext cx="8964706" cy="1689052"/>
           </a:xfrm>
           <a:prstGeom prst="rect">
             <a:avLst/>
@@ -9558,35 +11176,49 @@
                 <a:latin typeface="Microsoft YaHei" panose="020B0503020204020204" pitchFamily="34" charset="-122"/>
                 <a:ea typeface="Microsoft YaHei" panose="020B0503020204020204" pitchFamily="34" charset="-122"/>
               </a:rPr>
-              <a:t>微博</a:t>
+              <a:t>在创建</a:t>
             </a:r>
             <a:r>
               <a:rPr lang="en-US" altLang="zh-CN" sz="2400" dirty="0">
                 <a:latin typeface="Microsoft YaHei" panose="020B0503020204020204" pitchFamily="34" charset="-122"/>
                 <a:ea typeface="Microsoft YaHei" panose="020B0503020204020204" pitchFamily="34" charset="-122"/>
               </a:rPr>
-              <a:t>		</a:t>
+              <a:t>JavaFX</a:t>
             </a:r>
             <a:r>
               <a:rPr lang="zh-CN" altLang="en-US" sz="2400" dirty="0">
                 <a:latin typeface="Microsoft YaHei" panose="020B0503020204020204" pitchFamily="34" charset="-122"/>
                 <a:ea typeface="Microsoft YaHei" panose="020B0503020204020204" pitchFamily="34" charset="-122"/>
               </a:rPr>
-              <a:t>微信</a:t>
+              <a:t>项目之前，需要再</a:t>
             </a:r>
             <a:r>
               <a:rPr lang="en-US" altLang="zh-CN" sz="2400" dirty="0">
                 <a:latin typeface="Microsoft YaHei" panose="020B0503020204020204" pitchFamily="34" charset="-122"/>
                 <a:ea typeface="Microsoft YaHei" panose="020B0503020204020204" pitchFamily="34" charset="-122"/>
               </a:rPr>
-              <a:t>		</a:t>
+              <a:t>Eclipse</a:t>
+            </a:r>
+            <a:r>
+              <a:rPr lang="zh-CN" altLang="en-US" sz="2400" dirty="0">
+                <a:latin typeface="Microsoft YaHei" panose="020B0503020204020204" pitchFamily="34" charset="-122"/>
+                <a:ea typeface="Microsoft YaHei" panose="020B0503020204020204" pitchFamily="34" charset="-122"/>
+              </a:rPr>
+              <a:t>中添加</a:t>
             </a:r>
             <a:r>
               <a:rPr lang="en-US" altLang="zh-CN" sz="2400" dirty="0" err="1">
                 <a:latin typeface="Microsoft YaHei" panose="020B0503020204020204" pitchFamily="34" charset="-122"/>
                 <a:ea typeface="Microsoft YaHei" panose="020B0503020204020204" pitchFamily="34" charset="-122"/>
               </a:rPr>
-              <a:t>qq</a:t>
+              <a:t>javaFx</a:t>
+            </a:r>
+            <a:r>
+              <a:rPr lang="zh-CN" altLang="en-US" sz="2400" dirty="0">
+                <a:latin typeface="Microsoft YaHei" panose="020B0503020204020204" pitchFamily="34" charset="-122"/>
+                <a:ea typeface="Microsoft YaHei" panose="020B0503020204020204" pitchFamily="34" charset="-122"/>
+              </a:rPr>
+              <a:t>的相关配置</a:t>
             </a:r>
             <a:endParaRPr lang="en-US" altLang="zh-CN" sz="2400" dirty="0">
               <a:latin typeface="Microsoft YaHei" panose="020B0503020204020204" pitchFamily="34" charset="-122"/>
@@ -9603,37 +11235,14 @@
               <a:rPr lang="en-US" altLang="zh-CN" sz="2400" dirty="0">
                 <a:latin typeface="Microsoft YaHei" panose="020B0503020204020204" pitchFamily="34" charset="-122"/>
                 <a:ea typeface="Microsoft YaHei" panose="020B0503020204020204" pitchFamily="34" charset="-122"/>
-              </a:rPr>
-              <a:t>	</a:t>
-            </a:r>
-            <a:r>
-              <a:rPr lang="zh-CN" altLang="en-US" sz="2400" dirty="0">
-                <a:latin typeface="Microsoft YaHei" panose="020B0503020204020204" pitchFamily="34" charset="-122"/>
-                <a:ea typeface="Microsoft YaHei" panose="020B0503020204020204" pitchFamily="34" charset="-122"/>
-              </a:rPr>
-              <a:t>淘宝</a:t>
-            </a:r>
-            <a:r>
-              <a:rPr lang="en-US" altLang="zh-CN" sz="2400" dirty="0">
-                <a:latin typeface="Microsoft YaHei" panose="020B0503020204020204" pitchFamily="34" charset="-122"/>
-                <a:ea typeface="Microsoft YaHei" panose="020B0503020204020204" pitchFamily="34" charset="-122"/>
-              </a:rPr>
-              <a:t>		</a:t>
-            </a:r>
-            <a:r>
-              <a:rPr lang="zh-CN" altLang="en-US" sz="2400" dirty="0">
-                <a:latin typeface="Microsoft YaHei" panose="020B0503020204020204" pitchFamily="34" charset="-122"/>
-                <a:ea typeface="Microsoft YaHei" panose="020B0503020204020204" pitchFamily="34" charset="-122"/>
-              </a:rPr>
-              <a:t>支付宝</a:t>
-            </a:r>
-            <a:r>
-              <a:rPr lang="en-US" altLang="zh-CN" sz="2400" dirty="0">
-                <a:latin typeface="Microsoft YaHei" panose="020B0503020204020204" pitchFamily="34" charset="-122"/>
-                <a:ea typeface="Microsoft YaHei" panose="020B0503020204020204" pitchFamily="34" charset="-122"/>
-              </a:rPr>
-              <a:t>	</a:t>
-            </a:r>
+                <a:hlinkClick r:id="rId4"/>
+              </a:rPr>
+              <a:t>https://www.jb51.net/article/181980.htm</a:t>
+            </a:r>
+            <a:endParaRPr lang="en-US" altLang="zh-CN" sz="2400" dirty="0">
+              <a:latin typeface="Microsoft YaHei" panose="020B0503020204020204" pitchFamily="34" charset="-122"/>
+              <a:ea typeface="Microsoft YaHei" panose="020B0503020204020204" pitchFamily="34" charset="-122"/>
+            </a:endParaRPr>
           </a:p>
           <a:p>
             <a:pPr>
@@ -9645,140 +11254,21 @@
               <a:rPr lang="en-US" altLang="zh-CN" sz="2400" dirty="0">
                 <a:latin typeface="Microsoft YaHei" panose="020B0503020204020204" pitchFamily="34" charset="-122"/>
                 <a:ea typeface="Microsoft YaHei" panose="020B0503020204020204" pitchFamily="34" charset="-122"/>
-              </a:rPr>
-              <a:t>		</a:t>
-            </a:r>
-            <a:r>
-              <a:rPr lang="zh-CN" altLang="en-US" sz="2400" dirty="0">
-                <a:latin typeface="Microsoft YaHei" panose="020B0503020204020204" pitchFamily="34" charset="-122"/>
-                <a:ea typeface="Microsoft YaHei" panose="020B0503020204020204" pitchFamily="34" charset="-122"/>
-              </a:rPr>
-              <a:t>抖音    </a:t>
-            </a:r>
-            <a:r>
-              <a:rPr kumimoji="1" lang="zh-CN" altLang="en-US" sz="2400" dirty="0">
-                <a:latin typeface="Microsoft YaHei" panose="020B0503020204020204" pitchFamily="34" charset="-122"/>
-                <a:ea typeface="Microsoft YaHei" panose="020B0503020204020204" pitchFamily="34" charset="-122"/>
-              </a:rPr>
-              <a:t>网红      直播购物</a:t>
+                <a:hlinkClick r:id="rId5"/>
+              </a:rPr>
+              <a:t>https://www.cnblogs.com/csm21/articles/10604958.html</a:t>
             </a:r>
             <a:endParaRPr lang="en-US" altLang="zh-CN" sz="2400" dirty="0">
               <a:latin typeface="Microsoft YaHei" panose="020B0503020204020204" pitchFamily="34" charset="-122"/>
               <a:ea typeface="Microsoft YaHei" panose="020B0503020204020204" pitchFamily="34" charset="-122"/>
             </a:endParaRPr>
           </a:p>
-          <a:p>
-            <a:pPr>
-              <a:lnSpc>
-                <a:spcPct val="150000"/>
-              </a:lnSpc>
-            </a:pPr>
-            <a:r>
-              <a:rPr lang="en-US" altLang="zh-CN" sz="2400" dirty="0">
-                <a:latin typeface="Microsoft YaHei" panose="020B0503020204020204" pitchFamily="34" charset="-122"/>
-                <a:ea typeface="Microsoft YaHei" panose="020B0503020204020204" pitchFamily="34" charset="-122"/>
-              </a:rPr>
-              <a:t>	</a:t>
-            </a:r>
-            <a:r>
-              <a:rPr lang="zh-CN" altLang="en-US" sz="2400" dirty="0">
-                <a:latin typeface="Microsoft YaHei" panose="020B0503020204020204" pitchFamily="34" charset="-122"/>
-                <a:ea typeface="Microsoft YaHei" panose="020B0503020204020204" pitchFamily="34" charset="-122"/>
-              </a:rPr>
-              <a:t> </a:t>
-            </a:r>
-            <a:r>
-              <a:rPr lang="en-US" altLang="zh-CN" sz="2400" dirty="0">
-                <a:latin typeface="Microsoft YaHei" panose="020B0503020204020204" pitchFamily="34" charset="-122"/>
-                <a:ea typeface="Microsoft YaHei" panose="020B0503020204020204" pitchFamily="34" charset="-122"/>
-              </a:rPr>
-              <a:t>B</a:t>
-            </a:r>
-            <a:r>
-              <a:rPr lang="zh-CN" altLang="en-US" sz="2400" dirty="0">
-                <a:latin typeface="Microsoft YaHei" panose="020B0503020204020204" pitchFamily="34" charset="-122"/>
-                <a:ea typeface="Microsoft YaHei" panose="020B0503020204020204" pitchFamily="34" charset="-122"/>
-              </a:rPr>
-              <a:t>站</a:t>
-            </a:r>
-            <a:r>
-              <a:rPr lang="en-US" altLang="zh-CN" sz="2400" dirty="0">
-                <a:latin typeface="Microsoft YaHei" panose="020B0503020204020204" pitchFamily="34" charset="-122"/>
-                <a:ea typeface="Microsoft YaHei" panose="020B0503020204020204" pitchFamily="34" charset="-122"/>
-              </a:rPr>
-              <a:t>	</a:t>
-            </a:r>
-          </a:p>
-          <a:p>
-            <a:pPr>
-              <a:lnSpc>
-                <a:spcPct val="150000"/>
-              </a:lnSpc>
-            </a:pPr>
-            <a:r>
-              <a:rPr lang="en-US" altLang="zh-CN" sz="2400" dirty="0">
-                <a:latin typeface="Microsoft YaHei" panose="020B0503020204020204" pitchFamily="34" charset="-122"/>
-                <a:ea typeface="Microsoft YaHei" panose="020B0503020204020204" pitchFamily="34" charset="-122"/>
-              </a:rPr>
-              <a:t>			</a:t>
-            </a:r>
-            <a:r>
-              <a:rPr lang="zh-CN" altLang="en-US" sz="2400" dirty="0">
-                <a:latin typeface="Microsoft YaHei" panose="020B0503020204020204" pitchFamily="34" charset="-122"/>
-                <a:ea typeface="Microsoft YaHei" panose="020B0503020204020204" pitchFamily="34" charset="-122"/>
-              </a:rPr>
-              <a:t>视频</a:t>
-            </a:r>
-            <a:endParaRPr lang="en-US" altLang="zh-CN" sz="2400" dirty="0">
-              <a:latin typeface="Microsoft YaHei" panose="020B0503020204020204" pitchFamily="34" charset="-122"/>
-              <a:ea typeface="Microsoft YaHei" panose="020B0503020204020204" pitchFamily="34" charset="-122"/>
-            </a:endParaRPr>
-          </a:p>
-          <a:p>
-            <a:pPr>
-              <a:lnSpc>
-                <a:spcPct val="150000"/>
-              </a:lnSpc>
-            </a:pPr>
-            <a:r>
-              <a:rPr lang="en-US" altLang="zh-CN" sz="2400" dirty="0">
-                <a:latin typeface="Microsoft YaHei" panose="020B0503020204020204" pitchFamily="34" charset="-122"/>
-                <a:ea typeface="Microsoft YaHei" panose="020B0503020204020204" pitchFamily="34" charset="-122"/>
-              </a:rPr>
-              <a:t>	</a:t>
-            </a:r>
-            <a:r>
-              <a:rPr lang="zh-CN" altLang="en-US" sz="2400" dirty="0">
-                <a:latin typeface="Microsoft YaHei" panose="020B0503020204020204" pitchFamily="34" charset="-122"/>
-                <a:ea typeface="Microsoft YaHei" panose="020B0503020204020204" pitchFamily="34" charset="-122"/>
-              </a:rPr>
-              <a:t> 外卖</a:t>
-            </a:r>
-            <a:r>
-              <a:rPr lang="en-US" altLang="zh-CN" sz="2400" dirty="0">
-                <a:latin typeface="Microsoft YaHei" panose="020B0503020204020204" pitchFamily="34" charset="-122"/>
-                <a:ea typeface="Microsoft YaHei" panose="020B0503020204020204" pitchFamily="34" charset="-122"/>
-              </a:rPr>
-              <a:t>				</a:t>
-            </a:r>
-            <a:r>
-              <a:rPr lang="zh-CN" altLang="en-US" sz="2400" dirty="0">
-                <a:latin typeface="Microsoft YaHei" panose="020B0503020204020204" pitchFamily="34" charset="-122"/>
-                <a:ea typeface="Microsoft YaHei" panose="020B0503020204020204" pitchFamily="34" charset="-122"/>
-              </a:rPr>
-              <a:t>手机游戏</a:t>
-            </a:r>
-            <a:endParaRPr lang="en-US" altLang="zh-CN" sz="2400" dirty="0">
-              <a:latin typeface="Microsoft YaHei" panose="020B0503020204020204" pitchFamily="34" charset="-122"/>
-              <a:ea typeface="Microsoft YaHei" panose="020B0503020204020204" pitchFamily="34" charset="-122"/>
-            </a:endParaRPr>
-          </a:p>
         </p:txBody>
       </p:sp>
     </p:spTree>
     <p:extLst>
       <p:ext uri="{BB962C8B-B14F-4D97-AF65-F5344CB8AC3E}">
-        <p14:creationId xmlns:p14="http://schemas.microsoft.com/office/powerpoint/2010/main" val="3312448662"/>
+        <p14:creationId xmlns:p14="http://schemas.microsoft.com/office/powerpoint/2010/main" val="2043610943"/>
       </p:ext>
     </p:extLst>
   </p:cSld>
@@ -9926,14 +11416,28 @@
                 <a:latin typeface="Microsoft YaHei" panose="020B0503020204020204" pitchFamily="34" charset="-122"/>
                 <a:ea typeface="Microsoft YaHei" panose="020B0503020204020204" pitchFamily="34" charset="-122"/>
               </a:rPr>
-              <a:t>5.</a:t>
+              <a:t>4.</a:t>
             </a:r>
             <a:r>
               <a:rPr kumimoji="1" lang="zh-CN" altLang="en-US" sz="4800" dirty="0">
                 <a:latin typeface="Microsoft YaHei" panose="020B0503020204020204" pitchFamily="34" charset="-122"/>
                 <a:ea typeface="Microsoft YaHei" panose="020B0503020204020204" pitchFamily="34" charset="-122"/>
               </a:rPr>
-              <a:t>属性绑定</a:t>
+              <a:t>面板，</a:t>
+            </a:r>
+            <a:r>
+              <a:rPr kumimoji="1" lang="en-US" altLang="zh-CN" sz="4800" dirty="0">
+                <a:latin typeface="Microsoft YaHei" panose="020B0503020204020204" pitchFamily="34" charset="-122"/>
+                <a:ea typeface="Microsoft YaHei" panose="020B0503020204020204" pitchFamily="34" charset="-122"/>
+              </a:rPr>
+              <a:t>UI</a:t>
+            </a:r>
+            <a:r>
+              <a:rPr kumimoji="1" lang="zh-CN" altLang="en-US" sz="4800" dirty="0">
+                <a:latin typeface="Microsoft YaHei" panose="020B0503020204020204" pitchFamily="34" charset="-122"/>
+                <a:ea typeface="Microsoft YaHei" panose="020B0503020204020204" pitchFamily="34" charset="-122"/>
+              </a:rPr>
+              <a:t>组件以及形状</a:t>
             </a:r>
             <a:endParaRPr kumimoji="1" lang="en-US" altLang="zh-CN" sz="4800" dirty="0">
               <a:latin typeface="Microsoft YaHei" panose="020B0503020204020204" pitchFamily="34" charset="-122"/>
@@ -9942,12 +11446,42 @@
           </a:p>
         </p:txBody>
       </p:sp>
-      <p:sp>
-        <p:nvSpPr>
-          <p:cNvPr id="13" name="文本框 12">
+      <p:pic>
+        <p:nvPicPr>
+          <p:cNvPr id="3" name="图片 2">
             <a:extLst>
               <a:ext uri="{FF2B5EF4-FFF2-40B4-BE49-F238E27FC236}">
-                <a16:creationId xmlns:a16="http://schemas.microsoft.com/office/drawing/2014/main" id="{8E054F89-5FA8-2F47-8710-58E04A67980C}"/>
+                <a16:creationId xmlns:a16="http://schemas.microsoft.com/office/drawing/2014/main" id="{40519421-AA2D-234E-BD9D-024EA6A3C394}"/>
+              </a:ext>
+            </a:extLst>
+          </p:cNvPr>
+          <p:cNvPicPr>
+            <a:picLocks noChangeAspect="1"/>
+          </p:cNvPicPr>
+          <p:nvPr/>
+        </p:nvPicPr>
+        <p:blipFill>
+          <a:blip r:embed="rId4"/>
+          <a:stretch>
+            <a:fillRect/>
+          </a:stretch>
+        </p:blipFill>
+        <p:spPr>
+          <a:xfrm>
+            <a:off x="581109" y="1751704"/>
+            <a:ext cx="7826748" cy="4374776"/>
+          </a:xfrm>
+          <a:prstGeom prst="rect">
+            <a:avLst/>
+          </a:prstGeom>
+        </p:spPr>
+      </p:pic>
+      <p:sp>
+        <p:nvSpPr>
+          <p:cNvPr id="4" name="文本框 3">
+            <a:extLst>
+              <a:ext uri="{FF2B5EF4-FFF2-40B4-BE49-F238E27FC236}">
+                <a16:creationId xmlns:a16="http://schemas.microsoft.com/office/drawing/2014/main" id="{D82C30EF-2985-8640-B9E0-DB6A2C0737F8}"/>
               </a:ext>
             </a:extLst>
           </p:cNvPr>
@@ -9956,8 +11490,65 @@
         </p:nvSpPr>
         <p:spPr>
           <a:xfrm>
-            <a:off x="2097741" y="2187389"/>
-            <a:ext cx="8423977" cy="3351046"/>
+            <a:off x="3567954" y="6315667"/>
+            <a:ext cx="2545976" cy="369332"/>
+          </a:xfrm>
+          <a:prstGeom prst="rect">
+            <a:avLst/>
+          </a:prstGeom>
+          <a:solidFill>
+            <a:srgbClr val="FF9300"/>
+          </a:solidFill>
+        </p:spPr>
+        <p:txBody>
+          <a:bodyPr wrap="square" rtlCol="0">
+            <a:spAutoFit/>
+          </a:bodyPr>
+          <a:lstStyle/>
+          <a:p>
+            <a:r>
+              <a:rPr kumimoji="1" lang="zh-CN" altLang="en-US" dirty="0">
+                <a:solidFill>
+                  <a:schemeClr val="bg1"/>
+                </a:solidFill>
+              </a:rPr>
+              <a:t>一个</a:t>
+            </a:r>
+            <a:r>
+              <a:rPr kumimoji="1" lang="en-US" altLang="zh-CN" dirty="0">
+                <a:solidFill>
+                  <a:schemeClr val="bg1"/>
+                </a:solidFill>
+              </a:rPr>
+              <a:t>JavaFX</a:t>
+            </a:r>
+            <a:r>
+              <a:rPr kumimoji="1" lang="zh-CN" altLang="en-US" dirty="0">
+                <a:solidFill>
+                  <a:schemeClr val="bg1"/>
+                </a:solidFill>
+              </a:rPr>
+              <a:t>的分层界面</a:t>
+            </a:r>
+          </a:p>
+        </p:txBody>
+      </p:sp>
+      <p:sp>
+        <p:nvSpPr>
+          <p:cNvPr id="5" name="文本框 4">
+            <a:extLst>
+              <a:ext uri="{FF2B5EF4-FFF2-40B4-BE49-F238E27FC236}">
+                <a16:creationId xmlns:a16="http://schemas.microsoft.com/office/drawing/2014/main" id="{17AEDE23-F605-E246-8F92-1430F2C11FA2}"/>
+              </a:ext>
+            </a:extLst>
+          </p:cNvPr>
+          <p:cNvSpPr txBox="1"/>
+          <p:nvPr/>
+        </p:nvSpPr>
+        <p:spPr>
+          <a:xfrm>
+            <a:off x="8588188" y="2545976"/>
+            <a:ext cx="3342339" cy="1477328"/>
           </a:xfrm>
           <a:prstGeom prst="rect">
             <a:avLst/>
@@ -9970,321 +11561,94 @@
           </a:bodyPr>
           <a:lstStyle/>
           <a:p>
-            <a:pPr>
-              <a:lnSpc>
-                <a:spcPct val="150000"/>
-              </a:lnSpc>
-            </a:pPr>
-            <a:r>
-              <a:rPr lang="zh-CN" altLang="en-US" sz="2400" dirty="0">
-                <a:latin typeface="Microsoft YaHei" panose="020B0503020204020204" pitchFamily="34" charset="-122"/>
-                <a:ea typeface="Microsoft YaHei" panose="020B0503020204020204" pitchFamily="34" charset="-122"/>
-              </a:rPr>
-              <a:t>微博</a:t>
-            </a:r>
-            <a:r>
-              <a:rPr lang="en-US" altLang="zh-CN" sz="2400" dirty="0">
-                <a:latin typeface="Microsoft YaHei" panose="020B0503020204020204" pitchFamily="34" charset="-122"/>
-                <a:ea typeface="Microsoft YaHei" panose="020B0503020204020204" pitchFamily="34" charset="-122"/>
-              </a:rPr>
-              <a:t>		</a:t>
-            </a:r>
-            <a:r>
-              <a:rPr lang="zh-CN" altLang="en-US" sz="2400" dirty="0">
-                <a:latin typeface="Microsoft YaHei" panose="020B0503020204020204" pitchFamily="34" charset="-122"/>
-                <a:ea typeface="Microsoft YaHei" panose="020B0503020204020204" pitchFamily="34" charset="-122"/>
-              </a:rPr>
-              <a:t>微信</a:t>
-            </a:r>
-            <a:r>
-              <a:rPr lang="en-US" altLang="zh-CN" sz="2400" dirty="0">
-                <a:latin typeface="Microsoft YaHei" panose="020B0503020204020204" pitchFamily="34" charset="-122"/>
-                <a:ea typeface="Microsoft YaHei" panose="020B0503020204020204" pitchFamily="34" charset="-122"/>
-              </a:rPr>
-              <a:t>		</a:t>
-            </a:r>
-            <a:r>
-              <a:rPr lang="en-US" altLang="zh-CN" sz="2400" dirty="0" err="1">
-                <a:latin typeface="Microsoft YaHei" panose="020B0503020204020204" pitchFamily="34" charset="-122"/>
-                <a:ea typeface="Microsoft YaHei" panose="020B0503020204020204" pitchFamily="34" charset="-122"/>
-              </a:rPr>
-              <a:t>qq</a:t>
-            </a:r>
-            <a:endParaRPr lang="en-US" altLang="zh-CN" sz="2400" dirty="0">
-              <a:latin typeface="Microsoft YaHei" panose="020B0503020204020204" pitchFamily="34" charset="-122"/>
-              <a:ea typeface="Microsoft YaHei" panose="020B0503020204020204" pitchFamily="34" charset="-122"/>
-            </a:endParaRPr>
-          </a:p>
-          <a:p>
-            <a:pPr>
-              <a:lnSpc>
-                <a:spcPct val="150000"/>
-              </a:lnSpc>
-            </a:pPr>
-            <a:r>
-              <a:rPr lang="en-US" altLang="zh-CN" sz="2400" dirty="0">
-                <a:latin typeface="Microsoft YaHei" panose="020B0503020204020204" pitchFamily="34" charset="-122"/>
-                <a:ea typeface="Microsoft YaHei" panose="020B0503020204020204" pitchFamily="34" charset="-122"/>
-              </a:rPr>
-              <a:t>	</a:t>
-            </a:r>
-            <a:r>
-              <a:rPr lang="zh-CN" altLang="en-US" sz="2400" dirty="0">
-                <a:latin typeface="Microsoft YaHei" panose="020B0503020204020204" pitchFamily="34" charset="-122"/>
-                <a:ea typeface="Microsoft YaHei" panose="020B0503020204020204" pitchFamily="34" charset="-122"/>
-              </a:rPr>
-              <a:t>淘宝</a:t>
-            </a:r>
-            <a:r>
-              <a:rPr lang="en-US" altLang="zh-CN" sz="2400" dirty="0">
-                <a:latin typeface="Microsoft YaHei" panose="020B0503020204020204" pitchFamily="34" charset="-122"/>
-                <a:ea typeface="Microsoft YaHei" panose="020B0503020204020204" pitchFamily="34" charset="-122"/>
-              </a:rPr>
-              <a:t>		</a:t>
-            </a:r>
-            <a:r>
-              <a:rPr lang="zh-CN" altLang="en-US" sz="2400" dirty="0">
-                <a:latin typeface="Microsoft YaHei" panose="020B0503020204020204" pitchFamily="34" charset="-122"/>
-                <a:ea typeface="Microsoft YaHei" panose="020B0503020204020204" pitchFamily="34" charset="-122"/>
-              </a:rPr>
-              <a:t>支付宝</a:t>
-            </a:r>
-            <a:r>
-              <a:rPr lang="en-US" altLang="zh-CN" sz="2400" dirty="0">
-                <a:latin typeface="Microsoft YaHei" panose="020B0503020204020204" pitchFamily="34" charset="-122"/>
-                <a:ea typeface="Microsoft YaHei" panose="020B0503020204020204" pitchFamily="34" charset="-122"/>
-              </a:rPr>
-              <a:t>	</a:t>
-            </a:r>
-          </a:p>
-          <a:p>
-            <a:pPr>
-              <a:lnSpc>
-                <a:spcPct val="150000"/>
-              </a:lnSpc>
-            </a:pPr>
-            <a:r>
-              <a:rPr lang="en-US" altLang="zh-CN" sz="2400" dirty="0">
-                <a:latin typeface="Microsoft YaHei" panose="020B0503020204020204" pitchFamily="34" charset="-122"/>
-                <a:ea typeface="Microsoft YaHei" panose="020B0503020204020204" pitchFamily="34" charset="-122"/>
-              </a:rPr>
-              <a:t>		</a:t>
-            </a:r>
-            <a:r>
-              <a:rPr lang="zh-CN" altLang="en-US" sz="2400" dirty="0">
-                <a:latin typeface="Microsoft YaHei" panose="020B0503020204020204" pitchFamily="34" charset="-122"/>
-                <a:ea typeface="Microsoft YaHei" panose="020B0503020204020204" pitchFamily="34" charset="-122"/>
-              </a:rPr>
-              <a:t>抖音    </a:t>
-            </a:r>
-            <a:r>
-              <a:rPr kumimoji="1" lang="zh-CN" altLang="en-US" sz="2400" dirty="0">
-                <a:latin typeface="Microsoft YaHei" panose="020B0503020204020204" pitchFamily="34" charset="-122"/>
-                <a:ea typeface="Microsoft YaHei" panose="020B0503020204020204" pitchFamily="34" charset="-122"/>
-              </a:rPr>
-              <a:t>网红      直播购物</a:t>
-            </a:r>
-            <a:endParaRPr lang="en-US" altLang="zh-CN" sz="2400" dirty="0">
-              <a:latin typeface="Microsoft YaHei" panose="020B0503020204020204" pitchFamily="34" charset="-122"/>
-              <a:ea typeface="Microsoft YaHei" panose="020B0503020204020204" pitchFamily="34" charset="-122"/>
-            </a:endParaRPr>
-          </a:p>
-          <a:p>
-            <a:pPr>
-              <a:lnSpc>
-                <a:spcPct val="150000"/>
-              </a:lnSpc>
-            </a:pPr>
-            <a:r>
-              <a:rPr lang="en-US" altLang="zh-CN" sz="2400" dirty="0">
-                <a:latin typeface="Microsoft YaHei" panose="020B0503020204020204" pitchFamily="34" charset="-122"/>
-                <a:ea typeface="Microsoft YaHei" panose="020B0503020204020204" pitchFamily="34" charset="-122"/>
-              </a:rPr>
-              <a:t>	</a:t>
-            </a:r>
-            <a:r>
-              <a:rPr lang="zh-CN" altLang="en-US" sz="2400" dirty="0">
-                <a:latin typeface="Microsoft YaHei" panose="020B0503020204020204" pitchFamily="34" charset="-122"/>
-                <a:ea typeface="Microsoft YaHei" panose="020B0503020204020204" pitchFamily="34" charset="-122"/>
-              </a:rPr>
-              <a:t> </a:t>
-            </a:r>
-            <a:r>
-              <a:rPr lang="en-US" altLang="zh-CN" sz="2400" dirty="0">
-                <a:latin typeface="Microsoft YaHei" panose="020B0503020204020204" pitchFamily="34" charset="-122"/>
-                <a:ea typeface="Microsoft YaHei" panose="020B0503020204020204" pitchFamily="34" charset="-122"/>
-              </a:rPr>
-              <a:t>B</a:t>
-            </a:r>
-            <a:r>
-              <a:rPr lang="zh-CN" altLang="en-US" sz="2400" dirty="0">
-                <a:latin typeface="Microsoft YaHei" panose="020B0503020204020204" pitchFamily="34" charset="-122"/>
-                <a:ea typeface="Microsoft YaHei" panose="020B0503020204020204" pitchFamily="34" charset="-122"/>
-              </a:rPr>
-              <a:t>站</a:t>
-            </a:r>
-            <a:r>
-              <a:rPr lang="en-US" altLang="zh-CN" sz="2400" dirty="0">
-                <a:latin typeface="Microsoft YaHei" panose="020B0503020204020204" pitchFamily="34" charset="-122"/>
-                <a:ea typeface="Microsoft YaHei" panose="020B0503020204020204" pitchFamily="34" charset="-122"/>
-              </a:rPr>
-              <a:t>	</a:t>
-            </a:r>
-          </a:p>
-          <a:p>
-            <a:pPr>
-              <a:lnSpc>
-                <a:spcPct val="150000"/>
-              </a:lnSpc>
-            </a:pPr>
-            <a:r>
-              <a:rPr lang="en-US" altLang="zh-CN" sz="2400" dirty="0">
-                <a:latin typeface="Microsoft YaHei" panose="020B0503020204020204" pitchFamily="34" charset="-122"/>
-                <a:ea typeface="Microsoft YaHei" panose="020B0503020204020204" pitchFamily="34" charset="-122"/>
-              </a:rPr>
-              <a:t>			</a:t>
-            </a:r>
-            <a:r>
-              <a:rPr lang="zh-CN" altLang="en-US" sz="2400" dirty="0">
-                <a:latin typeface="Microsoft YaHei" panose="020B0503020204020204" pitchFamily="34" charset="-122"/>
-                <a:ea typeface="Microsoft YaHei" panose="020B0503020204020204" pitchFamily="34" charset="-122"/>
-              </a:rPr>
-              <a:t>视频</a:t>
-            </a:r>
-            <a:endParaRPr lang="en-US" altLang="zh-CN" sz="2400" dirty="0">
-              <a:latin typeface="Microsoft YaHei" panose="020B0503020204020204" pitchFamily="34" charset="-122"/>
-              <a:ea typeface="Microsoft YaHei" panose="020B0503020204020204" pitchFamily="34" charset="-122"/>
-            </a:endParaRPr>
-          </a:p>
-          <a:p>
-            <a:pPr>
-              <a:lnSpc>
-                <a:spcPct val="150000"/>
-              </a:lnSpc>
-            </a:pPr>
-            <a:r>
-              <a:rPr lang="en-US" altLang="zh-CN" sz="2400" dirty="0">
-                <a:latin typeface="Microsoft YaHei" panose="020B0503020204020204" pitchFamily="34" charset="-122"/>
-                <a:ea typeface="Microsoft YaHei" panose="020B0503020204020204" pitchFamily="34" charset="-122"/>
-              </a:rPr>
-              <a:t>	</a:t>
-            </a:r>
-            <a:r>
-              <a:rPr lang="zh-CN" altLang="en-US" sz="2400" dirty="0">
-                <a:latin typeface="Microsoft YaHei" panose="020B0503020204020204" pitchFamily="34" charset="-122"/>
-                <a:ea typeface="Microsoft YaHei" panose="020B0503020204020204" pitchFamily="34" charset="-122"/>
-              </a:rPr>
-              <a:t> 外卖</a:t>
-            </a:r>
-            <a:r>
-              <a:rPr lang="en-US" altLang="zh-CN" sz="2400" dirty="0">
-                <a:latin typeface="Microsoft YaHei" panose="020B0503020204020204" pitchFamily="34" charset="-122"/>
-                <a:ea typeface="Microsoft YaHei" panose="020B0503020204020204" pitchFamily="34" charset="-122"/>
-              </a:rPr>
-              <a:t>				</a:t>
-            </a:r>
-            <a:r>
-              <a:rPr lang="zh-CN" altLang="en-US" sz="2400" dirty="0">
-                <a:latin typeface="Microsoft YaHei" panose="020B0503020204020204" pitchFamily="34" charset="-122"/>
-                <a:ea typeface="Microsoft YaHei" panose="020B0503020204020204" pitchFamily="34" charset="-122"/>
-              </a:rPr>
-              <a:t>手机游戏</a:t>
-            </a:r>
-            <a:endParaRPr lang="en-US" altLang="zh-CN" sz="2400" dirty="0">
-              <a:latin typeface="Microsoft YaHei" panose="020B0503020204020204" pitchFamily="34" charset="-122"/>
-              <a:ea typeface="Microsoft YaHei" panose="020B0503020204020204" pitchFamily="34" charset="-122"/>
-            </a:endParaRPr>
+            <a:r>
+              <a:rPr kumimoji="1" lang="zh-CN" altLang="en-US" dirty="0"/>
+              <a:t>空心三角箭头：继承关系</a:t>
+            </a:r>
+            <a:endParaRPr kumimoji="1" lang="en-US" altLang="zh-CN" dirty="0"/>
+          </a:p>
+          <a:p>
+            <a:r>
+              <a:rPr kumimoji="1" lang="zh-CN" altLang="en-US" dirty="0"/>
+              <a:t>实心</a:t>
+            </a:r>
+            <a:r>
+              <a:rPr kumimoji="1" lang="en-US" altLang="zh-CN" dirty="0"/>
+              <a:t>◇</a:t>
+            </a:r>
+            <a:r>
+              <a:rPr kumimoji="1" lang="zh-CN" altLang="en-US" dirty="0"/>
+              <a:t>箭头：由</a:t>
+            </a:r>
+            <a:r>
+              <a:rPr kumimoji="1" lang="en-US" altLang="zh-CN" dirty="0"/>
+              <a:t>x</a:t>
+            </a:r>
+            <a:r>
+              <a:rPr kumimoji="1" lang="zh-CN" altLang="en-US" dirty="0"/>
+              <a:t>组成</a:t>
+            </a:r>
+            <a:r>
+              <a:rPr kumimoji="1" lang="en-US" altLang="zh-CN" dirty="0"/>
+              <a:t>y</a:t>
+            </a:r>
+            <a:r>
+              <a:rPr kumimoji="1" lang="zh-CN" altLang="en-US" dirty="0"/>
+              <a:t>，菱形上的数字表示 </a:t>
+            </a:r>
+            <a:r>
+              <a:rPr kumimoji="1" lang="en-US" altLang="zh-CN" dirty="0"/>
+              <a:t>1</a:t>
+            </a:r>
+            <a:r>
+              <a:rPr kumimoji="1" lang="zh-CN" altLang="en-US" dirty="0"/>
+              <a:t>对多，</a:t>
+            </a:r>
+            <a:r>
+              <a:rPr kumimoji="1" lang="en-US" altLang="zh-CN" dirty="0"/>
+              <a:t>1</a:t>
+            </a:r>
+            <a:r>
+              <a:rPr kumimoji="1" lang="zh-CN" altLang="en-US" dirty="0"/>
+              <a:t>对</a:t>
+            </a:r>
+            <a:r>
+              <a:rPr kumimoji="1" lang="en-US" altLang="zh-CN" dirty="0"/>
+              <a:t>1</a:t>
+            </a:r>
+            <a:r>
+              <a:rPr kumimoji="1" lang="zh-CN" altLang="en-US" dirty="0"/>
+              <a:t>，还是多对多的关系，比如</a:t>
+            </a:r>
+            <a:r>
+              <a:rPr kumimoji="1" lang="en-US" altLang="zh-CN" dirty="0"/>
+              <a:t>stage</a:t>
+            </a:r>
+            <a:r>
+              <a:rPr kumimoji="1" lang="zh-CN" altLang="en-US" dirty="0"/>
+              <a:t>是有一个</a:t>
+            </a:r>
+            <a:r>
+              <a:rPr kumimoji="1" lang="en-US" altLang="zh-CN" dirty="0"/>
+              <a:t>Scene</a:t>
+            </a:r>
+            <a:r>
+              <a:rPr kumimoji="1" lang="zh-CN" altLang="en-US" dirty="0"/>
+              <a:t>组成</a:t>
+            </a:r>
           </a:p>
         </p:txBody>
       </p:sp>
     </p:spTree>
     <p:extLst>
       <p:ext uri="{BB962C8B-B14F-4D97-AF65-F5344CB8AC3E}">
-        <p14:creationId xmlns:p14="http://schemas.microsoft.com/office/powerpoint/2010/main" val="1595146130"/>
+        <p14:creationId xmlns:p14="http://schemas.microsoft.com/office/powerpoint/2010/main" val="3312448662"/>
       </p:ext>
     </p:extLst>
   </p:cSld>
   <p:clrMapOvr>
     <a:masterClrMapping/>
   </p:clrMapOvr>
-  <p:timing>
-    <p:tnLst>
-      <p:par>
-        <p:cTn id="1" dur="indefinite" restart="never" nodeType="tmRoot">
-          <p:childTnLst>
-            <p:seq concurrent="1" nextAc="seek">
-              <p:cTn id="2" dur="indefinite" nodeType="mainSeq">
-                <p:childTnLst>
-                  <p:par>
-                    <p:cTn id="3" fill="hold">
-                      <p:stCondLst>
-                        <p:cond delay="indefinite"/>
-                      </p:stCondLst>
-                      <p:childTnLst>
-                        <p:par>
-                          <p:cTn id="4" fill="hold">
-                            <p:stCondLst>
-                              <p:cond delay="0"/>
-                            </p:stCondLst>
-                            <p:childTnLst>
-                              <p:par>
-                                <p:cTn id="5" presetID="1" presetClass="entr" presetSubtype="0" fill="hold" grpId="0" nodeType="clickEffect">
-                                  <p:stCondLst>
-                                    <p:cond delay="0"/>
-                                  </p:stCondLst>
-                                  <p:childTnLst>
-                                    <p:set>
-                                      <p:cBhvr>
-                                        <p:cTn id="6" dur="1" fill="hold">
-                                          <p:stCondLst>
-                                            <p:cond delay="0"/>
-                                          </p:stCondLst>
-                                        </p:cTn>
-                                        <p:tgtEl>
-                                          <p:spTgt spid="13"/>
-                                        </p:tgtEl>
-                                        <p:attrNameLst>
-                                          <p:attrName>style.visibility</p:attrName>
-                                        </p:attrNameLst>
-                                      </p:cBhvr>
-                                      <p:to>
-                                        <p:strVal val="visible"/>
-                                      </p:to>
-                                    </p:set>
-                                  </p:childTnLst>
-                                </p:cTn>
-                              </p:par>
-                            </p:childTnLst>
-                          </p:cTn>
-                        </p:par>
-                      </p:childTnLst>
-                    </p:cTn>
-                  </p:par>
-                </p:childTnLst>
-              </p:cTn>
-              <p:prevCondLst>
-                <p:cond evt="onPrev" delay="0">
-                  <p:tgtEl>
-                    <p:sldTgt/>
-                  </p:tgtEl>
-                </p:cond>
-              </p:prevCondLst>
-              <p:nextCondLst>
-                <p:cond evt="onNext" delay="0">
-                  <p:tgtEl>
-                    <p:sldTgt/>
-                  </p:tgtEl>
-                </p:cond>
-              </p:nextCondLst>
-            </p:seq>
-          </p:childTnLst>
-        </p:cTn>
-      </p:par>
-    </p:tnLst>
-    <p:bldLst>
-      <p:bldP spid="13" grpId="0"/>
-    </p:bldLst>
-  </p:timing>
 </p:sld>
 </file>
 
@@ -10348,14 +11712,28 @@
                 <a:latin typeface="Microsoft YaHei" panose="020B0503020204020204" pitchFamily="34" charset="-122"/>
                 <a:ea typeface="Microsoft YaHei" panose="020B0503020204020204" pitchFamily="34" charset="-122"/>
               </a:rPr>
-              <a:t>6.</a:t>
+              <a:t>4.</a:t>
             </a:r>
             <a:r>
               <a:rPr kumimoji="1" lang="zh-CN" altLang="en-US" sz="4800" dirty="0">
                 <a:latin typeface="Microsoft YaHei" panose="020B0503020204020204" pitchFamily="34" charset="-122"/>
                 <a:ea typeface="Microsoft YaHei" panose="020B0503020204020204" pitchFamily="34" charset="-122"/>
               </a:rPr>
-              <a:t> 属性绑定</a:t>
+              <a:t>面板，</a:t>
+            </a:r>
+            <a:r>
+              <a:rPr kumimoji="1" lang="en-US" altLang="zh-CN" sz="4800" dirty="0">
+                <a:latin typeface="Microsoft YaHei" panose="020B0503020204020204" pitchFamily="34" charset="-122"/>
+                <a:ea typeface="Microsoft YaHei" panose="020B0503020204020204" pitchFamily="34" charset="-122"/>
+              </a:rPr>
+              <a:t>UI</a:t>
+            </a:r>
+            <a:r>
+              <a:rPr kumimoji="1" lang="zh-CN" altLang="en-US" sz="4800" dirty="0">
+                <a:latin typeface="Microsoft YaHei" panose="020B0503020204020204" pitchFamily="34" charset="-122"/>
+                <a:ea typeface="Microsoft YaHei" panose="020B0503020204020204" pitchFamily="34" charset="-122"/>
+              </a:rPr>
+              <a:t>组件以及形状</a:t>
             </a:r>
             <a:endParaRPr kumimoji="1" lang="en-US" altLang="zh-CN" sz="4800" dirty="0">
               <a:latin typeface="Microsoft YaHei" panose="020B0503020204020204" pitchFamily="34" charset="-122"/>
@@ -10366,10 +11744,10 @@
       </p:sp>
       <p:sp>
         <p:nvSpPr>
-          <p:cNvPr id="13" name="文本框 12">
+          <p:cNvPr id="5" name="文本框 4">
             <a:extLst>
               <a:ext uri="{FF2B5EF4-FFF2-40B4-BE49-F238E27FC236}">
-                <a16:creationId xmlns:a16="http://schemas.microsoft.com/office/drawing/2014/main" id="{8E054F89-5FA8-2F47-8710-58E04A67980C}"/>
+                <a16:creationId xmlns:a16="http://schemas.microsoft.com/office/drawing/2014/main" id="{51C5AD9E-2F60-D249-8D13-CCE82F7F1E6B}"/>
               </a:ext>
             </a:extLst>
           </p:cNvPr>
@@ -10378,8 +11756,8 @@
         </p:nvSpPr>
         <p:spPr>
           <a:xfrm>
-            <a:off x="2097741" y="2187389"/>
-            <a:ext cx="8423977" cy="3351046"/>
+            <a:off x="89826" y="2814918"/>
+            <a:ext cx="5109703" cy="2807885"/>
           </a:xfrm>
           <a:prstGeom prst="rect">
             <a:avLst/>
@@ -10398,41 +11776,90 @@
               </a:lnSpc>
             </a:pPr>
             <a:r>
-              <a:rPr lang="zh-CN" altLang="en-US" sz="2400" dirty="0">
-                <a:latin typeface="Microsoft YaHei" panose="020B0503020204020204" pitchFamily="34" charset="-122"/>
-                <a:ea typeface="Microsoft YaHei" panose="020B0503020204020204" pitchFamily="34" charset="-122"/>
-              </a:rPr>
-              <a:t>微博</a:t>
-            </a:r>
-            <a:r>
-              <a:rPr lang="en-US" altLang="zh-CN" sz="2400" dirty="0">
-                <a:latin typeface="Microsoft YaHei" panose="020B0503020204020204" pitchFamily="34" charset="-122"/>
-                <a:ea typeface="Microsoft YaHei" panose="020B0503020204020204" pitchFamily="34" charset="-122"/>
-              </a:rPr>
-              <a:t>		</a:t>
-            </a:r>
-            <a:r>
-              <a:rPr lang="zh-CN" altLang="en-US" sz="2400" dirty="0">
-                <a:latin typeface="Microsoft YaHei" panose="020B0503020204020204" pitchFamily="34" charset="-122"/>
-                <a:ea typeface="Microsoft YaHei" panose="020B0503020204020204" pitchFamily="34" charset="-122"/>
-              </a:rPr>
-              <a:t>微信</a:t>
-            </a:r>
-            <a:r>
-              <a:rPr lang="en-US" altLang="zh-CN" sz="2400" dirty="0">
-                <a:latin typeface="Microsoft YaHei" panose="020B0503020204020204" pitchFamily="34" charset="-122"/>
-                <a:ea typeface="Microsoft YaHei" panose="020B0503020204020204" pitchFamily="34" charset="-122"/>
-              </a:rPr>
-              <a:t>		</a:t>
-            </a:r>
-            <a:r>
-              <a:rPr lang="en-US" altLang="zh-CN" sz="2400" dirty="0" err="1">
-                <a:latin typeface="Microsoft YaHei" panose="020B0503020204020204" pitchFamily="34" charset="-122"/>
-                <a:ea typeface="Microsoft YaHei" panose="020B0503020204020204" pitchFamily="34" charset="-122"/>
-              </a:rPr>
-              <a:t>qq</a:t>
-            </a:r>
-            <a:endParaRPr lang="en-US" altLang="zh-CN" sz="2400" dirty="0">
+              <a:rPr lang="en-US" altLang="zh-CN" sz="2000" dirty="0">
+                <a:latin typeface="Microsoft YaHei" panose="020B0503020204020204" pitchFamily="34" charset="-122"/>
+                <a:ea typeface="Microsoft YaHei" panose="020B0503020204020204" pitchFamily="34" charset="-122"/>
+              </a:rPr>
+              <a:t>👉</a:t>
+            </a:r>
+            <a:r>
+              <a:rPr lang="zh-CN" altLang="en-US" sz="2000" dirty="0">
+                <a:latin typeface="Microsoft YaHei" panose="020B0503020204020204" pitchFamily="34" charset="-122"/>
+                <a:ea typeface="Microsoft YaHei" panose="020B0503020204020204" pitchFamily="34" charset="-122"/>
+              </a:rPr>
+              <a:t>图显示了舞台</a:t>
+            </a:r>
+            <a:r>
+              <a:rPr lang="en-US" altLang="zh-CN" sz="2000" dirty="0">
+                <a:latin typeface="Microsoft YaHei" panose="020B0503020204020204" pitchFamily="34" charset="-122"/>
+                <a:ea typeface="Microsoft YaHei" panose="020B0503020204020204" pitchFamily="34" charset="-122"/>
+              </a:rPr>
+              <a:t>(Stage)</a:t>
+            </a:r>
+            <a:r>
+              <a:rPr lang="zh-CN" altLang="en-US" sz="2000" dirty="0">
+                <a:latin typeface="Microsoft YaHei" panose="020B0503020204020204" pitchFamily="34" charset="-122"/>
+                <a:ea typeface="Microsoft YaHei" panose="020B0503020204020204" pitchFamily="34" charset="-122"/>
+              </a:rPr>
+              <a:t>，场景</a:t>
+            </a:r>
+            <a:r>
+              <a:rPr lang="en-US" altLang="zh-CN" sz="2000" dirty="0">
+                <a:latin typeface="Microsoft YaHei" panose="020B0503020204020204" pitchFamily="34" charset="-122"/>
+                <a:ea typeface="Microsoft YaHei" panose="020B0503020204020204" pitchFamily="34" charset="-122"/>
+              </a:rPr>
+              <a:t>(Scene)</a:t>
+            </a:r>
+            <a:r>
+              <a:rPr lang="zh-CN" altLang="en-US" sz="2000" dirty="0">
+                <a:latin typeface="Microsoft YaHei" panose="020B0503020204020204" pitchFamily="34" charset="-122"/>
+                <a:ea typeface="Microsoft YaHei" panose="020B0503020204020204" pitchFamily="34" charset="-122"/>
+              </a:rPr>
+              <a:t>，容器</a:t>
+            </a:r>
+            <a:r>
+              <a:rPr lang="en-US" altLang="zh-CN" sz="2000" dirty="0">
+                <a:latin typeface="Microsoft YaHei" panose="020B0503020204020204" pitchFamily="34" charset="-122"/>
+                <a:ea typeface="Microsoft YaHei" panose="020B0503020204020204" pitchFamily="34" charset="-122"/>
+              </a:rPr>
+              <a:t>(Container)</a:t>
+            </a:r>
+            <a:r>
+              <a:rPr lang="zh-CN" altLang="en-US" sz="2000" dirty="0">
+                <a:latin typeface="Microsoft YaHei" panose="020B0503020204020204" pitchFamily="34" charset="-122"/>
+                <a:ea typeface="Microsoft YaHei" panose="020B0503020204020204" pitchFamily="34" charset="-122"/>
+              </a:rPr>
+              <a:t>，布局</a:t>
+            </a:r>
+            <a:r>
+              <a:rPr lang="en-US" altLang="zh-CN" sz="2000" dirty="0">
+                <a:latin typeface="Microsoft YaHei" panose="020B0503020204020204" pitchFamily="34" charset="-122"/>
+                <a:ea typeface="Microsoft YaHei" panose="020B0503020204020204" pitchFamily="34" charset="-122"/>
+              </a:rPr>
+              <a:t>(Layout )</a:t>
+            </a:r>
+            <a:r>
+              <a:rPr lang="zh-CN" altLang="en-US" sz="2000" dirty="0">
+                <a:latin typeface="Microsoft YaHei" panose="020B0503020204020204" pitchFamily="34" charset="-122"/>
+                <a:ea typeface="Microsoft YaHei" panose="020B0503020204020204" pitchFamily="34" charset="-122"/>
+              </a:rPr>
+              <a:t>和控件</a:t>
+            </a:r>
+            <a:r>
+              <a:rPr lang="en-US" altLang="zh-CN" sz="2000" dirty="0">
+                <a:latin typeface="Microsoft YaHei" panose="020B0503020204020204" pitchFamily="34" charset="-122"/>
+                <a:ea typeface="Microsoft YaHei" panose="020B0503020204020204" pitchFamily="34" charset="-122"/>
+              </a:rPr>
+              <a:t>(Controls)</a:t>
+            </a:r>
+            <a:r>
+              <a:rPr lang="zh-CN" altLang="en-US" sz="2000" dirty="0">
+                <a:latin typeface="Microsoft YaHei" panose="020B0503020204020204" pitchFamily="34" charset="-122"/>
+                <a:ea typeface="Microsoft YaHei" panose="020B0503020204020204" pitchFamily="34" charset="-122"/>
+              </a:rPr>
+              <a:t>之间的关系</a:t>
+            </a:r>
+            <a:endParaRPr lang="en-US" altLang="zh-CN" sz="2000" dirty="0">
               <a:latin typeface="Microsoft YaHei" panose="020B0503020204020204" pitchFamily="34" charset="-122"/>
               <a:ea typeface="Microsoft YaHei" panose="020B0503020204020204" pitchFamily="34" charset="-122"/>
             </a:endParaRPr>
@@ -10444,269 +11871,174 @@
               </a:lnSpc>
             </a:pPr>
             <a:r>
-              <a:rPr lang="en-US" altLang="zh-CN" sz="2400" dirty="0">
-                <a:latin typeface="Microsoft YaHei" panose="020B0503020204020204" pitchFamily="34" charset="-122"/>
-                <a:ea typeface="Microsoft YaHei" panose="020B0503020204020204" pitchFamily="34" charset="-122"/>
-              </a:rPr>
-              <a:t>	</a:t>
-            </a:r>
-            <a:r>
-              <a:rPr lang="zh-CN" altLang="en-US" sz="2400" dirty="0">
-                <a:latin typeface="Microsoft YaHei" panose="020B0503020204020204" pitchFamily="34" charset="-122"/>
-                <a:ea typeface="Microsoft YaHei" panose="020B0503020204020204" pitchFamily="34" charset="-122"/>
-              </a:rPr>
-              <a:t>淘宝</a:t>
-            </a:r>
-            <a:r>
-              <a:rPr lang="en-US" altLang="zh-CN" sz="2400" dirty="0">
-                <a:latin typeface="Microsoft YaHei" panose="020B0503020204020204" pitchFamily="34" charset="-122"/>
-                <a:ea typeface="Microsoft YaHei" panose="020B0503020204020204" pitchFamily="34" charset="-122"/>
-              </a:rPr>
-              <a:t>		</a:t>
-            </a:r>
-            <a:r>
-              <a:rPr lang="zh-CN" altLang="en-US" sz="2400" dirty="0">
-                <a:latin typeface="Microsoft YaHei" panose="020B0503020204020204" pitchFamily="34" charset="-122"/>
-                <a:ea typeface="Microsoft YaHei" panose="020B0503020204020204" pitchFamily="34" charset="-122"/>
-              </a:rPr>
-              <a:t>支付宝</a:t>
-            </a:r>
-            <a:r>
-              <a:rPr lang="en-US" altLang="zh-CN" sz="2400" dirty="0">
-                <a:latin typeface="Microsoft YaHei" panose="020B0503020204020204" pitchFamily="34" charset="-122"/>
-                <a:ea typeface="Microsoft YaHei" panose="020B0503020204020204" pitchFamily="34" charset="-122"/>
-              </a:rPr>
-              <a:t>	</a:t>
-            </a:r>
-          </a:p>
-          <a:p>
-            <a:pPr>
-              <a:lnSpc>
-                <a:spcPct val="150000"/>
-              </a:lnSpc>
-            </a:pPr>
-            <a:r>
-              <a:rPr lang="en-US" altLang="zh-CN" sz="2400" dirty="0">
-                <a:latin typeface="Microsoft YaHei" panose="020B0503020204020204" pitchFamily="34" charset="-122"/>
-                <a:ea typeface="Microsoft YaHei" panose="020B0503020204020204" pitchFamily="34" charset="-122"/>
-              </a:rPr>
-              <a:t>		</a:t>
-            </a:r>
-            <a:r>
-              <a:rPr lang="zh-CN" altLang="en-US" sz="2400" dirty="0">
-                <a:latin typeface="Microsoft YaHei" panose="020B0503020204020204" pitchFamily="34" charset="-122"/>
-                <a:ea typeface="Microsoft YaHei" panose="020B0503020204020204" pitchFamily="34" charset="-122"/>
-              </a:rPr>
-              <a:t>抖音    </a:t>
-            </a:r>
-            <a:r>
-              <a:rPr kumimoji="1" lang="zh-CN" altLang="en-US" sz="2400" dirty="0">
-                <a:latin typeface="Microsoft YaHei" panose="020B0503020204020204" pitchFamily="34" charset="-122"/>
-                <a:ea typeface="Microsoft YaHei" panose="020B0503020204020204" pitchFamily="34" charset="-122"/>
-              </a:rPr>
-              <a:t>网红      直播购物</a:t>
-            </a:r>
-            <a:endParaRPr lang="en-US" altLang="zh-CN" sz="2400" dirty="0">
+              <a:rPr lang="zh-CN" altLang="en-US" sz="2000" dirty="0">
+                <a:latin typeface="Microsoft YaHei" panose="020B0503020204020204" pitchFamily="34" charset="-122"/>
+                <a:ea typeface="Microsoft YaHei" panose="020B0503020204020204" pitchFamily="34" charset="-122"/>
+              </a:rPr>
+              <a:t>在</a:t>
+            </a:r>
+            <a:r>
+              <a:rPr lang="en-US" altLang="zh-CN" sz="2000" b="1" dirty="0">
+                <a:latin typeface="Microsoft YaHei" panose="020B0503020204020204" pitchFamily="34" charset="-122"/>
+                <a:ea typeface="Microsoft YaHei" panose="020B0503020204020204" pitchFamily="34" charset="-122"/>
+              </a:rPr>
+              <a:t>JavaFX</a:t>
+            </a:r>
+            <a:r>
+              <a:rPr lang="zh-CN" altLang="en-US" sz="2000" dirty="0">
+                <a:latin typeface="Microsoft YaHei" panose="020B0503020204020204" pitchFamily="34" charset="-122"/>
+                <a:ea typeface="Microsoft YaHei" panose="020B0503020204020204" pitchFamily="34" charset="-122"/>
+              </a:rPr>
+              <a:t>中，</a:t>
+            </a:r>
+            <a:r>
+              <a:rPr lang="en-US" altLang="zh-CN" sz="2000" b="1" dirty="0">
+                <a:latin typeface="Microsoft YaHei" panose="020B0503020204020204" pitchFamily="34" charset="-122"/>
+                <a:ea typeface="Microsoft YaHei" panose="020B0503020204020204" pitchFamily="34" charset="-122"/>
+              </a:rPr>
+              <a:t>Stage</a:t>
+            </a:r>
+            <a:r>
+              <a:rPr lang="zh-CN" altLang="en-US" sz="2000" dirty="0">
+                <a:latin typeface="Microsoft YaHei" panose="020B0503020204020204" pitchFamily="34" charset="-122"/>
+                <a:ea typeface="Microsoft YaHei" panose="020B0503020204020204" pitchFamily="34" charset="-122"/>
+              </a:rPr>
+              <a:t>是应用程序窗口，其中包含称为</a:t>
+            </a:r>
+            <a:r>
+              <a:rPr lang="en-US" altLang="zh-CN" sz="2000" b="1" dirty="0">
+                <a:latin typeface="Microsoft YaHei" panose="020B0503020204020204" pitchFamily="34" charset="-122"/>
+                <a:ea typeface="Microsoft YaHei" panose="020B0503020204020204" pitchFamily="34" charset="-122"/>
+              </a:rPr>
+              <a:t>Scene</a:t>
+            </a:r>
+            <a:r>
+              <a:rPr lang="zh-CN" altLang="en-US" sz="2000" dirty="0">
+                <a:latin typeface="Microsoft YaHei" panose="020B0503020204020204" pitchFamily="34" charset="-122"/>
+                <a:ea typeface="Microsoft YaHei" panose="020B0503020204020204" pitchFamily="34" charset="-122"/>
+              </a:rPr>
+              <a:t>的空间。 </a:t>
+            </a:r>
+            <a:r>
+              <a:rPr lang="en-US" altLang="zh-CN" sz="2000" b="1" dirty="0">
+                <a:latin typeface="Microsoft YaHei" panose="020B0503020204020204" pitchFamily="34" charset="-122"/>
+                <a:ea typeface="Microsoft YaHei" panose="020B0503020204020204" pitchFamily="34" charset="-122"/>
+              </a:rPr>
+              <a:t>Scene</a:t>
+            </a:r>
+            <a:r>
+              <a:rPr lang="zh-CN" altLang="en-US" sz="2000" dirty="0">
+                <a:latin typeface="Microsoft YaHei" panose="020B0503020204020204" pitchFamily="34" charset="-122"/>
+                <a:ea typeface="Microsoft YaHei" panose="020B0503020204020204" pitchFamily="34" charset="-122"/>
+              </a:rPr>
+              <a:t>包含界面的组件，如</a:t>
+            </a:r>
+            <a:r>
+              <a:rPr lang="en-US" altLang="zh-CN" sz="2000" dirty="0">
+                <a:latin typeface="Microsoft YaHei" panose="020B0503020204020204" pitchFamily="34" charset="-122"/>
+                <a:ea typeface="Microsoft YaHei" panose="020B0503020204020204" pitchFamily="34" charset="-122"/>
+              </a:rPr>
+              <a:t>Button</a:t>
+            </a:r>
+            <a:r>
+              <a:rPr lang="zh-CN" altLang="en-US" sz="2000" dirty="0">
+                <a:latin typeface="Microsoft YaHei" panose="020B0503020204020204" pitchFamily="34" charset="-122"/>
+                <a:ea typeface="Microsoft YaHei" panose="020B0503020204020204" pitchFamily="34" charset="-122"/>
+              </a:rPr>
+              <a:t>，</a:t>
+            </a:r>
+            <a:r>
+              <a:rPr lang="en-US" altLang="zh-CN" sz="2000" dirty="0">
+                <a:latin typeface="Microsoft YaHei" panose="020B0503020204020204" pitchFamily="34" charset="-122"/>
+                <a:ea typeface="Microsoft YaHei" panose="020B0503020204020204" pitchFamily="34" charset="-122"/>
+              </a:rPr>
+              <a:t>Text</a:t>
+            </a:r>
+            <a:r>
+              <a:rPr lang="zh-CN" altLang="en-US" sz="2000" dirty="0">
+                <a:latin typeface="Microsoft YaHei" panose="020B0503020204020204" pitchFamily="34" charset="-122"/>
+                <a:ea typeface="Microsoft YaHei" panose="020B0503020204020204" pitchFamily="34" charset="-122"/>
+              </a:rPr>
+              <a:t>，</a:t>
+            </a:r>
+            <a:r>
+              <a:rPr lang="en-US" altLang="zh-CN" sz="2000" dirty="0">
+                <a:latin typeface="Microsoft YaHei" panose="020B0503020204020204" pitchFamily="34" charset="-122"/>
+                <a:ea typeface="Microsoft YaHei" panose="020B0503020204020204" pitchFamily="34" charset="-122"/>
+              </a:rPr>
+              <a:t>…</a:t>
+            </a:r>
+            <a:r>
+              <a:rPr lang="zh-CN" altLang="en-US" sz="2000" dirty="0">
+                <a:latin typeface="Microsoft YaHei" panose="020B0503020204020204" pitchFamily="34" charset="-122"/>
+                <a:ea typeface="Microsoft YaHei" panose="020B0503020204020204" pitchFamily="34" charset="-122"/>
+              </a:rPr>
+              <a:t>或容器 </a:t>
+            </a:r>
+            <a:endParaRPr lang="en-US" altLang="zh-CN" sz="2000" dirty="0">
               <a:latin typeface="Microsoft YaHei" panose="020B0503020204020204" pitchFamily="34" charset="-122"/>
               <a:ea typeface="Microsoft YaHei" panose="020B0503020204020204" pitchFamily="34" charset="-122"/>
             </a:endParaRPr>
           </a:p>
-          <a:p>
-            <a:pPr>
-              <a:lnSpc>
-                <a:spcPct val="150000"/>
-              </a:lnSpc>
-            </a:pPr>
-            <a:r>
-              <a:rPr lang="en-US" altLang="zh-CN" sz="2400" dirty="0">
-                <a:latin typeface="Microsoft YaHei" panose="020B0503020204020204" pitchFamily="34" charset="-122"/>
-                <a:ea typeface="Microsoft YaHei" panose="020B0503020204020204" pitchFamily="34" charset="-122"/>
-              </a:rPr>
-              <a:t>	</a:t>
-            </a:r>
-            <a:r>
-              <a:rPr lang="zh-CN" altLang="en-US" sz="2400" dirty="0">
-                <a:latin typeface="Microsoft YaHei" panose="020B0503020204020204" pitchFamily="34" charset="-122"/>
-                <a:ea typeface="Microsoft YaHei" panose="020B0503020204020204" pitchFamily="34" charset="-122"/>
-              </a:rPr>
-              <a:t> </a:t>
-            </a:r>
-            <a:r>
-              <a:rPr lang="en-US" altLang="zh-CN" sz="2400" dirty="0">
-                <a:latin typeface="Microsoft YaHei" panose="020B0503020204020204" pitchFamily="34" charset="-122"/>
-                <a:ea typeface="Microsoft YaHei" panose="020B0503020204020204" pitchFamily="34" charset="-122"/>
-              </a:rPr>
-              <a:t>B</a:t>
-            </a:r>
-            <a:r>
-              <a:rPr lang="zh-CN" altLang="en-US" sz="2400" dirty="0">
-                <a:latin typeface="Microsoft YaHei" panose="020B0503020204020204" pitchFamily="34" charset="-122"/>
-                <a:ea typeface="Microsoft YaHei" panose="020B0503020204020204" pitchFamily="34" charset="-122"/>
-              </a:rPr>
-              <a:t>站</a:t>
-            </a:r>
-            <a:r>
-              <a:rPr lang="en-US" altLang="zh-CN" sz="2400" dirty="0">
-                <a:latin typeface="Microsoft YaHei" panose="020B0503020204020204" pitchFamily="34" charset="-122"/>
-                <a:ea typeface="Microsoft YaHei" panose="020B0503020204020204" pitchFamily="34" charset="-122"/>
-              </a:rPr>
-              <a:t>	</a:t>
-            </a:r>
-          </a:p>
-          <a:p>
-            <a:pPr>
-              <a:lnSpc>
-                <a:spcPct val="150000"/>
-              </a:lnSpc>
-            </a:pPr>
-            <a:r>
-              <a:rPr lang="en-US" altLang="zh-CN" sz="2400" dirty="0">
-                <a:latin typeface="Microsoft YaHei" panose="020B0503020204020204" pitchFamily="34" charset="-122"/>
-                <a:ea typeface="Microsoft YaHei" panose="020B0503020204020204" pitchFamily="34" charset="-122"/>
-              </a:rPr>
-              <a:t>			</a:t>
-            </a:r>
-            <a:r>
-              <a:rPr lang="zh-CN" altLang="en-US" sz="2400" dirty="0">
-                <a:latin typeface="Microsoft YaHei" panose="020B0503020204020204" pitchFamily="34" charset="-122"/>
-                <a:ea typeface="Microsoft YaHei" panose="020B0503020204020204" pitchFamily="34" charset="-122"/>
-              </a:rPr>
-              <a:t>视频</a:t>
-            </a:r>
-            <a:endParaRPr lang="en-US" altLang="zh-CN" sz="2400" dirty="0">
-              <a:latin typeface="Microsoft YaHei" panose="020B0503020204020204" pitchFamily="34" charset="-122"/>
-              <a:ea typeface="Microsoft YaHei" panose="020B0503020204020204" pitchFamily="34" charset="-122"/>
-            </a:endParaRPr>
-          </a:p>
-          <a:p>
-            <a:pPr>
-              <a:lnSpc>
-                <a:spcPct val="150000"/>
-              </a:lnSpc>
-            </a:pPr>
-            <a:r>
-              <a:rPr lang="en-US" altLang="zh-CN" sz="2400" dirty="0">
-                <a:latin typeface="Microsoft YaHei" panose="020B0503020204020204" pitchFamily="34" charset="-122"/>
-                <a:ea typeface="Microsoft YaHei" panose="020B0503020204020204" pitchFamily="34" charset="-122"/>
-              </a:rPr>
-              <a:t>	</a:t>
-            </a:r>
-            <a:r>
-              <a:rPr lang="zh-CN" altLang="en-US" sz="2400" dirty="0">
-                <a:latin typeface="Microsoft YaHei" panose="020B0503020204020204" pitchFamily="34" charset="-122"/>
-                <a:ea typeface="Microsoft YaHei" panose="020B0503020204020204" pitchFamily="34" charset="-122"/>
-              </a:rPr>
-              <a:t> 外卖</a:t>
-            </a:r>
-            <a:r>
-              <a:rPr lang="en-US" altLang="zh-CN" sz="2400" dirty="0">
-                <a:latin typeface="Microsoft YaHei" panose="020B0503020204020204" pitchFamily="34" charset="-122"/>
-                <a:ea typeface="Microsoft YaHei" panose="020B0503020204020204" pitchFamily="34" charset="-122"/>
-              </a:rPr>
-              <a:t>				</a:t>
-            </a:r>
-            <a:r>
-              <a:rPr lang="zh-CN" altLang="en-US" sz="2400" dirty="0">
-                <a:latin typeface="Microsoft YaHei" panose="020B0503020204020204" pitchFamily="34" charset="-122"/>
-                <a:ea typeface="Microsoft YaHei" panose="020B0503020204020204" pitchFamily="34" charset="-122"/>
-              </a:rPr>
-              <a:t>手机游戏</a:t>
-            </a:r>
-            <a:endParaRPr lang="en-US" altLang="zh-CN" sz="2400" dirty="0">
-              <a:latin typeface="Microsoft YaHei" panose="020B0503020204020204" pitchFamily="34" charset="-122"/>
-              <a:ea typeface="Microsoft YaHei" panose="020B0503020204020204" pitchFamily="34" charset="-122"/>
-            </a:endParaRPr>
-          </a:p>
-        </p:txBody>
-      </p:sp>
+        </p:txBody>
+      </p:sp>
+      <p:pic>
+        <p:nvPicPr>
+          <p:cNvPr id="1026" name="Picture 2">
+            <a:extLst>
+              <a:ext uri="{FF2B5EF4-FFF2-40B4-BE49-F238E27FC236}">
+                <a16:creationId xmlns:a16="http://schemas.microsoft.com/office/drawing/2014/main" id="{71E15F92-42DE-8E4E-9FE1-18D053566444}"/>
+              </a:ext>
+            </a:extLst>
+          </p:cNvPr>
+          <p:cNvPicPr>
+            <a:picLocks noChangeAspect="1" noChangeArrowheads="1"/>
+          </p:cNvPicPr>
+          <p:nvPr/>
+        </p:nvPicPr>
+        <p:blipFill>
+          <a:blip r:embed="rId4">
+            <a:extLst>
+              <a:ext uri="{28A0092B-C50C-407E-A947-70E740481C1C}">
+                <a14:useLocalDpi xmlns:a14="http://schemas.microsoft.com/office/drawing/2010/main" val="0"/>
+              </a:ext>
+            </a:extLst>
+          </a:blip>
+          <a:srcRect/>
+          <a:stretch>
+            <a:fillRect/>
+          </a:stretch>
+        </p:blipFill>
+        <p:spPr bwMode="auto">
+          <a:xfrm>
+            <a:off x="6230183" y="2192041"/>
+            <a:ext cx="5871991" cy="4172900"/>
+          </a:xfrm>
+          <a:prstGeom prst="rect">
+            <a:avLst/>
+          </a:prstGeom>
+          <a:noFill/>
+          <a:extLst>
+            <a:ext uri="{909E8E84-426E-40DD-AFC4-6F175D3DCCD1}">
+              <a14:hiddenFill xmlns:a14="http://schemas.microsoft.com/office/drawing/2010/main">
+                <a:solidFill>
+                  <a:srgbClr val="FFFFFF"/>
+                </a:solidFill>
+              </a14:hiddenFill>
+            </a:ext>
+          </a:extLst>
+        </p:spPr>
+      </p:pic>
     </p:spTree>
     <p:extLst>
       <p:ext uri="{BB962C8B-B14F-4D97-AF65-F5344CB8AC3E}">
-        <p14:creationId xmlns:p14="http://schemas.microsoft.com/office/powerpoint/2010/main" val="780594341"/>
+        <p14:creationId xmlns:p14="http://schemas.microsoft.com/office/powerpoint/2010/main" val="2558045461"/>
       </p:ext>
     </p:extLst>
   </p:cSld>
   <p:clrMapOvr>
     <a:masterClrMapping/>
   </p:clrMapOvr>
-  <p:timing>
-    <p:tnLst>
-      <p:par>
-        <p:cTn id="1" dur="indefinite" restart="never" nodeType="tmRoot">
-          <p:childTnLst>
-            <p:seq concurrent="1" nextAc="seek">
-              <p:cTn id="2" dur="indefinite" nodeType="mainSeq">
-                <p:childTnLst>
-                  <p:par>
-                    <p:cTn id="3" fill="hold">
-                      <p:stCondLst>
-                        <p:cond delay="indefinite"/>
-                      </p:stCondLst>
-                      <p:childTnLst>
-                        <p:par>
-                          <p:cTn id="4" fill="hold">
-                            <p:stCondLst>
-                              <p:cond delay="0"/>
-                            </p:stCondLst>
-                            <p:childTnLst>
-                              <p:par>
-                                <p:cTn id="5" presetID="1" presetClass="entr" presetSubtype="0" fill="hold" grpId="0" nodeType="clickEffect">
-                                  <p:stCondLst>
-                                    <p:cond delay="0"/>
-                                  </p:stCondLst>
-                                  <p:childTnLst>
-                                    <p:set>
-                                      <p:cBhvr>
-                                        <p:cTn id="6" dur="1" fill="hold">
-                                          <p:stCondLst>
-                                            <p:cond delay="0"/>
-                                          </p:stCondLst>
-                                        </p:cTn>
-                                        <p:tgtEl>
-                                          <p:spTgt spid="13"/>
-                                        </p:tgtEl>
-                                        <p:attrNameLst>
-                                          <p:attrName>style.visibility</p:attrName>
-                                        </p:attrNameLst>
-                                      </p:cBhvr>
-                                      <p:to>
-                                        <p:strVal val="visible"/>
-                                      </p:to>
-                                    </p:set>
-                                  </p:childTnLst>
-                                </p:cTn>
-                              </p:par>
-                            </p:childTnLst>
-                          </p:cTn>
-                        </p:par>
-                      </p:childTnLst>
-                    </p:cTn>
-                  </p:par>
-                </p:childTnLst>
-              </p:cTn>
-              <p:prevCondLst>
-                <p:cond evt="onPrev" delay="0">
-                  <p:tgtEl>
-                    <p:sldTgt/>
-                  </p:tgtEl>
-                </p:cond>
-              </p:prevCondLst>
-              <p:nextCondLst>
-                <p:cond evt="onNext" delay="0">
-                  <p:tgtEl>
-                    <p:sldTgt/>
-                  </p:tgtEl>
-                </p:cond>
-              </p:nextCondLst>
-            </p:seq>
-          </p:childTnLst>
-        </p:cTn>
-      </p:par>
-    </p:tnLst>
-    <p:bldLst>
-      <p:bldP spid="13" grpId="0"/>
-    </p:bldLst>
-  </p:timing>
 </p:sld>
 </file>
 

--- a/ppt/19. 图形化编程.pptx
+++ b/ppt/19. 图形化编程.pptx
@@ -140,7 +140,7 @@
   </p:defaultTextStyle>
   <p:extLst>
     <p:ext uri="{521415D9-36F7-43E2-AB2F-B90AF26B5E84}">
-      <p14:sectionLst xmlns:p14="http://schemas.microsoft.com/office/powerpoint/2010/main" xmlns="">
+      <p14:sectionLst xmlns:p14="http://schemas.microsoft.com/office/powerpoint/2010/main">
         <p14:section name="默认节" id="{612EA202-3C21-D94E-81F8-383C0CB766DB}">
           <p14:sldIdLst>
             <p14:sldId id="258"/>
@@ -156,22 +156,46 @@
             <p14:sldId id="538"/>
             <p14:sldId id="537"/>
             <p14:sldId id="547"/>
+            <p14:sldId id="550"/>
+            <p14:sldId id="551"/>
+            <p14:sldId id="552"/>
             <p14:sldId id="536"/>
-            <p14:sldId id="548"/>
+            <p14:sldId id="553"/>
+            <p14:sldId id="554"/>
             <p14:sldId id="489"/>
             <p14:sldId id="540"/>
+            <p14:sldId id="555"/>
             <p14:sldId id="541"/>
             <p14:sldId id="542"/>
             <p14:sldId id="543"/>
+            <p14:sldId id="556"/>
+            <p14:sldId id="557"/>
+            <p14:sldId id="558"/>
+            <p14:sldId id="559"/>
+            <p14:sldId id="560"/>
             <p14:sldId id="544"/>
+            <p14:sldId id="561"/>
+            <p14:sldId id="562"/>
+            <p14:sldId id="563"/>
             <p14:sldId id="408"/>
-            <p14:sldId id="534"/>
+            <p14:sldId id="564"/>
           </p14:sldIdLst>
         </p14:section>
       </p14:sectionLst>
     </p:ext>
     <p:ext uri="{EFAFB233-063F-42B5-8137-9DF3F51BA10A}">
-      <p15:sldGuideLst xmlns:p15="http://schemas.microsoft.com/office/powerpoint/2012/main" xmlns=""/>
+      <p15:sldGuideLst xmlns:p15="http://schemas.microsoft.com/office/powerpoint/2012/main">
+        <p15:guide id="1" orient="horz" pos="2160">
+          <p15:clr>
+            <a:srgbClr val="A4A3A4"/>
+          </p15:clr>
+        </p15:guide>
+        <p15:guide id="2" pos="3840">
+          <p15:clr>
+            <a:srgbClr val="A4A3A4"/>
+          </p15:clr>
+        </p15:guide>
+      </p15:sldGuideLst>
     </p:ext>
   </p:extLst>
 </p:presentation>
@@ -260,7 +284,7 @@
             <a:fld id="{66C3546E-20F6-7649-A9A4-4E4A245D3E82}" type="datetimeFigureOut">
               <a:rPr kumimoji="1" lang="zh-CN" altLang="en-US" smtClean="0"/>
               <a:pPr/>
-              <a:t>2020/10/7</a:t>
+              <a:t>2020/12/1</a:t>
             </a:fld>
             <a:endParaRPr kumimoji="1" lang="zh-CN" altLang="en-US"/>
           </a:p>
@@ -428,7 +452,7 @@
     </p:spTree>
     <p:extLst>
       <p:ext uri="{BB962C8B-B14F-4D97-AF65-F5344CB8AC3E}">
-        <p14:creationId xmlns:p14="http://schemas.microsoft.com/office/powerpoint/2010/main" xmlns="" val="3614613559"/>
+        <p14:creationId xmlns:p14="http://schemas.microsoft.com/office/powerpoint/2010/main" val="3614613559"/>
       </p:ext>
     </p:extLst>
   </p:cSld>
@@ -603,7 +627,7 @@
     </p:spTree>
     <p:extLst>
       <p:ext uri="{BB962C8B-B14F-4D97-AF65-F5344CB8AC3E}">
-        <p14:creationId xmlns:p14="http://schemas.microsoft.com/office/powerpoint/2010/main" xmlns="" val="3771995957"/>
+        <p14:creationId xmlns:p14="http://schemas.microsoft.com/office/powerpoint/2010/main" val="3771995957"/>
       </p:ext>
     </p:extLst>
   </p:cSld>
@@ -688,7 +712,7 @@
     </p:spTree>
     <p:extLst>
       <p:ext uri="{BB962C8B-B14F-4D97-AF65-F5344CB8AC3E}">
-        <p14:creationId xmlns:p14="http://schemas.microsoft.com/office/powerpoint/2010/main" xmlns="" val="3544445580"/>
+        <p14:creationId xmlns:p14="http://schemas.microsoft.com/office/powerpoint/2010/main" val="3544445580"/>
       </p:ext>
     </p:extLst>
   </p:cSld>
@@ -773,7 +797,7 @@
     </p:spTree>
     <p:extLst>
       <p:ext uri="{BB962C8B-B14F-4D97-AF65-F5344CB8AC3E}">
-        <p14:creationId xmlns:p14="http://schemas.microsoft.com/office/powerpoint/2010/main" xmlns="" val="3544445580"/>
+        <p14:creationId xmlns:p14="http://schemas.microsoft.com/office/powerpoint/2010/main" val="3544445580"/>
       </p:ext>
     </p:extLst>
   </p:cSld>
@@ -858,7 +882,7 @@
     </p:spTree>
     <p:extLst>
       <p:ext uri="{BB962C8B-B14F-4D97-AF65-F5344CB8AC3E}">
-        <p14:creationId xmlns:p14="http://schemas.microsoft.com/office/powerpoint/2010/main" xmlns="" val="4047447231"/>
+        <p14:creationId xmlns:p14="http://schemas.microsoft.com/office/powerpoint/2010/main" val="4047447231"/>
       </p:ext>
     </p:extLst>
   </p:cSld>
@@ -943,7 +967,7 @@
     </p:spTree>
     <p:extLst>
       <p:ext uri="{BB962C8B-B14F-4D97-AF65-F5344CB8AC3E}">
-        <p14:creationId xmlns:p14="http://schemas.microsoft.com/office/powerpoint/2010/main" xmlns="" val="4047447231"/>
+        <p14:creationId xmlns:p14="http://schemas.microsoft.com/office/powerpoint/2010/main" val="4047447231"/>
       </p:ext>
     </p:extLst>
   </p:cSld>
@@ -1028,7 +1052,7 @@
     </p:spTree>
     <p:extLst>
       <p:ext uri="{BB962C8B-B14F-4D97-AF65-F5344CB8AC3E}">
-        <p14:creationId xmlns:p14="http://schemas.microsoft.com/office/powerpoint/2010/main" xmlns="" val="4047447231"/>
+        <p14:creationId xmlns:p14="http://schemas.microsoft.com/office/powerpoint/2010/main" val="4047447231"/>
       </p:ext>
     </p:extLst>
   </p:cSld>
@@ -1113,7 +1137,7 @@
     </p:spTree>
     <p:extLst>
       <p:ext uri="{BB962C8B-B14F-4D97-AF65-F5344CB8AC3E}">
-        <p14:creationId xmlns:p14="http://schemas.microsoft.com/office/powerpoint/2010/main" xmlns="" val="4143778999"/>
+        <p14:creationId xmlns:p14="http://schemas.microsoft.com/office/powerpoint/2010/main" val="4143778999"/>
       </p:ext>
     </p:extLst>
   </p:cSld>
@@ -1198,7 +1222,7 @@
     </p:spTree>
     <p:extLst>
       <p:ext uri="{BB962C8B-B14F-4D97-AF65-F5344CB8AC3E}">
-        <p14:creationId xmlns:p14="http://schemas.microsoft.com/office/powerpoint/2010/main" xmlns="" val="1914762086"/>
+        <p14:creationId xmlns:p14="http://schemas.microsoft.com/office/powerpoint/2010/main" val="1914762086"/>
       </p:ext>
     </p:extLst>
   </p:cSld>
@@ -1283,7 +1307,7 @@
     </p:spTree>
     <p:extLst>
       <p:ext uri="{BB962C8B-B14F-4D97-AF65-F5344CB8AC3E}">
-        <p14:creationId xmlns:p14="http://schemas.microsoft.com/office/powerpoint/2010/main" xmlns="" val="1914762086"/>
+        <p14:creationId xmlns:p14="http://schemas.microsoft.com/office/powerpoint/2010/main" val="1914762086"/>
       </p:ext>
     </p:extLst>
   </p:cSld>
@@ -1368,7 +1392,7 @@
     </p:spTree>
     <p:extLst>
       <p:ext uri="{BB962C8B-B14F-4D97-AF65-F5344CB8AC3E}">
-        <p14:creationId xmlns:p14="http://schemas.microsoft.com/office/powerpoint/2010/main" xmlns="" val="1862456866"/>
+        <p14:creationId xmlns:p14="http://schemas.microsoft.com/office/powerpoint/2010/main" val="1862456866"/>
       </p:ext>
     </p:extLst>
   </p:cSld>
@@ -1453,7 +1477,7 @@
     </p:spTree>
     <p:extLst>
       <p:ext uri="{BB962C8B-B14F-4D97-AF65-F5344CB8AC3E}">
-        <p14:creationId xmlns:p14="http://schemas.microsoft.com/office/powerpoint/2010/main" xmlns="" val="2776686365"/>
+        <p14:creationId xmlns:p14="http://schemas.microsoft.com/office/powerpoint/2010/main" val="2776686365"/>
       </p:ext>
     </p:extLst>
   </p:cSld>
@@ -1538,7 +1562,7 @@
     </p:spTree>
     <p:extLst>
       <p:ext uri="{BB962C8B-B14F-4D97-AF65-F5344CB8AC3E}">
-        <p14:creationId xmlns:p14="http://schemas.microsoft.com/office/powerpoint/2010/main" xmlns="" val="2498583973"/>
+        <p14:creationId xmlns:p14="http://schemas.microsoft.com/office/powerpoint/2010/main" val="2498583973"/>
       </p:ext>
     </p:extLst>
   </p:cSld>
@@ -1593,14 +1617,14 @@
           <a:lstStyle/>
           <a:p>
             <a:r>
-              <a:rPr kumimoji="1" lang="zh-CN" altLang="en-US" dirty="0" smtClean="0"/>
+              <a:rPr kumimoji="1" lang="zh-CN" altLang="en-US" dirty="0"/>
               <a:t>可以参考网上教程深入学习</a:t>
             </a:r>
-            <a:endParaRPr kumimoji="1" lang="en-US" altLang="zh-CN" dirty="0" smtClean="0"/>
-          </a:p>
-          <a:p>
-            <a:r>
-              <a:rPr lang="en-US" dirty="0" smtClean="0">
+            <a:endParaRPr kumimoji="1" lang="en-US" altLang="zh-CN" dirty="0"/>
+          </a:p>
+          <a:p>
+            <a:r>
+              <a:rPr lang="en-US" dirty="0">
                 <a:hlinkClick r:id="rId3"/>
               </a:rPr>
               <a:t>https://www.yiibai.com/javafx/javafx-flowpane-layout.html</a:t>
@@ -1636,7 +1660,7 @@
     </p:spTree>
     <p:extLst>
       <p:ext uri="{BB962C8B-B14F-4D97-AF65-F5344CB8AC3E}">
-        <p14:creationId xmlns:p14="http://schemas.microsoft.com/office/powerpoint/2010/main" xmlns="" val="4208785073"/>
+        <p14:creationId xmlns:p14="http://schemas.microsoft.com/office/powerpoint/2010/main" val="4208785073"/>
       </p:ext>
     </p:extLst>
   </p:cSld>
@@ -1721,7 +1745,7 @@
     </p:spTree>
     <p:extLst>
       <p:ext uri="{BB962C8B-B14F-4D97-AF65-F5344CB8AC3E}">
-        <p14:creationId xmlns:p14="http://schemas.microsoft.com/office/powerpoint/2010/main" xmlns="" val="4208785073"/>
+        <p14:creationId xmlns:p14="http://schemas.microsoft.com/office/powerpoint/2010/main" val="4208785073"/>
       </p:ext>
     </p:extLst>
   </p:cSld>
@@ -1806,7 +1830,7 @@
     </p:spTree>
     <p:extLst>
       <p:ext uri="{BB962C8B-B14F-4D97-AF65-F5344CB8AC3E}">
-        <p14:creationId xmlns:p14="http://schemas.microsoft.com/office/powerpoint/2010/main" xmlns="" val="4208785073"/>
+        <p14:creationId xmlns:p14="http://schemas.microsoft.com/office/powerpoint/2010/main" val="4208785073"/>
       </p:ext>
     </p:extLst>
   </p:cSld>
@@ -1891,7 +1915,7 @@
     </p:spTree>
     <p:extLst>
       <p:ext uri="{BB962C8B-B14F-4D97-AF65-F5344CB8AC3E}">
-        <p14:creationId xmlns:p14="http://schemas.microsoft.com/office/powerpoint/2010/main" xmlns="" val="4208785073"/>
+        <p14:creationId xmlns:p14="http://schemas.microsoft.com/office/powerpoint/2010/main" val="4208785073"/>
       </p:ext>
     </p:extLst>
   </p:cSld>
@@ -1976,7 +2000,7 @@
     </p:spTree>
     <p:extLst>
       <p:ext uri="{BB962C8B-B14F-4D97-AF65-F5344CB8AC3E}">
-        <p14:creationId xmlns:p14="http://schemas.microsoft.com/office/powerpoint/2010/main" xmlns="" val="4208785073"/>
+        <p14:creationId xmlns:p14="http://schemas.microsoft.com/office/powerpoint/2010/main" val="4208785073"/>
       </p:ext>
     </p:extLst>
   </p:cSld>
@@ -2061,7 +2085,7 @@
     </p:spTree>
     <p:extLst>
       <p:ext uri="{BB962C8B-B14F-4D97-AF65-F5344CB8AC3E}">
-        <p14:creationId xmlns:p14="http://schemas.microsoft.com/office/powerpoint/2010/main" xmlns="" val="4208785073"/>
+        <p14:creationId xmlns:p14="http://schemas.microsoft.com/office/powerpoint/2010/main" val="4208785073"/>
       </p:ext>
     </p:extLst>
   </p:cSld>
@@ -2146,7 +2170,7 @@
     </p:spTree>
     <p:extLst>
       <p:ext uri="{BB962C8B-B14F-4D97-AF65-F5344CB8AC3E}">
-        <p14:creationId xmlns:p14="http://schemas.microsoft.com/office/powerpoint/2010/main" xmlns="" val="2410507770"/>
+        <p14:creationId xmlns:p14="http://schemas.microsoft.com/office/powerpoint/2010/main" val="2410507770"/>
       </p:ext>
     </p:extLst>
   </p:cSld>
@@ -2231,7 +2255,7 @@
     </p:spTree>
     <p:extLst>
       <p:ext uri="{BB962C8B-B14F-4D97-AF65-F5344CB8AC3E}">
-        <p14:creationId xmlns:p14="http://schemas.microsoft.com/office/powerpoint/2010/main" xmlns="" val="2410507770"/>
+        <p14:creationId xmlns:p14="http://schemas.microsoft.com/office/powerpoint/2010/main" val="2410507770"/>
       </p:ext>
     </p:extLst>
   </p:cSld>
@@ -2316,7 +2340,7 @@
     </p:spTree>
     <p:extLst>
       <p:ext uri="{BB962C8B-B14F-4D97-AF65-F5344CB8AC3E}">
-        <p14:creationId xmlns:p14="http://schemas.microsoft.com/office/powerpoint/2010/main" xmlns="" val="2410507770"/>
+        <p14:creationId xmlns:p14="http://schemas.microsoft.com/office/powerpoint/2010/main" val="2410507770"/>
       </p:ext>
     </p:extLst>
   </p:cSld>
@@ -2401,7 +2425,7 @@
     </p:spTree>
     <p:extLst>
       <p:ext uri="{BB962C8B-B14F-4D97-AF65-F5344CB8AC3E}">
-        <p14:creationId xmlns:p14="http://schemas.microsoft.com/office/powerpoint/2010/main" xmlns="" val="2410507770"/>
+        <p14:creationId xmlns:p14="http://schemas.microsoft.com/office/powerpoint/2010/main" val="2410507770"/>
       </p:ext>
     </p:extLst>
   </p:cSld>
@@ -2486,7 +2510,7 @@
     </p:spTree>
     <p:extLst>
       <p:ext uri="{BB962C8B-B14F-4D97-AF65-F5344CB8AC3E}">
-        <p14:creationId xmlns:p14="http://schemas.microsoft.com/office/powerpoint/2010/main" xmlns="" val="2613596817"/>
+        <p14:creationId xmlns:p14="http://schemas.microsoft.com/office/powerpoint/2010/main" val="2613596817"/>
       </p:ext>
     </p:extLst>
   </p:cSld>
@@ -2571,7 +2595,7 @@
     </p:spTree>
     <p:extLst>
       <p:ext uri="{BB962C8B-B14F-4D97-AF65-F5344CB8AC3E}">
-        <p14:creationId xmlns:p14="http://schemas.microsoft.com/office/powerpoint/2010/main" xmlns="" val="2541675217"/>
+        <p14:creationId xmlns:p14="http://schemas.microsoft.com/office/powerpoint/2010/main" val="2541675217"/>
       </p:ext>
     </p:extLst>
   </p:cSld>
@@ -2656,7 +2680,7 @@
     </p:spTree>
     <p:extLst>
       <p:ext uri="{BB962C8B-B14F-4D97-AF65-F5344CB8AC3E}">
-        <p14:creationId xmlns:p14="http://schemas.microsoft.com/office/powerpoint/2010/main" xmlns="" val="2541675217"/>
+        <p14:creationId xmlns:p14="http://schemas.microsoft.com/office/powerpoint/2010/main" val="2541675217"/>
       </p:ext>
     </p:extLst>
   </p:cSld>
@@ -2741,7 +2765,7 @@
     </p:spTree>
     <p:extLst>
       <p:ext uri="{BB962C8B-B14F-4D97-AF65-F5344CB8AC3E}">
-        <p14:creationId xmlns:p14="http://schemas.microsoft.com/office/powerpoint/2010/main" xmlns="" val="4186675651"/>
+        <p14:creationId xmlns:p14="http://schemas.microsoft.com/office/powerpoint/2010/main" val="4186675651"/>
       </p:ext>
     </p:extLst>
   </p:cSld>
@@ -2826,7 +2850,7 @@
     </p:spTree>
     <p:extLst>
       <p:ext uri="{BB962C8B-B14F-4D97-AF65-F5344CB8AC3E}">
-        <p14:creationId xmlns:p14="http://schemas.microsoft.com/office/powerpoint/2010/main" xmlns="" val="3883830695"/>
+        <p14:creationId xmlns:p14="http://schemas.microsoft.com/office/powerpoint/2010/main" val="3883830695"/>
       </p:ext>
     </p:extLst>
   </p:cSld>
@@ -2911,7 +2935,7 @@
     </p:spTree>
     <p:extLst>
       <p:ext uri="{BB962C8B-B14F-4D97-AF65-F5344CB8AC3E}">
-        <p14:creationId xmlns:p14="http://schemas.microsoft.com/office/powerpoint/2010/main" xmlns="" val="1994859399"/>
+        <p14:creationId xmlns:p14="http://schemas.microsoft.com/office/powerpoint/2010/main" val="1994859399"/>
       </p:ext>
     </p:extLst>
   </p:cSld>
@@ -2996,7 +3020,7 @@
     </p:spTree>
     <p:extLst>
       <p:ext uri="{BB962C8B-B14F-4D97-AF65-F5344CB8AC3E}">
-        <p14:creationId xmlns:p14="http://schemas.microsoft.com/office/powerpoint/2010/main" xmlns="" val="1864975533"/>
+        <p14:creationId xmlns:p14="http://schemas.microsoft.com/office/powerpoint/2010/main" val="1864975533"/>
       </p:ext>
     </p:extLst>
   </p:cSld>
@@ -3081,7 +3105,7 @@
     </p:spTree>
     <p:extLst>
       <p:ext uri="{BB962C8B-B14F-4D97-AF65-F5344CB8AC3E}">
-        <p14:creationId xmlns:p14="http://schemas.microsoft.com/office/powerpoint/2010/main" xmlns="" val="3544445580"/>
+        <p14:creationId xmlns:p14="http://schemas.microsoft.com/office/powerpoint/2010/main" val="3544445580"/>
       </p:ext>
     </p:extLst>
   </p:cSld>
@@ -3166,7 +3190,7 @@
     </p:spTree>
     <p:extLst>
       <p:ext uri="{BB962C8B-B14F-4D97-AF65-F5344CB8AC3E}">
-        <p14:creationId xmlns:p14="http://schemas.microsoft.com/office/powerpoint/2010/main" xmlns="" val="3544445580"/>
+        <p14:creationId xmlns:p14="http://schemas.microsoft.com/office/powerpoint/2010/main" val="3544445580"/>
       </p:ext>
     </p:extLst>
   </p:cSld>
@@ -3198,7 +3222,7 @@
           <p:cNvPr id="2" name="标题 1">
             <a:extLst>
               <a:ext uri="{FF2B5EF4-FFF2-40B4-BE49-F238E27FC236}">
-                <a16:creationId xmlns:a16="http://schemas.microsoft.com/office/drawing/2014/main" xmlns="" id="{A41985E7-AD5F-3443-8BB8-066DBE30AD44}"/>
+                <a16:creationId xmlns:a16="http://schemas.microsoft.com/office/drawing/2014/main" id="{A41985E7-AD5F-3443-8BB8-066DBE30AD44}"/>
               </a:ext>
             </a:extLst>
           </p:cNvPr>
@@ -3235,7 +3259,7 @@
           <p:cNvPr id="3" name="副标题 2">
             <a:extLst>
               <a:ext uri="{FF2B5EF4-FFF2-40B4-BE49-F238E27FC236}">
-                <a16:creationId xmlns:a16="http://schemas.microsoft.com/office/drawing/2014/main" xmlns="" id="{FA2B2CBD-0FC4-3740-A613-AB7C49BBBA8D}"/>
+                <a16:creationId xmlns:a16="http://schemas.microsoft.com/office/drawing/2014/main" id="{FA2B2CBD-0FC4-3740-A613-AB7C49BBBA8D}"/>
               </a:ext>
             </a:extLst>
           </p:cNvPr>
@@ -3305,7 +3329,7 @@
           <p:cNvPr id="4" name="日期占位符 3">
             <a:extLst>
               <a:ext uri="{FF2B5EF4-FFF2-40B4-BE49-F238E27FC236}">
-                <a16:creationId xmlns:a16="http://schemas.microsoft.com/office/drawing/2014/main" xmlns="" id="{1ABBB39B-099A-AC4C-A764-5CFC611AF3F7}"/>
+                <a16:creationId xmlns:a16="http://schemas.microsoft.com/office/drawing/2014/main" id="{1ABBB39B-099A-AC4C-A764-5CFC611AF3F7}"/>
               </a:ext>
             </a:extLst>
           </p:cNvPr>
@@ -3324,7 +3348,7 @@
             <a:fld id="{1C49BB65-7B3F-4D4E-A397-BBFD82890A5A}" type="datetimeFigureOut">
               <a:rPr kumimoji="1" lang="zh-CN" altLang="en-US" smtClean="0"/>
               <a:pPr/>
-              <a:t>2020/10/7</a:t>
+              <a:t>2020/12/1</a:t>
             </a:fld>
             <a:endParaRPr kumimoji="1" lang="zh-CN" altLang="en-US"/>
           </a:p>
@@ -3335,7 +3359,7 @@
           <p:cNvPr id="5" name="页脚占位符 4">
             <a:extLst>
               <a:ext uri="{FF2B5EF4-FFF2-40B4-BE49-F238E27FC236}">
-                <a16:creationId xmlns:a16="http://schemas.microsoft.com/office/drawing/2014/main" xmlns="" id="{C3D2BBC2-7964-964F-8BF9-F3989B2B1239}"/>
+                <a16:creationId xmlns:a16="http://schemas.microsoft.com/office/drawing/2014/main" id="{C3D2BBC2-7964-964F-8BF9-F3989B2B1239}"/>
               </a:ext>
             </a:extLst>
           </p:cNvPr>
@@ -3360,7 +3384,7 @@
           <p:cNvPr id="6" name="灯片编号占位符 5">
             <a:extLst>
               <a:ext uri="{FF2B5EF4-FFF2-40B4-BE49-F238E27FC236}">
-                <a16:creationId xmlns:a16="http://schemas.microsoft.com/office/drawing/2014/main" xmlns="" id="{8D033C90-A51C-1141-89C2-007DE3F884D6}"/>
+                <a16:creationId xmlns:a16="http://schemas.microsoft.com/office/drawing/2014/main" id="{8D033C90-A51C-1141-89C2-007DE3F884D6}"/>
               </a:ext>
             </a:extLst>
           </p:cNvPr>
@@ -3388,7 +3412,7 @@
     </p:spTree>
     <p:extLst>
       <p:ext uri="{BB962C8B-B14F-4D97-AF65-F5344CB8AC3E}">
-        <p14:creationId xmlns:p14="http://schemas.microsoft.com/office/powerpoint/2010/main" xmlns="" val="2401764846"/>
+        <p14:creationId xmlns:p14="http://schemas.microsoft.com/office/powerpoint/2010/main" val="2401764846"/>
       </p:ext>
     </p:extLst>
   </p:cSld>
@@ -3420,7 +3444,7 @@
           <p:cNvPr id="2" name="标题 1">
             <a:extLst>
               <a:ext uri="{FF2B5EF4-FFF2-40B4-BE49-F238E27FC236}">
-                <a16:creationId xmlns:a16="http://schemas.microsoft.com/office/drawing/2014/main" xmlns="" id="{980C5051-4D33-D245-9A58-1FAAF9B67BC0}"/>
+                <a16:creationId xmlns:a16="http://schemas.microsoft.com/office/drawing/2014/main" id="{980C5051-4D33-D245-9A58-1FAAF9B67BC0}"/>
               </a:ext>
             </a:extLst>
           </p:cNvPr>
@@ -3448,7 +3472,7 @@
           <p:cNvPr id="3" name="竖排文字占位符 2">
             <a:extLst>
               <a:ext uri="{FF2B5EF4-FFF2-40B4-BE49-F238E27FC236}">
-                <a16:creationId xmlns:a16="http://schemas.microsoft.com/office/drawing/2014/main" xmlns="" id="{929D678C-829A-3B42-8594-9185B5614ECF}"/>
+                <a16:creationId xmlns:a16="http://schemas.microsoft.com/office/drawing/2014/main" id="{929D678C-829A-3B42-8594-9185B5614ECF}"/>
               </a:ext>
             </a:extLst>
           </p:cNvPr>
@@ -3505,7 +3529,7 @@
           <p:cNvPr id="4" name="日期占位符 3">
             <a:extLst>
               <a:ext uri="{FF2B5EF4-FFF2-40B4-BE49-F238E27FC236}">
-                <a16:creationId xmlns:a16="http://schemas.microsoft.com/office/drawing/2014/main" xmlns="" id="{DF6D5765-7915-6E4B-BCBD-3755176BD775}"/>
+                <a16:creationId xmlns:a16="http://schemas.microsoft.com/office/drawing/2014/main" id="{DF6D5765-7915-6E4B-BCBD-3755176BD775}"/>
               </a:ext>
             </a:extLst>
           </p:cNvPr>
@@ -3524,7 +3548,7 @@
             <a:fld id="{1C49BB65-7B3F-4D4E-A397-BBFD82890A5A}" type="datetimeFigureOut">
               <a:rPr kumimoji="1" lang="zh-CN" altLang="en-US" smtClean="0"/>
               <a:pPr/>
-              <a:t>2020/10/7</a:t>
+              <a:t>2020/12/1</a:t>
             </a:fld>
             <a:endParaRPr kumimoji="1" lang="zh-CN" altLang="en-US"/>
           </a:p>
@@ -3535,7 +3559,7 @@
           <p:cNvPr id="5" name="页脚占位符 4">
             <a:extLst>
               <a:ext uri="{FF2B5EF4-FFF2-40B4-BE49-F238E27FC236}">
-                <a16:creationId xmlns:a16="http://schemas.microsoft.com/office/drawing/2014/main" xmlns="" id="{78114BEC-EBA0-5248-8408-11F81ED00213}"/>
+                <a16:creationId xmlns:a16="http://schemas.microsoft.com/office/drawing/2014/main" id="{78114BEC-EBA0-5248-8408-11F81ED00213}"/>
               </a:ext>
             </a:extLst>
           </p:cNvPr>
@@ -3560,7 +3584,7 @@
           <p:cNvPr id="6" name="灯片编号占位符 5">
             <a:extLst>
               <a:ext uri="{FF2B5EF4-FFF2-40B4-BE49-F238E27FC236}">
-                <a16:creationId xmlns:a16="http://schemas.microsoft.com/office/drawing/2014/main" xmlns="" id="{ACA15DA3-296D-4D48-A221-CDEE3E5F7DD7}"/>
+                <a16:creationId xmlns:a16="http://schemas.microsoft.com/office/drawing/2014/main" id="{ACA15DA3-296D-4D48-A221-CDEE3E5F7DD7}"/>
               </a:ext>
             </a:extLst>
           </p:cNvPr>
@@ -3588,7 +3612,7 @@
     </p:spTree>
     <p:extLst>
       <p:ext uri="{BB962C8B-B14F-4D97-AF65-F5344CB8AC3E}">
-        <p14:creationId xmlns:p14="http://schemas.microsoft.com/office/powerpoint/2010/main" xmlns="" val="398815617"/>
+        <p14:creationId xmlns:p14="http://schemas.microsoft.com/office/powerpoint/2010/main" val="398815617"/>
       </p:ext>
     </p:extLst>
   </p:cSld>
@@ -3620,7 +3644,7 @@
           <p:cNvPr id="2" name="竖排标题 1">
             <a:extLst>
               <a:ext uri="{FF2B5EF4-FFF2-40B4-BE49-F238E27FC236}">
-                <a16:creationId xmlns:a16="http://schemas.microsoft.com/office/drawing/2014/main" xmlns="" id="{2B5EE393-BBF1-C744-BE5C-C9514841B980}"/>
+                <a16:creationId xmlns:a16="http://schemas.microsoft.com/office/drawing/2014/main" id="{2B5EE393-BBF1-C744-BE5C-C9514841B980}"/>
               </a:ext>
             </a:extLst>
           </p:cNvPr>
@@ -3653,7 +3677,7 @@
           <p:cNvPr id="3" name="竖排文字占位符 2">
             <a:extLst>
               <a:ext uri="{FF2B5EF4-FFF2-40B4-BE49-F238E27FC236}">
-                <a16:creationId xmlns:a16="http://schemas.microsoft.com/office/drawing/2014/main" xmlns="" id="{9C48D564-48A2-B049-AFA1-310ED30FEDCD}"/>
+                <a16:creationId xmlns:a16="http://schemas.microsoft.com/office/drawing/2014/main" id="{9C48D564-48A2-B049-AFA1-310ED30FEDCD}"/>
               </a:ext>
             </a:extLst>
           </p:cNvPr>
@@ -3715,7 +3739,7 @@
           <p:cNvPr id="4" name="日期占位符 3">
             <a:extLst>
               <a:ext uri="{FF2B5EF4-FFF2-40B4-BE49-F238E27FC236}">
-                <a16:creationId xmlns:a16="http://schemas.microsoft.com/office/drawing/2014/main" xmlns="" id="{1F2BC9C1-97AF-E341-B299-23BA7B941080}"/>
+                <a16:creationId xmlns:a16="http://schemas.microsoft.com/office/drawing/2014/main" id="{1F2BC9C1-97AF-E341-B299-23BA7B941080}"/>
               </a:ext>
             </a:extLst>
           </p:cNvPr>
@@ -3734,7 +3758,7 @@
             <a:fld id="{1C49BB65-7B3F-4D4E-A397-BBFD82890A5A}" type="datetimeFigureOut">
               <a:rPr kumimoji="1" lang="zh-CN" altLang="en-US" smtClean="0"/>
               <a:pPr/>
-              <a:t>2020/10/7</a:t>
+              <a:t>2020/12/1</a:t>
             </a:fld>
             <a:endParaRPr kumimoji="1" lang="zh-CN" altLang="en-US"/>
           </a:p>
@@ -3745,7 +3769,7 @@
           <p:cNvPr id="5" name="页脚占位符 4">
             <a:extLst>
               <a:ext uri="{FF2B5EF4-FFF2-40B4-BE49-F238E27FC236}">
-                <a16:creationId xmlns:a16="http://schemas.microsoft.com/office/drawing/2014/main" xmlns="" id="{4A64BF9F-C28A-934B-A0CB-D63D7BBC6785}"/>
+                <a16:creationId xmlns:a16="http://schemas.microsoft.com/office/drawing/2014/main" id="{4A64BF9F-C28A-934B-A0CB-D63D7BBC6785}"/>
               </a:ext>
             </a:extLst>
           </p:cNvPr>
@@ -3770,7 +3794,7 @@
           <p:cNvPr id="6" name="灯片编号占位符 5">
             <a:extLst>
               <a:ext uri="{FF2B5EF4-FFF2-40B4-BE49-F238E27FC236}">
-                <a16:creationId xmlns:a16="http://schemas.microsoft.com/office/drawing/2014/main" xmlns="" id="{57541ADA-BA2D-5A49-8DBD-7FDBCBA02C69}"/>
+                <a16:creationId xmlns:a16="http://schemas.microsoft.com/office/drawing/2014/main" id="{57541ADA-BA2D-5A49-8DBD-7FDBCBA02C69}"/>
               </a:ext>
             </a:extLst>
           </p:cNvPr>
@@ -3798,7 +3822,7 @@
     </p:spTree>
     <p:extLst>
       <p:ext uri="{BB962C8B-B14F-4D97-AF65-F5344CB8AC3E}">
-        <p14:creationId xmlns:p14="http://schemas.microsoft.com/office/powerpoint/2010/main" xmlns="" val="2570666467"/>
+        <p14:creationId xmlns:p14="http://schemas.microsoft.com/office/powerpoint/2010/main" val="2570666467"/>
       </p:ext>
     </p:extLst>
   </p:cSld>
@@ -3830,7 +3854,7 @@
           <p:cNvPr id="2" name="标题 1">
             <a:extLst>
               <a:ext uri="{FF2B5EF4-FFF2-40B4-BE49-F238E27FC236}">
-                <a16:creationId xmlns:a16="http://schemas.microsoft.com/office/drawing/2014/main" xmlns="" id="{6848F6C4-8876-B04C-A968-60A25A865B45}"/>
+                <a16:creationId xmlns:a16="http://schemas.microsoft.com/office/drawing/2014/main" id="{6848F6C4-8876-B04C-A968-60A25A865B45}"/>
               </a:ext>
             </a:extLst>
           </p:cNvPr>
@@ -3858,7 +3882,7 @@
           <p:cNvPr id="3" name="内容占位符 2">
             <a:extLst>
               <a:ext uri="{FF2B5EF4-FFF2-40B4-BE49-F238E27FC236}">
-                <a16:creationId xmlns:a16="http://schemas.microsoft.com/office/drawing/2014/main" xmlns="" id="{411933AA-7949-DA45-8483-815D70FB3464}"/>
+                <a16:creationId xmlns:a16="http://schemas.microsoft.com/office/drawing/2014/main" id="{411933AA-7949-DA45-8483-815D70FB3464}"/>
               </a:ext>
             </a:extLst>
           </p:cNvPr>
@@ -3915,7 +3939,7 @@
           <p:cNvPr id="4" name="日期占位符 3">
             <a:extLst>
               <a:ext uri="{FF2B5EF4-FFF2-40B4-BE49-F238E27FC236}">
-                <a16:creationId xmlns:a16="http://schemas.microsoft.com/office/drawing/2014/main" xmlns="" id="{7206F07E-E9C8-DF4F-811B-D33F817350ED}"/>
+                <a16:creationId xmlns:a16="http://schemas.microsoft.com/office/drawing/2014/main" id="{7206F07E-E9C8-DF4F-811B-D33F817350ED}"/>
               </a:ext>
             </a:extLst>
           </p:cNvPr>
@@ -3934,7 +3958,7 @@
             <a:fld id="{1C49BB65-7B3F-4D4E-A397-BBFD82890A5A}" type="datetimeFigureOut">
               <a:rPr kumimoji="1" lang="zh-CN" altLang="en-US" smtClean="0"/>
               <a:pPr/>
-              <a:t>2020/10/7</a:t>
+              <a:t>2020/12/1</a:t>
             </a:fld>
             <a:endParaRPr kumimoji="1" lang="zh-CN" altLang="en-US"/>
           </a:p>
@@ -3945,7 +3969,7 @@
           <p:cNvPr id="5" name="页脚占位符 4">
             <a:extLst>
               <a:ext uri="{FF2B5EF4-FFF2-40B4-BE49-F238E27FC236}">
-                <a16:creationId xmlns:a16="http://schemas.microsoft.com/office/drawing/2014/main" xmlns="" id="{FF07EAEA-C9E3-194D-9670-61A4982845CE}"/>
+                <a16:creationId xmlns:a16="http://schemas.microsoft.com/office/drawing/2014/main" id="{FF07EAEA-C9E3-194D-9670-61A4982845CE}"/>
               </a:ext>
             </a:extLst>
           </p:cNvPr>
@@ -3970,7 +3994,7 @@
           <p:cNvPr id="6" name="灯片编号占位符 5">
             <a:extLst>
               <a:ext uri="{FF2B5EF4-FFF2-40B4-BE49-F238E27FC236}">
-                <a16:creationId xmlns:a16="http://schemas.microsoft.com/office/drawing/2014/main" xmlns="" id="{BF0BA323-77EB-E344-B990-98358B8F0AD9}"/>
+                <a16:creationId xmlns:a16="http://schemas.microsoft.com/office/drawing/2014/main" id="{BF0BA323-77EB-E344-B990-98358B8F0AD9}"/>
               </a:ext>
             </a:extLst>
           </p:cNvPr>
@@ -3998,7 +4022,7 @@
     </p:spTree>
     <p:extLst>
       <p:ext uri="{BB962C8B-B14F-4D97-AF65-F5344CB8AC3E}">
-        <p14:creationId xmlns:p14="http://schemas.microsoft.com/office/powerpoint/2010/main" xmlns="" val="3028723911"/>
+        <p14:creationId xmlns:p14="http://schemas.microsoft.com/office/powerpoint/2010/main" val="3028723911"/>
       </p:ext>
     </p:extLst>
   </p:cSld>
@@ -4030,7 +4054,7 @@
           <p:cNvPr id="2" name="标题 1">
             <a:extLst>
               <a:ext uri="{FF2B5EF4-FFF2-40B4-BE49-F238E27FC236}">
-                <a16:creationId xmlns:a16="http://schemas.microsoft.com/office/drawing/2014/main" xmlns="" id="{A60EB8CC-9B16-5B47-8646-688D9AD7A4A3}"/>
+                <a16:creationId xmlns:a16="http://schemas.microsoft.com/office/drawing/2014/main" id="{A60EB8CC-9B16-5B47-8646-688D9AD7A4A3}"/>
               </a:ext>
             </a:extLst>
           </p:cNvPr>
@@ -4067,7 +4091,7 @@
           <p:cNvPr id="3" name="文本占位符 2">
             <a:extLst>
               <a:ext uri="{FF2B5EF4-FFF2-40B4-BE49-F238E27FC236}">
-                <a16:creationId xmlns:a16="http://schemas.microsoft.com/office/drawing/2014/main" xmlns="" id="{6E0AF32D-FE45-B840-A45B-9F6BC17FF602}"/>
+                <a16:creationId xmlns:a16="http://schemas.microsoft.com/office/drawing/2014/main" id="{6E0AF32D-FE45-B840-A45B-9F6BC17FF602}"/>
               </a:ext>
             </a:extLst>
           </p:cNvPr>
@@ -4192,7 +4216,7 @@
           <p:cNvPr id="4" name="日期占位符 3">
             <a:extLst>
               <a:ext uri="{FF2B5EF4-FFF2-40B4-BE49-F238E27FC236}">
-                <a16:creationId xmlns:a16="http://schemas.microsoft.com/office/drawing/2014/main" xmlns="" id="{3A4D500E-0FFC-624C-979F-64B74E8946EA}"/>
+                <a16:creationId xmlns:a16="http://schemas.microsoft.com/office/drawing/2014/main" id="{3A4D500E-0FFC-624C-979F-64B74E8946EA}"/>
               </a:ext>
             </a:extLst>
           </p:cNvPr>
@@ -4211,7 +4235,7 @@
             <a:fld id="{1C49BB65-7B3F-4D4E-A397-BBFD82890A5A}" type="datetimeFigureOut">
               <a:rPr kumimoji="1" lang="zh-CN" altLang="en-US" smtClean="0"/>
               <a:pPr/>
-              <a:t>2020/10/7</a:t>
+              <a:t>2020/12/1</a:t>
             </a:fld>
             <a:endParaRPr kumimoji="1" lang="zh-CN" altLang="en-US"/>
           </a:p>
@@ -4222,7 +4246,7 @@
           <p:cNvPr id="5" name="页脚占位符 4">
             <a:extLst>
               <a:ext uri="{FF2B5EF4-FFF2-40B4-BE49-F238E27FC236}">
-                <a16:creationId xmlns:a16="http://schemas.microsoft.com/office/drawing/2014/main" xmlns="" id="{9CCD6219-859B-2C4F-AAE5-F528699FBED5}"/>
+                <a16:creationId xmlns:a16="http://schemas.microsoft.com/office/drawing/2014/main" id="{9CCD6219-859B-2C4F-AAE5-F528699FBED5}"/>
               </a:ext>
             </a:extLst>
           </p:cNvPr>
@@ -4247,7 +4271,7 @@
           <p:cNvPr id="6" name="灯片编号占位符 5">
             <a:extLst>
               <a:ext uri="{FF2B5EF4-FFF2-40B4-BE49-F238E27FC236}">
-                <a16:creationId xmlns:a16="http://schemas.microsoft.com/office/drawing/2014/main" xmlns="" id="{DDDAB5A8-E384-D742-8E54-9D03D564D2AC}"/>
+                <a16:creationId xmlns:a16="http://schemas.microsoft.com/office/drawing/2014/main" id="{DDDAB5A8-E384-D742-8E54-9D03D564D2AC}"/>
               </a:ext>
             </a:extLst>
           </p:cNvPr>
@@ -4275,7 +4299,7 @@
     </p:spTree>
     <p:extLst>
       <p:ext uri="{BB962C8B-B14F-4D97-AF65-F5344CB8AC3E}">
-        <p14:creationId xmlns:p14="http://schemas.microsoft.com/office/powerpoint/2010/main" xmlns="" val="1011700820"/>
+        <p14:creationId xmlns:p14="http://schemas.microsoft.com/office/powerpoint/2010/main" val="1011700820"/>
       </p:ext>
     </p:extLst>
   </p:cSld>
@@ -4307,7 +4331,7 @@
           <p:cNvPr id="2" name="标题 1">
             <a:extLst>
               <a:ext uri="{FF2B5EF4-FFF2-40B4-BE49-F238E27FC236}">
-                <a16:creationId xmlns:a16="http://schemas.microsoft.com/office/drawing/2014/main" xmlns="" id="{24DDAB73-EAEC-034A-9850-98D1F0729A76}"/>
+                <a16:creationId xmlns:a16="http://schemas.microsoft.com/office/drawing/2014/main" id="{24DDAB73-EAEC-034A-9850-98D1F0729A76}"/>
               </a:ext>
             </a:extLst>
           </p:cNvPr>
@@ -4335,7 +4359,7 @@
           <p:cNvPr id="3" name="内容占位符 2">
             <a:extLst>
               <a:ext uri="{FF2B5EF4-FFF2-40B4-BE49-F238E27FC236}">
-                <a16:creationId xmlns:a16="http://schemas.microsoft.com/office/drawing/2014/main" xmlns="" id="{1F2BC799-2889-7C42-B591-61B1C8CFA32D}"/>
+                <a16:creationId xmlns:a16="http://schemas.microsoft.com/office/drawing/2014/main" id="{1F2BC799-2889-7C42-B591-61B1C8CFA32D}"/>
               </a:ext>
             </a:extLst>
           </p:cNvPr>
@@ -4397,7 +4421,7 @@
           <p:cNvPr id="4" name="内容占位符 3">
             <a:extLst>
               <a:ext uri="{FF2B5EF4-FFF2-40B4-BE49-F238E27FC236}">
-                <a16:creationId xmlns:a16="http://schemas.microsoft.com/office/drawing/2014/main" xmlns="" id="{84BE2DE6-F13A-9F4D-938E-BF6C35645CCB}"/>
+                <a16:creationId xmlns:a16="http://schemas.microsoft.com/office/drawing/2014/main" id="{84BE2DE6-F13A-9F4D-938E-BF6C35645CCB}"/>
               </a:ext>
             </a:extLst>
           </p:cNvPr>
@@ -4459,7 +4483,7 @@
           <p:cNvPr id="5" name="日期占位符 4">
             <a:extLst>
               <a:ext uri="{FF2B5EF4-FFF2-40B4-BE49-F238E27FC236}">
-                <a16:creationId xmlns:a16="http://schemas.microsoft.com/office/drawing/2014/main" xmlns="" id="{7F98024A-9026-374A-9835-0921E9EA0B45}"/>
+                <a16:creationId xmlns:a16="http://schemas.microsoft.com/office/drawing/2014/main" id="{7F98024A-9026-374A-9835-0921E9EA0B45}"/>
               </a:ext>
             </a:extLst>
           </p:cNvPr>
@@ -4478,7 +4502,7 @@
             <a:fld id="{1C49BB65-7B3F-4D4E-A397-BBFD82890A5A}" type="datetimeFigureOut">
               <a:rPr kumimoji="1" lang="zh-CN" altLang="en-US" smtClean="0"/>
               <a:pPr/>
-              <a:t>2020/10/7</a:t>
+              <a:t>2020/12/1</a:t>
             </a:fld>
             <a:endParaRPr kumimoji="1" lang="zh-CN" altLang="en-US"/>
           </a:p>
@@ -4489,7 +4513,7 @@
           <p:cNvPr id="6" name="页脚占位符 5">
             <a:extLst>
               <a:ext uri="{FF2B5EF4-FFF2-40B4-BE49-F238E27FC236}">
-                <a16:creationId xmlns:a16="http://schemas.microsoft.com/office/drawing/2014/main" xmlns="" id="{3612FA65-A95A-8D42-8FF6-73019793C953}"/>
+                <a16:creationId xmlns:a16="http://schemas.microsoft.com/office/drawing/2014/main" id="{3612FA65-A95A-8D42-8FF6-73019793C953}"/>
               </a:ext>
             </a:extLst>
           </p:cNvPr>
@@ -4514,7 +4538,7 @@
           <p:cNvPr id="7" name="灯片编号占位符 6">
             <a:extLst>
               <a:ext uri="{FF2B5EF4-FFF2-40B4-BE49-F238E27FC236}">
-                <a16:creationId xmlns:a16="http://schemas.microsoft.com/office/drawing/2014/main" xmlns="" id="{8AF21F13-F798-9F4F-97E0-3FAF1DE42B22}"/>
+                <a16:creationId xmlns:a16="http://schemas.microsoft.com/office/drawing/2014/main" id="{8AF21F13-F798-9F4F-97E0-3FAF1DE42B22}"/>
               </a:ext>
             </a:extLst>
           </p:cNvPr>
@@ -4542,7 +4566,7 @@
     </p:spTree>
     <p:extLst>
       <p:ext uri="{BB962C8B-B14F-4D97-AF65-F5344CB8AC3E}">
-        <p14:creationId xmlns:p14="http://schemas.microsoft.com/office/powerpoint/2010/main" xmlns="" val="787556304"/>
+        <p14:creationId xmlns:p14="http://schemas.microsoft.com/office/powerpoint/2010/main" val="787556304"/>
       </p:ext>
     </p:extLst>
   </p:cSld>
@@ -4574,7 +4598,7 @@
           <p:cNvPr id="2" name="标题 1">
             <a:extLst>
               <a:ext uri="{FF2B5EF4-FFF2-40B4-BE49-F238E27FC236}">
-                <a16:creationId xmlns:a16="http://schemas.microsoft.com/office/drawing/2014/main" xmlns="" id="{2A164F6E-2DA7-6845-8B7A-1BB71524C972}"/>
+                <a16:creationId xmlns:a16="http://schemas.microsoft.com/office/drawing/2014/main" id="{2A164F6E-2DA7-6845-8B7A-1BB71524C972}"/>
               </a:ext>
             </a:extLst>
           </p:cNvPr>
@@ -4607,7 +4631,7 @@
           <p:cNvPr id="3" name="文本占位符 2">
             <a:extLst>
               <a:ext uri="{FF2B5EF4-FFF2-40B4-BE49-F238E27FC236}">
-                <a16:creationId xmlns:a16="http://schemas.microsoft.com/office/drawing/2014/main" xmlns="" id="{665DD0D5-B856-1841-9B26-823A07572C4B}"/>
+                <a16:creationId xmlns:a16="http://schemas.microsoft.com/office/drawing/2014/main" id="{665DD0D5-B856-1841-9B26-823A07572C4B}"/>
               </a:ext>
             </a:extLst>
           </p:cNvPr>
@@ -4678,7 +4702,7 @@
           <p:cNvPr id="4" name="内容占位符 3">
             <a:extLst>
               <a:ext uri="{FF2B5EF4-FFF2-40B4-BE49-F238E27FC236}">
-                <a16:creationId xmlns:a16="http://schemas.microsoft.com/office/drawing/2014/main" xmlns="" id="{BA7975FD-F7B8-AA46-AB0A-7A4DD13C2607}"/>
+                <a16:creationId xmlns:a16="http://schemas.microsoft.com/office/drawing/2014/main" id="{BA7975FD-F7B8-AA46-AB0A-7A4DD13C2607}"/>
               </a:ext>
             </a:extLst>
           </p:cNvPr>
@@ -4740,7 +4764,7 @@
           <p:cNvPr id="5" name="文本占位符 4">
             <a:extLst>
               <a:ext uri="{FF2B5EF4-FFF2-40B4-BE49-F238E27FC236}">
-                <a16:creationId xmlns:a16="http://schemas.microsoft.com/office/drawing/2014/main" xmlns="" id="{8647B958-00CA-A341-B59E-756A79F935C4}"/>
+                <a16:creationId xmlns:a16="http://schemas.microsoft.com/office/drawing/2014/main" id="{8647B958-00CA-A341-B59E-756A79F935C4}"/>
               </a:ext>
             </a:extLst>
           </p:cNvPr>
@@ -4811,7 +4835,7 @@
           <p:cNvPr id="6" name="内容占位符 5">
             <a:extLst>
               <a:ext uri="{FF2B5EF4-FFF2-40B4-BE49-F238E27FC236}">
-                <a16:creationId xmlns:a16="http://schemas.microsoft.com/office/drawing/2014/main" xmlns="" id="{B4EABC66-C7BD-DF46-ABD6-7CE34DF19F32}"/>
+                <a16:creationId xmlns:a16="http://schemas.microsoft.com/office/drawing/2014/main" id="{B4EABC66-C7BD-DF46-ABD6-7CE34DF19F32}"/>
               </a:ext>
             </a:extLst>
           </p:cNvPr>
@@ -4873,7 +4897,7 @@
           <p:cNvPr id="7" name="日期占位符 6">
             <a:extLst>
               <a:ext uri="{FF2B5EF4-FFF2-40B4-BE49-F238E27FC236}">
-                <a16:creationId xmlns:a16="http://schemas.microsoft.com/office/drawing/2014/main" xmlns="" id="{22CC4104-9AD5-584F-86AE-4156E0AF6286}"/>
+                <a16:creationId xmlns:a16="http://schemas.microsoft.com/office/drawing/2014/main" id="{22CC4104-9AD5-584F-86AE-4156E0AF6286}"/>
               </a:ext>
             </a:extLst>
           </p:cNvPr>
@@ -4892,7 +4916,7 @@
             <a:fld id="{1C49BB65-7B3F-4D4E-A397-BBFD82890A5A}" type="datetimeFigureOut">
               <a:rPr kumimoji="1" lang="zh-CN" altLang="en-US" smtClean="0"/>
               <a:pPr/>
-              <a:t>2020/10/7</a:t>
+              <a:t>2020/12/1</a:t>
             </a:fld>
             <a:endParaRPr kumimoji="1" lang="zh-CN" altLang="en-US"/>
           </a:p>
@@ -4903,7 +4927,7 @@
           <p:cNvPr id="8" name="页脚占位符 7">
             <a:extLst>
               <a:ext uri="{FF2B5EF4-FFF2-40B4-BE49-F238E27FC236}">
-                <a16:creationId xmlns:a16="http://schemas.microsoft.com/office/drawing/2014/main" xmlns="" id="{D574BB21-8115-8342-B618-1B1CB257A5EF}"/>
+                <a16:creationId xmlns:a16="http://schemas.microsoft.com/office/drawing/2014/main" id="{D574BB21-8115-8342-B618-1B1CB257A5EF}"/>
               </a:ext>
             </a:extLst>
           </p:cNvPr>
@@ -4928,7 +4952,7 @@
           <p:cNvPr id="9" name="灯片编号占位符 8">
             <a:extLst>
               <a:ext uri="{FF2B5EF4-FFF2-40B4-BE49-F238E27FC236}">
-                <a16:creationId xmlns:a16="http://schemas.microsoft.com/office/drawing/2014/main" xmlns="" id="{3908F2E7-D748-7947-895B-85B583E38F81}"/>
+                <a16:creationId xmlns:a16="http://schemas.microsoft.com/office/drawing/2014/main" id="{3908F2E7-D748-7947-895B-85B583E38F81}"/>
               </a:ext>
             </a:extLst>
           </p:cNvPr>
@@ -4956,7 +4980,7 @@
     </p:spTree>
     <p:extLst>
       <p:ext uri="{BB962C8B-B14F-4D97-AF65-F5344CB8AC3E}">
-        <p14:creationId xmlns:p14="http://schemas.microsoft.com/office/powerpoint/2010/main" xmlns="" val="3972114044"/>
+        <p14:creationId xmlns:p14="http://schemas.microsoft.com/office/powerpoint/2010/main" val="3972114044"/>
       </p:ext>
     </p:extLst>
   </p:cSld>
@@ -4988,7 +5012,7 @@
           <p:cNvPr id="2" name="标题 1">
             <a:extLst>
               <a:ext uri="{FF2B5EF4-FFF2-40B4-BE49-F238E27FC236}">
-                <a16:creationId xmlns:a16="http://schemas.microsoft.com/office/drawing/2014/main" xmlns="" id="{9AAA26DC-7E91-6149-8A18-CB0C58A1A3F1}"/>
+                <a16:creationId xmlns:a16="http://schemas.microsoft.com/office/drawing/2014/main" id="{9AAA26DC-7E91-6149-8A18-CB0C58A1A3F1}"/>
               </a:ext>
             </a:extLst>
           </p:cNvPr>
@@ -5016,7 +5040,7 @@
           <p:cNvPr id="3" name="日期占位符 2">
             <a:extLst>
               <a:ext uri="{FF2B5EF4-FFF2-40B4-BE49-F238E27FC236}">
-                <a16:creationId xmlns:a16="http://schemas.microsoft.com/office/drawing/2014/main" xmlns="" id="{5C57088E-D40C-F045-A780-7DFF2B6613EC}"/>
+                <a16:creationId xmlns:a16="http://schemas.microsoft.com/office/drawing/2014/main" id="{5C57088E-D40C-F045-A780-7DFF2B6613EC}"/>
               </a:ext>
             </a:extLst>
           </p:cNvPr>
@@ -5035,7 +5059,7 @@
             <a:fld id="{1C49BB65-7B3F-4D4E-A397-BBFD82890A5A}" type="datetimeFigureOut">
               <a:rPr kumimoji="1" lang="zh-CN" altLang="en-US" smtClean="0"/>
               <a:pPr/>
-              <a:t>2020/10/7</a:t>
+              <a:t>2020/12/1</a:t>
             </a:fld>
             <a:endParaRPr kumimoji="1" lang="zh-CN" altLang="en-US"/>
           </a:p>
@@ -5046,7 +5070,7 @@
           <p:cNvPr id="4" name="页脚占位符 3">
             <a:extLst>
               <a:ext uri="{FF2B5EF4-FFF2-40B4-BE49-F238E27FC236}">
-                <a16:creationId xmlns:a16="http://schemas.microsoft.com/office/drawing/2014/main" xmlns="" id="{BACD306C-29A0-0045-9C38-BA6B0C5A5074}"/>
+                <a16:creationId xmlns:a16="http://schemas.microsoft.com/office/drawing/2014/main" id="{BACD306C-29A0-0045-9C38-BA6B0C5A5074}"/>
               </a:ext>
             </a:extLst>
           </p:cNvPr>
@@ -5071,7 +5095,7 @@
           <p:cNvPr id="5" name="灯片编号占位符 4">
             <a:extLst>
               <a:ext uri="{FF2B5EF4-FFF2-40B4-BE49-F238E27FC236}">
-                <a16:creationId xmlns:a16="http://schemas.microsoft.com/office/drawing/2014/main" xmlns="" id="{E32ED1B5-616B-8046-BC0D-CDEC1F906D64}"/>
+                <a16:creationId xmlns:a16="http://schemas.microsoft.com/office/drawing/2014/main" id="{E32ED1B5-616B-8046-BC0D-CDEC1F906D64}"/>
               </a:ext>
             </a:extLst>
           </p:cNvPr>
@@ -5099,7 +5123,7 @@
     </p:spTree>
     <p:extLst>
       <p:ext uri="{BB962C8B-B14F-4D97-AF65-F5344CB8AC3E}">
-        <p14:creationId xmlns:p14="http://schemas.microsoft.com/office/powerpoint/2010/main" xmlns="" val="4291102299"/>
+        <p14:creationId xmlns:p14="http://schemas.microsoft.com/office/powerpoint/2010/main" val="4291102299"/>
       </p:ext>
     </p:extLst>
   </p:cSld>
@@ -5158,7 +5182,7 @@
     </p:spTree>
     <p:extLst>
       <p:ext uri="{BB962C8B-B14F-4D97-AF65-F5344CB8AC3E}">
-        <p14:creationId xmlns:p14="http://schemas.microsoft.com/office/powerpoint/2010/main" xmlns="" val="3717427831"/>
+        <p14:creationId xmlns:p14="http://schemas.microsoft.com/office/powerpoint/2010/main" val="3717427831"/>
       </p:ext>
     </p:extLst>
   </p:cSld>
@@ -5190,7 +5214,7 @@
           <p:cNvPr id="2" name="标题 1">
             <a:extLst>
               <a:ext uri="{FF2B5EF4-FFF2-40B4-BE49-F238E27FC236}">
-                <a16:creationId xmlns:a16="http://schemas.microsoft.com/office/drawing/2014/main" xmlns="" id="{DDCEC01B-2BE2-1042-B066-B7D57FA4B559}"/>
+                <a16:creationId xmlns:a16="http://schemas.microsoft.com/office/drawing/2014/main" id="{DDCEC01B-2BE2-1042-B066-B7D57FA4B559}"/>
               </a:ext>
             </a:extLst>
           </p:cNvPr>
@@ -5227,7 +5251,7 @@
           <p:cNvPr id="3" name="内容占位符 2">
             <a:extLst>
               <a:ext uri="{FF2B5EF4-FFF2-40B4-BE49-F238E27FC236}">
-                <a16:creationId xmlns:a16="http://schemas.microsoft.com/office/drawing/2014/main" xmlns="" id="{4C8FA9F5-DE12-6E41-9F1B-007593FDFC90}"/>
+                <a16:creationId xmlns:a16="http://schemas.microsoft.com/office/drawing/2014/main" id="{4C8FA9F5-DE12-6E41-9F1B-007593FDFC90}"/>
               </a:ext>
             </a:extLst>
           </p:cNvPr>
@@ -5317,7 +5341,7 @@
           <p:cNvPr id="4" name="文本占位符 3">
             <a:extLst>
               <a:ext uri="{FF2B5EF4-FFF2-40B4-BE49-F238E27FC236}">
-                <a16:creationId xmlns:a16="http://schemas.microsoft.com/office/drawing/2014/main" xmlns="" id="{9B46BBB9-02CE-6E44-B3AF-C7A83FDC004B}"/>
+                <a16:creationId xmlns:a16="http://schemas.microsoft.com/office/drawing/2014/main" id="{9B46BBB9-02CE-6E44-B3AF-C7A83FDC004B}"/>
               </a:ext>
             </a:extLst>
           </p:cNvPr>
@@ -5388,7 +5412,7 @@
           <p:cNvPr id="5" name="日期占位符 4">
             <a:extLst>
               <a:ext uri="{FF2B5EF4-FFF2-40B4-BE49-F238E27FC236}">
-                <a16:creationId xmlns:a16="http://schemas.microsoft.com/office/drawing/2014/main" xmlns="" id="{947B0F8E-DE15-BE49-AF57-244E4414D10A}"/>
+                <a16:creationId xmlns:a16="http://schemas.microsoft.com/office/drawing/2014/main" id="{947B0F8E-DE15-BE49-AF57-244E4414D10A}"/>
               </a:ext>
             </a:extLst>
           </p:cNvPr>
@@ -5407,7 +5431,7 @@
             <a:fld id="{1C49BB65-7B3F-4D4E-A397-BBFD82890A5A}" type="datetimeFigureOut">
               <a:rPr kumimoji="1" lang="zh-CN" altLang="en-US" smtClean="0"/>
               <a:pPr/>
-              <a:t>2020/10/7</a:t>
+              <a:t>2020/12/1</a:t>
             </a:fld>
             <a:endParaRPr kumimoji="1" lang="zh-CN" altLang="en-US"/>
           </a:p>
@@ -5418,7 +5442,7 @@
           <p:cNvPr id="6" name="页脚占位符 5">
             <a:extLst>
               <a:ext uri="{FF2B5EF4-FFF2-40B4-BE49-F238E27FC236}">
-                <a16:creationId xmlns:a16="http://schemas.microsoft.com/office/drawing/2014/main" xmlns="" id="{5D620EDC-8FB3-F84C-830F-00394D1F8EDB}"/>
+                <a16:creationId xmlns:a16="http://schemas.microsoft.com/office/drawing/2014/main" id="{5D620EDC-8FB3-F84C-830F-00394D1F8EDB}"/>
               </a:ext>
             </a:extLst>
           </p:cNvPr>
@@ -5443,7 +5467,7 @@
           <p:cNvPr id="7" name="灯片编号占位符 6">
             <a:extLst>
               <a:ext uri="{FF2B5EF4-FFF2-40B4-BE49-F238E27FC236}">
-                <a16:creationId xmlns:a16="http://schemas.microsoft.com/office/drawing/2014/main" xmlns="" id="{2EAC8968-C125-9247-B429-F6A3A40FC480}"/>
+                <a16:creationId xmlns:a16="http://schemas.microsoft.com/office/drawing/2014/main" id="{2EAC8968-C125-9247-B429-F6A3A40FC480}"/>
               </a:ext>
             </a:extLst>
           </p:cNvPr>
@@ -5471,7 +5495,7 @@
     </p:spTree>
     <p:extLst>
       <p:ext uri="{BB962C8B-B14F-4D97-AF65-F5344CB8AC3E}">
-        <p14:creationId xmlns:p14="http://schemas.microsoft.com/office/powerpoint/2010/main" xmlns="" val="1978808432"/>
+        <p14:creationId xmlns:p14="http://schemas.microsoft.com/office/powerpoint/2010/main" val="1978808432"/>
       </p:ext>
     </p:extLst>
   </p:cSld>
@@ -5503,7 +5527,7 @@
           <p:cNvPr id="2" name="标题 1">
             <a:extLst>
               <a:ext uri="{FF2B5EF4-FFF2-40B4-BE49-F238E27FC236}">
-                <a16:creationId xmlns:a16="http://schemas.microsoft.com/office/drawing/2014/main" xmlns="" id="{B261D079-429A-6A45-8CDD-CCECB97E461E}"/>
+                <a16:creationId xmlns:a16="http://schemas.microsoft.com/office/drawing/2014/main" id="{B261D079-429A-6A45-8CDD-CCECB97E461E}"/>
               </a:ext>
             </a:extLst>
           </p:cNvPr>
@@ -5540,7 +5564,7 @@
           <p:cNvPr id="3" name="图片占位符 2">
             <a:extLst>
               <a:ext uri="{FF2B5EF4-FFF2-40B4-BE49-F238E27FC236}">
-                <a16:creationId xmlns:a16="http://schemas.microsoft.com/office/drawing/2014/main" xmlns="" id="{85B0CA4F-9514-0F4E-9682-E4ACCC9BA620}"/>
+                <a16:creationId xmlns:a16="http://schemas.microsoft.com/office/drawing/2014/main" id="{85B0CA4F-9514-0F4E-9682-E4ACCC9BA620}"/>
               </a:ext>
             </a:extLst>
           </p:cNvPr>
@@ -5607,7 +5631,7 @@
           <p:cNvPr id="4" name="文本占位符 3">
             <a:extLst>
               <a:ext uri="{FF2B5EF4-FFF2-40B4-BE49-F238E27FC236}">
-                <a16:creationId xmlns:a16="http://schemas.microsoft.com/office/drawing/2014/main" xmlns="" id="{2E842C43-F2AA-2444-BF8A-3E1AB31E0DC7}"/>
+                <a16:creationId xmlns:a16="http://schemas.microsoft.com/office/drawing/2014/main" id="{2E842C43-F2AA-2444-BF8A-3E1AB31E0DC7}"/>
               </a:ext>
             </a:extLst>
           </p:cNvPr>
@@ -5678,7 +5702,7 @@
           <p:cNvPr id="5" name="日期占位符 4">
             <a:extLst>
               <a:ext uri="{FF2B5EF4-FFF2-40B4-BE49-F238E27FC236}">
-                <a16:creationId xmlns:a16="http://schemas.microsoft.com/office/drawing/2014/main" xmlns="" id="{629649E7-08E4-4242-8CAE-AC76E4D5DB8D}"/>
+                <a16:creationId xmlns:a16="http://schemas.microsoft.com/office/drawing/2014/main" id="{629649E7-08E4-4242-8CAE-AC76E4D5DB8D}"/>
               </a:ext>
             </a:extLst>
           </p:cNvPr>
@@ -5697,7 +5721,7 @@
             <a:fld id="{1C49BB65-7B3F-4D4E-A397-BBFD82890A5A}" type="datetimeFigureOut">
               <a:rPr kumimoji="1" lang="zh-CN" altLang="en-US" smtClean="0"/>
               <a:pPr/>
-              <a:t>2020/10/7</a:t>
+              <a:t>2020/12/1</a:t>
             </a:fld>
             <a:endParaRPr kumimoji="1" lang="zh-CN" altLang="en-US"/>
           </a:p>
@@ -5708,7 +5732,7 @@
           <p:cNvPr id="6" name="页脚占位符 5">
             <a:extLst>
               <a:ext uri="{FF2B5EF4-FFF2-40B4-BE49-F238E27FC236}">
-                <a16:creationId xmlns:a16="http://schemas.microsoft.com/office/drawing/2014/main" xmlns="" id="{7CDB62DF-5A2F-DA49-9173-97EB45153210}"/>
+                <a16:creationId xmlns:a16="http://schemas.microsoft.com/office/drawing/2014/main" id="{7CDB62DF-5A2F-DA49-9173-97EB45153210}"/>
               </a:ext>
             </a:extLst>
           </p:cNvPr>
@@ -5733,7 +5757,7 @@
           <p:cNvPr id="7" name="灯片编号占位符 6">
             <a:extLst>
               <a:ext uri="{FF2B5EF4-FFF2-40B4-BE49-F238E27FC236}">
-                <a16:creationId xmlns:a16="http://schemas.microsoft.com/office/drawing/2014/main" xmlns="" id="{30FB3A4E-450D-9B48-BB40-F6EA89E7B625}"/>
+                <a16:creationId xmlns:a16="http://schemas.microsoft.com/office/drawing/2014/main" id="{30FB3A4E-450D-9B48-BB40-F6EA89E7B625}"/>
               </a:ext>
             </a:extLst>
           </p:cNvPr>
@@ -5761,7 +5785,7 @@
     </p:spTree>
     <p:extLst>
       <p:ext uri="{BB962C8B-B14F-4D97-AF65-F5344CB8AC3E}">
-        <p14:creationId xmlns:p14="http://schemas.microsoft.com/office/powerpoint/2010/main" xmlns="" val="2874456403"/>
+        <p14:creationId xmlns:p14="http://schemas.microsoft.com/office/powerpoint/2010/main" val="2874456403"/>
       </p:ext>
     </p:extLst>
   </p:cSld>
@@ -5798,7 +5822,7 @@
           <p:cNvPr id="2" name="标题占位符 1">
             <a:extLst>
               <a:ext uri="{FF2B5EF4-FFF2-40B4-BE49-F238E27FC236}">
-                <a16:creationId xmlns:a16="http://schemas.microsoft.com/office/drawing/2014/main" xmlns="" id="{604CD426-84E5-8849-9DD7-FDE666C14346}"/>
+                <a16:creationId xmlns:a16="http://schemas.microsoft.com/office/drawing/2014/main" id="{604CD426-84E5-8849-9DD7-FDE666C14346}"/>
               </a:ext>
             </a:extLst>
           </p:cNvPr>
@@ -5836,7 +5860,7 @@
           <p:cNvPr id="3" name="文本占位符 2">
             <a:extLst>
               <a:ext uri="{FF2B5EF4-FFF2-40B4-BE49-F238E27FC236}">
-                <a16:creationId xmlns:a16="http://schemas.microsoft.com/office/drawing/2014/main" xmlns="" id="{3D420EFB-1FAF-FA4F-9215-EE73958A6E6F}"/>
+                <a16:creationId xmlns:a16="http://schemas.microsoft.com/office/drawing/2014/main" id="{3D420EFB-1FAF-FA4F-9215-EE73958A6E6F}"/>
               </a:ext>
             </a:extLst>
           </p:cNvPr>
@@ -5903,7 +5927,7 @@
           <p:cNvPr id="4" name="日期占位符 3">
             <a:extLst>
               <a:ext uri="{FF2B5EF4-FFF2-40B4-BE49-F238E27FC236}">
-                <a16:creationId xmlns:a16="http://schemas.microsoft.com/office/drawing/2014/main" xmlns="" id="{DB25F518-E84F-1943-82BB-BBB6605853BE}"/>
+                <a16:creationId xmlns:a16="http://schemas.microsoft.com/office/drawing/2014/main" id="{DB25F518-E84F-1943-82BB-BBB6605853BE}"/>
               </a:ext>
             </a:extLst>
           </p:cNvPr>
@@ -5940,7 +5964,7 @@
             <a:fld id="{1C49BB65-7B3F-4D4E-A397-BBFD82890A5A}" type="datetimeFigureOut">
               <a:rPr kumimoji="1" lang="zh-CN" altLang="en-US" smtClean="0"/>
               <a:pPr/>
-              <a:t>2020/10/7</a:t>
+              <a:t>2020/12/1</a:t>
             </a:fld>
             <a:endParaRPr kumimoji="1" lang="zh-CN" altLang="en-US"/>
           </a:p>
@@ -5951,7 +5975,7 @@
           <p:cNvPr id="5" name="页脚占位符 4">
             <a:extLst>
               <a:ext uri="{FF2B5EF4-FFF2-40B4-BE49-F238E27FC236}">
-                <a16:creationId xmlns:a16="http://schemas.microsoft.com/office/drawing/2014/main" xmlns="" id="{A9A0857A-C26A-6948-A4AD-80020C676000}"/>
+                <a16:creationId xmlns:a16="http://schemas.microsoft.com/office/drawing/2014/main" id="{A9A0857A-C26A-6948-A4AD-80020C676000}"/>
               </a:ext>
             </a:extLst>
           </p:cNvPr>
@@ -5994,7 +6018,7 @@
           <p:cNvPr id="6" name="灯片编号占位符 5">
             <a:extLst>
               <a:ext uri="{FF2B5EF4-FFF2-40B4-BE49-F238E27FC236}">
-                <a16:creationId xmlns:a16="http://schemas.microsoft.com/office/drawing/2014/main" xmlns="" id="{2CD047B8-469F-ED4E-9078-E1AF4277BD2F}"/>
+                <a16:creationId xmlns:a16="http://schemas.microsoft.com/office/drawing/2014/main" id="{2CD047B8-469F-ED4E-9078-E1AF4277BD2F}"/>
               </a:ext>
             </a:extLst>
           </p:cNvPr>
@@ -6040,7 +6064,7 @@
     </p:spTree>
     <p:extLst>
       <p:ext uri="{BB962C8B-B14F-4D97-AF65-F5344CB8AC3E}">
-        <p14:creationId xmlns:p14="http://schemas.microsoft.com/office/powerpoint/2010/main" xmlns="" val="1520077512"/>
+        <p14:creationId xmlns:p14="http://schemas.microsoft.com/office/powerpoint/2010/main" val="1520077512"/>
       </p:ext>
     </p:extLst>
   </p:cSld>
@@ -6372,7 +6396,7 @@
           <p:cNvPr id="2" name="文本框 1">
             <a:extLst>
               <a:ext uri="{FF2B5EF4-FFF2-40B4-BE49-F238E27FC236}">
-                <a16:creationId xmlns:a16="http://schemas.microsoft.com/office/drawing/2014/main" xmlns="" id="{13FCDB2B-2A29-6F48-BC50-9F60F3C62818}"/>
+                <a16:creationId xmlns:a16="http://schemas.microsoft.com/office/drawing/2014/main" id="{13FCDB2B-2A29-6F48-BC50-9F60F3C62818}"/>
               </a:ext>
             </a:extLst>
           </p:cNvPr>
@@ -6415,7 +6439,7 @@
           <p:cNvPr id="3" name="文本框 2">
             <a:extLst>
               <a:ext uri="{FF2B5EF4-FFF2-40B4-BE49-F238E27FC236}">
-                <a16:creationId xmlns:a16="http://schemas.microsoft.com/office/drawing/2014/main" xmlns="" id="{8A127D42-A344-F84F-ACAF-337DAB666471}"/>
+                <a16:creationId xmlns:a16="http://schemas.microsoft.com/office/drawing/2014/main" id="{8A127D42-A344-F84F-ACAF-337DAB666471}"/>
               </a:ext>
             </a:extLst>
           </p:cNvPr>
@@ -6476,7 +6500,7 @@
           <p:cNvPr id="4" name="文本框 3">
             <a:extLst>
               <a:ext uri="{FF2B5EF4-FFF2-40B4-BE49-F238E27FC236}">
-                <a16:creationId xmlns:a16="http://schemas.microsoft.com/office/drawing/2014/main" xmlns="" id="{A4A64C46-B417-4845-ADDE-3A369FD9E238}"/>
+                <a16:creationId xmlns:a16="http://schemas.microsoft.com/office/drawing/2014/main" id="{A4A64C46-B417-4845-ADDE-3A369FD9E238}"/>
               </a:ext>
             </a:extLst>
           </p:cNvPr>
@@ -6533,7 +6557,7 @@
           <p:cNvPr id="5" name="图片 2">
             <a:extLst>
               <a:ext uri="{FF2B5EF4-FFF2-40B4-BE49-F238E27FC236}">
-                <a16:creationId xmlns:a16="http://schemas.microsoft.com/office/drawing/2014/main" xmlns="" id="{59775E4F-91FF-944A-AA06-0A277F286589}"/>
+                <a16:creationId xmlns:a16="http://schemas.microsoft.com/office/drawing/2014/main" id="{59775E4F-91FF-944A-AA06-0A277F286589}"/>
               </a:ext>
             </a:extLst>
           </p:cNvPr>
@@ -6546,7 +6570,7 @@
           <a:blip r:embed="rId3" cstate="print">
             <a:extLst>
               <a:ext uri="{28A0092B-C50C-407E-A947-70E740481C1C}">
-                <a14:useLocalDpi xmlns:a14="http://schemas.microsoft.com/office/drawing/2010/main" xmlns="" val="0"/>
+                <a14:useLocalDpi xmlns:a14="http://schemas.microsoft.com/office/drawing/2010/main" val="0"/>
               </a:ext>
             </a:extLst>
           </a:blip>
@@ -6574,7 +6598,7 @@
     </p:spTree>
     <p:extLst>
       <p:ext uri="{BB962C8B-B14F-4D97-AF65-F5344CB8AC3E}">
-        <p14:creationId xmlns:p14="http://schemas.microsoft.com/office/powerpoint/2010/main" xmlns="" val="1126805932"/>
+        <p14:creationId xmlns:p14="http://schemas.microsoft.com/office/powerpoint/2010/main" val="1126805932"/>
       </p:ext>
     </p:extLst>
   </p:cSld>
@@ -6615,7 +6639,7 @@
           <p:cNvPr id="2" name="文本框 1">
             <a:extLst>
               <a:ext uri="{FF2B5EF4-FFF2-40B4-BE49-F238E27FC236}">
-                <a16:creationId xmlns:a16="http://schemas.microsoft.com/office/drawing/2014/main" xmlns="" id="{12AA8BCC-7B15-4842-80C2-48C079429338}"/>
+                <a16:creationId xmlns:a16="http://schemas.microsoft.com/office/drawing/2014/main" id="{12AA8BCC-7B15-4842-80C2-48C079429338}"/>
               </a:ext>
             </a:extLst>
           </p:cNvPr>
@@ -6644,31 +6668,24 @@
                 <a:latin typeface="Microsoft YaHei" panose="020B0503020204020204" pitchFamily="34" charset="-122"/>
                 <a:ea typeface="Microsoft YaHei" panose="020B0503020204020204" pitchFamily="34" charset="-122"/>
               </a:rPr>
-              <a:t>4</a:t>
-            </a:r>
-            <a:r>
-              <a:rPr kumimoji="1" lang="en-US" altLang="zh-CN" sz="4800" dirty="0" smtClean="0">
-                <a:latin typeface="Microsoft YaHei" panose="020B0503020204020204" pitchFamily="34" charset="-122"/>
-                <a:ea typeface="Microsoft YaHei" panose="020B0503020204020204" pitchFamily="34" charset="-122"/>
-              </a:rPr>
-              <a:t>. </a:t>
-            </a:r>
-            <a:r>
-              <a:rPr kumimoji="1" lang="zh-CN" altLang="en-US" sz="4800" dirty="0" smtClean="0">
+              <a:t>4. </a:t>
+            </a:r>
+            <a:r>
+              <a:rPr kumimoji="1" lang="zh-CN" altLang="en-US" sz="4800" dirty="0">
                 <a:latin typeface="Microsoft YaHei" panose="020B0503020204020204" pitchFamily="34" charset="-122"/>
                 <a:ea typeface="Microsoft YaHei" panose="020B0503020204020204" pitchFamily="34" charset="-122"/>
               </a:rPr>
               <a:t>例子一   </a:t>
             </a:r>
             <a:r>
-              <a:rPr kumimoji="1" lang="en-US" altLang="zh-CN" sz="4800" dirty="0" err="1" smtClean="0">
+              <a:rPr kumimoji="1" lang="en-US" altLang="zh-CN" sz="4800" dirty="0" err="1">
                 <a:latin typeface="Microsoft YaHei" panose="020B0503020204020204" pitchFamily="34" charset="-122"/>
                 <a:ea typeface="Microsoft YaHei" panose="020B0503020204020204" pitchFamily="34" charset="-122"/>
               </a:rPr>
               <a:t>google</a:t>
             </a:r>
             <a:r>
-              <a:rPr kumimoji="1" lang="zh-CN" altLang="en-US" sz="4800" dirty="0" smtClean="0">
+              <a:rPr kumimoji="1" lang="zh-CN" altLang="en-US" sz="4800" dirty="0">
                 <a:latin typeface="Microsoft YaHei" panose="020B0503020204020204" pitchFamily="34" charset="-122"/>
                 <a:ea typeface="Microsoft YaHei" panose="020B0503020204020204" pitchFamily="34" charset="-122"/>
               </a:rPr>
@@ -6686,7 +6703,7 @@
           <p:cNvPr id="5" name="文本框 4">
             <a:extLst>
               <a:ext uri="{FF2B5EF4-FFF2-40B4-BE49-F238E27FC236}">
-                <a16:creationId xmlns:a16="http://schemas.microsoft.com/office/drawing/2014/main" xmlns="" id="{51C5AD9E-2F60-D249-8D13-CCE82F7F1E6B}"/>
+                <a16:creationId xmlns:a16="http://schemas.microsoft.com/office/drawing/2014/main" id="{51C5AD9E-2F60-D249-8D13-CCE82F7F1E6B}"/>
               </a:ext>
             </a:extLst>
           </p:cNvPr>
@@ -6715,41 +6732,41 @@
               </a:lnSpc>
             </a:pPr>
             <a:r>
-              <a:rPr lang="en-US" altLang="zh-CN" sz="2000" dirty="0" err="1" smtClean="0">
+              <a:rPr lang="en-US" altLang="zh-CN" sz="2000" dirty="0" err="1">
                 <a:latin typeface="Microsoft YaHei" panose="020B0503020204020204" pitchFamily="34" charset="-122"/>
                 <a:ea typeface="Microsoft YaHei" panose="020B0503020204020204" pitchFamily="34" charset="-122"/>
               </a:rPr>
               <a:t>startSearchPage</a:t>
             </a:r>
             <a:r>
-              <a:rPr lang="en-US" altLang="zh-CN" sz="2000" dirty="0" smtClean="0">
+              <a:rPr lang="en-US" altLang="zh-CN" sz="2000" dirty="0">
                 <a:latin typeface="Microsoft YaHei" panose="020B0503020204020204" pitchFamily="34" charset="-122"/>
                 <a:ea typeface="Microsoft YaHei" panose="020B0503020204020204" pitchFamily="34" charset="-122"/>
               </a:rPr>
               <a:t>, </a:t>
             </a:r>
             <a:r>
-              <a:rPr lang="zh-CN" altLang="en-US" sz="2000" dirty="0" smtClean="0">
+              <a:rPr lang="zh-CN" altLang="en-US" sz="2000" dirty="0">
                 <a:latin typeface="Microsoft YaHei" panose="020B0503020204020204" pitchFamily="34" charset="-122"/>
                 <a:ea typeface="Microsoft YaHei" panose="020B0503020204020204" pitchFamily="34" charset="-122"/>
               </a:rPr>
               <a:t>简单模拟</a:t>
             </a:r>
             <a:r>
-              <a:rPr lang="en-US" altLang="zh-CN" sz="2000" dirty="0" err="1" smtClean="0">
+              <a:rPr lang="en-US" altLang="zh-CN" sz="2000" dirty="0" err="1">
                 <a:latin typeface="Microsoft YaHei" panose="020B0503020204020204" pitchFamily="34" charset="-122"/>
                 <a:ea typeface="Microsoft YaHei" panose="020B0503020204020204" pitchFamily="34" charset="-122"/>
               </a:rPr>
               <a:t>google</a:t>
             </a:r>
             <a:r>
-              <a:rPr lang="zh-CN" altLang="en-US" sz="2000" dirty="0" smtClean="0">
+              <a:rPr lang="zh-CN" altLang="en-US" sz="2000" dirty="0">
                 <a:latin typeface="Microsoft YaHei" panose="020B0503020204020204" pitchFamily="34" charset="-122"/>
                 <a:ea typeface="Microsoft YaHei" panose="020B0503020204020204" pitchFamily="34" charset="-122"/>
               </a:rPr>
               <a:t>搜索页面</a:t>
             </a:r>
-            <a:endParaRPr lang="en-US" altLang="zh-CN" sz="2000" dirty="0" smtClean="0">
+            <a:endParaRPr lang="en-US" altLang="zh-CN" sz="2000" dirty="0">
               <a:latin typeface="Microsoft YaHei" panose="020B0503020204020204" pitchFamily="34" charset="-122"/>
               <a:ea typeface="Microsoft YaHei" panose="020B0503020204020204" pitchFamily="34" charset="-122"/>
             </a:endParaRPr>
@@ -6759,7 +6776,7 @@
     </p:spTree>
     <p:extLst>
       <p:ext uri="{BB962C8B-B14F-4D97-AF65-F5344CB8AC3E}">
-        <p14:creationId xmlns:p14="http://schemas.microsoft.com/office/powerpoint/2010/main" xmlns="" val="2558045461"/>
+        <p14:creationId xmlns:p14="http://schemas.microsoft.com/office/powerpoint/2010/main" val="2558045461"/>
       </p:ext>
     </p:extLst>
   </p:cSld>
@@ -6800,7 +6817,7 @@
           <p:cNvPr id="2" name="文本框 1">
             <a:extLst>
               <a:ext uri="{FF2B5EF4-FFF2-40B4-BE49-F238E27FC236}">
-                <a16:creationId xmlns:a16="http://schemas.microsoft.com/office/drawing/2014/main" xmlns="" id="{12AA8BCC-7B15-4842-80C2-48C079429338}"/>
+                <a16:creationId xmlns:a16="http://schemas.microsoft.com/office/drawing/2014/main" id="{12AA8BCC-7B15-4842-80C2-48C079429338}"/>
               </a:ext>
             </a:extLst>
           </p:cNvPr>
@@ -6829,17 +6846,10 @@
                 <a:latin typeface="Microsoft YaHei" panose="020B0503020204020204" pitchFamily="34" charset="-122"/>
                 <a:ea typeface="Microsoft YaHei" panose="020B0503020204020204" pitchFamily="34" charset="-122"/>
               </a:rPr>
-              <a:t>4</a:t>
-            </a:r>
-            <a:r>
-              <a:rPr kumimoji="1" lang="en-US" altLang="zh-CN" sz="4800" dirty="0" smtClean="0">
-                <a:latin typeface="Microsoft YaHei" panose="020B0503020204020204" pitchFamily="34" charset="-122"/>
-                <a:ea typeface="Microsoft YaHei" panose="020B0503020204020204" pitchFamily="34" charset="-122"/>
-              </a:rPr>
-              <a:t>.</a:t>
-            </a:r>
-            <a:r>
-              <a:rPr kumimoji="1" lang="zh-CN" altLang="en-US" sz="4800" dirty="0" smtClean="0">
+              <a:t>4.</a:t>
+            </a:r>
+            <a:r>
+              <a:rPr kumimoji="1" lang="zh-CN" altLang="en-US" sz="4800" dirty="0">
                 <a:latin typeface="Microsoft YaHei" panose="020B0503020204020204" pitchFamily="34" charset="-122"/>
                 <a:ea typeface="Microsoft YaHei" panose="020B0503020204020204" pitchFamily="34" charset="-122"/>
               </a:rPr>
@@ -6857,7 +6867,7 @@
           <p:cNvPr id="5" name="文本框 4">
             <a:extLst>
               <a:ext uri="{FF2B5EF4-FFF2-40B4-BE49-F238E27FC236}">
-                <a16:creationId xmlns:a16="http://schemas.microsoft.com/office/drawing/2014/main" xmlns="" id="{51C5AD9E-2F60-D249-8D13-CCE82F7F1E6B}"/>
+                <a16:creationId xmlns:a16="http://schemas.microsoft.com/office/drawing/2014/main" id="{51C5AD9E-2F60-D249-8D13-CCE82F7F1E6B}"/>
               </a:ext>
             </a:extLst>
           </p:cNvPr>
@@ -6886,20 +6896,20 @@
               </a:lnSpc>
             </a:pPr>
             <a:r>
-              <a:rPr lang="en-US" altLang="zh-CN" sz="2000" dirty="0" smtClean="0">
+              <a:rPr lang="en-US" altLang="zh-CN" sz="2000" dirty="0">
                 <a:latin typeface="Microsoft YaHei" panose="020B0503020204020204" pitchFamily="34" charset="-122"/>
                 <a:ea typeface="Microsoft YaHei" panose="020B0503020204020204" pitchFamily="34" charset="-122"/>
               </a:rPr>
               <a:t>startCirclePage1.  </a:t>
             </a:r>
             <a:r>
-              <a:rPr lang="zh-CN" altLang="en-US" sz="2000" dirty="0" smtClean="0">
+              <a:rPr lang="zh-CN" altLang="en-US" sz="2000" dirty="0">
                 <a:latin typeface="Microsoft YaHei" panose="020B0503020204020204" pitchFamily="34" charset="-122"/>
                 <a:ea typeface="Microsoft YaHei" panose="020B0503020204020204" pitchFamily="34" charset="-122"/>
               </a:rPr>
               <a:t>简单画一个圆</a:t>
             </a:r>
-            <a:endParaRPr lang="en-US" altLang="zh-CN" sz="2000" dirty="0" smtClean="0">
+            <a:endParaRPr lang="en-US" altLang="zh-CN" sz="2000" dirty="0">
               <a:latin typeface="Microsoft YaHei" panose="020B0503020204020204" pitchFamily="34" charset="-122"/>
               <a:ea typeface="Microsoft YaHei" panose="020B0503020204020204" pitchFamily="34" charset="-122"/>
             </a:endParaRPr>
@@ -6911,46 +6921,39 @@
               </a:lnSpc>
             </a:pPr>
             <a:r>
-              <a:rPr lang="zh-CN" altLang="en-US" sz="2000" dirty="0" smtClean="0">
+              <a:rPr lang="zh-CN" altLang="en-US" sz="2000" dirty="0">
                 <a:latin typeface="Microsoft YaHei" panose="020B0503020204020204" pitchFamily="34" charset="-122"/>
                 <a:ea typeface="Microsoft YaHei" panose="020B0503020204020204" pitchFamily="34" charset="-122"/>
               </a:rPr>
               <a:t>这个画圆的实例中，请注意，如果把窗口放大，圆就不再是处于整个窗口的中央，请注意</a:t>
             </a:r>
             <a:r>
-              <a:rPr lang="en-US" altLang="zh-CN" sz="2000" dirty="0" smtClean="0">
+              <a:rPr lang="en-US" altLang="zh-CN" sz="2000" dirty="0">
                 <a:latin typeface="Microsoft YaHei" panose="020B0503020204020204" pitchFamily="34" charset="-122"/>
                 <a:ea typeface="Microsoft YaHei" panose="020B0503020204020204" pitchFamily="34" charset="-122"/>
               </a:rPr>
               <a:t>Java</a:t>
             </a:r>
             <a:r>
-              <a:rPr lang="zh-CN" altLang="en-US" sz="2000" dirty="0" smtClean="0">
+              <a:rPr lang="zh-CN" altLang="en-US" sz="2000" dirty="0">
                 <a:latin typeface="Microsoft YaHei" panose="020B0503020204020204" pitchFamily="34" charset="-122"/>
                 <a:ea typeface="Microsoft YaHei" panose="020B0503020204020204" pitchFamily="34" charset="-122"/>
               </a:rPr>
               <a:t>的</a:t>
             </a:r>
             <a:r>
-              <a:rPr lang="en-US" altLang="zh-CN" sz="2000" dirty="0" smtClean="0">
+              <a:rPr lang="en-US" altLang="zh-CN" sz="2000" dirty="0">
                 <a:latin typeface="Microsoft YaHei" panose="020B0503020204020204" pitchFamily="34" charset="-122"/>
                 <a:ea typeface="Microsoft YaHei" panose="020B0503020204020204" pitchFamily="34" charset="-122"/>
               </a:rPr>
               <a:t>UI</a:t>
             </a:r>
             <a:r>
-              <a:rPr lang="zh-CN" altLang="en-US" sz="2000" dirty="0" smtClean="0">
-                <a:latin typeface="Microsoft YaHei" panose="020B0503020204020204" pitchFamily="34" charset="-122"/>
-                <a:ea typeface="Microsoft YaHei" panose="020B0503020204020204" pitchFamily="34" charset="-122"/>
-              </a:rPr>
-              <a:t>坐标系</a:t>
-            </a:r>
-            <a:r>
-              <a:rPr lang="zh-CN" altLang="en-US" sz="2000" dirty="0" smtClean="0">
-                <a:latin typeface="Microsoft YaHei" panose="020B0503020204020204" pitchFamily="34" charset="-122"/>
-                <a:ea typeface="Microsoft YaHei" panose="020B0503020204020204" pitchFamily="34" charset="-122"/>
-              </a:rPr>
-              <a:t>和传统坐标系的不同</a:t>
+              <a:rPr lang="zh-CN" altLang="en-US" sz="2000" dirty="0">
+                <a:latin typeface="Microsoft YaHei" panose="020B0503020204020204" pitchFamily="34" charset="-122"/>
+                <a:ea typeface="Microsoft YaHei" panose="020B0503020204020204" pitchFamily="34" charset="-122"/>
+              </a:rPr>
+              <a:t>坐标系和传统坐标系的不同</a:t>
             </a:r>
             <a:endParaRPr lang="en-US" altLang="zh-CN" sz="2000" dirty="0">
               <a:latin typeface="Microsoft YaHei" panose="020B0503020204020204" pitchFamily="34" charset="-122"/>
@@ -6995,7 +6998,7 @@
     </p:spTree>
     <p:extLst>
       <p:ext uri="{BB962C8B-B14F-4D97-AF65-F5344CB8AC3E}">
-        <p14:creationId xmlns:p14="http://schemas.microsoft.com/office/powerpoint/2010/main" xmlns="" val="2558045461"/>
+        <p14:creationId xmlns:p14="http://schemas.microsoft.com/office/powerpoint/2010/main" val="2558045461"/>
       </p:ext>
     </p:extLst>
   </p:cSld>
@@ -7036,7 +7039,7 @@
           <p:cNvPr id="2" name="文本框 1">
             <a:extLst>
               <a:ext uri="{FF2B5EF4-FFF2-40B4-BE49-F238E27FC236}">
-                <a16:creationId xmlns:a16="http://schemas.microsoft.com/office/drawing/2014/main" xmlns="" id="{12AA8BCC-7B15-4842-80C2-48C079429338}"/>
+                <a16:creationId xmlns:a16="http://schemas.microsoft.com/office/drawing/2014/main" id="{12AA8BCC-7B15-4842-80C2-48C079429338}"/>
               </a:ext>
             </a:extLst>
           </p:cNvPr>
@@ -7065,17 +7068,10 @@
                 <a:latin typeface="Microsoft YaHei" panose="020B0503020204020204" pitchFamily="34" charset="-122"/>
                 <a:ea typeface="Microsoft YaHei" panose="020B0503020204020204" pitchFamily="34" charset="-122"/>
               </a:rPr>
-              <a:t>4</a:t>
-            </a:r>
-            <a:r>
-              <a:rPr kumimoji="1" lang="en-US" altLang="zh-CN" sz="4800" dirty="0" smtClean="0">
-                <a:latin typeface="Microsoft YaHei" panose="020B0503020204020204" pitchFamily="34" charset="-122"/>
-                <a:ea typeface="Microsoft YaHei" panose="020B0503020204020204" pitchFamily="34" charset="-122"/>
-              </a:rPr>
-              <a:t>.</a:t>
-            </a:r>
-            <a:r>
-              <a:rPr kumimoji="1" lang="zh-CN" altLang="en-US" sz="4800" dirty="0" smtClean="0">
+              <a:t>4.</a:t>
+            </a:r>
+            <a:r>
+              <a:rPr kumimoji="1" lang="zh-CN" altLang="en-US" sz="4800" dirty="0">
                 <a:latin typeface="Microsoft YaHei" panose="020B0503020204020204" pitchFamily="34" charset="-122"/>
                 <a:ea typeface="Microsoft YaHei" panose="020B0503020204020204" pitchFamily="34" charset="-122"/>
               </a:rPr>
@@ -7093,7 +7089,7 @@
           <p:cNvPr id="5" name="文本框 4">
             <a:extLst>
               <a:ext uri="{FF2B5EF4-FFF2-40B4-BE49-F238E27FC236}">
-                <a16:creationId xmlns:a16="http://schemas.microsoft.com/office/drawing/2014/main" xmlns="" id="{51C5AD9E-2F60-D249-8D13-CCE82F7F1E6B}"/>
+                <a16:creationId xmlns:a16="http://schemas.microsoft.com/office/drawing/2014/main" id="{51C5AD9E-2F60-D249-8D13-CCE82F7F1E6B}"/>
               </a:ext>
             </a:extLst>
           </p:cNvPr>
@@ -7122,20 +7118,20 @@
               </a:lnSpc>
             </a:pPr>
             <a:r>
-              <a:rPr lang="en-US" altLang="zh-CN" sz="2000" dirty="0" smtClean="0">
+              <a:rPr lang="en-US" altLang="zh-CN" sz="2000" dirty="0">
                 <a:latin typeface="Microsoft YaHei" panose="020B0503020204020204" pitchFamily="34" charset="-122"/>
                 <a:ea typeface="Microsoft YaHei" panose="020B0503020204020204" pitchFamily="34" charset="-122"/>
               </a:rPr>
               <a:t>startCirclePage1.  </a:t>
             </a:r>
             <a:r>
-              <a:rPr lang="zh-CN" altLang="en-US" sz="2000" dirty="0" smtClean="0">
+              <a:rPr lang="zh-CN" altLang="en-US" sz="2000" dirty="0">
                 <a:latin typeface="Microsoft YaHei" panose="020B0503020204020204" pitchFamily="34" charset="-122"/>
                 <a:ea typeface="Microsoft YaHei" panose="020B0503020204020204" pitchFamily="34" charset="-122"/>
               </a:rPr>
               <a:t>简单画一个圆</a:t>
             </a:r>
-            <a:endParaRPr lang="en-US" altLang="zh-CN" sz="2000" dirty="0" smtClean="0">
+            <a:endParaRPr lang="en-US" altLang="zh-CN" sz="2000" dirty="0">
               <a:latin typeface="Microsoft YaHei" panose="020B0503020204020204" pitchFamily="34" charset="-122"/>
               <a:ea typeface="Microsoft YaHei" panose="020B0503020204020204" pitchFamily="34" charset="-122"/>
             </a:endParaRPr>
@@ -7147,13 +7143,13 @@
               </a:lnSpc>
             </a:pPr>
             <a:r>
-              <a:rPr lang="zh-CN" altLang="en-US" sz="2000" dirty="0" smtClean="0">
+              <a:rPr lang="zh-CN" altLang="en-US" sz="2000" dirty="0">
                 <a:latin typeface="Microsoft YaHei" panose="020B0503020204020204" pitchFamily="34" charset="-122"/>
                 <a:ea typeface="Microsoft YaHei" panose="020B0503020204020204" pitchFamily="34" charset="-122"/>
               </a:rPr>
               <a:t>那如果我想让一个圆不管窗口多大，都处于中心，如何操作？这个时候，就需要属性绑定了</a:t>
             </a:r>
-            <a:endParaRPr lang="en-US" altLang="zh-CN" sz="2000" dirty="0" smtClean="0">
+            <a:endParaRPr lang="en-US" altLang="zh-CN" sz="2000" dirty="0">
               <a:latin typeface="Microsoft YaHei" panose="020B0503020204020204" pitchFamily="34" charset="-122"/>
               <a:ea typeface="Microsoft YaHei" panose="020B0503020204020204" pitchFamily="34" charset="-122"/>
             </a:endParaRPr>
@@ -7163,7 +7159,7 @@
     </p:spTree>
     <p:extLst>
       <p:ext uri="{BB962C8B-B14F-4D97-AF65-F5344CB8AC3E}">
-        <p14:creationId xmlns:p14="http://schemas.microsoft.com/office/powerpoint/2010/main" xmlns="" val="2558045461"/>
+        <p14:creationId xmlns:p14="http://schemas.microsoft.com/office/powerpoint/2010/main" val="2558045461"/>
       </p:ext>
     </p:extLst>
   </p:cSld>
@@ -7204,7 +7200,7 @@
           <p:cNvPr id="2" name="文本框 1">
             <a:extLst>
               <a:ext uri="{FF2B5EF4-FFF2-40B4-BE49-F238E27FC236}">
-                <a16:creationId xmlns:a16="http://schemas.microsoft.com/office/drawing/2014/main" xmlns="" id="{12AA8BCC-7B15-4842-80C2-48C079429338}"/>
+                <a16:creationId xmlns:a16="http://schemas.microsoft.com/office/drawing/2014/main" id="{12AA8BCC-7B15-4842-80C2-48C079429338}"/>
               </a:ext>
             </a:extLst>
           </p:cNvPr>
@@ -7229,35 +7225,28 @@
           <a:p>
             <a:pPr algn="ctr"/>
             <a:r>
-              <a:rPr kumimoji="1" lang="en-US" altLang="zh-CN" sz="4800" dirty="0" smtClean="0">
-                <a:latin typeface="Microsoft YaHei" panose="020B0503020204020204" pitchFamily="34" charset="-122"/>
-                <a:ea typeface="Microsoft YaHei" panose="020B0503020204020204" pitchFamily="34" charset="-122"/>
-              </a:rPr>
-              <a:t>5.</a:t>
-            </a:r>
-            <a:r>
-              <a:rPr kumimoji="1" lang="en-US" altLang="zh-CN" sz="4800" dirty="0" smtClean="0">
-                <a:latin typeface="Microsoft YaHei" panose="020B0503020204020204" pitchFamily="34" charset="-122"/>
-                <a:ea typeface="Microsoft YaHei" panose="020B0503020204020204" pitchFamily="34" charset="-122"/>
-              </a:rPr>
-              <a:t>1 </a:t>
-            </a:r>
-            <a:r>
-              <a:rPr kumimoji="1" lang="zh-CN" altLang="en-US" sz="4800" dirty="0" smtClean="0">
+              <a:rPr kumimoji="1" lang="en-US" altLang="zh-CN" sz="4800" dirty="0">
+                <a:latin typeface="Microsoft YaHei" panose="020B0503020204020204" pitchFamily="34" charset="-122"/>
+                <a:ea typeface="Microsoft YaHei" panose="020B0503020204020204" pitchFamily="34" charset="-122"/>
+              </a:rPr>
+              <a:t>5.1 </a:t>
+            </a:r>
+            <a:r>
+              <a:rPr kumimoji="1" lang="zh-CN" altLang="en-US" sz="4800" dirty="0">
                 <a:latin typeface="Microsoft YaHei" panose="020B0503020204020204" pitchFamily="34" charset="-122"/>
                 <a:ea typeface="Microsoft YaHei" panose="020B0503020204020204" pitchFamily="34" charset="-122"/>
               </a:rPr>
               <a:t>属性和绑定</a:t>
             </a:r>
             <a:r>
-              <a:rPr kumimoji="1" lang="en-US" altLang="zh-CN" sz="4800" dirty="0" smtClean="0">
+              <a:rPr kumimoji="1" lang="en-US" altLang="zh-CN" sz="4800" dirty="0">
                 <a:latin typeface="Microsoft YaHei" panose="020B0503020204020204" pitchFamily="34" charset="-122"/>
                 <a:ea typeface="Microsoft YaHei" panose="020B0503020204020204" pitchFamily="34" charset="-122"/>
               </a:rPr>
               <a:t>----</a:t>
             </a:r>
             <a:r>
-              <a:rPr kumimoji="1" lang="zh-CN" altLang="en-US" sz="4800" dirty="0" smtClean="0">
+              <a:rPr kumimoji="1" lang="zh-CN" altLang="en-US" sz="4800" dirty="0">
                 <a:latin typeface="Microsoft YaHei" panose="020B0503020204020204" pitchFamily="34" charset="-122"/>
                 <a:ea typeface="Microsoft YaHei" panose="020B0503020204020204" pitchFamily="34" charset="-122"/>
               </a:rPr>
@@ -7275,7 +7264,7 @@
           <p:cNvPr id="13" name="文本框 12">
             <a:extLst>
               <a:ext uri="{FF2B5EF4-FFF2-40B4-BE49-F238E27FC236}">
-                <a16:creationId xmlns:a16="http://schemas.microsoft.com/office/drawing/2014/main" xmlns="" id="{8E054F89-5FA8-2F47-8710-58E04A67980C}"/>
+                <a16:creationId xmlns:a16="http://schemas.microsoft.com/office/drawing/2014/main" id="{8E054F89-5FA8-2F47-8710-58E04A67980C}"/>
               </a:ext>
             </a:extLst>
           </p:cNvPr>
@@ -7304,20 +7293,13 @@
               </a:lnSpc>
             </a:pPr>
             <a:r>
-              <a:rPr lang="zh-CN" altLang="en-US" sz="2400" dirty="0" smtClean="0">
-                <a:latin typeface="Microsoft YaHei" panose="020B0503020204020204" pitchFamily="34" charset="-122"/>
-                <a:ea typeface="Microsoft YaHei" panose="020B0503020204020204" pitchFamily="34" charset="-122"/>
-              </a:rPr>
-              <a:t>什么</a:t>
-            </a:r>
-            <a:r>
-              <a:rPr lang="zh-CN" altLang="en-US" sz="2400" dirty="0" smtClean="0">
-                <a:latin typeface="Microsoft YaHei" panose="020B0503020204020204" pitchFamily="34" charset="-122"/>
-                <a:ea typeface="Microsoft YaHei" panose="020B0503020204020204" pitchFamily="34" charset="-122"/>
-              </a:rPr>
-              <a:t>是属性： </a:t>
-            </a:r>
-            <a:endParaRPr lang="en-US" altLang="zh-CN" sz="2400" dirty="0" smtClean="0">
+              <a:rPr lang="zh-CN" altLang="en-US" sz="2400" dirty="0">
+                <a:latin typeface="Microsoft YaHei" panose="020B0503020204020204" pitchFamily="34" charset="-122"/>
+                <a:ea typeface="Microsoft YaHei" panose="020B0503020204020204" pitchFamily="34" charset="-122"/>
+              </a:rPr>
+              <a:t>什么是属性： </a:t>
+            </a:r>
+            <a:endParaRPr lang="en-US" altLang="zh-CN" sz="2400" dirty="0">
               <a:latin typeface="Microsoft YaHei" panose="020B0503020204020204" pitchFamily="34" charset="-122"/>
               <a:ea typeface="Microsoft YaHei" panose="020B0503020204020204" pitchFamily="34" charset="-122"/>
             </a:endParaRPr>
@@ -7329,55 +7311,27 @@
               </a:lnSpc>
             </a:pPr>
             <a:r>
-              <a:rPr lang="zh-CN" altLang="en-US" sz="2400" dirty="0" smtClean="0">
-                <a:latin typeface="Microsoft YaHei" panose="020B0503020204020204" pitchFamily="34" charset="-122"/>
-                <a:ea typeface="Microsoft YaHei" panose="020B0503020204020204" pitchFamily="34" charset="-122"/>
-              </a:rPr>
-              <a:t>描述</a:t>
-            </a:r>
-            <a:r>
-              <a:rPr lang="zh-CN" altLang="en-US" sz="2400" dirty="0" smtClean="0">
-                <a:latin typeface="Microsoft YaHei" panose="020B0503020204020204" pitchFamily="34" charset="-122"/>
-                <a:ea typeface="Microsoft YaHei" panose="020B0503020204020204" pitchFamily="34" charset="-122"/>
-              </a:rPr>
-              <a:t>一个</a:t>
-            </a:r>
-            <a:r>
-              <a:rPr lang="zh-CN" altLang="en-US" sz="2400" dirty="0" smtClean="0">
-                <a:latin typeface="Microsoft YaHei" panose="020B0503020204020204" pitchFamily="34" charset="-122"/>
-                <a:ea typeface="Microsoft YaHei" panose="020B0503020204020204" pitchFamily="34" charset="-122"/>
-              </a:rPr>
-              <a:t>控件</a:t>
-            </a:r>
-            <a:r>
-              <a:rPr lang="en-US" altLang="zh-CN" sz="2400" dirty="0" smtClean="0">
+              <a:rPr lang="zh-CN" altLang="en-US" sz="2400" dirty="0">
+                <a:latin typeface="Microsoft YaHei" panose="020B0503020204020204" pitchFamily="34" charset="-122"/>
+                <a:ea typeface="Microsoft YaHei" panose="020B0503020204020204" pitchFamily="34" charset="-122"/>
+              </a:rPr>
+              <a:t>描述一个控件</a:t>
+            </a:r>
+            <a:r>
+              <a:rPr lang="en-US" altLang="zh-CN" sz="2400" dirty="0">
                 <a:latin typeface="Microsoft YaHei" panose="020B0503020204020204" pitchFamily="34" charset="-122"/>
                 <a:ea typeface="Microsoft YaHei" panose="020B0503020204020204" pitchFamily="34" charset="-122"/>
               </a:rPr>
               <a:t>(component)</a:t>
             </a:r>
             <a:r>
-              <a:rPr lang="zh-CN" altLang="en-US" sz="2400" dirty="0" smtClean="0">
-                <a:latin typeface="Microsoft YaHei" panose="020B0503020204020204" pitchFamily="34" charset="-122"/>
-                <a:ea typeface="Microsoft YaHei" panose="020B0503020204020204" pitchFamily="34" charset="-122"/>
-              </a:rPr>
-              <a:t>的</a:t>
-            </a:r>
-            <a:r>
-              <a:rPr lang="zh-CN" altLang="en-US" sz="2400" dirty="0" smtClean="0">
-                <a:latin typeface="Microsoft YaHei" panose="020B0503020204020204" pitchFamily="34" charset="-122"/>
-                <a:ea typeface="Microsoft YaHei" panose="020B0503020204020204" pitchFamily="34" charset="-122"/>
-              </a:rPr>
-              <a:t>大小，颜色，位置，动作等的数据</a:t>
-            </a:r>
-            <a:r>
-              <a:rPr lang="zh-CN" altLang="en-US" sz="2400" dirty="0" smtClean="0">
-                <a:latin typeface="Microsoft YaHei" panose="020B0503020204020204" pitchFamily="34" charset="-122"/>
-                <a:ea typeface="Microsoft YaHei" panose="020B0503020204020204" pitchFamily="34" charset="-122"/>
-              </a:rPr>
-              <a:t>成员</a:t>
-            </a:r>
-            <a:endParaRPr lang="en-US" altLang="zh-CN" sz="2400" dirty="0" smtClean="0">
+              <a:rPr lang="zh-CN" altLang="en-US" sz="2400" dirty="0">
+                <a:latin typeface="Microsoft YaHei" panose="020B0503020204020204" pitchFamily="34" charset="-122"/>
+                <a:ea typeface="Microsoft YaHei" panose="020B0503020204020204" pitchFamily="34" charset="-122"/>
+              </a:rPr>
+              <a:t>的大小，颜色，位置，动作等的数据成员</a:t>
+            </a:r>
+            <a:endParaRPr lang="en-US" altLang="zh-CN" sz="2400" dirty="0">
               <a:latin typeface="Microsoft YaHei" panose="020B0503020204020204" pitchFamily="34" charset="-122"/>
               <a:ea typeface="Microsoft YaHei" panose="020B0503020204020204" pitchFamily="34" charset="-122"/>
             </a:endParaRPr>
@@ -7389,14 +7343,14 @@
               </a:lnSpc>
             </a:pPr>
             <a:r>
-              <a:rPr lang="zh-CN" altLang="en-US" sz="2400" dirty="0" smtClean="0">
+              <a:rPr lang="zh-CN" altLang="en-US" sz="2400" dirty="0">
                 <a:latin typeface="Microsoft YaHei" panose="020B0503020204020204" pitchFamily="34" charset="-122"/>
                 <a:ea typeface="Microsoft YaHei" panose="020B0503020204020204" pitchFamily="34" charset="-122"/>
               </a:rPr>
               <a:t>代码中，</a:t>
             </a:r>
             <a:r>
-              <a:rPr lang="zh-CN" altLang="en-US" sz="2400" dirty="0" smtClean="0">
+              <a:rPr lang="zh-CN" altLang="en-US" sz="2400" dirty="0">
                 <a:solidFill>
                   <a:srgbClr val="FF9300"/>
                 </a:solidFill>
@@ -7406,7 +7360,7 @@
               <a:t>你可以简单认为，可以通过</a:t>
             </a:r>
             <a:r>
-              <a:rPr lang="en-US" altLang="zh-CN" sz="2400" dirty="0" smtClean="0">
+              <a:rPr lang="en-US" altLang="zh-CN" sz="2400" dirty="0">
                 <a:solidFill>
                   <a:srgbClr val="FF9300"/>
                 </a:solidFill>
@@ -7416,7 +7370,7 @@
               <a:t>set</a:t>
             </a:r>
             <a:r>
-              <a:rPr lang="zh-CN" altLang="en-US" sz="2400" dirty="0" smtClean="0">
+              <a:rPr lang="zh-CN" altLang="en-US" sz="2400" dirty="0">
                 <a:solidFill>
                   <a:srgbClr val="FF9300"/>
                 </a:solidFill>
@@ -7425,7 +7379,7 @@
               </a:rPr>
               <a:t>函数设置的，就是这个控件的属性</a:t>
             </a:r>
-            <a:endParaRPr lang="en-US" altLang="zh-CN" sz="2400" dirty="0" smtClean="0">
+            <a:endParaRPr lang="en-US" altLang="zh-CN" sz="2400" dirty="0">
               <a:solidFill>
                 <a:srgbClr val="FF9300"/>
               </a:solidFill>
@@ -7493,7 +7447,7 @@
     </p:spTree>
     <p:extLst>
       <p:ext uri="{BB962C8B-B14F-4D97-AF65-F5344CB8AC3E}">
-        <p14:creationId xmlns:p14="http://schemas.microsoft.com/office/powerpoint/2010/main" xmlns="" val="780594341"/>
+        <p14:creationId xmlns:p14="http://schemas.microsoft.com/office/powerpoint/2010/main" val="780594341"/>
       </p:ext>
     </p:extLst>
   </p:cSld>
@@ -7612,7 +7566,7 @@
           <p:cNvPr id="2" name="文本框 1">
             <a:extLst>
               <a:ext uri="{FF2B5EF4-FFF2-40B4-BE49-F238E27FC236}">
-                <a16:creationId xmlns:a16="http://schemas.microsoft.com/office/drawing/2014/main" xmlns="" id="{12AA8BCC-7B15-4842-80C2-48C079429338}"/>
+                <a16:creationId xmlns:a16="http://schemas.microsoft.com/office/drawing/2014/main" id="{12AA8BCC-7B15-4842-80C2-48C079429338}"/>
               </a:ext>
             </a:extLst>
           </p:cNvPr>
@@ -7637,14 +7591,14 @@
           <a:p>
             <a:pPr algn="ctr"/>
             <a:r>
-              <a:rPr kumimoji="1" lang="en-US" altLang="zh-CN" sz="4800" dirty="0" smtClean="0">
+              <a:rPr kumimoji="1" lang="en-US" altLang="zh-CN" sz="4800" dirty="0">
                 <a:latin typeface="Microsoft YaHei" panose="020B0503020204020204" pitchFamily="34" charset="-122"/>
                 <a:ea typeface="Microsoft YaHei" panose="020B0503020204020204" pitchFamily="34" charset="-122"/>
               </a:rPr>
               <a:t>5.2</a:t>
             </a:r>
             <a:r>
-              <a:rPr kumimoji="1" lang="zh-CN" altLang="en-US" sz="4800" dirty="0" smtClean="0">
+              <a:rPr kumimoji="1" lang="zh-CN" altLang="en-US" sz="4800" dirty="0">
                 <a:latin typeface="Microsoft YaHei" panose="020B0503020204020204" pitchFamily="34" charset="-122"/>
                 <a:ea typeface="Microsoft YaHei" panose="020B0503020204020204" pitchFamily="34" charset="-122"/>
               </a:rPr>
@@ -7662,7 +7616,7 @@
           <p:cNvPr id="13" name="文本框 12">
             <a:extLst>
               <a:ext uri="{FF2B5EF4-FFF2-40B4-BE49-F238E27FC236}">
-                <a16:creationId xmlns:a16="http://schemas.microsoft.com/office/drawing/2014/main" xmlns="" id="{8E054F89-5FA8-2F47-8710-58E04A67980C}"/>
+                <a16:creationId xmlns:a16="http://schemas.microsoft.com/office/drawing/2014/main" id="{8E054F89-5FA8-2F47-8710-58E04A67980C}"/>
               </a:ext>
             </a:extLst>
           </p:cNvPr>
@@ -7691,42 +7645,28 @@
               </a:lnSpc>
             </a:pPr>
             <a:r>
-              <a:rPr lang="zh-CN" altLang="en-US" sz="2400" dirty="0" smtClean="0">
-                <a:latin typeface="Microsoft YaHei" panose="020B0503020204020204" pitchFamily="34" charset="-122"/>
-                <a:ea typeface="Microsoft YaHei" panose="020B0503020204020204" pitchFamily="34" charset="-122"/>
-              </a:rPr>
-              <a:t>属性</a:t>
-            </a:r>
-            <a:r>
-              <a:rPr lang="zh-CN" altLang="en-US" sz="2400" dirty="0" smtClean="0">
-                <a:latin typeface="Microsoft YaHei" panose="020B0503020204020204" pitchFamily="34" charset="-122"/>
-                <a:ea typeface="Microsoft YaHei" panose="020B0503020204020204" pitchFamily="34" charset="-122"/>
-              </a:rPr>
-              <a:t>绑定：可以将一个目标对象绑定到源对象中。源对象的修改将自动反映到目标</a:t>
-            </a:r>
-            <a:r>
-              <a:rPr lang="zh-CN" altLang="en-US" sz="2400" dirty="0" smtClean="0">
-                <a:latin typeface="Microsoft YaHei" panose="020B0503020204020204" pitchFamily="34" charset="-122"/>
-                <a:ea typeface="Microsoft YaHei" panose="020B0503020204020204" pitchFamily="34" charset="-122"/>
-              </a:rPr>
-              <a:t>对象中 </a:t>
-            </a:r>
-            <a:r>
-              <a:rPr lang="en-US" altLang="zh-CN" sz="2400" dirty="0" smtClean="0">
+              <a:rPr lang="zh-CN" altLang="en-US" sz="2400" dirty="0">
+                <a:latin typeface="Microsoft YaHei" panose="020B0503020204020204" pitchFamily="34" charset="-122"/>
+                <a:ea typeface="Microsoft YaHei" panose="020B0503020204020204" pitchFamily="34" charset="-122"/>
+              </a:rPr>
+              <a:t>属性绑定：可以将一个目标对象绑定到源对象中。源对象的修改将自动反映到目标对象中 </a:t>
+            </a:r>
+            <a:r>
+              <a:rPr lang="en-US" altLang="zh-CN" sz="2400" dirty="0">
                 <a:latin typeface="Microsoft YaHei" panose="020B0503020204020204" pitchFamily="34" charset="-122"/>
                 <a:ea typeface="Microsoft YaHei" panose="020B0503020204020204" pitchFamily="34" charset="-122"/>
               </a:rPr>
               <a:t>(</a:t>
             </a:r>
             <a:r>
-              <a:rPr lang="zh-CN" altLang="en-US" sz="2400" dirty="0" smtClean="0">
+              <a:rPr lang="zh-CN" altLang="en-US" sz="2400" dirty="0">
                 <a:latin typeface="Microsoft YaHei" panose="020B0503020204020204" pitchFamily="34" charset="-122"/>
                 <a:ea typeface="Microsoft YaHei" panose="020B0503020204020204" pitchFamily="34" charset="-122"/>
               </a:rPr>
               <a:t>你变我也变</a:t>
             </a:r>
             <a:r>
-              <a:rPr lang="en-US" altLang="zh-CN" sz="2400" dirty="0" smtClean="0">
+              <a:rPr lang="en-US" altLang="zh-CN" sz="2400" dirty="0">
                 <a:latin typeface="Microsoft YaHei" panose="020B0503020204020204" pitchFamily="34" charset="-122"/>
                 <a:ea typeface="Microsoft YaHei" panose="020B0503020204020204" pitchFamily="34" charset="-122"/>
               </a:rPr>
@@ -7739,7 +7679,7 @@
                 <a:spcPct val="150000"/>
               </a:lnSpc>
             </a:pPr>
-            <a:endParaRPr lang="en-US" altLang="zh-CN" sz="2400" dirty="0" smtClean="0">
+            <a:endParaRPr lang="en-US" altLang="zh-CN" sz="2400" dirty="0">
               <a:latin typeface="Microsoft YaHei" panose="020B0503020204020204" pitchFamily="34" charset="-122"/>
               <a:ea typeface="Microsoft YaHei" panose="020B0503020204020204" pitchFamily="34" charset="-122"/>
             </a:endParaRPr>
@@ -7751,112 +7691,105 @@
               </a:lnSpc>
             </a:pPr>
             <a:r>
-              <a:rPr lang="zh-CN" altLang="en-US" sz="2400" dirty="0" smtClean="0">
-                <a:latin typeface="Microsoft YaHei" panose="020B0503020204020204" pitchFamily="34" charset="-122"/>
-                <a:ea typeface="Microsoft YaHei" panose="020B0503020204020204" pitchFamily="34" charset="-122"/>
-              </a:rPr>
-              <a:t>在画圆这个例子中，当</a:t>
-            </a:r>
-            <a:r>
-              <a:rPr lang="zh-CN" altLang="en-US" sz="2400" dirty="0" smtClean="0">
-                <a:latin typeface="Microsoft YaHei" panose="020B0503020204020204" pitchFamily="34" charset="-122"/>
-                <a:ea typeface="Microsoft YaHei" panose="020B0503020204020204" pitchFamily="34" charset="-122"/>
-              </a:rPr>
-              <a:t>窗体改变大小 的时候，圆不再居中。窗体改变大小后为了圆依然显示在中央</a:t>
-            </a:r>
-            <a:r>
-              <a:rPr lang="en-US" altLang="zh-CN" sz="2400" dirty="0" smtClean="0">
+              <a:rPr lang="zh-CN" altLang="en-US" sz="2400" dirty="0">
+                <a:latin typeface="Microsoft YaHei" panose="020B0503020204020204" pitchFamily="34" charset="-122"/>
+                <a:ea typeface="Microsoft YaHei" panose="020B0503020204020204" pitchFamily="34" charset="-122"/>
+              </a:rPr>
+              <a:t>在画圆这个例子中，当窗体改变大小 的时候，圆不再居中。窗体改变大小后为了圆依然显示在中央</a:t>
+            </a:r>
+            <a:r>
+              <a:rPr lang="en-US" altLang="zh-CN" sz="2400" dirty="0">
                 <a:latin typeface="Microsoft YaHei" panose="020B0503020204020204" pitchFamily="34" charset="-122"/>
                 <a:ea typeface="Microsoft YaHei" panose="020B0503020204020204" pitchFamily="34" charset="-122"/>
               </a:rPr>
               <a:t>.</a:t>
             </a:r>
             <a:r>
-              <a:rPr lang="zh-CN" altLang="en-US" sz="2400" dirty="0" smtClean="0">
+              <a:rPr lang="zh-CN" altLang="en-US" sz="2400" dirty="0">
                 <a:latin typeface="Microsoft YaHei" panose="020B0503020204020204" pitchFamily="34" charset="-122"/>
                 <a:ea typeface="Microsoft YaHei" panose="020B0503020204020204" pitchFamily="34" charset="-122"/>
               </a:rPr>
               <a:t>圆心的 </a:t>
             </a:r>
             <a:r>
-              <a:rPr lang="en-US" altLang="zh-CN" sz="2400" dirty="0" smtClean="0">
+              <a:rPr lang="en-US" altLang="zh-CN" sz="2400" dirty="0">
                 <a:latin typeface="Microsoft YaHei" panose="020B0503020204020204" pitchFamily="34" charset="-122"/>
                 <a:ea typeface="Microsoft YaHei" panose="020B0503020204020204" pitchFamily="34" charset="-122"/>
               </a:rPr>
               <a:t>x </a:t>
             </a:r>
             <a:r>
-              <a:rPr lang="zh-CN" altLang="en-US" sz="2400" dirty="0" smtClean="0">
+              <a:rPr lang="zh-CN" altLang="en-US" sz="2400" dirty="0">
                 <a:latin typeface="Microsoft YaHei" panose="020B0503020204020204" pitchFamily="34" charset="-122"/>
                 <a:ea typeface="Microsoft YaHei" panose="020B0503020204020204" pitchFamily="34" charset="-122"/>
               </a:rPr>
               <a:t>坐 标 和 坐 标 需 要重新设置到面板的中央。可以通过将 </a:t>
             </a:r>
             <a:r>
-              <a:rPr lang="en-US" altLang="zh-CN" sz="2400" dirty="0" err="1" smtClean="0">
+              <a:rPr lang="en-US" altLang="zh-CN" sz="2400" dirty="0" err="1">
                 <a:latin typeface="Microsoft YaHei" panose="020B0503020204020204" pitchFamily="34" charset="-122"/>
                 <a:ea typeface="Microsoft YaHei" panose="020B0503020204020204" pitchFamily="34" charset="-122"/>
               </a:rPr>
               <a:t>centerX</a:t>
             </a:r>
             <a:r>
-              <a:rPr lang="en-US" altLang="zh-CN" sz="2400" dirty="0" smtClean="0">
+              <a:rPr lang="en-US" altLang="zh-CN" sz="2400" dirty="0">
                 <a:latin typeface="Microsoft YaHei" panose="020B0503020204020204" pitchFamily="34" charset="-122"/>
                 <a:ea typeface="Microsoft YaHei" panose="020B0503020204020204" pitchFamily="34" charset="-122"/>
               </a:rPr>
               <a:t> </a:t>
             </a:r>
             <a:r>
-              <a:rPr lang="zh-CN" altLang="en-US" sz="2400" dirty="0" smtClean="0">
+              <a:rPr lang="zh-CN" altLang="en-US" sz="2400" dirty="0">
                 <a:latin typeface="Microsoft YaHei" panose="020B0503020204020204" pitchFamily="34" charset="-122"/>
                 <a:ea typeface="Microsoft YaHei" panose="020B0503020204020204" pitchFamily="34" charset="-122"/>
               </a:rPr>
               <a:t>和 </a:t>
             </a:r>
             <a:r>
-              <a:rPr lang="en-US" altLang="zh-CN" sz="2400" dirty="0" err="1" smtClean="0">
+              <a:rPr lang="en-US" altLang="zh-CN" sz="2400" dirty="0" err="1">
                 <a:latin typeface="Microsoft YaHei" panose="020B0503020204020204" pitchFamily="34" charset="-122"/>
                 <a:ea typeface="Microsoft YaHei" panose="020B0503020204020204" pitchFamily="34" charset="-122"/>
               </a:rPr>
               <a:t>centerY</a:t>
             </a:r>
             <a:r>
-              <a:rPr lang="en-US" altLang="zh-CN" sz="2400" dirty="0" smtClean="0">
+              <a:rPr lang="en-US" altLang="zh-CN" sz="2400" dirty="0">
                 <a:latin typeface="Microsoft YaHei" panose="020B0503020204020204" pitchFamily="34" charset="-122"/>
                 <a:ea typeface="Microsoft YaHei" panose="020B0503020204020204" pitchFamily="34" charset="-122"/>
               </a:rPr>
               <a:t> </a:t>
             </a:r>
             <a:r>
-              <a:rPr lang="zh-CN" altLang="en-US" sz="2400" dirty="0" smtClean="0">
+              <a:rPr lang="zh-CN" altLang="en-US" sz="2400" dirty="0">
                 <a:latin typeface="Microsoft YaHei" panose="020B0503020204020204" pitchFamily="34" charset="-122"/>
                 <a:ea typeface="Microsoft YaHei" panose="020B0503020204020204" pitchFamily="34" charset="-122"/>
               </a:rPr>
               <a:t>分别绑定到面板的 </a:t>
             </a:r>
             <a:r>
-              <a:rPr lang="en-US" altLang="zh-CN" sz="2400" dirty="0" smtClean="0">
+              <a:rPr lang="en-US" altLang="zh-CN" sz="2400" dirty="0">
                 <a:latin typeface="Microsoft YaHei" panose="020B0503020204020204" pitchFamily="34" charset="-122"/>
                 <a:ea typeface="Microsoft YaHei" panose="020B0503020204020204" pitchFamily="34" charset="-122"/>
               </a:rPr>
               <a:t>width/2 </a:t>
             </a:r>
             <a:r>
-              <a:rPr lang="zh-CN" altLang="en-US" sz="2400" dirty="0" smtClean="0">
+              <a:rPr lang="zh-CN" altLang="en-US" sz="2400" dirty="0">
                 <a:latin typeface="Microsoft YaHei" panose="020B0503020204020204" pitchFamily="34" charset="-122"/>
                 <a:ea typeface="Microsoft YaHei" panose="020B0503020204020204" pitchFamily="34" charset="-122"/>
               </a:rPr>
               <a:t>以及 </a:t>
             </a:r>
             <a:r>
-              <a:rPr lang="en-US" altLang="zh-CN" sz="2400" dirty="0" smtClean="0">
+              <a:rPr lang="en-US" altLang="zh-CN" sz="2400" dirty="0">
                 <a:latin typeface="Microsoft YaHei" panose="020B0503020204020204" pitchFamily="34" charset="-122"/>
                 <a:ea typeface="Microsoft YaHei" panose="020B0503020204020204" pitchFamily="34" charset="-122"/>
               </a:rPr>
               <a:t>height/2 </a:t>
             </a:r>
             <a:r>
-              <a:rPr lang="zh-CN" altLang="en-US" sz="2400" dirty="0" smtClean="0">
+              <a:rPr lang="zh-CN" altLang="en-US" sz="2400" dirty="0">
                 <a:latin typeface="Microsoft YaHei" panose="020B0503020204020204" pitchFamily="34" charset="-122"/>
                 <a:ea typeface="Microsoft YaHei" panose="020B0503020204020204" pitchFamily="34" charset="-122"/>
               </a:rPr>
@@ -7869,7 +7802,7 @@
                 <a:spcPct val="150000"/>
               </a:lnSpc>
             </a:pPr>
-            <a:endParaRPr lang="en-US" altLang="zh-CN" sz="2400" dirty="0" smtClean="0">
+            <a:endParaRPr lang="en-US" altLang="zh-CN" sz="2400" dirty="0">
               <a:latin typeface="Microsoft YaHei" panose="020B0503020204020204" pitchFamily="34" charset="-122"/>
               <a:ea typeface="Microsoft YaHei" panose="020B0503020204020204" pitchFamily="34" charset="-122"/>
             </a:endParaRPr>
@@ -7880,7 +7813,7 @@
                 <a:spcPct val="150000"/>
               </a:lnSpc>
             </a:pPr>
-            <a:endParaRPr lang="en-US" altLang="zh-CN" sz="2400" dirty="0" smtClean="0">
+            <a:endParaRPr lang="en-US" altLang="zh-CN" sz="2400" dirty="0">
               <a:latin typeface="Microsoft YaHei" panose="020B0503020204020204" pitchFamily="34" charset="-122"/>
               <a:ea typeface="Microsoft YaHei" panose="020B0503020204020204" pitchFamily="34" charset="-122"/>
             </a:endParaRPr>
@@ -7914,7 +7847,7 @@
           <p:cNvPr id="4" name="文本框 6">
             <a:extLst>
               <a:ext uri="{FF2B5EF4-FFF2-40B4-BE49-F238E27FC236}">
-                <a16:creationId xmlns:a16="http://schemas.microsoft.com/office/drawing/2014/main" xmlns="" id="{06371AB4-3CA3-AD48-87A1-8E705B42E675}"/>
+                <a16:creationId xmlns:a16="http://schemas.microsoft.com/office/drawing/2014/main" id="{06371AB4-3CA3-AD48-87A1-8E705B42E675}"/>
               </a:ext>
             </a:extLst>
           </p:cNvPr>
@@ -7940,7 +7873,7 @@
           <a:lstStyle/>
           <a:p>
             <a:r>
-              <a:rPr kumimoji="1" lang="zh-CN" altLang="en-US" dirty="0" smtClean="0">
+              <a:rPr kumimoji="1" lang="zh-CN" altLang="en-US" dirty="0">
                 <a:solidFill>
                   <a:schemeClr val="bg1"/>
                 </a:solidFill>
@@ -7948,7 +7881,7 @@
               <a:t>继续看实例代码   </a:t>
             </a:r>
             <a:r>
-              <a:rPr kumimoji="1" lang="en-US" altLang="zh-CN" dirty="0" err="1" smtClean="0">
+              <a:rPr kumimoji="1" lang="en-US" altLang="zh-CN" dirty="0" err="1">
                 <a:solidFill>
                   <a:schemeClr val="bg1"/>
                 </a:solidFill>
@@ -7966,7 +7899,7 @@
     </p:spTree>
     <p:extLst>
       <p:ext uri="{BB962C8B-B14F-4D97-AF65-F5344CB8AC3E}">
-        <p14:creationId xmlns:p14="http://schemas.microsoft.com/office/powerpoint/2010/main" xmlns="" val="780594341"/>
+        <p14:creationId xmlns:p14="http://schemas.microsoft.com/office/powerpoint/2010/main" val="780594341"/>
       </p:ext>
     </p:extLst>
   </p:cSld>
@@ -8085,7 +8018,7 @@
           <p:cNvPr id="2" name="文本框 1">
             <a:extLst>
               <a:ext uri="{FF2B5EF4-FFF2-40B4-BE49-F238E27FC236}">
-                <a16:creationId xmlns:a16="http://schemas.microsoft.com/office/drawing/2014/main" xmlns="" id="{12AA8BCC-7B15-4842-80C2-48C079429338}"/>
+                <a16:creationId xmlns:a16="http://schemas.microsoft.com/office/drawing/2014/main" id="{12AA8BCC-7B15-4842-80C2-48C079429338}"/>
               </a:ext>
             </a:extLst>
           </p:cNvPr>
@@ -8110,14 +8043,14 @@
           <a:p>
             <a:pPr algn="ctr"/>
             <a:r>
-              <a:rPr kumimoji="1" lang="en-US" altLang="zh-CN" sz="4800" dirty="0" smtClean="0">
+              <a:rPr kumimoji="1" lang="en-US" altLang="zh-CN" sz="4800" dirty="0">
                 <a:latin typeface="Microsoft YaHei" panose="020B0503020204020204" pitchFamily="34" charset="-122"/>
                 <a:ea typeface="Microsoft YaHei" panose="020B0503020204020204" pitchFamily="34" charset="-122"/>
               </a:rPr>
               <a:t>5.3 </a:t>
             </a:r>
             <a:r>
-              <a:rPr kumimoji="1" lang="zh-CN" altLang="en-US" sz="4800" dirty="0" smtClean="0">
+              <a:rPr kumimoji="1" lang="zh-CN" altLang="en-US" sz="4800" dirty="0">
                 <a:latin typeface="Microsoft YaHei" panose="020B0503020204020204" pitchFamily="34" charset="-122"/>
                 <a:ea typeface="Microsoft YaHei" panose="020B0503020204020204" pitchFamily="34" charset="-122"/>
               </a:rPr>
@@ -8135,7 +8068,7 @@
           <p:cNvPr id="13" name="文本框 12">
             <a:extLst>
               <a:ext uri="{FF2B5EF4-FFF2-40B4-BE49-F238E27FC236}">
-                <a16:creationId xmlns:a16="http://schemas.microsoft.com/office/drawing/2014/main" xmlns="" id="{8E054F89-5FA8-2F47-8710-58E04A67980C}"/>
+                <a16:creationId xmlns:a16="http://schemas.microsoft.com/office/drawing/2014/main" id="{8E054F89-5FA8-2F47-8710-58E04A67980C}"/>
               </a:ext>
             </a:extLst>
           </p:cNvPr>
@@ -8164,139 +8097,118 @@
               </a:lnSpc>
             </a:pPr>
             <a:r>
-              <a:rPr lang="zh-CN" altLang="en-US" sz="2400" dirty="0" smtClean="0">
+              <a:rPr lang="zh-CN" altLang="en-US" sz="2400" dirty="0">
                 <a:latin typeface="Microsoft YaHei" panose="020B0503020204020204" pitchFamily="34" charset="-122"/>
                 <a:ea typeface="Microsoft YaHei" panose="020B0503020204020204" pitchFamily="34" charset="-122"/>
               </a:rPr>
               <a:t>一般而言，</a:t>
             </a:r>
             <a:r>
-              <a:rPr lang="en-US" altLang="zh-CN" sz="2400" dirty="0" err="1" smtClean="0">
+              <a:rPr lang="en-US" altLang="zh-CN" sz="2400" dirty="0" err="1">
                 <a:latin typeface="Microsoft YaHei" panose="020B0503020204020204" pitchFamily="34" charset="-122"/>
                 <a:ea typeface="Microsoft YaHei" panose="020B0503020204020204" pitchFamily="34" charset="-122"/>
               </a:rPr>
               <a:t>JavaFX</a:t>
             </a:r>
             <a:r>
-              <a:rPr lang="en-US" altLang="zh-CN" sz="2400" dirty="0" smtClean="0">
+              <a:rPr lang="en-US" altLang="zh-CN" sz="2400" dirty="0">
                 <a:latin typeface="Microsoft YaHei" panose="020B0503020204020204" pitchFamily="34" charset="-122"/>
                 <a:ea typeface="Microsoft YaHei" panose="020B0503020204020204" pitchFamily="34" charset="-122"/>
               </a:rPr>
               <a:t> </a:t>
             </a:r>
             <a:r>
-              <a:rPr lang="zh-CN" altLang="en-US" sz="2400" dirty="0" smtClean="0">
+              <a:rPr lang="zh-CN" altLang="en-US" sz="2400" dirty="0">
                 <a:latin typeface="Microsoft YaHei" panose="020B0503020204020204" pitchFamily="34" charset="-122"/>
                 <a:ea typeface="Microsoft YaHei" panose="020B0503020204020204" pitchFamily="34" charset="-122"/>
               </a:rPr>
               <a:t>类（如 </a:t>
             </a:r>
             <a:r>
-              <a:rPr lang="en-US" altLang="zh-CN" sz="2400" dirty="0" smtClean="0">
-                <a:latin typeface="Microsoft YaHei" panose="020B0503020204020204" pitchFamily="34" charset="-122"/>
-                <a:ea typeface="Microsoft YaHei" panose="020B0503020204020204" pitchFamily="34" charset="-122"/>
-              </a:rPr>
-              <a:t>Circle</a:t>
-            </a:r>
-            <a:r>
-              <a:rPr lang="en-US" altLang="zh-CN" sz="2400" dirty="0" smtClean="0">
-                <a:latin typeface="Microsoft YaHei" panose="020B0503020204020204" pitchFamily="34" charset="-122"/>
-                <a:ea typeface="Microsoft YaHei" panose="020B0503020204020204" pitchFamily="34" charset="-122"/>
-              </a:rPr>
-              <a:t>)</a:t>
-            </a:r>
-            <a:r>
-              <a:rPr lang="zh-CN" altLang="en-US" sz="2400" dirty="0" smtClean="0">
+              <a:rPr lang="en-US" altLang="zh-CN" sz="2400" dirty="0">
+                <a:latin typeface="Microsoft YaHei" panose="020B0503020204020204" pitchFamily="34" charset="-122"/>
+                <a:ea typeface="Microsoft YaHei" panose="020B0503020204020204" pitchFamily="34" charset="-122"/>
+              </a:rPr>
+              <a:t>Circle)</a:t>
+            </a:r>
+            <a:r>
+              <a:rPr lang="zh-CN" altLang="en-US" sz="2400" dirty="0">
                 <a:latin typeface="Microsoft YaHei" panose="020B0503020204020204" pitchFamily="34" charset="-122"/>
                 <a:ea typeface="Microsoft YaHei" panose="020B0503020204020204" pitchFamily="34" charset="-122"/>
               </a:rPr>
               <a:t>中的每个绑定属性（如 </a:t>
             </a:r>
             <a:r>
-              <a:rPr lang="en-US" altLang="zh-CN" sz="2400" dirty="0" err="1" smtClean="0">
+              <a:rPr lang="en-US" altLang="zh-CN" sz="2400" dirty="0" err="1">
                 <a:latin typeface="Microsoft YaHei" panose="020B0503020204020204" pitchFamily="34" charset="-122"/>
                 <a:ea typeface="Microsoft YaHei" panose="020B0503020204020204" pitchFamily="34" charset="-122"/>
               </a:rPr>
               <a:t>centerX</a:t>
             </a:r>
             <a:r>
-              <a:rPr lang="en-US" altLang="zh-CN" sz="2400" dirty="0" smtClean="0">
+              <a:rPr lang="en-US" altLang="zh-CN" sz="2400" dirty="0">
                 <a:latin typeface="Microsoft YaHei" panose="020B0503020204020204" pitchFamily="34" charset="-122"/>
                 <a:ea typeface="Microsoft YaHei" panose="020B0503020204020204" pitchFamily="34" charset="-122"/>
               </a:rPr>
               <a:t>) </a:t>
             </a:r>
             <a:r>
-              <a:rPr lang="zh-CN" altLang="en-US" sz="2400" dirty="0" smtClean="0">
-                <a:latin typeface="Microsoft YaHei" panose="020B0503020204020204" pitchFamily="34" charset="-122"/>
-                <a:ea typeface="Microsoft YaHei" panose="020B0503020204020204" pitchFamily="34" charset="-122"/>
-              </a:rPr>
-              <a:t>都</a:t>
-            </a:r>
-            <a:r>
-              <a:rPr lang="zh-CN" altLang="en-US" sz="2400" dirty="0" smtClean="0">
-                <a:latin typeface="Microsoft YaHei" panose="020B0503020204020204" pitchFamily="34" charset="-122"/>
-                <a:ea typeface="Microsoft YaHei" panose="020B0503020204020204" pitchFamily="34" charset="-122"/>
-              </a:rPr>
-              <a:t>有</a:t>
-            </a:r>
-            <a:r>
-              <a:rPr lang="en-US" altLang="zh-CN" sz="2400" dirty="0" smtClean="0">
+              <a:rPr lang="zh-CN" altLang="en-US" sz="2400" dirty="0">
+                <a:latin typeface="Microsoft YaHei" panose="020B0503020204020204" pitchFamily="34" charset="-122"/>
+                <a:ea typeface="Microsoft YaHei" panose="020B0503020204020204" pitchFamily="34" charset="-122"/>
+              </a:rPr>
+              <a:t>都有</a:t>
+            </a:r>
+            <a:r>
+              <a:rPr lang="en-US" altLang="zh-CN" sz="2400" dirty="0">
                 <a:latin typeface="Microsoft YaHei" panose="020B0503020204020204" pitchFamily="34" charset="-122"/>
                 <a:ea typeface="Microsoft YaHei" panose="020B0503020204020204" pitchFamily="34" charset="-122"/>
               </a:rPr>
               <a:t>3</a:t>
             </a:r>
             <a:r>
-              <a:rPr lang="zh-CN" altLang="en-US" sz="2400" dirty="0" smtClean="0">
+              <a:rPr lang="zh-CN" altLang="en-US" sz="2400" dirty="0">
                 <a:latin typeface="Microsoft YaHei" panose="020B0503020204020204" pitchFamily="34" charset="-122"/>
                 <a:ea typeface="Microsoft YaHei" panose="020B0503020204020204" pitchFamily="34" charset="-122"/>
               </a:rPr>
               <a:t>个方法， 比如：</a:t>
             </a:r>
             <a:r>
-              <a:rPr lang="en-US" altLang="zh-CN" sz="2400" dirty="0" err="1" smtClean="0">
+              <a:rPr lang="en-US" altLang="zh-CN" sz="2400" dirty="0" err="1">
                 <a:latin typeface="Microsoft YaHei" panose="020B0503020204020204" pitchFamily="34" charset="-122"/>
                 <a:ea typeface="Microsoft YaHei" panose="020B0503020204020204" pitchFamily="34" charset="-122"/>
               </a:rPr>
               <a:t>CirCle</a:t>
             </a:r>
             <a:r>
-              <a:rPr lang="zh-CN" altLang="en-US" sz="2400" dirty="0" smtClean="0">
+              <a:rPr lang="zh-CN" altLang="en-US" sz="2400" dirty="0">
                 <a:latin typeface="Microsoft YaHei" panose="020B0503020204020204" pitchFamily="34" charset="-122"/>
                 <a:ea typeface="Microsoft YaHei" panose="020B0503020204020204" pitchFamily="34" charset="-122"/>
               </a:rPr>
               <a:t>的</a:t>
             </a:r>
             <a:r>
-              <a:rPr lang="en-US" altLang="zh-CN" sz="2400" dirty="0" err="1" smtClean="0">
+              <a:rPr lang="en-US" altLang="zh-CN" sz="2400" dirty="0" err="1">
                 <a:latin typeface="Microsoft YaHei" panose="020B0503020204020204" pitchFamily="34" charset="-122"/>
                 <a:ea typeface="Microsoft YaHei" panose="020B0503020204020204" pitchFamily="34" charset="-122"/>
               </a:rPr>
               <a:t>centeX</a:t>
             </a:r>
             <a:r>
-              <a:rPr lang="en-US" altLang="zh-CN" sz="2400" dirty="0" smtClean="0">
+              <a:rPr lang="en-US" altLang="zh-CN" sz="2400" dirty="0">
                 <a:latin typeface="Microsoft YaHei" panose="020B0503020204020204" pitchFamily="34" charset="-122"/>
                 <a:ea typeface="Microsoft YaHei" panose="020B0503020204020204" pitchFamily="34" charset="-122"/>
               </a:rPr>
               <a:t> </a:t>
             </a:r>
             <a:r>
-              <a:rPr lang="zh-CN" altLang="en-US" sz="2400" dirty="0" smtClean="0">
-                <a:latin typeface="Microsoft YaHei" panose="020B0503020204020204" pitchFamily="34" charset="-122"/>
-                <a:ea typeface="Microsoft YaHei" panose="020B0503020204020204" pitchFamily="34" charset="-122"/>
-              </a:rPr>
-              <a:t>的</a:t>
-            </a:r>
-            <a:r>
-              <a:rPr lang="zh-CN" altLang="en-US" sz="2400" dirty="0" smtClean="0">
-                <a:latin typeface="Microsoft YaHei" panose="020B0503020204020204" pitchFamily="34" charset="-122"/>
-                <a:ea typeface="Microsoft YaHei" panose="020B0503020204020204" pitchFamily="34" charset="-122"/>
-              </a:rPr>
-              <a:t>属性</a:t>
-            </a:r>
-            <a:endParaRPr lang="en-US" altLang="zh-CN" sz="2400" dirty="0" smtClean="0">
+              <a:rPr lang="zh-CN" altLang="en-US" sz="2400" dirty="0">
+                <a:latin typeface="Microsoft YaHei" panose="020B0503020204020204" pitchFamily="34" charset="-122"/>
+                <a:ea typeface="Microsoft YaHei" panose="020B0503020204020204" pitchFamily="34" charset="-122"/>
+              </a:rPr>
+              <a:t>的属性</a:t>
+            </a:r>
+            <a:endParaRPr lang="en-US" altLang="zh-CN" sz="2400" dirty="0">
               <a:latin typeface="Microsoft YaHei" panose="020B0503020204020204" pitchFamily="34" charset="-122"/>
               <a:ea typeface="Microsoft YaHei" panose="020B0503020204020204" pitchFamily="34" charset="-122"/>
             </a:endParaRPr>
@@ -8310,55 +8222,48 @@
               <a:buChar char="•"/>
             </a:pPr>
             <a:r>
-              <a:rPr lang="zh-CN" altLang="en-US" sz="2400" dirty="0" smtClean="0">
+              <a:rPr lang="zh-CN" altLang="en-US" sz="2400" dirty="0">
                 <a:latin typeface="Microsoft YaHei" panose="020B0503020204020204" pitchFamily="34" charset="-122"/>
                 <a:ea typeface="Microsoft YaHei" panose="020B0503020204020204" pitchFamily="34" charset="-122"/>
               </a:rPr>
               <a:t>将 </a:t>
             </a:r>
             <a:r>
-              <a:rPr lang="en-US" altLang="zh-CN" sz="2400" dirty="0" err="1" smtClean="0">
+              <a:rPr lang="en-US" altLang="zh-CN" sz="2400" dirty="0" err="1">
                 <a:latin typeface="Microsoft YaHei" panose="020B0503020204020204" pitchFamily="34" charset="-122"/>
                 <a:ea typeface="Microsoft YaHei" panose="020B0503020204020204" pitchFamily="34" charset="-122"/>
               </a:rPr>
               <a:t>getCenterX</a:t>
             </a:r>
             <a:r>
-              <a:rPr lang="en-US" altLang="zh-CN" sz="2400" dirty="0" smtClean="0">
+              <a:rPr lang="en-US" altLang="zh-CN" sz="2400" dirty="0">
                 <a:latin typeface="Microsoft YaHei" panose="020B0503020204020204" pitchFamily="34" charset="-122"/>
                 <a:ea typeface="Microsoft YaHei" panose="020B0503020204020204" pitchFamily="34" charset="-122"/>
               </a:rPr>
               <a:t>()</a:t>
             </a:r>
             <a:r>
-              <a:rPr lang="zh-CN" altLang="en-US" sz="2400" dirty="0" smtClean="0">
+              <a:rPr lang="zh-CN" altLang="en-US" sz="2400" dirty="0">
                 <a:latin typeface="Microsoft YaHei" panose="020B0503020204020204" pitchFamily="34" charset="-122"/>
                 <a:ea typeface="Microsoft YaHei" panose="020B0503020204020204" pitchFamily="34" charset="-122"/>
               </a:rPr>
               <a:t>称为 </a:t>
             </a:r>
             <a:r>
-              <a:rPr lang="zh-CN" altLang="en-US" sz="2400" b="1" dirty="0" smtClean="0">
-                <a:latin typeface="Microsoft YaHei" panose="020B0503020204020204" pitchFamily="34" charset="-122"/>
-                <a:ea typeface="Microsoft YaHei" panose="020B0503020204020204" pitchFamily="34" charset="-122"/>
-              </a:rPr>
-              <a:t>值</a:t>
-            </a:r>
-            <a:r>
-              <a:rPr lang="zh-CN" altLang="en-US" sz="2400" b="1" dirty="0" smtClean="0">
-                <a:latin typeface="Microsoft YaHei" panose="020B0503020204020204" pitchFamily="34" charset="-122"/>
-                <a:ea typeface="Microsoft YaHei" panose="020B0503020204020204" pitchFamily="34" charset="-122"/>
-              </a:rPr>
-              <a:t>的获取方法</a:t>
-            </a:r>
-            <a:r>
-              <a:rPr lang="zh-CN" altLang="en-US" sz="2400" dirty="0" smtClean="0">
+              <a:rPr lang="zh-CN" altLang="en-US" sz="2400" b="1" dirty="0">
+                <a:latin typeface="Microsoft YaHei" panose="020B0503020204020204" pitchFamily="34" charset="-122"/>
+                <a:ea typeface="Microsoft YaHei" panose="020B0503020204020204" pitchFamily="34" charset="-122"/>
+              </a:rPr>
+              <a:t>值的获取方法</a:t>
+            </a:r>
+            <a:r>
+              <a:rPr lang="zh-CN" altLang="en-US" sz="2400" dirty="0">
                 <a:latin typeface="Microsoft YaHei" panose="020B0503020204020204" pitchFamily="34" charset="-122"/>
                 <a:ea typeface="Microsoft YaHei" panose="020B0503020204020204" pitchFamily="34" charset="-122"/>
               </a:rPr>
               <a:t>， </a:t>
             </a:r>
-            <a:endParaRPr lang="en-US" altLang="zh-CN" sz="2400" dirty="0" smtClean="0">
+            <a:endParaRPr lang="en-US" altLang="zh-CN" sz="2400" dirty="0">
               <a:latin typeface="Microsoft YaHei" panose="020B0503020204020204" pitchFamily="34" charset="-122"/>
               <a:ea typeface="Microsoft YaHei" panose="020B0503020204020204" pitchFamily="34" charset="-122"/>
             </a:endParaRPr>
@@ -8372,55 +8277,48 @@
               <a:buChar char="•"/>
             </a:pPr>
             <a:r>
-              <a:rPr lang="zh-CN" altLang="en-US" sz="2400" dirty="0" smtClean="0">
+              <a:rPr lang="zh-CN" altLang="en-US" sz="2400" dirty="0">
                 <a:latin typeface="Microsoft YaHei" panose="020B0503020204020204" pitchFamily="34" charset="-122"/>
                 <a:ea typeface="Microsoft YaHei" panose="020B0503020204020204" pitchFamily="34" charset="-122"/>
               </a:rPr>
               <a:t>将 </a:t>
             </a:r>
             <a:r>
-              <a:rPr lang="en-US" altLang="zh-CN" sz="2400" dirty="0" err="1" smtClean="0">
+              <a:rPr lang="en-US" altLang="zh-CN" sz="2400" dirty="0" err="1">
                 <a:latin typeface="Microsoft YaHei" panose="020B0503020204020204" pitchFamily="34" charset="-122"/>
                 <a:ea typeface="Microsoft YaHei" panose="020B0503020204020204" pitchFamily="34" charset="-122"/>
               </a:rPr>
               <a:t>setCenterX</a:t>
             </a:r>
             <a:r>
-              <a:rPr lang="en-US" altLang="zh-CN" sz="2400" dirty="0" smtClean="0">
+              <a:rPr lang="en-US" altLang="zh-CN" sz="2400" dirty="0">
                 <a:latin typeface="Microsoft YaHei" panose="020B0503020204020204" pitchFamily="34" charset="-122"/>
                 <a:ea typeface="Microsoft YaHei" panose="020B0503020204020204" pitchFamily="34" charset="-122"/>
               </a:rPr>
               <a:t>(double)</a:t>
             </a:r>
             <a:r>
-              <a:rPr lang="zh-CN" altLang="en-US" sz="2400" dirty="0" smtClean="0">
+              <a:rPr lang="zh-CN" altLang="en-US" sz="2400" dirty="0">
                 <a:latin typeface="Microsoft YaHei" panose="020B0503020204020204" pitchFamily="34" charset="-122"/>
                 <a:ea typeface="Microsoft YaHei" panose="020B0503020204020204" pitchFamily="34" charset="-122"/>
               </a:rPr>
               <a:t>称为 </a:t>
             </a:r>
             <a:r>
-              <a:rPr lang="zh-CN" altLang="en-US" sz="2400" b="1" dirty="0" smtClean="0">
-                <a:latin typeface="Microsoft YaHei" panose="020B0503020204020204" pitchFamily="34" charset="-122"/>
-                <a:ea typeface="Microsoft YaHei" panose="020B0503020204020204" pitchFamily="34" charset="-122"/>
-              </a:rPr>
-              <a:t>值</a:t>
-            </a:r>
-            <a:r>
-              <a:rPr lang="zh-CN" altLang="en-US" sz="2400" b="1" dirty="0" smtClean="0">
-                <a:latin typeface="Microsoft YaHei" panose="020B0503020204020204" pitchFamily="34" charset="-122"/>
-                <a:ea typeface="Microsoft YaHei" panose="020B0503020204020204" pitchFamily="34" charset="-122"/>
-              </a:rPr>
-              <a:t>的设置方法</a:t>
-            </a:r>
-            <a:r>
-              <a:rPr lang="zh-CN" altLang="en-US" sz="2400" dirty="0" smtClean="0">
+              <a:rPr lang="zh-CN" altLang="en-US" sz="2400" b="1" dirty="0">
+                <a:latin typeface="Microsoft YaHei" panose="020B0503020204020204" pitchFamily="34" charset="-122"/>
+                <a:ea typeface="Microsoft YaHei" panose="020B0503020204020204" pitchFamily="34" charset="-122"/>
+              </a:rPr>
+              <a:t>值的设置方法</a:t>
+            </a:r>
+            <a:r>
+              <a:rPr lang="zh-CN" altLang="en-US" sz="2400" dirty="0">
                 <a:latin typeface="Microsoft YaHei" panose="020B0503020204020204" pitchFamily="34" charset="-122"/>
                 <a:ea typeface="Microsoft YaHei" panose="020B0503020204020204" pitchFamily="34" charset="-122"/>
               </a:rPr>
               <a:t>，</a:t>
             </a:r>
-            <a:endParaRPr lang="en-US" altLang="zh-CN" sz="2400" dirty="0" smtClean="0">
+            <a:endParaRPr lang="en-US" altLang="zh-CN" sz="2400" dirty="0">
               <a:latin typeface="Microsoft YaHei" panose="020B0503020204020204" pitchFamily="34" charset="-122"/>
               <a:ea typeface="Microsoft YaHei" panose="020B0503020204020204" pitchFamily="34" charset="-122"/>
             </a:endParaRPr>
@@ -8434,135 +8332,110 @@
               <a:buChar char="•"/>
             </a:pPr>
             <a:r>
-              <a:rPr lang="zh-CN" altLang="en-US" sz="2400" dirty="0" smtClean="0">
+              <a:rPr lang="zh-CN" altLang="en-US" sz="2400" dirty="0">
                 <a:latin typeface="Microsoft YaHei" panose="020B0503020204020204" pitchFamily="34" charset="-122"/>
                 <a:ea typeface="Microsoft YaHei" panose="020B0503020204020204" pitchFamily="34" charset="-122"/>
               </a:rPr>
               <a:t>将 </a:t>
             </a:r>
             <a:r>
-              <a:rPr lang="en-US" altLang="zh-CN" sz="2400" dirty="0" err="1" smtClean="0">
+              <a:rPr lang="en-US" altLang="zh-CN" sz="2400" dirty="0" err="1">
                 <a:latin typeface="Microsoft YaHei" panose="020B0503020204020204" pitchFamily="34" charset="-122"/>
                 <a:ea typeface="Microsoft YaHei" panose="020B0503020204020204" pitchFamily="34" charset="-122"/>
               </a:rPr>
               <a:t>centerXProperty</a:t>
             </a:r>
             <a:r>
-              <a:rPr lang="en-US" altLang="zh-CN" sz="2400" dirty="0" smtClean="0">
+              <a:rPr lang="en-US" altLang="zh-CN" sz="2400" dirty="0">
                 <a:latin typeface="Microsoft YaHei" panose="020B0503020204020204" pitchFamily="34" charset="-122"/>
                 <a:ea typeface="Microsoft YaHei" panose="020B0503020204020204" pitchFamily="34" charset="-122"/>
               </a:rPr>
               <a:t>()</a:t>
             </a:r>
             <a:r>
-              <a:rPr lang="zh-CN" altLang="en-US" sz="2400" dirty="0" smtClean="0">
+              <a:rPr lang="zh-CN" altLang="en-US" sz="2400" dirty="0">
                 <a:latin typeface="Microsoft YaHei" panose="020B0503020204020204" pitchFamily="34" charset="-122"/>
                 <a:ea typeface="Microsoft YaHei" panose="020B0503020204020204" pitchFamily="34" charset="-122"/>
               </a:rPr>
               <a:t>称为 </a:t>
             </a:r>
             <a:r>
-              <a:rPr lang="zh-CN" altLang="en-US" sz="2400" b="1" dirty="0" smtClean="0">
-                <a:latin typeface="Microsoft YaHei" panose="020B0503020204020204" pitchFamily="34" charset="-122"/>
-                <a:ea typeface="Microsoft YaHei" panose="020B0503020204020204" pitchFamily="34" charset="-122"/>
-              </a:rPr>
-              <a:t>属性</a:t>
-            </a:r>
-            <a:r>
-              <a:rPr lang="zh-CN" altLang="en-US" sz="2400" b="1" dirty="0" smtClean="0">
-                <a:latin typeface="Microsoft YaHei" panose="020B0503020204020204" pitchFamily="34" charset="-122"/>
-                <a:ea typeface="Microsoft YaHei" panose="020B0503020204020204" pitchFamily="34" charset="-122"/>
-              </a:rPr>
-              <a:t>获取方法</a:t>
-            </a:r>
-            <a:r>
-              <a:rPr lang="zh-CN" altLang="en-US" sz="2400" dirty="0" smtClean="0">
-                <a:latin typeface="Microsoft YaHei" panose="020B0503020204020204" pitchFamily="34" charset="-122"/>
-                <a:ea typeface="Microsoft YaHei" panose="020B0503020204020204" pitchFamily="34" charset="-122"/>
-              </a:rPr>
-              <a:t>。</a:t>
-            </a:r>
-            <a:r>
-              <a:rPr lang="zh-CN" altLang="en-US" sz="2400" dirty="0" smtClean="0">
-                <a:latin typeface="Microsoft YaHei" panose="020B0503020204020204" pitchFamily="34" charset="-122"/>
-                <a:ea typeface="Microsoft YaHei" panose="020B0503020204020204" pitchFamily="34" charset="-122"/>
-              </a:rPr>
-              <a:t>这个方法的命名习惯是在属性名称后面加上单词 </a:t>
-            </a:r>
-            <a:r>
-              <a:rPr lang="en-US" altLang="zh-CN" sz="2400" dirty="0" smtClean="0">
+              <a:rPr lang="zh-CN" altLang="en-US" sz="2400" b="1" dirty="0">
+                <a:latin typeface="Microsoft YaHei" panose="020B0503020204020204" pitchFamily="34" charset="-122"/>
+                <a:ea typeface="Microsoft YaHei" panose="020B0503020204020204" pitchFamily="34" charset="-122"/>
+              </a:rPr>
+              <a:t>属性获取方法</a:t>
+            </a:r>
+            <a:r>
+              <a:rPr lang="zh-CN" altLang="en-US" sz="2400" dirty="0">
+                <a:latin typeface="Microsoft YaHei" panose="020B0503020204020204" pitchFamily="34" charset="-122"/>
+                <a:ea typeface="Microsoft YaHei" panose="020B0503020204020204" pitchFamily="34" charset="-122"/>
+              </a:rPr>
+              <a:t>。这个方法的命名习惯是在属性名称后面加上单词 </a:t>
+            </a:r>
+            <a:r>
+              <a:rPr lang="en-US" altLang="zh-CN" sz="2400" dirty="0">
                 <a:latin typeface="Microsoft YaHei" panose="020B0503020204020204" pitchFamily="34" charset="-122"/>
                 <a:ea typeface="Microsoft YaHei" panose="020B0503020204020204" pitchFamily="34" charset="-122"/>
               </a:rPr>
               <a:t>Property</a:t>
             </a:r>
             <a:r>
-              <a:rPr lang="zh-CN" altLang="en-US" sz="2400" dirty="0" smtClean="0">
-                <a:latin typeface="Microsoft YaHei" panose="020B0503020204020204" pitchFamily="34" charset="-122"/>
-                <a:ea typeface="Microsoft YaHei" panose="020B0503020204020204" pitchFamily="34" charset="-122"/>
-              </a:rPr>
-              <a:t>。</a:t>
-            </a:r>
-            <a:r>
-              <a:rPr lang="zh-CN" altLang="en-US" sz="2400" dirty="0" smtClean="0">
-                <a:latin typeface="Microsoft YaHei" panose="020B0503020204020204" pitchFamily="34" charset="-122"/>
-                <a:ea typeface="Microsoft YaHei" panose="020B0503020204020204" pitchFamily="34" charset="-122"/>
-              </a:rPr>
-              <a:t>不过要注意返回的是一个属性值，而不是数值 </a:t>
-            </a:r>
-            <a:r>
-              <a:rPr lang="en-US" altLang="zh-CN" sz="2400" dirty="0" smtClean="0">
+              <a:rPr lang="zh-CN" altLang="en-US" sz="2400" dirty="0">
+                <a:latin typeface="Microsoft YaHei" panose="020B0503020204020204" pitchFamily="34" charset="-122"/>
+                <a:ea typeface="Microsoft YaHei" panose="020B0503020204020204" pitchFamily="34" charset="-122"/>
+              </a:rPr>
+              <a:t>。不过要注意返回的是一个属性值，而不是数值 </a:t>
+            </a:r>
+            <a:r>
+              <a:rPr lang="en-US" altLang="zh-CN" sz="2400" dirty="0">
                 <a:latin typeface="Microsoft YaHei" panose="020B0503020204020204" pitchFamily="34" charset="-122"/>
                 <a:ea typeface="Microsoft YaHei" panose="020B0503020204020204" pitchFamily="34" charset="-122"/>
               </a:rPr>
               <a:t>(</a:t>
             </a:r>
             <a:r>
-              <a:rPr lang="zh-CN" altLang="en-US" sz="2400" dirty="0" smtClean="0">
+              <a:rPr lang="zh-CN" altLang="en-US" sz="2400" dirty="0">
                 <a:latin typeface="Microsoft YaHei" panose="020B0503020204020204" pitchFamily="34" charset="-122"/>
                 <a:ea typeface="Microsoft YaHei" panose="020B0503020204020204" pitchFamily="34" charset="-122"/>
               </a:rPr>
               <a:t>在</a:t>
             </a:r>
             <a:r>
-              <a:rPr lang="en-US" altLang="zh-CN" sz="2400" dirty="0" smtClean="0">
+              <a:rPr lang="en-US" altLang="zh-CN" sz="2400" dirty="0">
                 <a:latin typeface="Microsoft YaHei" panose="020B0503020204020204" pitchFamily="34" charset="-122"/>
                 <a:ea typeface="Microsoft YaHei" panose="020B0503020204020204" pitchFamily="34" charset="-122"/>
               </a:rPr>
               <a:t>IDEA </a:t>
             </a:r>
             <a:r>
-              <a:rPr lang="zh-CN" altLang="en-US" sz="2400" dirty="0" smtClean="0">
+              <a:rPr lang="zh-CN" altLang="en-US" sz="2400" dirty="0">
                 <a:latin typeface="Microsoft YaHei" panose="020B0503020204020204" pitchFamily="34" charset="-122"/>
                 <a:ea typeface="Microsoft YaHei" panose="020B0503020204020204" pitchFamily="34" charset="-122"/>
               </a:rPr>
               <a:t>编辑器中可以查看，用</a:t>
             </a:r>
             <a:r>
-              <a:rPr lang="en-US" altLang="zh-CN" sz="2400" dirty="0" smtClean="0">
+              <a:rPr lang="en-US" altLang="zh-CN" sz="2400" dirty="0">
                 <a:latin typeface="Microsoft YaHei" panose="020B0503020204020204" pitchFamily="34" charset="-122"/>
                 <a:ea typeface="Microsoft YaHei" panose="020B0503020204020204" pitchFamily="34" charset="-122"/>
               </a:rPr>
               <a:t>ctrl+f12</a:t>
             </a:r>
             <a:r>
-              <a:rPr lang="zh-CN" altLang="en-US" sz="2400" dirty="0" smtClean="0">
+              <a:rPr lang="zh-CN" altLang="en-US" sz="2400" dirty="0">
                 <a:latin typeface="Microsoft YaHei" panose="020B0503020204020204" pitchFamily="34" charset="-122"/>
                 <a:ea typeface="Microsoft YaHei" panose="020B0503020204020204" pitchFamily="34" charset="-122"/>
               </a:rPr>
               <a:t>查找类中的方法</a:t>
             </a:r>
             <a:r>
-              <a:rPr lang="en-US" altLang="zh-CN" sz="2400" dirty="0" smtClean="0">
+              <a:rPr lang="en-US" altLang="zh-CN" sz="2400" dirty="0">
                 <a:latin typeface="Microsoft YaHei" panose="020B0503020204020204" pitchFamily="34" charset="-122"/>
                 <a:ea typeface="Microsoft YaHei" panose="020B0503020204020204" pitchFamily="34" charset="-122"/>
               </a:rPr>
               <a:t>)</a:t>
             </a:r>
-            <a:endParaRPr lang="en-US" altLang="zh-CN" sz="2400" dirty="0" smtClean="0">
-              <a:latin typeface="Microsoft YaHei" panose="020B0503020204020204" pitchFamily="34" charset="-122"/>
-              <a:ea typeface="Microsoft YaHei" panose="020B0503020204020204" pitchFamily="34" charset="-122"/>
-            </a:endParaRPr>
           </a:p>
           <a:p>
             <a:pPr>
@@ -8570,7 +8443,7 @@
                 <a:spcPct val="150000"/>
               </a:lnSpc>
             </a:pPr>
-            <a:endParaRPr lang="en-US" altLang="zh-CN" sz="2400" dirty="0" smtClean="0">
+            <a:endParaRPr lang="en-US" altLang="zh-CN" sz="2400" dirty="0">
               <a:latin typeface="Microsoft YaHei" panose="020B0503020204020204" pitchFamily="34" charset="-122"/>
               <a:ea typeface="Microsoft YaHei" panose="020B0503020204020204" pitchFamily="34" charset="-122"/>
             </a:endParaRPr>
@@ -8602,7 +8475,7 @@
     </p:spTree>
     <p:extLst>
       <p:ext uri="{BB962C8B-B14F-4D97-AF65-F5344CB8AC3E}">
-        <p14:creationId xmlns:p14="http://schemas.microsoft.com/office/powerpoint/2010/main" xmlns="" val="780594341"/>
+        <p14:creationId xmlns:p14="http://schemas.microsoft.com/office/powerpoint/2010/main" val="780594341"/>
       </p:ext>
     </p:extLst>
   </p:cSld>
@@ -8721,7 +8594,7 @@
           <p:cNvPr id="2" name="文本框 1">
             <a:extLst>
               <a:ext uri="{FF2B5EF4-FFF2-40B4-BE49-F238E27FC236}">
-                <a16:creationId xmlns:a16="http://schemas.microsoft.com/office/drawing/2014/main" xmlns="" id="{12AA8BCC-7B15-4842-80C2-48C079429338}"/>
+                <a16:creationId xmlns:a16="http://schemas.microsoft.com/office/drawing/2014/main" id="{12AA8BCC-7B15-4842-80C2-48C079429338}"/>
               </a:ext>
             </a:extLst>
           </p:cNvPr>
@@ -8771,7 +8644,7 @@
           <p:cNvPr id="13" name="文本框 12">
             <a:extLst>
               <a:ext uri="{FF2B5EF4-FFF2-40B4-BE49-F238E27FC236}">
-                <a16:creationId xmlns:a16="http://schemas.microsoft.com/office/drawing/2014/main" xmlns="" id="{8E054F89-5FA8-2F47-8710-58E04A67980C}"/>
+                <a16:creationId xmlns:a16="http://schemas.microsoft.com/office/drawing/2014/main" id="{8E054F89-5FA8-2F47-8710-58E04A67980C}"/>
               </a:ext>
             </a:extLst>
           </p:cNvPr>
@@ -8800,63 +8673,42 @@
               </a:lnSpc>
             </a:pPr>
             <a:r>
-              <a:rPr lang="zh-CN" altLang="en-US" sz="2000" dirty="0" smtClean="0">
-                <a:latin typeface="Microsoft YaHei" panose="020B0503020204020204" pitchFamily="34" charset="-122"/>
-                <a:ea typeface="Microsoft YaHei" panose="020B0503020204020204" pitchFamily="34" charset="-122"/>
-              </a:rPr>
-              <a:t>抽象</a:t>
-            </a:r>
-            <a:r>
-              <a:rPr lang="zh-CN" altLang="en-US" sz="2000" dirty="0" smtClean="0">
-                <a:latin typeface="Microsoft YaHei" panose="020B0503020204020204" pitchFamily="34" charset="-122"/>
-                <a:ea typeface="Microsoft YaHei" panose="020B0503020204020204" pitchFamily="34" charset="-122"/>
-              </a:rPr>
-              <a:t>类 </a:t>
-            </a:r>
-            <a:r>
-              <a:rPr lang="en-US" altLang="zh-CN" sz="2000" dirty="0" smtClean="0">
+              <a:rPr lang="zh-CN" altLang="en-US" sz="2000" dirty="0">
+                <a:latin typeface="Microsoft YaHei" panose="020B0503020204020204" pitchFamily="34" charset="-122"/>
+                <a:ea typeface="Microsoft YaHei" panose="020B0503020204020204" pitchFamily="34" charset="-122"/>
+              </a:rPr>
+              <a:t>抽象类 </a:t>
+            </a:r>
+            <a:r>
+              <a:rPr lang="en-US" altLang="zh-CN" sz="2000" dirty="0">
                 <a:latin typeface="Microsoft YaHei" panose="020B0503020204020204" pitchFamily="34" charset="-122"/>
                 <a:ea typeface="Microsoft YaHei" panose="020B0503020204020204" pitchFamily="34" charset="-122"/>
               </a:rPr>
               <a:t>Node </a:t>
             </a:r>
             <a:r>
-              <a:rPr lang="zh-CN" altLang="en-US" sz="2000" dirty="0" smtClean="0">
-                <a:latin typeface="Microsoft YaHei" panose="020B0503020204020204" pitchFamily="34" charset="-122"/>
-                <a:ea typeface="Microsoft YaHei" panose="020B0503020204020204" pitchFamily="34" charset="-122"/>
-              </a:rPr>
-              <a:t>定义了许多对于节点而言通用的属性和方法</a:t>
-            </a:r>
-            <a:r>
-              <a:rPr lang="zh-CN" altLang="en-US" sz="2000" dirty="0" smtClean="0">
-                <a:latin typeface="Microsoft YaHei" panose="020B0503020204020204" pitchFamily="34" charset="-122"/>
-                <a:ea typeface="Microsoft YaHei" panose="020B0503020204020204" pitchFamily="34" charset="-122"/>
-              </a:rPr>
-              <a:t>。这里介绍</a:t>
-            </a:r>
-            <a:r>
-              <a:rPr lang="zh-CN" altLang="en-US" sz="2000" dirty="0" smtClean="0">
-                <a:latin typeface="Microsoft YaHei" panose="020B0503020204020204" pitchFamily="34" charset="-122"/>
-                <a:ea typeface="Microsoft YaHei" panose="020B0503020204020204" pitchFamily="34" charset="-122"/>
-              </a:rPr>
-              <a:t>两个这样的属性：</a:t>
-            </a:r>
-            <a:r>
-              <a:rPr lang="en-US" altLang="zh-CN" sz="2000" dirty="0" smtClean="0">
+              <a:rPr lang="zh-CN" altLang="en-US" sz="2000" dirty="0">
+                <a:latin typeface="Microsoft YaHei" panose="020B0503020204020204" pitchFamily="34" charset="-122"/>
+                <a:ea typeface="Microsoft YaHei" panose="020B0503020204020204" pitchFamily="34" charset="-122"/>
+              </a:rPr>
+              <a:t>定义了许多对于节点而言通用的属性和方法。这里介绍两个这样的属性：</a:t>
+            </a:r>
+            <a:r>
+              <a:rPr lang="en-US" altLang="zh-CN" sz="2000" dirty="0">
                 <a:latin typeface="Microsoft YaHei" panose="020B0503020204020204" pitchFamily="34" charset="-122"/>
                 <a:ea typeface="Microsoft YaHei" panose="020B0503020204020204" pitchFamily="34" charset="-122"/>
               </a:rPr>
               <a:t>style </a:t>
             </a:r>
             <a:r>
-              <a:rPr lang="zh-CN" altLang="en-US" sz="2000" dirty="0" smtClean="0">
+              <a:rPr lang="zh-CN" altLang="en-US" sz="2000" dirty="0">
                 <a:latin typeface="Microsoft YaHei" panose="020B0503020204020204" pitchFamily="34" charset="-122"/>
                 <a:ea typeface="Microsoft YaHei" panose="020B0503020204020204" pitchFamily="34" charset="-122"/>
               </a:rPr>
               <a:t>和 </a:t>
             </a:r>
             <a:r>
-              <a:rPr lang="en-US" altLang="zh-CN" sz="2000" dirty="0" smtClean="0">
+              <a:rPr lang="en-US" altLang="zh-CN" sz="2000" dirty="0">
                 <a:latin typeface="Microsoft YaHei" panose="020B0503020204020204" pitchFamily="34" charset="-122"/>
                 <a:ea typeface="Microsoft YaHei" panose="020B0503020204020204" pitchFamily="34" charset="-122"/>
               </a:rPr>
@@ -8870,14 +8722,14 @@
               </a:lnSpc>
             </a:pPr>
             <a:r>
-              <a:rPr lang="en-US" altLang="zh-CN" sz="2000" dirty="0" err="1" smtClean="0">
+              <a:rPr lang="en-US" altLang="zh-CN" sz="2000" dirty="0" err="1">
                 <a:latin typeface="Microsoft YaHei" panose="020B0503020204020204" pitchFamily="34" charset="-122"/>
                 <a:ea typeface="Microsoft YaHei" panose="020B0503020204020204" pitchFamily="34" charset="-122"/>
               </a:rPr>
               <a:t>JavaFX</a:t>
             </a:r>
             <a:r>
-              <a:rPr lang="en-US" altLang="zh-CN" sz="2000" dirty="0" smtClean="0">
+              <a:rPr lang="en-US" altLang="zh-CN" sz="2000" dirty="0">
                 <a:latin typeface="Microsoft YaHei" panose="020B0503020204020204" pitchFamily="34" charset="-122"/>
                 <a:ea typeface="Microsoft YaHei" panose="020B0503020204020204" pitchFamily="34" charset="-122"/>
               </a:rPr>
@@ -8923,24 +8775,17 @@
                 <a:latin typeface="Microsoft YaHei" panose="020B0503020204020204" pitchFamily="34" charset="-122"/>
                 <a:ea typeface="Microsoft YaHei" panose="020B0503020204020204" pitchFamily="34" charset="-122"/>
               </a:rPr>
-              <a:t>CSS</a:t>
-            </a:r>
-            <a:r>
-              <a:rPr lang="en-US" altLang="zh-CN" sz="2000" dirty="0" smtClean="0">
-                <a:latin typeface="Microsoft YaHei" panose="020B0503020204020204" pitchFamily="34" charset="-122"/>
-                <a:ea typeface="Microsoft YaHei" panose="020B0503020204020204" pitchFamily="34" charset="-122"/>
-              </a:rPr>
-              <a:t>)</a:t>
-            </a:r>
-            <a:r>
-              <a:rPr lang="zh-CN" altLang="en-US" sz="2000" dirty="0" smtClean="0">
+              <a:t>CSS)</a:t>
+            </a:r>
+            <a:r>
+              <a:rPr lang="zh-CN" altLang="en-US" sz="2000" dirty="0">
                 <a:latin typeface="Microsoft YaHei" panose="020B0503020204020204" pitchFamily="34" charset="-122"/>
                 <a:ea typeface="Microsoft YaHei" panose="020B0503020204020204" pitchFamily="34" charset="-122"/>
               </a:rPr>
               <a:t>。</a:t>
             </a:r>
             <a:r>
-              <a:rPr lang="en-US" altLang="zh-CN" sz="2000" dirty="0" smtClean="0">
+              <a:rPr lang="en-US" altLang="zh-CN" sz="2000" dirty="0">
                 <a:latin typeface="Microsoft YaHei" panose="020B0503020204020204" pitchFamily="34" charset="-122"/>
                 <a:ea typeface="Microsoft YaHei" panose="020B0503020204020204" pitchFamily="34" charset="-122"/>
               </a:rPr>
@@ -8975,61 +8820,11 @@
               <a:t>JavaFX CSS </a:t>
             </a:r>
             <a:r>
-              <a:rPr lang="zh-CN" altLang="en-US" sz="2000" dirty="0" smtClean="0">
+              <a:rPr lang="zh-CN" altLang="en-US" sz="2000" dirty="0">
                 <a:latin typeface="Microsoft YaHei" panose="020B0503020204020204" pitchFamily="34" charset="-122"/>
                 <a:ea typeface="Microsoft YaHei" panose="020B0503020204020204" pitchFamily="34" charset="-122"/>
               </a:rPr>
               <a:t>，样式属性使用</a:t>
-            </a:r>
-            <a:r>
-              <a:rPr lang="zh-CN" altLang="en-US" sz="2000" dirty="0" smtClean="0">
-                <a:solidFill>
-                  <a:srgbClr val="FF9300"/>
-                </a:solidFill>
-                <a:latin typeface="Microsoft YaHei" panose="020B0503020204020204" pitchFamily="34" charset="-122"/>
-                <a:ea typeface="Microsoft YaHei" panose="020B0503020204020204" pitchFamily="34" charset="-122"/>
-              </a:rPr>
-              <a:t>前缀</a:t>
-            </a:r>
-            <a:r>
-              <a:rPr lang="en-US" altLang="zh-CN" sz="2000" dirty="0" smtClean="0">
-                <a:solidFill>
-                  <a:srgbClr val="FF9300"/>
-                </a:solidFill>
-                <a:latin typeface="Microsoft YaHei" panose="020B0503020204020204" pitchFamily="34" charset="-122"/>
-                <a:ea typeface="Microsoft YaHei" panose="020B0503020204020204" pitchFamily="34" charset="-122"/>
-              </a:rPr>
-              <a:t>-</a:t>
-            </a:r>
-            <a:r>
-              <a:rPr lang="en-US" altLang="zh-CN" sz="2000" dirty="0" err="1" smtClean="0">
-                <a:solidFill>
-                  <a:srgbClr val="FF9300"/>
-                </a:solidFill>
-                <a:latin typeface="Microsoft YaHei" panose="020B0503020204020204" pitchFamily="34" charset="-122"/>
-                <a:ea typeface="Microsoft YaHei" panose="020B0503020204020204" pitchFamily="34" charset="-122"/>
-              </a:rPr>
-              <a:t>fx</a:t>
-            </a:r>
-            <a:r>
-              <a:rPr lang="zh-CN" altLang="en-US" sz="2000" dirty="0" smtClean="0">
-                <a:solidFill>
-                  <a:srgbClr val="FF9300"/>
-                </a:solidFill>
-                <a:latin typeface="Microsoft YaHei" panose="020B0503020204020204" pitchFamily="34" charset="-122"/>
-                <a:ea typeface="Microsoft YaHei" panose="020B0503020204020204" pitchFamily="34" charset="-122"/>
-              </a:rPr>
-              <a:t>进行</a:t>
-            </a:r>
-            <a:r>
-              <a:rPr lang="zh-CN" altLang="en-US" sz="2000" dirty="0" smtClean="0">
-                <a:solidFill>
-                  <a:srgbClr val="FF9300"/>
-                </a:solidFill>
-                <a:latin typeface="Microsoft YaHei" panose="020B0503020204020204" pitchFamily="34" charset="-122"/>
-                <a:ea typeface="Microsoft YaHei" panose="020B0503020204020204" pitchFamily="34" charset="-122"/>
-              </a:rPr>
-              <a:t>定义</a:t>
             </a:r>
             <a:r>
               <a:rPr lang="zh-CN" altLang="en-US" sz="2000" dirty="0">
@@ -9039,21 +8834,17 @@
                 <a:latin typeface="Microsoft YaHei" panose="020B0503020204020204" pitchFamily="34" charset="-122"/>
                 <a:ea typeface="Microsoft YaHei" panose="020B0503020204020204" pitchFamily="34" charset="-122"/>
               </a:rPr>
-              <a:t>，</a:t>
-            </a:r>
-            <a:r>
-              <a:rPr lang="zh-CN" altLang="en-US" sz="2000" dirty="0" smtClean="0">
-                <a:latin typeface="Microsoft YaHei" panose="020B0503020204020204" pitchFamily="34" charset="-122"/>
-                <a:ea typeface="Microsoft YaHei" panose="020B0503020204020204" pitchFamily="34" charset="-122"/>
-              </a:rPr>
-              <a:t>设定</a:t>
-            </a:r>
-            <a:r>
-              <a:rPr lang="zh-CN" altLang="en-US" sz="2000" dirty="0">
-                <a:latin typeface="Microsoft YaHei" panose="020B0503020204020204" pitchFamily="34" charset="-122"/>
-                <a:ea typeface="Microsoft YaHei" panose="020B0503020204020204" pitchFamily="34" charset="-122"/>
-              </a:rPr>
-              <a:t>样式的语法是 </a:t>
+              <a:t>前缀</a:t>
+            </a:r>
+            <a:r>
+              <a:rPr lang="en-US" altLang="zh-CN" sz="2000" dirty="0">
+                <a:solidFill>
+                  <a:srgbClr val="FF9300"/>
+                </a:solidFill>
+                <a:latin typeface="Microsoft YaHei" panose="020B0503020204020204" pitchFamily="34" charset="-122"/>
+                <a:ea typeface="Microsoft YaHei" panose="020B0503020204020204" pitchFamily="34" charset="-122"/>
+              </a:rPr>
+              <a:t>-</a:t>
             </a:r>
             <a:r>
               <a:rPr lang="en-US" altLang="zh-CN" sz="2000" dirty="0" err="1">
@@ -9063,6 +8854,33 @@
                 <a:latin typeface="Microsoft YaHei" panose="020B0503020204020204" pitchFamily="34" charset="-122"/>
                 <a:ea typeface="Microsoft YaHei" panose="020B0503020204020204" pitchFamily="34" charset="-122"/>
               </a:rPr>
+              <a:t>fx</a:t>
+            </a:r>
+            <a:r>
+              <a:rPr lang="zh-CN" altLang="en-US" sz="2000" dirty="0">
+                <a:solidFill>
+                  <a:srgbClr val="FF9300"/>
+                </a:solidFill>
+                <a:latin typeface="Microsoft YaHei" panose="020B0503020204020204" pitchFamily="34" charset="-122"/>
+                <a:ea typeface="Microsoft YaHei" panose="020B0503020204020204" pitchFamily="34" charset="-122"/>
+              </a:rPr>
+              <a:t>进行定义，</a:t>
+            </a:r>
+            <a:r>
+              <a:rPr lang="zh-CN" altLang="en-US" sz="2000" dirty="0">
+                <a:latin typeface="Microsoft YaHei" panose="020B0503020204020204" pitchFamily="34" charset="-122"/>
+                <a:ea typeface="Microsoft YaHei" panose="020B0503020204020204" pitchFamily="34" charset="-122"/>
+              </a:rPr>
+              <a:t>设定样式的语法是 </a:t>
+            </a:r>
+            <a:r>
+              <a:rPr lang="en-US" altLang="zh-CN" sz="2000" dirty="0" err="1">
+                <a:solidFill>
+                  <a:srgbClr val="FF9300"/>
+                </a:solidFill>
+                <a:latin typeface="Microsoft YaHei" panose="020B0503020204020204" pitchFamily="34" charset="-122"/>
+                <a:ea typeface="Microsoft YaHei" panose="020B0503020204020204" pitchFamily="34" charset="-122"/>
+              </a:rPr>
               <a:t>styleName:value</a:t>
             </a:r>
             <a:r>
@@ -9070,14 +8888,7 @@
                 <a:latin typeface="Microsoft YaHei" panose="020B0503020204020204" pitchFamily="34" charset="-122"/>
                 <a:ea typeface="Microsoft YaHei" panose="020B0503020204020204" pitchFamily="34" charset="-122"/>
               </a:rPr>
-              <a:t>。一个节点的多个样式属性可以一起设置，通过分 </a:t>
-            </a:r>
-            <a:r>
-              <a:rPr lang="zh-CN" altLang="en-US" sz="2000" dirty="0" smtClean="0">
-                <a:latin typeface="Microsoft YaHei" panose="020B0503020204020204" pitchFamily="34" charset="-122"/>
-                <a:ea typeface="Microsoft YaHei" panose="020B0503020204020204" pitchFamily="34" charset="-122"/>
-              </a:rPr>
-              <a:t>号</a:t>
+              <a:t>。一个节点的多个样式属性可以一起设置，通过分 号</a:t>
             </a:r>
             <a:r>
               <a:rPr lang="en-US" altLang="zh-CN" sz="2000" dirty="0">
@@ -9196,28 +9007,28 @@
               </a:lnSpc>
             </a:pPr>
             <a:r>
-              <a:rPr lang="en-US" altLang="zh-CN" sz="2000" dirty="0" smtClean="0">
+              <a:rPr lang="en-US" altLang="zh-CN" sz="2000" dirty="0">
                 <a:latin typeface="Microsoft YaHei" panose="020B0503020204020204" pitchFamily="34" charset="-122"/>
                 <a:ea typeface="Microsoft YaHei" panose="020B0503020204020204" pitchFamily="34" charset="-122"/>
               </a:rPr>
               <a:t>	</a:t>
             </a:r>
             <a:r>
-              <a:rPr lang="en-US" altLang="zh-CN" sz="2000" dirty="0" err="1" smtClean="0">
+              <a:rPr lang="en-US" altLang="zh-CN" sz="2000" dirty="0" err="1">
                 <a:latin typeface="Microsoft YaHei" panose="020B0503020204020204" pitchFamily="34" charset="-122"/>
                 <a:ea typeface="Microsoft YaHei" panose="020B0503020204020204" pitchFamily="34" charset="-122"/>
               </a:rPr>
               <a:t>circle.setStroke</a:t>
             </a:r>
             <a:r>
-              <a:rPr lang="en-US" altLang="zh-CN" sz="2000" dirty="0" smtClean="0">
+              <a:rPr lang="en-US" altLang="zh-CN" sz="2000" dirty="0">
                 <a:latin typeface="Microsoft YaHei" panose="020B0503020204020204" pitchFamily="34" charset="-122"/>
                 <a:ea typeface="Microsoft YaHei" panose="020B0503020204020204" pitchFamily="34" charset="-122"/>
               </a:rPr>
               <a:t>(</a:t>
             </a:r>
             <a:r>
-              <a:rPr lang="en-US" altLang="zh-CN" sz="2000" dirty="0" err="1" smtClean="0">
+              <a:rPr lang="en-US" altLang="zh-CN" sz="2000" dirty="0" err="1">
                 <a:latin typeface="Microsoft YaHei" panose="020B0503020204020204" pitchFamily="34" charset="-122"/>
                 <a:ea typeface="Microsoft YaHei" panose="020B0503020204020204" pitchFamily="34" charset="-122"/>
               </a:rPr>
@@ -9238,28 +9049,28 @@
               </a:lnSpc>
             </a:pPr>
             <a:r>
-              <a:rPr lang="en-US" altLang="zh-CN" sz="2000" dirty="0" smtClean="0">
+              <a:rPr lang="en-US" altLang="zh-CN" sz="2000" dirty="0">
                 <a:latin typeface="Microsoft YaHei" panose="020B0503020204020204" pitchFamily="34" charset="-122"/>
                 <a:ea typeface="Microsoft YaHei" panose="020B0503020204020204" pitchFamily="34" charset="-122"/>
               </a:rPr>
               <a:t>	</a:t>
             </a:r>
             <a:r>
-              <a:rPr lang="en-US" altLang="zh-CN" sz="2000" dirty="0" err="1" smtClean="0">
+              <a:rPr lang="en-US" altLang="zh-CN" sz="2000" dirty="0" err="1">
                 <a:latin typeface="Microsoft YaHei" panose="020B0503020204020204" pitchFamily="34" charset="-122"/>
                 <a:ea typeface="Microsoft YaHei" panose="020B0503020204020204" pitchFamily="34" charset="-122"/>
               </a:rPr>
               <a:t>circle.setFill</a:t>
             </a:r>
             <a:r>
-              <a:rPr lang="en-US" altLang="zh-CN" sz="2000" dirty="0" smtClean="0">
+              <a:rPr lang="en-US" altLang="zh-CN" sz="2000" dirty="0">
                 <a:latin typeface="Microsoft YaHei" panose="020B0503020204020204" pitchFamily="34" charset="-122"/>
                 <a:ea typeface="Microsoft YaHei" panose="020B0503020204020204" pitchFamily="34" charset="-122"/>
               </a:rPr>
               <a:t>(</a:t>
             </a:r>
             <a:r>
-              <a:rPr lang="en-US" altLang="zh-CN" sz="2000" dirty="0" err="1" smtClean="0">
+              <a:rPr lang="en-US" altLang="zh-CN" sz="2000" dirty="0" err="1">
                 <a:latin typeface="Microsoft YaHei" panose="020B0503020204020204" pitchFamily="34" charset="-122"/>
                 <a:ea typeface="Microsoft YaHei" panose="020B0503020204020204" pitchFamily="34" charset="-122"/>
               </a:rPr>
@@ -9321,7 +9132,7 @@
     </p:spTree>
     <p:extLst>
       <p:ext uri="{BB962C8B-B14F-4D97-AF65-F5344CB8AC3E}">
-        <p14:creationId xmlns:p14="http://schemas.microsoft.com/office/powerpoint/2010/main" xmlns="" val="1595146130"/>
+        <p14:creationId xmlns:p14="http://schemas.microsoft.com/office/powerpoint/2010/main" val="1595146130"/>
       </p:ext>
     </p:extLst>
   </p:cSld>
@@ -9440,7 +9251,7 @@
           <p:cNvPr id="2" name="文本框 1">
             <a:extLst>
               <a:ext uri="{FF2B5EF4-FFF2-40B4-BE49-F238E27FC236}">
-                <a16:creationId xmlns:a16="http://schemas.microsoft.com/office/drawing/2014/main" xmlns="" id="{12AA8BCC-7B15-4842-80C2-48C079429338}"/>
+                <a16:creationId xmlns:a16="http://schemas.microsoft.com/office/drawing/2014/main" id="{12AA8BCC-7B15-4842-80C2-48C079429338}"/>
               </a:ext>
             </a:extLst>
           </p:cNvPr>
@@ -9465,14 +9276,14 @@
           <a:p>
             <a:pPr algn="ctr"/>
             <a:r>
-              <a:rPr kumimoji="1" lang="en-US" altLang="zh-CN" sz="4800" dirty="0" smtClean="0">
+              <a:rPr kumimoji="1" lang="en-US" altLang="zh-CN" sz="4800" dirty="0">
                 <a:latin typeface="Microsoft YaHei" panose="020B0503020204020204" pitchFamily="34" charset="-122"/>
                 <a:ea typeface="Microsoft YaHei" panose="020B0503020204020204" pitchFamily="34" charset="-122"/>
               </a:rPr>
               <a:t>7.1</a:t>
             </a:r>
             <a:r>
-              <a:rPr kumimoji="1" lang="zh-CN" altLang="en-US" sz="4800" dirty="0" smtClean="0">
+              <a:rPr kumimoji="1" lang="zh-CN" altLang="en-US" sz="4800" dirty="0">
                 <a:latin typeface="Microsoft YaHei" panose="020B0503020204020204" pitchFamily="34" charset="-122"/>
                 <a:ea typeface="Microsoft YaHei" panose="020B0503020204020204" pitchFamily="34" charset="-122"/>
               </a:rPr>
@@ -9503,7 +9314,7 @@
           <p:cNvPr id="13" name="文本框 12">
             <a:extLst>
               <a:ext uri="{FF2B5EF4-FFF2-40B4-BE49-F238E27FC236}">
-                <a16:creationId xmlns:a16="http://schemas.microsoft.com/office/drawing/2014/main" xmlns="" id="{8E054F89-5FA8-2F47-8710-58E04A67980C}"/>
+                <a16:creationId xmlns:a16="http://schemas.microsoft.com/office/drawing/2014/main" id="{8E054F89-5FA8-2F47-8710-58E04A67980C}"/>
               </a:ext>
             </a:extLst>
           </p:cNvPr>
@@ -9532,20 +9343,20 @@
               </a:lnSpc>
             </a:pPr>
             <a:r>
-              <a:rPr lang="en-US" altLang="zh-CN" sz="2400" dirty="0" smtClean="0">
+              <a:rPr lang="en-US" altLang="zh-CN" sz="2400" dirty="0">
                 <a:latin typeface="Microsoft YaHei" panose="020B0503020204020204" pitchFamily="34" charset="-122"/>
                 <a:ea typeface="Microsoft YaHei" panose="020B0503020204020204" pitchFamily="34" charset="-122"/>
               </a:rPr>
               <a:t>Color</a:t>
             </a:r>
             <a:r>
-              <a:rPr lang="zh-CN" altLang="en-US" sz="2400" dirty="0" smtClean="0">
+              <a:rPr lang="zh-CN" altLang="en-US" sz="2400" dirty="0">
                 <a:latin typeface="Microsoft YaHei" panose="020B0503020204020204" pitchFamily="34" charset="-122"/>
                 <a:ea typeface="Microsoft YaHei" panose="020B0503020204020204" pitchFamily="34" charset="-122"/>
               </a:rPr>
               <a:t>类可以创建颜色</a:t>
             </a:r>
-            <a:endParaRPr lang="en-US" altLang="zh-CN" sz="2400" dirty="0" smtClean="0">
+            <a:endParaRPr lang="en-US" altLang="zh-CN" sz="2400" dirty="0">
               <a:latin typeface="Microsoft YaHei" panose="020B0503020204020204" pitchFamily="34" charset="-122"/>
               <a:ea typeface="Microsoft YaHei" panose="020B0503020204020204" pitchFamily="34" charset="-122"/>
             </a:endParaRPr>
@@ -9557,14 +9368,14 @@
               </a:lnSpc>
             </a:pPr>
             <a:r>
-              <a:rPr lang="zh-CN" altLang="en-US" sz="2400" dirty="0" smtClean="0">
+              <a:rPr lang="zh-CN" altLang="en-US" sz="2400" dirty="0">
                 <a:latin typeface="Microsoft YaHei" panose="020B0503020204020204" pitchFamily="34" charset="-122"/>
                 <a:ea typeface="Microsoft YaHei" panose="020B0503020204020204" pitchFamily="34" charset="-122"/>
               </a:rPr>
               <a:t>任意一种颜色都可以从三原色调色产生，也就是 </a:t>
             </a:r>
             <a:r>
-              <a:rPr lang="en-US" altLang="zh-CN" sz="2400" dirty="0" smtClean="0">
+              <a:rPr lang="en-US" altLang="zh-CN" sz="2400" dirty="0">
                 <a:solidFill>
                   <a:srgbClr val="FF0000"/>
                 </a:solidFill>
@@ -9574,7 +9385,7 @@
               <a:t>R</a:t>
             </a:r>
             <a:r>
-              <a:rPr lang="en-US" altLang="zh-CN" sz="2400" dirty="0" smtClean="0">
+              <a:rPr lang="en-US" altLang="zh-CN" sz="2400" dirty="0">
                 <a:solidFill>
                   <a:srgbClr val="00B050"/>
                 </a:solidFill>
@@ -9584,7 +9395,7 @@
               <a:t>G</a:t>
             </a:r>
             <a:r>
-              <a:rPr lang="en-US" altLang="zh-CN" sz="2400" dirty="0" smtClean="0">
+              <a:rPr lang="en-US" altLang="zh-CN" sz="2400" dirty="0">
                 <a:solidFill>
                   <a:srgbClr val="0070C0"/>
                 </a:solidFill>
@@ -9594,7 +9405,7 @@
               <a:t>B</a:t>
             </a:r>
             <a:r>
-              <a:rPr lang="zh-CN" altLang="en-US" sz="2400" dirty="0" smtClean="0">
+              <a:rPr lang="zh-CN" altLang="en-US" sz="2400" dirty="0">
                 <a:solidFill>
                   <a:srgbClr val="0070C0"/>
                 </a:solidFill>
@@ -9604,41 +9415,41 @@
               <a:t>，</a:t>
             </a:r>
             <a:r>
-              <a:rPr lang="zh-CN" altLang="en-US" sz="2400" dirty="0" smtClean="0">
+              <a:rPr lang="zh-CN" altLang="en-US" sz="2400" dirty="0">
                 <a:latin typeface="Microsoft YaHei" panose="020B0503020204020204" pitchFamily="34" charset="-122"/>
                 <a:ea typeface="Microsoft YaHei" panose="020B0503020204020204" pitchFamily="34" charset="-122"/>
               </a:rPr>
               <a:t>再加上一个透明度</a:t>
             </a:r>
             <a:r>
-              <a:rPr lang="en-US" altLang="zh-CN" sz="2400" dirty="0" smtClean="0">
+              <a:rPr lang="en-US" altLang="zh-CN" sz="2400" dirty="0">
                 <a:latin typeface="Microsoft YaHei" panose="020B0503020204020204" pitchFamily="34" charset="-122"/>
                 <a:ea typeface="Microsoft YaHei" panose="020B0503020204020204" pitchFamily="34" charset="-122"/>
               </a:rPr>
               <a:t>opacity</a:t>
             </a:r>
             <a:r>
-              <a:rPr lang="zh-CN" altLang="en-US" sz="2400" dirty="0" smtClean="0">
+              <a:rPr lang="zh-CN" altLang="en-US" sz="2400" dirty="0">
                 <a:latin typeface="Microsoft YaHei" panose="020B0503020204020204" pitchFamily="34" charset="-122"/>
                 <a:ea typeface="Microsoft YaHei" panose="020B0503020204020204" pitchFamily="34" charset="-122"/>
               </a:rPr>
               <a:t>，就形成了一个完整的颜色数值。</a:t>
             </a:r>
             <a:r>
-              <a:rPr lang="en-US" altLang="zh-CN" sz="2400" dirty="0" smtClean="0">
+              <a:rPr lang="en-US" altLang="zh-CN" sz="2400" dirty="0">
                 <a:latin typeface="Microsoft YaHei" panose="020B0503020204020204" pitchFamily="34" charset="-122"/>
                 <a:ea typeface="Microsoft YaHei" panose="020B0503020204020204" pitchFamily="34" charset="-122"/>
               </a:rPr>
               <a:t>Color</a:t>
             </a:r>
             <a:r>
-              <a:rPr lang="zh-CN" altLang="en-US" sz="2400" dirty="0" smtClean="0">
+              <a:rPr lang="zh-CN" altLang="en-US" sz="2400" dirty="0">
                 <a:latin typeface="Microsoft YaHei" panose="020B0503020204020204" pitchFamily="34" charset="-122"/>
                 <a:ea typeface="Microsoft YaHei" panose="020B0503020204020204" pitchFamily="34" charset="-122"/>
               </a:rPr>
               <a:t>对象的其中一个构造方法如下：</a:t>
             </a:r>
-            <a:endParaRPr lang="en-US" altLang="zh-CN" sz="2400" dirty="0" smtClean="0">
+            <a:endParaRPr lang="en-US" altLang="zh-CN" sz="2400" dirty="0">
               <a:latin typeface="Microsoft YaHei" panose="020B0503020204020204" pitchFamily="34" charset="-122"/>
               <a:ea typeface="Microsoft YaHei" panose="020B0503020204020204" pitchFamily="34" charset="-122"/>
             </a:endParaRPr>
@@ -9650,60 +9461,39 @@
               </a:lnSpc>
             </a:pPr>
             <a:r>
-              <a:rPr lang="en-US" altLang="zh-CN" sz="2400" dirty="0" smtClean="0">
-                <a:latin typeface="Microsoft YaHei" panose="020B0503020204020204" pitchFamily="34" charset="-122"/>
-                <a:ea typeface="Microsoft YaHei" panose="020B0503020204020204" pitchFamily="34" charset="-122"/>
-              </a:rPr>
-              <a:t> </a:t>
-            </a:r>
-            <a:r>
-              <a:rPr lang="en-US" altLang="zh-CN" sz="2400" dirty="0" smtClean="0">
-                <a:latin typeface="Microsoft YaHei" panose="020B0503020204020204" pitchFamily="34" charset="-122"/>
-                <a:ea typeface="Microsoft YaHei" panose="020B0503020204020204" pitchFamily="34" charset="-122"/>
-              </a:rPr>
-              <a:t>Color(doub1e r, double g </a:t>
-            </a:r>
-            <a:r>
-              <a:rPr lang="zh-CN" altLang="en-US" sz="2400" dirty="0" smtClean="0">
+              <a:rPr lang="en-US" altLang="zh-CN" sz="2400" dirty="0">
+                <a:latin typeface="Microsoft YaHei" panose="020B0503020204020204" pitchFamily="34" charset="-122"/>
+                <a:ea typeface="Microsoft YaHei" panose="020B0503020204020204" pitchFamily="34" charset="-122"/>
+              </a:rPr>
+              <a:t> Color(doub1e r, double g </a:t>
+            </a:r>
+            <a:r>
+              <a:rPr lang="zh-CN" altLang="en-US" sz="2400" dirty="0">
                 <a:latin typeface="Microsoft YaHei" panose="020B0503020204020204" pitchFamily="34" charset="-122"/>
                 <a:ea typeface="Microsoft YaHei" panose="020B0503020204020204" pitchFamily="34" charset="-122"/>
               </a:rPr>
               <a:t>，</a:t>
             </a:r>
             <a:r>
-              <a:rPr lang="en-US" altLang="zh-CN" sz="2400" dirty="0" smtClean="0">
+              <a:rPr lang="en-US" altLang="zh-CN" sz="2400" dirty="0">
                 <a:latin typeface="Microsoft YaHei" panose="020B0503020204020204" pitchFamily="34" charset="-122"/>
                 <a:ea typeface="Microsoft YaHei" panose="020B0503020204020204" pitchFamily="34" charset="-122"/>
               </a:rPr>
               <a:t>double b</a:t>
             </a:r>
             <a:r>
-              <a:rPr lang="zh-CN" altLang="en-US" sz="2400" dirty="0" smtClean="0">
+              <a:rPr lang="zh-CN" altLang="en-US" sz="2400" dirty="0">
                 <a:latin typeface="Microsoft YaHei" panose="020B0503020204020204" pitchFamily="34" charset="-122"/>
                 <a:ea typeface="Microsoft YaHei" panose="020B0503020204020204" pitchFamily="34" charset="-122"/>
               </a:rPr>
               <a:t>，</a:t>
             </a:r>
             <a:r>
-              <a:rPr lang="en-US" altLang="zh-CN" sz="2400" dirty="0" smtClean="0">
-                <a:latin typeface="Microsoft YaHei" panose="020B0503020204020204" pitchFamily="34" charset="-122"/>
-                <a:ea typeface="Microsoft YaHei" panose="020B0503020204020204" pitchFamily="34" charset="-122"/>
-              </a:rPr>
-              <a:t>double </a:t>
-            </a:r>
-            <a:r>
-              <a:rPr lang="en-US" altLang="zh-CN" sz="2400" dirty="0" smtClean="0">
-                <a:latin typeface="Microsoft YaHei" panose="020B0503020204020204" pitchFamily="34" charset="-122"/>
-                <a:ea typeface="Microsoft YaHei" panose="020B0503020204020204" pitchFamily="34" charset="-122"/>
-              </a:rPr>
-              <a:t>opacity</a:t>
-            </a:r>
-            <a:r>
-              <a:rPr lang="en-US" altLang="zh-CN" sz="2400" dirty="0" smtClean="0">
-                <a:latin typeface="Microsoft YaHei" panose="020B0503020204020204" pitchFamily="34" charset="-122"/>
-                <a:ea typeface="Microsoft YaHei" panose="020B0503020204020204" pitchFamily="34" charset="-122"/>
-              </a:rPr>
-              <a:t>);</a:t>
+              <a:rPr lang="en-US" altLang="zh-CN" sz="2400" dirty="0">
+                <a:latin typeface="Microsoft YaHei" panose="020B0503020204020204" pitchFamily="34" charset="-122"/>
+                <a:ea typeface="Microsoft YaHei" panose="020B0503020204020204" pitchFamily="34" charset="-122"/>
+              </a:rPr>
+              <a:t>double opacity);</a:t>
             </a:r>
           </a:p>
           <a:p>
@@ -9713,41 +9503,41 @@
               </a:lnSpc>
             </a:pPr>
             <a:r>
-              <a:rPr lang="zh-CN" altLang="en-US" sz="2400" dirty="0" smtClean="0">
+              <a:rPr lang="zh-CN" altLang="en-US" sz="2400" dirty="0">
                 <a:latin typeface="Microsoft YaHei" panose="020B0503020204020204" pitchFamily="34" charset="-122"/>
                 <a:ea typeface="Microsoft YaHei" panose="020B0503020204020204" pitchFamily="34" charset="-122"/>
               </a:rPr>
               <a:t>大家可以上网搜</a:t>
             </a:r>
             <a:r>
-              <a:rPr lang="en-US" altLang="zh-CN" sz="2400" dirty="0" err="1" smtClean="0">
+              <a:rPr lang="en-US" altLang="zh-CN" sz="2400" dirty="0" err="1">
                 <a:latin typeface="Microsoft YaHei" panose="020B0503020204020204" pitchFamily="34" charset="-122"/>
                 <a:ea typeface="Microsoft YaHei" panose="020B0503020204020204" pitchFamily="34" charset="-122"/>
               </a:rPr>
               <a:t>rgb</a:t>
             </a:r>
             <a:r>
-              <a:rPr lang="zh-CN" altLang="en-US" sz="2400" dirty="0" smtClean="0">
+              <a:rPr lang="zh-CN" altLang="en-US" sz="2400" dirty="0">
                 <a:latin typeface="Microsoft YaHei" panose="020B0503020204020204" pitchFamily="34" charset="-122"/>
                 <a:ea typeface="Microsoft YaHei" panose="020B0503020204020204" pitchFamily="34" charset="-122"/>
               </a:rPr>
               <a:t>转换工具感受一下，或者</a:t>
             </a:r>
             <a:r>
-              <a:rPr lang="en-US" altLang="zh-CN" sz="2400" dirty="0" err="1" smtClean="0">
+              <a:rPr lang="en-US" altLang="zh-CN" sz="2400" dirty="0" err="1">
                 <a:latin typeface="Microsoft YaHei" panose="020B0503020204020204" pitchFamily="34" charset="-122"/>
                 <a:ea typeface="Microsoft YaHei" panose="020B0503020204020204" pitchFamily="34" charset="-122"/>
               </a:rPr>
               <a:t>ppt</a:t>
             </a:r>
             <a:r>
-              <a:rPr lang="zh-CN" altLang="en-US" sz="2400" dirty="0" smtClean="0">
+              <a:rPr lang="zh-CN" altLang="en-US" sz="2400" dirty="0">
                 <a:latin typeface="Microsoft YaHei" panose="020B0503020204020204" pitchFamily="34" charset="-122"/>
                 <a:ea typeface="Microsoft YaHei" panose="020B0503020204020204" pitchFamily="34" charset="-122"/>
               </a:rPr>
               <a:t>里面的颜色工具。比如</a:t>
             </a:r>
-            <a:endParaRPr lang="en-US" altLang="zh-CN" sz="2400" dirty="0" smtClean="0">
+            <a:endParaRPr lang="en-US" altLang="zh-CN" sz="2400" dirty="0">
               <a:latin typeface="Microsoft YaHei" panose="020B0503020204020204" pitchFamily="34" charset="-122"/>
               <a:ea typeface="Microsoft YaHei" panose="020B0503020204020204" pitchFamily="34" charset="-122"/>
             </a:endParaRPr>
@@ -9759,12 +9549,12 @@
               </a:lnSpc>
             </a:pPr>
             <a:r>
-              <a:rPr lang="en-US" sz="2400" dirty="0" smtClean="0">
+              <a:rPr lang="en-US" sz="2400" dirty="0">
                 <a:hlinkClick r:id="rId4"/>
               </a:rPr>
               <a:t>https://c.runoob.com/front-end/55</a:t>
             </a:r>
-            <a:endParaRPr lang="en-US" altLang="zh-CN" sz="2400" dirty="0" smtClean="0">
+            <a:endParaRPr lang="en-US" altLang="zh-CN" sz="2400" dirty="0">
               <a:latin typeface="Microsoft YaHei" panose="020B0503020204020204" pitchFamily="34" charset="-122"/>
               <a:ea typeface="Microsoft YaHei" panose="020B0503020204020204" pitchFamily="34" charset="-122"/>
             </a:endParaRPr>
@@ -9785,7 +9575,7 @@
     </p:spTree>
     <p:extLst>
       <p:ext uri="{BB962C8B-B14F-4D97-AF65-F5344CB8AC3E}">
-        <p14:creationId xmlns:p14="http://schemas.microsoft.com/office/powerpoint/2010/main" xmlns="" val="3902024920"/>
+        <p14:creationId xmlns:p14="http://schemas.microsoft.com/office/powerpoint/2010/main" val="3902024920"/>
       </p:ext>
     </p:extLst>
   </p:cSld>
@@ -9904,7 +9694,7 @@
           <p:cNvPr id="2" name="文本框 1">
             <a:extLst>
               <a:ext uri="{FF2B5EF4-FFF2-40B4-BE49-F238E27FC236}">
-                <a16:creationId xmlns:a16="http://schemas.microsoft.com/office/drawing/2014/main" xmlns="" id="{12AA8BCC-7B15-4842-80C2-48C079429338}"/>
+                <a16:creationId xmlns:a16="http://schemas.microsoft.com/office/drawing/2014/main" id="{12AA8BCC-7B15-4842-80C2-48C079429338}"/>
               </a:ext>
             </a:extLst>
           </p:cNvPr>
@@ -9943,21 +9733,21 @@
               <a:t> </a:t>
             </a:r>
             <a:r>
-              <a:rPr kumimoji="1" lang="en-US" altLang="zh-CN" sz="4800" dirty="0" smtClean="0">
+              <a:rPr kumimoji="1" lang="en-US" altLang="zh-CN" sz="4800" dirty="0">
                 <a:latin typeface="Microsoft YaHei" panose="020B0503020204020204" pitchFamily="34" charset="-122"/>
                 <a:ea typeface="Microsoft YaHei" panose="020B0503020204020204" pitchFamily="34" charset="-122"/>
               </a:rPr>
               <a:t>2  </a:t>
             </a:r>
             <a:r>
-              <a:rPr kumimoji="1" lang="zh-CN" altLang="en-US" sz="4800" dirty="0" smtClean="0">
+              <a:rPr kumimoji="1" lang="zh-CN" altLang="en-US" sz="4800" dirty="0">
                 <a:latin typeface="Microsoft YaHei" panose="020B0503020204020204" pitchFamily="34" charset="-122"/>
                 <a:ea typeface="Microsoft YaHei" panose="020B0503020204020204" pitchFamily="34" charset="-122"/>
               </a:rPr>
               <a:t>已定义的</a:t>
             </a:r>
             <a:r>
-              <a:rPr kumimoji="1" lang="en-US" altLang="zh-CN" sz="4800" dirty="0" smtClean="0">
+              <a:rPr kumimoji="1" lang="en-US" altLang="zh-CN" sz="4800" dirty="0">
                 <a:latin typeface="Microsoft YaHei" panose="020B0503020204020204" pitchFamily="34" charset="-122"/>
                 <a:ea typeface="Microsoft YaHei" panose="020B0503020204020204" pitchFamily="34" charset="-122"/>
               </a:rPr>
@@ -9981,7 +9771,7 @@
           <p:cNvPr id="13" name="文本框 12">
             <a:extLst>
               <a:ext uri="{FF2B5EF4-FFF2-40B4-BE49-F238E27FC236}">
-                <a16:creationId xmlns:a16="http://schemas.microsoft.com/office/drawing/2014/main" xmlns="" id="{8E054F89-5FA8-2F47-8710-58E04A67980C}"/>
+                <a16:creationId xmlns:a16="http://schemas.microsoft.com/office/drawing/2014/main" id="{8E054F89-5FA8-2F47-8710-58E04A67980C}"/>
               </a:ext>
             </a:extLst>
           </p:cNvPr>
@@ -10010,245 +9800,245 @@
               </a:lnSpc>
             </a:pPr>
             <a:r>
-              <a:rPr lang="zh-CN" altLang="en-US" sz="2400" dirty="0" smtClean="0">
+              <a:rPr lang="zh-CN" altLang="en-US" sz="2400" dirty="0">
                 <a:latin typeface="Microsoft YaHei" panose="020B0503020204020204" pitchFamily="34" charset="-122"/>
                 <a:ea typeface="Microsoft YaHei" panose="020B0503020204020204" pitchFamily="34" charset="-122"/>
               </a:rPr>
               <a:t>语言包中已经给大家定义了一些常用的颜色如 </a:t>
             </a:r>
             <a:r>
-              <a:rPr lang="en-US" altLang="zh-CN" sz="2400" dirty="0" smtClean="0">
+              <a:rPr lang="en-US" altLang="zh-CN" sz="2400" dirty="0">
                 <a:latin typeface="Microsoft YaHei" panose="020B0503020204020204" pitchFamily="34" charset="-122"/>
                 <a:ea typeface="Microsoft YaHei" panose="020B0503020204020204" pitchFamily="34" charset="-122"/>
               </a:rPr>
               <a:t>BEIGE</a:t>
             </a:r>
             <a:r>
-              <a:rPr lang="zh-CN" altLang="en-US" sz="2400" dirty="0" smtClean="0">
+              <a:rPr lang="zh-CN" altLang="en-US" sz="2400" dirty="0">
                 <a:latin typeface="Microsoft YaHei" panose="020B0503020204020204" pitchFamily="34" charset="-122"/>
                 <a:ea typeface="Microsoft YaHei" panose="020B0503020204020204" pitchFamily="34" charset="-122"/>
               </a:rPr>
               <a:t>、</a:t>
             </a:r>
             <a:r>
-              <a:rPr lang="en-US" altLang="zh-CN" sz="2400" dirty="0" smtClean="0">
+              <a:rPr lang="en-US" altLang="zh-CN" sz="2400" dirty="0">
                 <a:latin typeface="Microsoft YaHei" panose="020B0503020204020204" pitchFamily="34" charset="-122"/>
                 <a:ea typeface="Microsoft YaHei" panose="020B0503020204020204" pitchFamily="34" charset="-122"/>
               </a:rPr>
               <a:t>BLACK</a:t>
             </a:r>
             <a:r>
-              <a:rPr lang="zh-CN" altLang="en-US" sz="2400" dirty="0" smtClean="0">
+              <a:rPr lang="zh-CN" altLang="en-US" sz="2400" dirty="0">
                 <a:latin typeface="Microsoft YaHei" panose="020B0503020204020204" pitchFamily="34" charset="-122"/>
                 <a:ea typeface="Microsoft YaHei" panose="020B0503020204020204" pitchFamily="34" charset="-122"/>
               </a:rPr>
               <a:t>、 </a:t>
             </a:r>
             <a:r>
-              <a:rPr lang="en-US" altLang="zh-CN" sz="2400" dirty="0" smtClean="0">
+              <a:rPr lang="en-US" altLang="zh-CN" sz="2400" dirty="0">
                 <a:latin typeface="Microsoft YaHei" panose="020B0503020204020204" pitchFamily="34" charset="-122"/>
                 <a:ea typeface="Microsoft YaHei" panose="020B0503020204020204" pitchFamily="34" charset="-122"/>
               </a:rPr>
               <a:t>BLUE</a:t>
             </a:r>
             <a:r>
-              <a:rPr lang="zh-CN" altLang="en-US" sz="2400" dirty="0" smtClean="0">
+              <a:rPr lang="zh-CN" altLang="en-US" sz="2400" dirty="0">
                 <a:latin typeface="Microsoft YaHei" panose="020B0503020204020204" pitchFamily="34" charset="-122"/>
                 <a:ea typeface="Microsoft YaHei" panose="020B0503020204020204" pitchFamily="34" charset="-122"/>
               </a:rPr>
               <a:t>、</a:t>
             </a:r>
             <a:r>
-              <a:rPr lang="en-US" altLang="zh-CN" sz="2400" dirty="0" smtClean="0">
+              <a:rPr lang="en-US" altLang="zh-CN" sz="2400" dirty="0">
                 <a:latin typeface="Microsoft YaHei" panose="020B0503020204020204" pitchFamily="34" charset="-122"/>
                 <a:ea typeface="Microsoft YaHei" panose="020B0503020204020204" pitchFamily="34" charset="-122"/>
               </a:rPr>
               <a:t>BROWN</a:t>
             </a:r>
             <a:r>
-              <a:rPr lang="zh-CN" altLang="en-US" sz="2400" dirty="0" smtClean="0">
+              <a:rPr lang="zh-CN" altLang="en-US" sz="2400" dirty="0">
                 <a:latin typeface="Microsoft YaHei" panose="020B0503020204020204" pitchFamily="34" charset="-122"/>
                 <a:ea typeface="Microsoft YaHei" panose="020B0503020204020204" pitchFamily="34" charset="-122"/>
               </a:rPr>
               <a:t>、</a:t>
             </a:r>
             <a:r>
-              <a:rPr lang="en-US" altLang="zh-CN" sz="2400" dirty="0" smtClean="0">
+              <a:rPr lang="en-US" altLang="zh-CN" sz="2400" dirty="0">
                 <a:latin typeface="Microsoft YaHei" panose="020B0503020204020204" pitchFamily="34" charset="-122"/>
                 <a:ea typeface="Microsoft YaHei" panose="020B0503020204020204" pitchFamily="34" charset="-122"/>
               </a:rPr>
               <a:t>CYAN</a:t>
             </a:r>
             <a:r>
-              <a:rPr lang="zh-CN" altLang="en-US" sz="2400" dirty="0" smtClean="0">
+              <a:rPr lang="zh-CN" altLang="en-US" sz="2400" dirty="0">
                 <a:latin typeface="Microsoft YaHei" panose="020B0503020204020204" pitchFamily="34" charset="-122"/>
                 <a:ea typeface="Microsoft YaHei" panose="020B0503020204020204" pitchFamily="34" charset="-122"/>
               </a:rPr>
               <a:t>、</a:t>
             </a:r>
             <a:r>
-              <a:rPr lang="en-US" altLang="zh-CN" sz="2400" dirty="0" smtClean="0">
+              <a:rPr lang="en-US" altLang="zh-CN" sz="2400" dirty="0">
                 <a:latin typeface="Microsoft YaHei" panose="020B0503020204020204" pitchFamily="34" charset="-122"/>
                 <a:ea typeface="Microsoft YaHei" panose="020B0503020204020204" pitchFamily="34" charset="-122"/>
               </a:rPr>
               <a:t>DARKGRAY, GOLD</a:t>
             </a:r>
             <a:r>
-              <a:rPr lang="zh-CN" altLang="en-US" sz="2400" dirty="0" smtClean="0">
+              <a:rPr lang="zh-CN" altLang="en-US" sz="2400" dirty="0">
                 <a:latin typeface="Microsoft YaHei" panose="020B0503020204020204" pitchFamily="34" charset="-122"/>
                 <a:ea typeface="Microsoft YaHei" panose="020B0503020204020204" pitchFamily="34" charset="-122"/>
               </a:rPr>
               <a:t>、</a:t>
             </a:r>
             <a:r>
-              <a:rPr lang="en-US" altLang="zh-CN" sz="2400" dirty="0" smtClean="0">
+              <a:rPr lang="en-US" altLang="zh-CN" sz="2400" dirty="0">
                 <a:latin typeface="Microsoft YaHei" panose="020B0503020204020204" pitchFamily="34" charset="-122"/>
                 <a:ea typeface="Microsoft YaHei" panose="020B0503020204020204" pitchFamily="34" charset="-122"/>
               </a:rPr>
               <a:t>GRAY</a:t>
             </a:r>
             <a:r>
-              <a:rPr lang="zh-CN" altLang="en-US" sz="2400" dirty="0" smtClean="0">
+              <a:rPr lang="zh-CN" altLang="en-US" sz="2400" dirty="0">
                 <a:latin typeface="Microsoft YaHei" panose="020B0503020204020204" pitchFamily="34" charset="-122"/>
                 <a:ea typeface="Microsoft YaHei" panose="020B0503020204020204" pitchFamily="34" charset="-122"/>
               </a:rPr>
               <a:t>、</a:t>
             </a:r>
             <a:r>
-              <a:rPr lang="en-US" altLang="zh-CN" sz="2400" dirty="0" smtClean="0">
+              <a:rPr lang="en-US" altLang="zh-CN" sz="2400" dirty="0">
                 <a:latin typeface="Microsoft YaHei" panose="020B0503020204020204" pitchFamily="34" charset="-122"/>
                 <a:ea typeface="Microsoft YaHei" panose="020B0503020204020204" pitchFamily="34" charset="-122"/>
               </a:rPr>
               <a:t>GREEN</a:t>
             </a:r>
             <a:r>
-              <a:rPr lang="zh-CN" altLang="en-US" sz="2400" dirty="0" smtClean="0">
+              <a:rPr lang="zh-CN" altLang="en-US" sz="2400" dirty="0">
                 <a:latin typeface="Microsoft YaHei" panose="020B0503020204020204" pitchFamily="34" charset="-122"/>
                 <a:ea typeface="Microsoft YaHei" panose="020B0503020204020204" pitchFamily="34" charset="-122"/>
               </a:rPr>
               <a:t>、</a:t>
             </a:r>
             <a:r>
-              <a:rPr lang="en-US" altLang="zh-CN" sz="2400" dirty="0" smtClean="0">
+              <a:rPr lang="en-US" altLang="zh-CN" sz="2400" dirty="0">
                 <a:latin typeface="Microsoft YaHei" panose="020B0503020204020204" pitchFamily="34" charset="-122"/>
                 <a:ea typeface="Microsoft YaHei" panose="020B0503020204020204" pitchFamily="34" charset="-122"/>
               </a:rPr>
               <a:t>LIGHTGRAY</a:t>
             </a:r>
             <a:r>
-              <a:rPr lang="zh-CN" altLang="en-US" sz="2400" dirty="0" smtClean="0">
+              <a:rPr lang="zh-CN" altLang="en-US" sz="2400" dirty="0">
                 <a:latin typeface="Microsoft YaHei" panose="020B0503020204020204" pitchFamily="34" charset="-122"/>
                 <a:ea typeface="Microsoft YaHei" panose="020B0503020204020204" pitchFamily="34" charset="-122"/>
               </a:rPr>
               <a:t>、</a:t>
             </a:r>
             <a:r>
-              <a:rPr lang="en-US" altLang="zh-CN" sz="2400" dirty="0" smtClean="0">
+              <a:rPr lang="en-US" altLang="zh-CN" sz="2400" dirty="0">
                 <a:latin typeface="Microsoft YaHei" panose="020B0503020204020204" pitchFamily="34" charset="-122"/>
                 <a:ea typeface="Microsoft YaHei" panose="020B0503020204020204" pitchFamily="34" charset="-122"/>
               </a:rPr>
               <a:t>MAGENTA</a:t>
             </a:r>
             <a:r>
-              <a:rPr lang="zh-CN" altLang="en-US" sz="2400" dirty="0" smtClean="0">
+              <a:rPr lang="zh-CN" altLang="en-US" sz="2400" dirty="0">
                 <a:latin typeface="Microsoft YaHei" panose="020B0503020204020204" pitchFamily="34" charset="-122"/>
                 <a:ea typeface="Microsoft YaHei" panose="020B0503020204020204" pitchFamily="34" charset="-122"/>
               </a:rPr>
               <a:t>、</a:t>
             </a:r>
             <a:r>
-              <a:rPr lang="en-US" altLang="zh-CN" sz="2400" dirty="0" smtClean="0">
+              <a:rPr lang="en-US" altLang="zh-CN" sz="2400" dirty="0">
                 <a:latin typeface="Microsoft YaHei" panose="020B0503020204020204" pitchFamily="34" charset="-122"/>
                 <a:ea typeface="Microsoft YaHei" panose="020B0503020204020204" pitchFamily="34" charset="-122"/>
               </a:rPr>
               <a:t>NAVY</a:t>
             </a:r>
             <a:r>
-              <a:rPr lang="zh-CN" altLang="en-US" sz="2400" dirty="0" smtClean="0">
+              <a:rPr lang="zh-CN" altLang="en-US" sz="2400" dirty="0">
                 <a:latin typeface="Microsoft YaHei" panose="020B0503020204020204" pitchFamily="34" charset="-122"/>
                 <a:ea typeface="Microsoft YaHei" panose="020B0503020204020204" pitchFamily="34" charset="-122"/>
               </a:rPr>
               <a:t>、</a:t>
             </a:r>
             <a:r>
-              <a:rPr lang="en-US" altLang="zh-CN" sz="2400" dirty="0" smtClean="0">
+              <a:rPr lang="en-US" altLang="zh-CN" sz="2400" dirty="0">
                 <a:latin typeface="Microsoft YaHei" panose="020B0503020204020204" pitchFamily="34" charset="-122"/>
                 <a:ea typeface="Microsoft YaHei" panose="020B0503020204020204" pitchFamily="34" charset="-122"/>
               </a:rPr>
               <a:t>ORANGE</a:t>
             </a:r>
             <a:r>
-              <a:rPr lang="zh-CN" altLang="en-US" sz="2400" dirty="0" smtClean="0">
+              <a:rPr lang="zh-CN" altLang="en-US" sz="2400" dirty="0">
                 <a:latin typeface="Microsoft YaHei" panose="020B0503020204020204" pitchFamily="34" charset="-122"/>
                 <a:ea typeface="Microsoft YaHei" panose="020B0503020204020204" pitchFamily="34" charset="-122"/>
               </a:rPr>
               <a:t>、 </a:t>
             </a:r>
             <a:r>
-              <a:rPr lang="en-US" altLang="zh-CN" sz="2400" dirty="0" smtClean="0">
+              <a:rPr lang="en-US" altLang="zh-CN" sz="2400" dirty="0">
                 <a:latin typeface="Microsoft YaHei" panose="020B0503020204020204" pitchFamily="34" charset="-122"/>
                 <a:ea typeface="Microsoft YaHei" panose="020B0503020204020204" pitchFamily="34" charset="-122"/>
               </a:rPr>
               <a:t>PINK</a:t>
             </a:r>
             <a:r>
-              <a:rPr lang="zh-CN" altLang="en-US" sz="2400" dirty="0" smtClean="0">
+              <a:rPr lang="zh-CN" altLang="en-US" sz="2400" dirty="0">
                 <a:latin typeface="Microsoft YaHei" panose="020B0503020204020204" pitchFamily="34" charset="-122"/>
                 <a:ea typeface="Microsoft YaHei" panose="020B0503020204020204" pitchFamily="34" charset="-122"/>
               </a:rPr>
               <a:t>、</a:t>
             </a:r>
             <a:r>
-              <a:rPr lang="en-US" altLang="zh-CN" sz="2400" dirty="0" smtClean="0">
+              <a:rPr lang="en-US" altLang="zh-CN" sz="2400" dirty="0">
                 <a:latin typeface="Microsoft YaHei" panose="020B0503020204020204" pitchFamily="34" charset="-122"/>
                 <a:ea typeface="Microsoft YaHei" panose="020B0503020204020204" pitchFamily="34" charset="-122"/>
               </a:rPr>
               <a:t>RED</a:t>
             </a:r>
             <a:r>
-              <a:rPr lang="zh-CN" altLang="en-US" sz="2400" dirty="0" smtClean="0">
+              <a:rPr lang="zh-CN" altLang="en-US" sz="2400" dirty="0">
                 <a:latin typeface="Microsoft YaHei" panose="020B0503020204020204" pitchFamily="34" charset="-122"/>
                 <a:ea typeface="Microsoft YaHei" panose="020B0503020204020204" pitchFamily="34" charset="-122"/>
               </a:rPr>
               <a:t>、</a:t>
             </a:r>
             <a:r>
-              <a:rPr lang="en-US" altLang="zh-CN" sz="2400" dirty="0" smtClean="0">
+              <a:rPr lang="en-US" altLang="zh-CN" sz="2400" dirty="0">
                 <a:latin typeface="Microsoft YaHei" panose="020B0503020204020204" pitchFamily="34" charset="-122"/>
                 <a:ea typeface="Microsoft YaHei" panose="020B0503020204020204" pitchFamily="34" charset="-122"/>
               </a:rPr>
               <a:t>SILVER</a:t>
             </a:r>
             <a:r>
-              <a:rPr lang="zh-CN" altLang="en-US" sz="2400" dirty="0" smtClean="0">
+              <a:rPr lang="zh-CN" altLang="en-US" sz="2400" dirty="0">
                 <a:latin typeface="Microsoft YaHei" panose="020B0503020204020204" pitchFamily="34" charset="-122"/>
                 <a:ea typeface="Microsoft YaHei" panose="020B0503020204020204" pitchFamily="34" charset="-122"/>
               </a:rPr>
               <a:t>、</a:t>
             </a:r>
             <a:r>
-              <a:rPr lang="en-US" altLang="zh-CN" sz="2400" dirty="0" smtClean="0">
+              <a:rPr lang="en-US" altLang="zh-CN" sz="2400" dirty="0">
                 <a:latin typeface="Microsoft YaHei" panose="020B0503020204020204" pitchFamily="34" charset="-122"/>
                 <a:ea typeface="Microsoft YaHei" panose="020B0503020204020204" pitchFamily="34" charset="-122"/>
               </a:rPr>
               <a:t>WHITE </a:t>
             </a:r>
             <a:r>
-              <a:rPr lang="zh-CN" altLang="en-US" sz="2400" dirty="0" smtClean="0">
+              <a:rPr lang="zh-CN" altLang="en-US" sz="2400" dirty="0">
                 <a:latin typeface="Microsoft YaHei" panose="020B0503020204020204" pitchFamily="34" charset="-122"/>
                 <a:ea typeface="Microsoft YaHei" panose="020B0503020204020204" pitchFamily="34" charset="-122"/>
               </a:rPr>
               <a:t>和 </a:t>
             </a:r>
             <a:r>
-              <a:rPr lang="en-US" altLang="zh-CN" sz="2400" dirty="0" smtClean="0">
+              <a:rPr lang="en-US" altLang="zh-CN" sz="2400" dirty="0">
                 <a:latin typeface="Microsoft YaHei" panose="020B0503020204020204" pitchFamily="34" charset="-122"/>
                 <a:ea typeface="Microsoft YaHei" panose="020B0503020204020204" pitchFamily="34" charset="-122"/>
               </a:rPr>
               <a:t>YELLOW</a:t>
             </a:r>
             <a:r>
-              <a:rPr lang="zh-CN" altLang="en-US" sz="2400" dirty="0" smtClean="0">
+              <a:rPr lang="zh-CN" altLang="en-US" sz="2400" dirty="0">
                 <a:latin typeface="Microsoft YaHei" panose="020B0503020204020204" pitchFamily="34" charset="-122"/>
                 <a:ea typeface="Microsoft YaHei" panose="020B0503020204020204" pitchFamily="34" charset="-122"/>
               </a:rPr>
@@ -10262,44 +10052,40 @@
               </a:lnSpc>
             </a:pPr>
             <a:r>
-              <a:rPr lang="en-US" altLang="zh-CN" sz="2400" dirty="0" err="1" smtClean="0">
+              <a:rPr lang="en-US" altLang="zh-CN" sz="2400" dirty="0" err="1">
                 <a:latin typeface="Microsoft YaHei" panose="020B0503020204020204" pitchFamily="34" charset="-122"/>
                 <a:ea typeface="Microsoft YaHei" panose="020B0503020204020204" pitchFamily="34" charset="-122"/>
               </a:rPr>
               <a:t>circle.setFill</a:t>
             </a:r>
             <a:r>
-              <a:rPr lang="en-US" altLang="zh-CN" sz="2400" dirty="0" smtClean="0">
+              <a:rPr lang="en-US" altLang="zh-CN" sz="2400" dirty="0">
                 <a:latin typeface="Microsoft YaHei" panose="020B0503020204020204" pitchFamily="34" charset="-122"/>
                 <a:ea typeface="Microsoft YaHei" panose="020B0503020204020204" pitchFamily="34" charset="-122"/>
               </a:rPr>
               <a:t>(</a:t>
             </a:r>
             <a:r>
-              <a:rPr lang="en-US" altLang="zh-CN" sz="2400" dirty="0" err="1" smtClean="0">
+              <a:rPr lang="en-US" altLang="zh-CN" sz="2400" dirty="0" err="1">
                 <a:latin typeface="Microsoft YaHei" panose="020B0503020204020204" pitchFamily="34" charset="-122"/>
                 <a:ea typeface="Microsoft YaHei" panose="020B0503020204020204" pitchFamily="34" charset="-122"/>
               </a:rPr>
               <a:t>Color.RED</a:t>
             </a:r>
             <a:r>
-              <a:rPr lang="en-US" altLang="zh-CN" sz="2400" dirty="0" smtClean="0">
+              <a:rPr lang="en-US" altLang="zh-CN" sz="2400" dirty="0">
                 <a:latin typeface="Microsoft YaHei" panose="020B0503020204020204" pitchFamily="34" charset="-122"/>
                 <a:ea typeface="Microsoft YaHei" panose="020B0503020204020204" pitchFamily="34" charset="-122"/>
               </a:rPr>
               <a:t>);</a:t>
             </a:r>
-            <a:endParaRPr lang="en-US" altLang="zh-CN" sz="2400" dirty="0">
-              <a:latin typeface="Microsoft YaHei" panose="020B0503020204020204" pitchFamily="34" charset="-122"/>
-              <a:ea typeface="Microsoft YaHei" panose="020B0503020204020204" pitchFamily="34" charset="-122"/>
-            </a:endParaRPr>
           </a:p>
         </p:txBody>
       </p:sp>
     </p:spTree>
     <p:extLst>
       <p:ext uri="{BB962C8B-B14F-4D97-AF65-F5344CB8AC3E}">
-        <p14:creationId xmlns:p14="http://schemas.microsoft.com/office/powerpoint/2010/main" xmlns="" val="3902024920"/>
+        <p14:creationId xmlns:p14="http://schemas.microsoft.com/office/powerpoint/2010/main" val="3902024920"/>
       </p:ext>
     </p:extLst>
   </p:cSld>
@@ -10418,7 +10204,7 @@
           <p:cNvPr id="2" name="文本框 1">
             <a:extLst>
               <a:ext uri="{FF2B5EF4-FFF2-40B4-BE49-F238E27FC236}">
-                <a16:creationId xmlns:a16="http://schemas.microsoft.com/office/drawing/2014/main" xmlns="" id="{12AA8BCC-7B15-4842-80C2-48C079429338}"/>
+                <a16:creationId xmlns:a16="http://schemas.microsoft.com/office/drawing/2014/main" id="{12AA8BCC-7B15-4842-80C2-48C079429338}"/>
               </a:ext>
             </a:extLst>
           </p:cNvPr>
@@ -10481,7 +10267,7 @@
           <p:cNvPr id="13" name="文本框 12">
             <a:extLst>
               <a:ext uri="{FF2B5EF4-FFF2-40B4-BE49-F238E27FC236}">
-                <a16:creationId xmlns:a16="http://schemas.microsoft.com/office/drawing/2014/main" xmlns="" id="{8E054F89-5FA8-2F47-8710-58E04A67980C}"/>
+                <a16:creationId xmlns:a16="http://schemas.microsoft.com/office/drawing/2014/main" id="{8E054F89-5FA8-2F47-8710-58E04A67980C}"/>
               </a:ext>
             </a:extLst>
           </p:cNvPr>
@@ -10510,27 +10296,20 @@
               </a:lnSpc>
             </a:pPr>
             <a:r>
-              <a:rPr lang="en-US" altLang="zh-CN" sz="2400" dirty="0" smtClean="0">
+              <a:rPr lang="en-US" altLang="zh-CN" sz="2400" dirty="0">
                 <a:latin typeface="Microsoft YaHei" panose="020B0503020204020204" pitchFamily="34" charset="-122"/>
                 <a:ea typeface="Microsoft YaHei" panose="020B0503020204020204" pitchFamily="34" charset="-122"/>
               </a:rPr>
               <a:t>Font </a:t>
             </a:r>
             <a:r>
-              <a:rPr lang="zh-CN" altLang="en-US" sz="2400" dirty="0" smtClean="0">
-                <a:latin typeface="Microsoft YaHei" panose="020B0503020204020204" pitchFamily="34" charset="-122"/>
-                <a:ea typeface="Microsoft YaHei" panose="020B0503020204020204" pitchFamily="34" charset="-122"/>
-              </a:rPr>
-              <a:t>类描述字体名、粗细和</a:t>
-            </a:r>
-            <a:r>
-              <a:rPr lang="zh-CN" altLang="en-US" sz="2400" dirty="0" smtClean="0">
-                <a:latin typeface="Microsoft YaHei" panose="020B0503020204020204" pitchFamily="34" charset="-122"/>
-                <a:ea typeface="Microsoft YaHei" panose="020B0503020204020204" pitchFamily="34" charset="-122"/>
-              </a:rPr>
-              <a:t>大小</a:t>
-            </a:r>
-            <a:endParaRPr lang="en-US" altLang="zh-CN" sz="2400" dirty="0" smtClean="0">
+              <a:rPr lang="zh-CN" altLang="en-US" sz="2400" dirty="0">
+                <a:latin typeface="Microsoft YaHei" panose="020B0503020204020204" pitchFamily="34" charset="-122"/>
+                <a:ea typeface="Microsoft YaHei" panose="020B0503020204020204" pitchFamily="34" charset="-122"/>
+              </a:rPr>
+              <a:t>类描述字体名、粗细和大小</a:t>
+            </a:r>
+            <a:endParaRPr lang="en-US" altLang="zh-CN" sz="2400" dirty="0">
               <a:latin typeface="Microsoft YaHei" panose="020B0503020204020204" pitchFamily="34" charset="-122"/>
               <a:ea typeface="Microsoft YaHei" panose="020B0503020204020204" pitchFamily="34" charset="-122"/>
             </a:endParaRPr>
@@ -10542,44 +10321,40 @@
               </a:lnSpc>
             </a:pPr>
             <a:r>
-              <a:rPr lang="en-US" altLang="zh-CN" sz="2400" dirty="0" smtClean="0">
+              <a:rPr lang="en-US" altLang="zh-CN" sz="2400" dirty="0">
                 <a:latin typeface="Microsoft YaHei" panose="020B0503020204020204" pitchFamily="34" charset="-122"/>
                 <a:ea typeface="Microsoft YaHei" panose="020B0503020204020204" pitchFamily="34" charset="-122"/>
               </a:rPr>
               <a:t>Font </a:t>
             </a:r>
             <a:r>
-              <a:rPr lang="en-US" altLang="zh-CN" sz="2400" dirty="0" err="1" smtClean="0">
+              <a:rPr lang="en-US" altLang="zh-CN" sz="2400" dirty="0" err="1">
                 <a:latin typeface="Microsoft YaHei" panose="020B0503020204020204" pitchFamily="34" charset="-122"/>
                 <a:ea typeface="Microsoft YaHei" panose="020B0503020204020204" pitchFamily="34" charset="-122"/>
               </a:rPr>
               <a:t>fontl</a:t>
             </a:r>
             <a:r>
-              <a:rPr lang="en-US" altLang="zh-CN" sz="2400" dirty="0" smtClean="0">
+              <a:rPr lang="en-US" altLang="zh-CN" sz="2400" dirty="0">
                 <a:latin typeface="Microsoft YaHei" panose="020B0503020204020204" pitchFamily="34" charset="-122"/>
                 <a:ea typeface="Microsoft YaHei" panose="020B0503020204020204" pitchFamily="34" charset="-122"/>
               </a:rPr>
               <a:t> = new Font("</a:t>
             </a:r>
             <a:r>
-              <a:rPr lang="en-US" altLang="zh-CN" sz="2400" dirty="0" err="1" smtClean="0">
+              <a:rPr lang="en-US" altLang="zh-CN" sz="2400" dirty="0" err="1">
                 <a:latin typeface="Microsoft YaHei" panose="020B0503020204020204" pitchFamily="34" charset="-122"/>
                 <a:ea typeface="Microsoft YaHei" panose="020B0503020204020204" pitchFamily="34" charset="-122"/>
               </a:rPr>
               <a:t>SansSerif</a:t>
             </a:r>
             <a:r>
-              <a:rPr lang="en-US" altLang="zh-CN" sz="2400" dirty="0" smtClean="0">
+              <a:rPr lang="en-US" altLang="zh-CN" sz="2400" dirty="0">
                 <a:latin typeface="Microsoft YaHei" panose="020B0503020204020204" pitchFamily="34" charset="-122"/>
                 <a:ea typeface="Microsoft YaHei" panose="020B0503020204020204" pitchFamily="34" charset="-122"/>
               </a:rPr>
               <a:t>", 16); </a:t>
             </a:r>
-            <a:endParaRPr lang="en-US" altLang="zh-CN" sz="2400" dirty="0" smtClean="0">
-              <a:latin typeface="Microsoft YaHei" panose="020B0503020204020204" pitchFamily="34" charset="-122"/>
-              <a:ea typeface="Microsoft YaHei" panose="020B0503020204020204" pitchFamily="34" charset="-122"/>
-            </a:endParaRPr>
           </a:p>
           <a:p>
             <a:pPr>
@@ -10588,72 +10363,54 @@
               </a:lnSpc>
             </a:pPr>
             <a:r>
-              <a:rPr lang="en-US" altLang="zh-CN" sz="2400" dirty="0" smtClean="0">
-                <a:latin typeface="Microsoft YaHei" panose="020B0503020204020204" pitchFamily="34" charset="-122"/>
-                <a:ea typeface="Microsoft YaHei" panose="020B0503020204020204" pitchFamily="34" charset="-122"/>
-              </a:rPr>
-              <a:t>Font </a:t>
-            </a:r>
-            <a:r>
-              <a:rPr lang="en-US" altLang="zh-CN" sz="2400" dirty="0" smtClean="0">
-                <a:latin typeface="Microsoft YaHei" panose="020B0503020204020204" pitchFamily="34" charset="-122"/>
-                <a:ea typeface="Microsoft YaHei" panose="020B0503020204020204" pitchFamily="34" charset="-122"/>
-              </a:rPr>
-              <a:t>font2 =</a:t>
-            </a:r>
-            <a:r>
-              <a:rPr lang="en-US" altLang="zh-CN" sz="2400" dirty="0" err="1" smtClean="0">
+              <a:rPr lang="en-US" altLang="zh-CN" sz="2400" dirty="0">
+                <a:latin typeface="Microsoft YaHei" panose="020B0503020204020204" pitchFamily="34" charset="-122"/>
+                <a:ea typeface="Microsoft YaHei" panose="020B0503020204020204" pitchFamily="34" charset="-122"/>
+              </a:rPr>
+              <a:t>Font font2 =</a:t>
+            </a:r>
+            <a:r>
+              <a:rPr lang="en-US" altLang="zh-CN" sz="2400" dirty="0" err="1">
                 <a:latin typeface="Microsoft YaHei" panose="020B0503020204020204" pitchFamily="34" charset="-122"/>
                 <a:ea typeface="Microsoft YaHei" panose="020B0503020204020204" pitchFamily="34" charset="-122"/>
               </a:rPr>
               <a:t>Font.font</a:t>
             </a:r>
             <a:r>
-              <a:rPr lang="en-US" altLang="zh-CN" sz="2400" dirty="0" smtClean="0">
+              <a:rPr lang="en-US" altLang="zh-CN" sz="2400" dirty="0">
                 <a:latin typeface="Microsoft YaHei" panose="020B0503020204020204" pitchFamily="34" charset="-122"/>
                 <a:ea typeface="Microsoft YaHei" panose="020B0503020204020204" pitchFamily="34" charset="-122"/>
               </a:rPr>
               <a:t>("Times New </a:t>
             </a:r>
             <a:r>
-              <a:rPr lang="en-US" altLang="zh-CN" sz="2400" dirty="0" err="1" smtClean="0">
-                <a:latin typeface="Microsoft YaHei" panose="020B0503020204020204" pitchFamily="34" charset="-122"/>
-                <a:ea typeface="Microsoft YaHei" panose="020B0503020204020204" pitchFamily="34" charset="-122"/>
-              </a:rPr>
-              <a:t>Roman</a:t>
-            </a:r>
-            <a:r>
-              <a:rPr lang="en-US" altLang="zh-CN" sz="2400" dirty="0" err="1" smtClean="0">
-                <a:latin typeface="Microsoft YaHei" panose="020B0503020204020204" pitchFamily="34" charset="-122"/>
-                <a:ea typeface="Microsoft YaHei" panose="020B0503020204020204" pitchFamily="34" charset="-122"/>
-              </a:rPr>
-              <a:t>",FontWeight.BOLD</a:t>
-            </a:r>
-            <a:r>
-              <a:rPr lang="en-US" altLang="zh-CN" sz="2400" dirty="0" smtClean="0">
+              <a:rPr lang="en-US" altLang="zh-CN" sz="2400" dirty="0" err="1">
+                <a:latin typeface="Microsoft YaHei" panose="020B0503020204020204" pitchFamily="34" charset="-122"/>
+                <a:ea typeface="Microsoft YaHei" panose="020B0503020204020204" pitchFamily="34" charset="-122"/>
+              </a:rPr>
+              <a:t>Roman",FontWeight.BOLD</a:t>
+            </a:r>
+            <a:r>
+              <a:rPr lang="en-US" altLang="zh-CN" sz="2400" dirty="0">
                 <a:latin typeface="Microsoft YaHei" panose="020B0503020204020204" pitchFamily="34" charset="-122"/>
                 <a:ea typeface="Microsoft YaHei" panose="020B0503020204020204" pitchFamily="34" charset="-122"/>
               </a:rPr>
               <a:t>, </a:t>
             </a:r>
             <a:r>
-              <a:rPr lang="en-US" altLang="zh-CN" sz="2400" dirty="0" err="1" smtClean="0">
+              <a:rPr lang="en-US" altLang="zh-CN" sz="2400" dirty="0" err="1">
                 <a:latin typeface="Microsoft YaHei" panose="020B0503020204020204" pitchFamily="34" charset="-122"/>
                 <a:ea typeface="Microsoft YaHei" panose="020B0503020204020204" pitchFamily="34" charset="-122"/>
               </a:rPr>
               <a:t>FontPosture.ITALIC</a:t>
             </a:r>
             <a:r>
-              <a:rPr lang="en-US" altLang="zh-CN" sz="2400" dirty="0" smtClean="0">
+              <a:rPr lang="en-US" altLang="zh-CN" sz="2400" dirty="0">
                 <a:latin typeface="Microsoft YaHei" panose="020B0503020204020204" pitchFamily="34" charset="-122"/>
                 <a:ea typeface="Microsoft YaHei" panose="020B0503020204020204" pitchFamily="34" charset="-122"/>
               </a:rPr>
               <a:t>, 12);</a:t>
             </a:r>
-            <a:endParaRPr lang="en-US" altLang="zh-CN" sz="2400" dirty="0">
-              <a:latin typeface="Microsoft YaHei" panose="020B0503020204020204" pitchFamily="34" charset="-122"/>
-              <a:ea typeface="Microsoft YaHei" panose="020B0503020204020204" pitchFamily="34" charset="-122"/>
-            </a:endParaRPr>
           </a:p>
         </p:txBody>
       </p:sp>
@@ -10695,7 +10452,7 @@
           <p:cNvPr id="5" name="文本框 6">
             <a:extLst>
               <a:ext uri="{FF2B5EF4-FFF2-40B4-BE49-F238E27FC236}">
-                <a16:creationId xmlns:a16="http://schemas.microsoft.com/office/drawing/2014/main" xmlns="" id="{06371AB4-3CA3-AD48-87A1-8E705B42E675}"/>
+                <a16:creationId xmlns:a16="http://schemas.microsoft.com/office/drawing/2014/main" id="{06371AB4-3CA3-AD48-87A1-8E705B42E675}"/>
               </a:ext>
             </a:extLst>
           </p:cNvPr>
@@ -10721,7 +10478,7 @@
           <a:lstStyle/>
           <a:p>
             <a:r>
-              <a:rPr kumimoji="1" lang="zh-CN" altLang="en-US" dirty="0" smtClean="0">
+              <a:rPr kumimoji="1" lang="zh-CN" altLang="en-US" dirty="0">
                 <a:solidFill>
                   <a:schemeClr val="bg1"/>
                 </a:solidFill>
@@ -10729,7 +10486,7 @@
               <a:t>继续看实例代码   </a:t>
             </a:r>
             <a:r>
-              <a:rPr kumimoji="1" lang="en-US" altLang="zh-CN" dirty="0" err="1" smtClean="0">
+              <a:rPr kumimoji="1" lang="en-US" altLang="zh-CN" dirty="0" err="1">
                 <a:solidFill>
                   <a:schemeClr val="bg1"/>
                 </a:solidFill>
@@ -10747,7 +10504,7 @@
     </p:spTree>
     <p:extLst>
       <p:ext uri="{BB962C8B-B14F-4D97-AF65-F5344CB8AC3E}">
-        <p14:creationId xmlns:p14="http://schemas.microsoft.com/office/powerpoint/2010/main" xmlns="" val="3330188232"/>
+        <p14:creationId xmlns:p14="http://schemas.microsoft.com/office/powerpoint/2010/main" val="3330188232"/>
       </p:ext>
     </p:extLst>
   </p:cSld>
@@ -10866,7 +10623,7 @@
           <p:cNvPr id="2" name="文本框 1">
             <a:extLst>
               <a:ext uri="{FF2B5EF4-FFF2-40B4-BE49-F238E27FC236}">
-                <a16:creationId xmlns:a16="http://schemas.microsoft.com/office/drawing/2014/main" xmlns="" id="{12AA8BCC-7B15-4842-80C2-48C079429338}"/>
+                <a16:creationId xmlns:a16="http://schemas.microsoft.com/office/drawing/2014/main" id="{12AA8BCC-7B15-4842-80C2-48C079429338}"/>
               </a:ext>
             </a:extLst>
           </p:cNvPr>
@@ -10905,7 +10662,7 @@
           <p:cNvPr id="8" name="文本框 7">
             <a:extLst>
               <a:ext uri="{FF2B5EF4-FFF2-40B4-BE49-F238E27FC236}">
-                <a16:creationId xmlns:a16="http://schemas.microsoft.com/office/drawing/2014/main" xmlns="" id="{B294230C-E86E-7247-BAC6-5F43DED3D0AF}"/>
+                <a16:creationId xmlns:a16="http://schemas.microsoft.com/office/drawing/2014/main" id="{B294230C-E86E-7247-BAC6-5F43DED3D0AF}"/>
               </a:ext>
             </a:extLst>
           </p:cNvPr>
@@ -11095,18 +10852,11 @@
               <a:buChar char="Ø"/>
             </a:pPr>
             <a:r>
-              <a:rPr kumimoji="1" lang="zh-CN" altLang="en-US" dirty="0" smtClean="0">
-                <a:latin typeface="Microsoft YaHei" panose="020B0503020204020204" pitchFamily="34" charset="-122"/>
-                <a:ea typeface="Microsoft YaHei" panose="020B0503020204020204" pitchFamily="34" charset="-122"/>
-              </a:rPr>
-              <a:t>节点</a:t>
-            </a:r>
-            <a:r>
               <a:rPr kumimoji="1" lang="zh-CN" altLang="en-US" dirty="0">
                 <a:latin typeface="Microsoft YaHei" panose="020B0503020204020204" pitchFamily="34" charset="-122"/>
                 <a:ea typeface="Microsoft YaHei" panose="020B0503020204020204" pitchFamily="34" charset="-122"/>
               </a:rPr>
-              <a:t>的通用属性和方法</a:t>
+              <a:t>节点的通用属性和方法</a:t>
             </a:r>
             <a:endParaRPr kumimoji="1" lang="en-US" altLang="zh-CN" dirty="0">
               <a:latin typeface="Microsoft YaHei" panose="020B0503020204020204" pitchFamily="34" charset="-122"/>
@@ -11230,13 +10980,13 @@
               <a:buChar char="Ø"/>
             </a:pPr>
             <a:r>
-              <a:rPr kumimoji="1" lang="zh-CN" altLang="en-US" dirty="0" smtClean="0">
+              <a:rPr kumimoji="1" lang="zh-CN" altLang="en-US" dirty="0">
                 <a:latin typeface="Microsoft YaHei" panose="020B0503020204020204" pitchFamily="34" charset="-122"/>
                 <a:ea typeface="Microsoft YaHei" panose="020B0503020204020204" pitchFamily="34" charset="-122"/>
               </a:rPr>
               <a:t>形状</a:t>
             </a:r>
-            <a:endParaRPr kumimoji="1" lang="en-US" altLang="zh-CN" dirty="0" smtClean="0">
+            <a:endParaRPr kumimoji="1" lang="en-US" altLang="zh-CN" dirty="0">
               <a:latin typeface="Microsoft YaHei" panose="020B0503020204020204" pitchFamily="34" charset="-122"/>
               <a:ea typeface="Microsoft YaHei" panose="020B0503020204020204" pitchFamily="34" charset="-122"/>
             </a:endParaRPr>
@@ -11250,18 +11000,11 @@
               <a:buChar char="Ø"/>
             </a:pPr>
             <a:r>
-              <a:rPr kumimoji="1" lang="zh-CN" altLang="en-US" dirty="0" smtClean="0">
-                <a:latin typeface="Microsoft YaHei" panose="020B0503020204020204" pitchFamily="34" charset="-122"/>
-                <a:ea typeface="Microsoft YaHei" panose="020B0503020204020204" pitchFamily="34" charset="-122"/>
-              </a:rPr>
-              <a:t>示例</a:t>
-            </a:r>
-            <a:r>
               <a:rPr kumimoji="1" lang="zh-CN" altLang="en-US" dirty="0">
                 <a:latin typeface="Microsoft YaHei" panose="020B0503020204020204" pitchFamily="34" charset="-122"/>
                 <a:ea typeface="Microsoft YaHei" panose="020B0503020204020204" pitchFamily="34" charset="-122"/>
               </a:rPr>
-              <a:t>学习： </a:t>
+              <a:t>示例学习： </a:t>
             </a:r>
             <a:r>
               <a:rPr kumimoji="1" lang="en-US" altLang="zh-CN" dirty="0" err="1">
@@ -11289,7 +11032,7 @@
           <p:cNvPr id="4" name="文本框 3">
             <a:extLst>
               <a:ext uri="{FF2B5EF4-FFF2-40B4-BE49-F238E27FC236}">
-                <a16:creationId xmlns:a16="http://schemas.microsoft.com/office/drawing/2014/main" xmlns="" id="{E7E39426-AFD9-D140-89E0-2CF3A07C53D3}"/>
+                <a16:creationId xmlns:a16="http://schemas.microsoft.com/office/drawing/2014/main" id="{E7E39426-AFD9-D140-89E0-2CF3A07C53D3}"/>
               </a:ext>
             </a:extLst>
           </p:cNvPr>
@@ -11332,7 +11075,7 @@
           <p:cNvPr id="5" name="右箭头 4">
             <a:extLst>
               <a:ext uri="{FF2B5EF4-FFF2-40B4-BE49-F238E27FC236}">
-                <a16:creationId xmlns:a16="http://schemas.microsoft.com/office/drawing/2014/main" xmlns="" id="{02574683-9260-0046-AB23-E330BDC11C49}"/>
+                <a16:creationId xmlns:a16="http://schemas.microsoft.com/office/drawing/2014/main" id="{02574683-9260-0046-AB23-E330BDC11C49}"/>
               </a:ext>
             </a:extLst>
           </p:cNvPr>
@@ -11376,7 +11119,7 @@
     </p:spTree>
     <p:extLst>
       <p:ext uri="{BB962C8B-B14F-4D97-AF65-F5344CB8AC3E}">
-        <p14:creationId xmlns:p14="http://schemas.microsoft.com/office/powerpoint/2010/main" xmlns="" val="1067490150"/>
+        <p14:creationId xmlns:p14="http://schemas.microsoft.com/office/powerpoint/2010/main" val="1067490150"/>
       </p:ext>
     </p:extLst>
   </p:cSld>
@@ -11495,7 +11238,7 @@
           <p:cNvPr id="2" name="文本框 1">
             <a:extLst>
               <a:ext uri="{FF2B5EF4-FFF2-40B4-BE49-F238E27FC236}">
-                <a16:creationId xmlns:a16="http://schemas.microsoft.com/office/drawing/2014/main" xmlns="" id="{12AA8BCC-7B15-4842-80C2-48C079429338}"/>
+                <a16:creationId xmlns:a16="http://schemas.microsoft.com/office/drawing/2014/main" id="{12AA8BCC-7B15-4842-80C2-48C079429338}"/>
               </a:ext>
             </a:extLst>
           </p:cNvPr>
@@ -11520,14 +11263,14 @@
           <a:p>
             <a:pPr algn="ctr"/>
             <a:r>
-              <a:rPr kumimoji="1" lang="en-US" altLang="zh-CN" sz="4800" dirty="0" smtClean="0">
+              <a:rPr kumimoji="1" lang="en-US" altLang="zh-CN" sz="4800" dirty="0">
                 <a:latin typeface="Microsoft YaHei" panose="020B0503020204020204" pitchFamily="34" charset="-122"/>
                 <a:ea typeface="Microsoft YaHei" panose="020B0503020204020204" pitchFamily="34" charset="-122"/>
               </a:rPr>
               <a:t>9.1 </a:t>
             </a:r>
             <a:r>
-              <a:rPr kumimoji="1" lang="zh-CN" altLang="en-US" sz="4800" dirty="0" smtClean="0">
+              <a:rPr kumimoji="1" lang="zh-CN" altLang="en-US" sz="4800" dirty="0">
                 <a:latin typeface="Microsoft YaHei" panose="020B0503020204020204" pitchFamily="34" charset="-122"/>
                 <a:ea typeface="Microsoft YaHei" panose="020B0503020204020204" pitchFamily="34" charset="-122"/>
               </a:rPr>
@@ -11566,7 +11309,7 @@
           <p:cNvPr id="13" name="文本框 12">
             <a:extLst>
               <a:ext uri="{FF2B5EF4-FFF2-40B4-BE49-F238E27FC236}">
-                <a16:creationId xmlns:a16="http://schemas.microsoft.com/office/drawing/2014/main" xmlns="" id="{8E054F89-5FA8-2F47-8710-58E04A67980C}"/>
+                <a16:creationId xmlns:a16="http://schemas.microsoft.com/office/drawing/2014/main" id="{8E054F89-5FA8-2F47-8710-58E04A67980C}"/>
               </a:ext>
             </a:extLst>
           </p:cNvPr>
@@ -11595,27 +11338,20 @@
               </a:lnSpc>
             </a:pPr>
             <a:r>
-              <a:rPr lang="en-US" altLang="zh-CN" sz="2000" b="1" dirty="0" smtClean="0">
+              <a:rPr lang="en-US" altLang="zh-CN" sz="2000" b="1" dirty="0">
                 <a:latin typeface="Microsoft YaHei" panose="020B0503020204020204" pitchFamily="34" charset="-122"/>
                 <a:ea typeface="Microsoft YaHei" panose="020B0503020204020204" pitchFamily="34" charset="-122"/>
               </a:rPr>
               <a:t>Image </a:t>
             </a:r>
             <a:r>
-              <a:rPr lang="zh-CN" altLang="en-US" sz="2000" b="1" dirty="0" smtClean="0">
-                <a:latin typeface="Microsoft YaHei" panose="020B0503020204020204" pitchFamily="34" charset="-122"/>
-                <a:ea typeface="Microsoft YaHei" panose="020B0503020204020204" pitchFamily="34" charset="-122"/>
-              </a:rPr>
-              <a:t>类表示一个图像</a:t>
-            </a:r>
-            <a:r>
-              <a:rPr lang="zh-CN" altLang="en-US" sz="2000" b="1" dirty="0" smtClean="0">
-                <a:latin typeface="Microsoft YaHei" panose="020B0503020204020204" pitchFamily="34" charset="-122"/>
-                <a:ea typeface="Microsoft YaHei" panose="020B0503020204020204" pitchFamily="34" charset="-122"/>
-              </a:rPr>
-              <a:t>，</a:t>
-            </a:r>
-            <a:endParaRPr lang="en-US" altLang="zh-CN" sz="2000" b="1" dirty="0" smtClean="0">
+              <a:rPr lang="zh-CN" altLang="en-US" sz="2000" b="1" dirty="0">
+                <a:latin typeface="Microsoft YaHei" panose="020B0503020204020204" pitchFamily="34" charset="-122"/>
+                <a:ea typeface="Microsoft YaHei" panose="020B0503020204020204" pitchFamily="34" charset="-122"/>
+              </a:rPr>
+              <a:t>类表示一个图像，</a:t>
+            </a:r>
+            <a:endParaRPr lang="en-US" altLang="zh-CN" sz="2000" b="1" dirty="0">
               <a:latin typeface="Microsoft YaHei" panose="020B0503020204020204" pitchFamily="34" charset="-122"/>
               <a:ea typeface="Microsoft YaHei" panose="020B0503020204020204" pitchFamily="34" charset="-122"/>
             </a:endParaRPr>
@@ -11629,32 +11365,18 @@
               <a:buAutoNum type="arabicPeriod"/>
             </a:pPr>
             <a:r>
-              <a:rPr lang="zh-CN" altLang="en-US" sz="2000" dirty="0" smtClean="0">
+              <a:rPr lang="zh-CN" altLang="en-US" sz="2000" dirty="0">
                 <a:latin typeface="Microsoft YaHei" panose="020B0503020204020204" pitchFamily="34" charset="-122"/>
                 <a:ea typeface="Microsoft YaHei" panose="020B0503020204020204" pitchFamily="34" charset="-122"/>
               </a:rPr>
               <a:t>本地：</a:t>
             </a:r>
             <a:r>
-              <a:rPr lang="en-US" altLang="zh-CN" sz="2000" dirty="0" smtClean="0">
-                <a:latin typeface="Microsoft YaHei" panose="020B0503020204020204" pitchFamily="34" charset="-122"/>
-                <a:ea typeface="Microsoft YaHei" panose="020B0503020204020204" pitchFamily="34" charset="-122"/>
-              </a:rPr>
-              <a:t>Image </a:t>
-            </a:r>
-            <a:r>
-              <a:rPr lang="en-US" altLang="zh-CN" sz="2000" dirty="0" smtClean="0">
-                <a:latin typeface="Microsoft YaHei" panose="020B0503020204020204" pitchFamily="34" charset="-122"/>
-                <a:ea typeface="Microsoft YaHei" panose="020B0503020204020204" pitchFamily="34" charset="-122"/>
-              </a:rPr>
-              <a:t>image = new Image</a:t>
-            </a:r>
-            <a:r>
-              <a:rPr lang="en-US" altLang="zh-CN" sz="2000" dirty="0" smtClean="0">
-                <a:latin typeface="Microsoft YaHei" panose="020B0503020204020204" pitchFamily="34" charset="-122"/>
-                <a:ea typeface="Microsoft YaHei" panose="020B0503020204020204" pitchFamily="34" charset="-122"/>
-              </a:rPr>
-              <a:t>(“image/us.gif”); </a:t>
+              <a:rPr lang="en-US" altLang="zh-CN" sz="2000" dirty="0">
+                <a:latin typeface="Microsoft YaHei" panose="020B0503020204020204" pitchFamily="34" charset="-122"/>
+                <a:ea typeface="Microsoft YaHei" panose="020B0503020204020204" pitchFamily="34" charset="-122"/>
+              </a:rPr>
+              <a:t>Image image = new Image(“image/us.gif”); </a:t>
             </a:r>
           </a:p>
           <a:p>
@@ -11666,102 +11388,60 @@
               <a:buAutoNum type="arabicPeriod"/>
             </a:pPr>
             <a:r>
-              <a:rPr lang="zh-CN" altLang="en-US" sz="2000" dirty="0" smtClean="0">
+              <a:rPr lang="zh-CN" altLang="en-US" sz="2000" dirty="0">
                 <a:latin typeface="Microsoft YaHei" panose="020B0503020204020204" pitchFamily="34" charset="-122"/>
                 <a:ea typeface="Microsoft YaHei" panose="020B0503020204020204" pitchFamily="34" charset="-122"/>
               </a:rPr>
               <a:t>网络</a:t>
             </a:r>
             <a:r>
-              <a:rPr lang="en-US" altLang="zh-CN" sz="2000" dirty="0" smtClean="0">
+              <a:rPr lang="en-US" altLang="zh-CN" sz="2000" dirty="0">
                 <a:latin typeface="Microsoft YaHei" panose="020B0503020204020204" pitchFamily="34" charset="-122"/>
                 <a:ea typeface="Microsoft YaHei" panose="020B0503020204020204" pitchFamily="34" charset="-122"/>
               </a:rPr>
               <a:t>(</a:t>
             </a:r>
             <a:r>
-              <a:rPr lang="en-US" altLang="zh-CN" sz="2000" dirty="0" err="1" smtClean="0">
+              <a:rPr lang="en-US" altLang="zh-CN" sz="2000" dirty="0" err="1">
                 <a:latin typeface="Microsoft YaHei" panose="020B0503020204020204" pitchFamily="34" charset="-122"/>
                 <a:ea typeface="Microsoft YaHei" panose="020B0503020204020204" pitchFamily="34" charset="-122"/>
               </a:rPr>
               <a:t>url</a:t>
             </a:r>
             <a:r>
-              <a:rPr lang="en-US" altLang="zh-CN" sz="2000" dirty="0" smtClean="0">
+              <a:rPr lang="en-US" altLang="zh-CN" sz="2000" dirty="0">
                 <a:latin typeface="Microsoft YaHei" panose="020B0503020204020204" pitchFamily="34" charset="-122"/>
                 <a:ea typeface="Microsoft YaHei" panose="020B0503020204020204" pitchFamily="34" charset="-122"/>
               </a:rPr>
               <a:t>)</a:t>
             </a:r>
             <a:r>
-              <a:rPr lang="zh-CN" altLang="en-US" sz="2000" dirty="0" smtClean="0">
+              <a:rPr lang="zh-CN" altLang="en-US" sz="2000" dirty="0">
                 <a:latin typeface="Microsoft YaHei" panose="020B0503020204020204" pitchFamily="34" charset="-122"/>
                 <a:ea typeface="Microsoft YaHei" panose="020B0503020204020204" pitchFamily="34" charset="-122"/>
               </a:rPr>
               <a:t>：</a:t>
             </a:r>
             <a:r>
-              <a:rPr lang="en-US" altLang="zh-CN" sz="2000" dirty="0" smtClean="0">
-                <a:latin typeface="Microsoft YaHei" panose="020B0503020204020204" pitchFamily="34" charset="-122"/>
-                <a:ea typeface="Microsoft YaHei" panose="020B0503020204020204" pitchFamily="34" charset="-122"/>
-              </a:rPr>
-              <a:t> </a:t>
-            </a:r>
-            <a:r>
-              <a:rPr lang="en-US" altLang="zh-CN" sz="2000" dirty="0" smtClean="0">
-                <a:latin typeface="Microsoft YaHei" panose="020B0503020204020204" pitchFamily="34" charset="-122"/>
-                <a:ea typeface="Microsoft YaHei" panose="020B0503020204020204" pitchFamily="34" charset="-122"/>
-              </a:rPr>
-              <a:t>Image </a:t>
-            </a:r>
-            <a:r>
-              <a:rPr lang="en-US" altLang="zh-CN" sz="2000" dirty="0" err="1" smtClean="0">
+              <a:rPr lang="en-US" altLang="zh-CN" sz="2000" dirty="0">
+                <a:latin typeface="Microsoft YaHei" panose="020B0503020204020204" pitchFamily="34" charset="-122"/>
+                <a:ea typeface="Microsoft YaHei" panose="020B0503020204020204" pitchFamily="34" charset="-122"/>
+              </a:rPr>
+              <a:t> Image </a:t>
+            </a:r>
+            <a:r>
+              <a:rPr lang="en-US" altLang="zh-CN" sz="2000" dirty="0" err="1">
                 <a:latin typeface="Microsoft YaHei" panose="020B0503020204020204" pitchFamily="34" charset="-122"/>
                 <a:ea typeface="Microsoft YaHei" panose="020B0503020204020204" pitchFamily="34" charset="-122"/>
               </a:rPr>
               <a:t>image</a:t>
             </a:r>
             <a:r>
-              <a:rPr lang="en-US" altLang="zh-CN" sz="2000" dirty="0" smtClean="0">
-                <a:latin typeface="Microsoft YaHei" panose="020B0503020204020204" pitchFamily="34" charset="-122"/>
-                <a:ea typeface="Microsoft YaHei" panose="020B0503020204020204" pitchFamily="34" charset="-122"/>
-              </a:rPr>
-              <a:t> </a:t>
-            </a:r>
-            <a:r>
-              <a:rPr lang="en-US" altLang="zh-CN" sz="2000" dirty="0" smtClean="0">
-                <a:latin typeface="Microsoft YaHei" panose="020B0503020204020204" pitchFamily="34" charset="-122"/>
-                <a:ea typeface="Microsoft YaHei" panose="020B0503020204020204" pitchFamily="34" charset="-122"/>
-              </a:rPr>
-              <a:t>=new </a:t>
-            </a:r>
-            <a:r>
-              <a:rPr lang="en-US" altLang="zh-CN" sz="2000" dirty="0" smtClean="0">
-                <a:latin typeface="Microsoft YaHei" panose="020B0503020204020204" pitchFamily="34" charset="-122"/>
-                <a:ea typeface="Microsoft YaHei" panose="020B0503020204020204" pitchFamily="34" charset="-122"/>
-              </a:rPr>
-              <a:t>Image ("http</a:t>
-            </a:r>
-            <a:r>
-              <a:rPr lang="en-US" altLang="zh-CN" sz="2000" dirty="0" smtClean="0">
-                <a:latin typeface="Microsoft YaHei" panose="020B0503020204020204" pitchFamily="34" charset="-122"/>
-                <a:ea typeface="Microsoft YaHei" panose="020B0503020204020204" pitchFamily="34" charset="-122"/>
-              </a:rPr>
-              <a:t>://</a:t>
-            </a:r>
-            <a:r>
-              <a:rPr lang="en-US" altLang="zh-CN" sz="2000" dirty="0" smtClean="0">
-                <a:latin typeface="Microsoft YaHei" panose="020B0503020204020204" pitchFamily="34" charset="-122"/>
-                <a:ea typeface="Microsoft YaHei" panose="020B0503020204020204" pitchFamily="34" charset="-122"/>
-              </a:rPr>
-              <a:t>www.cs.armstrong.edu/liang/ image/us.gif</a:t>
-            </a:r>
-            <a:r>
-              <a:rPr lang="en-US" altLang="zh-CN" sz="2000" dirty="0" smtClean="0">
-                <a:latin typeface="Microsoft YaHei" panose="020B0503020204020204" pitchFamily="34" charset="-122"/>
-                <a:ea typeface="Microsoft YaHei" panose="020B0503020204020204" pitchFamily="34" charset="-122"/>
-              </a:rPr>
-              <a:t>")</a:t>
+              <a:rPr lang="en-US" altLang="zh-CN" sz="2000" dirty="0">
+                <a:latin typeface="Microsoft YaHei" panose="020B0503020204020204" pitchFamily="34" charset="-122"/>
+                <a:ea typeface="Microsoft YaHei" panose="020B0503020204020204" pitchFamily="34" charset="-122"/>
+              </a:rPr>
+              <a:t> =new Image ("http://www.cs.armstrong.edu/liang/ image/us.gif")</a:t>
             </a:r>
           </a:p>
           <a:p>
@@ -11771,27 +11451,27 @@
               </a:lnSpc>
             </a:pPr>
             <a:r>
-              <a:rPr lang="en-US" altLang="zh-CN" sz="2000" b="1" dirty="0" err="1" smtClean="0">
+              <a:rPr lang="en-US" altLang="zh-CN" sz="2000" b="1" dirty="0" err="1">
                 <a:latin typeface="Microsoft YaHei" panose="020B0503020204020204" pitchFamily="34" charset="-122"/>
                 <a:ea typeface="Microsoft YaHei" panose="020B0503020204020204" pitchFamily="34" charset="-122"/>
               </a:rPr>
               <a:t>ImageView</a:t>
             </a:r>
             <a:r>
-              <a:rPr lang="en-US" altLang="zh-CN" sz="2000" b="1" dirty="0" smtClean="0">
+              <a:rPr lang="en-US" altLang="zh-CN" sz="2000" b="1" dirty="0">
                 <a:latin typeface="Microsoft YaHei" panose="020B0503020204020204" pitchFamily="34" charset="-122"/>
                 <a:ea typeface="Microsoft YaHei" panose="020B0503020204020204" pitchFamily="34" charset="-122"/>
               </a:rPr>
               <a:t> </a:t>
             </a:r>
             <a:r>
-              <a:rPr lang="zh-CN" altLang="en-US" sz="2000" b="1" dirty="0" smtClean="0">
+              <a:rPr lang="zh-CN" altLang="en-US" sz="2000" b="1" dirty="0">
                 <a:latin typeface="Microsoft YaHei" panose="020B0503020204020204" pitchFamily="34" charset="-122"/>
                 <a:ea typeface="Microsoft YaHei" panose="020B0503020204020204" pitchFamily="34" charset="-122"/>
               </a:rPr>
               <a:t>类可以用于显示一个图像</a:t>
             </a:r>
-            <a:endParaRPr lang="en-US" altLang="zh-CN" sz="2000" b="1" dirty="0" smtClean="0">
+            <a:endParaRPr lang="en-US" altLang="zh-CN" sz="2000" b="1" dirty="0">
               <a:latin typeface="Microsoft YaHei" panose="020B0503020204020204" pitchFamily="34" charset="-122"/>
               <a:ea typeface="Microsoft YaHei" panose="020B0503020204020204" pitchFamily="34" charset="-122"/>
             </a:endParaRPr>
@@ -11805,53 +11485,46 @@
               <a:buAutoNum type="arabicPeriod"/>
             </a:pPr>
             <a:r>
-              <a:rPr lang="en-US" altLang="zh-CN" sz="2000" dirty="0" err="1" smtClean="0">
+              <a:rPr lang="en-US" altLang="zh-CN" sz="2000" dirty="0" err="1">
                 <a:latin typeface="Microsoft YaHei" panose="020B0503020204020204" pitchFamily="34" charset="-122"/>
                 <a:ea typeface="Microsoft YaHei" panose="020B0503020204020204" pitchFamily="34" charset="-122"/>
               </a:rPr>
               <a:t>ImageView</a:t>
             </a:r>
             <a:r>
-              <a:rPr lang="en-US" altLang="zh-CN" sz="2000" dirty="0" smtClean="0">
+              <a:rPr lang="en-US" altLang="zh-CN" sz="2000" dirty="0">
                 <a:latin typeface="Microsoft YaHei" panose="020B0503020204020204" pitchFamily="34" charset="-122"/>
                 <a:ea typeface="Microsoft YaHei" panose="020B0503020204020204" pitchFamily="34" charset="-122"/>
               </a:rPr>
               <a:t> </a:t>
             </a:r>
             <a:r>
-              <a:rPr lang="en-US" altLang="zh-CN" sz="2000" dirty="0" err="1" smtClean="0">
+              <a:rPr lang="en-US" altLang="zh-CN" sz="2000" dirty="0" err="1">
                 <a:latin typeface="Microsoft YaHei" panose="020B0503020204020204" pitchFamily="34" charset="-122"/>
                 <a:ea typeface="Microsoft YaHei" panose="020B0503020204020204" pitchFamily="34" charset="-122"/>
               </a:rPr>
               <a:t>imageView</a:t>
             </a:r>
             <a:r>
-              <a:rPr lang="en-US" altLang="zh-CN" sz="2000" dirty="0" smtClean="0">
+              <a:rPr lang="en-US" altLang="zh-CN" sz="2000" dirty="0">
                 <a:latin typeface="Microsoft YaHei" panose="020B0503020204020204" pitchFamily="34" charset="-122"/>
                 <a:ea typeface="Microsoft YaHei" panose="020B0503020204020204" pitchFamily="34" charset="-122"/>
               </a:rPr>
               <a:t> = new </a:t>
             </a:r>
             <a:r>
-              <a:rPr lang="en-US" altLang="zh-CN" sz="2000" dirty="0" err="1" smtClean="0">
+              <a:rPr lang="en-US" altLang="zh-CN" sz="2000" dirty="0" err="1">
                 <a:latin typeface="Microsoft YaHei" panose="020B0503020204020204" pitchFamily="34" charset="-122"/>
                 <a:ea typeface="Microsoft YaHei" panose="020B0503020204020204" pitchFamily="34" charset="-122"/>
               </a:rPr>
               <a:t>ImageView</a:t>
             </a:r>
             <a:r>
-              <a:rPr lang="en-US" altLang="zh-CN" sz="2000" dirty="0" smtClean="0">
-                <a:latin typeface="Microsoft YaHei" panose="020B0503020204020204" pitchFamily="34" charset="-122"/>
-                <a:ea typeface="Microsoft YaHei" panose="020B0503020204020204" pitchFamily="34" charset="-122"/>
-              </a:rPr>
-              <a:t>(image</a:t>
-            </a:r>
-            <a:r>
-              <a:rPr lang="en-US" altLang="zh-CN" sz="2000" dirty="0" smtClean="0">
-                <a:latin typeface="Microsoft YaHei" panose="020B0503020204020204" pitchFamily="34" charset="-122"/>
-                <a:ea typeface="Microsoft YaHei" panose="020B0503020204020204" pitchFamily="34" charset="-122"/>
-              </a:rPr>
-              <a:t>):</a:t>
+              <a:rPr lang="en-US" altLang="zh-CN" sz="2000" dirty="0">
+                <a:latin typeface="Microsoft YaHei" panose="020B0503020204020204" pitchFamily="34" charset="-122"/>
+                <a:ea typeface="Microsoft YaHei" panose="020B0503020204020204" pitchFamily="34" charset="-122"/>
+              </a:rPr>
+              <a:t>(image):</a:t>
             </a:r>
           </a:p>
           <a:p>
@@ -11863,58 +11536,54 @@
               <a:buAutoNum type="arabicPeriod"/>
             </a:pPr>
             <a:r>
-              <a:rPr lang="en-US" altLang="zh-CN" sz="2000" dirty="0" err="1" smtClean="0">
+              <a:rPr lang="en-US" altLang="zh-CN" sz="2000" dirty="0" err="1">
                 <a:latin typeface="Microsoft YaHei" panose="020B0503020204020204" pitchFamily="34" charset="-122"/>
                 <a:ea typeface="Microsoft YaHei" panose="020B0503020204020204" pitchFamily="34" charset="-122"/>
               </a:rPr>
               <a:t>ImageView</a:t>
             </a:r>
             <a:r>
-              <a:rPr lang="en-US" altLang="zh-CN" sz="2000" dirty="0" smtClean="0">
+              <a:rPr lang="en-US" altLang="zh-CN" sz="2000" dirty="0">
                 <a:latin typeface="Microsoft YaHei" panose="020B0503020204020204" pitchFamily="34" charset="-122"/>
                 <a:ea typeface="Microsoft YaHei" panose="020B0503020204020204" pitchFamily="34" charset="-122"/>
               </a:rPr>
               <a:t> </a:t>
             </a:r>
             <a:r>
-              <a:rPr lang="en-US" altLang="zh-CN" sz="2000" dirty="0" err="1" smtClean="0">
+              <a:rPr lang="en-US" altLang="zh-CN" sz="2000" dirty="0" err="1">
                 <a:latin typeface="Microsoft YaHei" panose="020B0503020204020204" pitchFamily="34" charset="-122"/>
                 <a:ea typeface="Microsoft YaHei" panose="020B0503020204020204" pitchFamily="34" charset="-122"/>
               </a:rPr>
               <a:t>imageView</a:t>
             </a:r>
             <a:r>
-              <a:rPr lang="en-US" altLang="zh-CN" sz="2000" dirty="0" smtClean="0">
+              <a:rPr lang="en-US" altLang="zh-CN" sz="2000" dirty="0">
                 <a:latin typeface="Microsoft YaHei" panose="020B0503020204020204" pitchFamily="34" charset="-122"/>
                 <a:ea typeface="Microsoft YaHei" panose="020B0503020204020204" pitchFamily="34" charset="-122"/>
               </a:rPr>
               <a:t>- new </a:t>
             </a:r>
             <a:r>
-              <a:rPr lang="en-US" altLang="zh-CN" sz="2000" dirty="0" err="1" smtClean="0">
+              <a:rPr lang="en-US" altLang="zh-CN" sz="2000" dirty="0" err="1">
                 <a:latin typeface="Microsoft YaHei" panose="020B0503020204020204" pitchFamily="34" charset="-122"/>
                 <a:ea typeface="Microsoft YaHei" panose="020B0503020204020204" pitchFamily="34" charset="-122"/>
               </a:rPr>
               <a:t>ImageView</a:t>
             </a:r>
             <a:r>
-              <a:rPr lang="zh-CN" altLang="en-US" sz="2000" dirty="0" smtClean="0">
+              <a:rPr lang="zh-CN" altLang="en-US" sz="2000" dirty="0">
                 <a:latin typeface="Microsoft YaHei" panose="020B0503020204020204" pitchFamily="34" charset="-122"/>
                 <a:ea typeface="Microsoft YaHei" panose="020B0503020204020204" pitchFamily="34" charset="-122"/>
               </a:rPr>
               <a:t>（</a:t>
             </a:r>
             <a:r>
-              <a:rPr lang="en-US" altLang="zh-CN" sz="2000" dirty="0" smtClean="0">
+              <a:rPr lang="en-US" altLang="zh-CN" sz="2000" dirty="0">
                 <a:latin typeface="Microsoft YaHei" panose="020B0503020204020204" pitchFamily="34" charset="-122"/>
                 <a:ea typeface="Microsoft YaHei" panose="020B0503020204020204" pitchFamily="34" charset="-122"/>
               </a:rPr>
               <a:t>'image/us.gif');</a:t>
             </a:r>
-            <a:endParaRPr lang="en-US" altLang="zh-CN" sz="2000" dirty="0">
-              <a:latin typeface="Microsoft YaHei" panose="020B0503020204020204" pitchFamily="34" charset="-122"/>
-              <a:ea typeface="Microsoft YaHei" panose="020B0503020204020204" pitchFamily="34" charset="-122"/>
-            </a:endParaRPr>
           </a:p>
         </p:txBody>
       </p:sp>
@@ -11923,7 +11592,7 @@
           <p:cNvPr id="4" name="文本框 6">
             <a:extLst>
               <a:ext uri="{FF2B5EF4-FFF2-40B4-BE49-F238E27FC236}">
-                <a16:creationId xmlns:a16="http://schemas.microsoft.com/office/drawing/2014/main" xmlns="" id="{06371AB4-3CA3-AD48-87A1-8E705B42E675}"/>
+                <a16:creationId xmlns:a16="http://schemas.microsoft.com/office/drawing/2014/main" id="{06371AB4-3CA3-AD48-87A1-8E705B42E675}"/>
               </a:ext>
             </a:extLst>
           </p:cNvPr>
@@ -11949,7 +11618,7 @@
           <a:lstStyle/>
           <a:p>
             <a:r>
-              <a:rPr kumimoji="1" lang="zh-CN" altLang="en-US" dirty="0" smtClean="0">
+              <a:rPr kumimoji="1" lang="zh-CN" altLang="en-US" dirty="0">
                 <a:solidFill>
                   <a:schemeClr val="bg1"/>
                 </a:solidFill>
@@ -11957,7 +11626,7 @@
               <a:t>请通过代码，了解这两个类的具体定义。实例代码 看书上 </a:t>
             </a:r>
             <a:r>
-              <a:rPr kumimoji="1" lang="en-US" altLang="zh-CN" dirty="0" smtClean="0">
+              <a:rPr kumimoji="1" lang="en-US" altLang="zh-CN" dirty="0">
                 <a:solidFill>
                   <a:schemeClr val="bg1"/>
                 </a:solidFill>
@@ -11975,7 +11644,7 @@
     </p:spTree>
     <p:extLst>
       <p:ext uri="{BB962C8B-B14F-4D97-AF65-F5344CB8AC3E}">
-        <p14:creationId xmlns:p14="http://schemas.microsoft.com/office/powerpoint/2010/main" xmlns="" val="3662182307"/>
+        <p14:creationId xmlns:p14="http://schemas.microsoft.com/office/powerpoint/2010/main" val="3662182307"/>
       </p:ext>
     </p:extLst>
   </p:cSld>
@@ -12094,7 +11763,7 @@
           <p:cNvPr id="2" name="文本框 1">
             <a:extLst>
               <a:ext uri="{FF2B5EF4-FFF2-40B4-BE49-F238E27FC236}">
-                <a16:creationId xmlns:a16="http://schemas.microsoft.com/office/drawing/2014/main" xmlns="" id="{12AA8BCC-7B15-4842-80C2-48C079429338}"/>
+                <a16:creationId xmlns:a16="http://schemas.microsoft.com/office/drawing/2014/main" id="{12AA8BCC-7B15-4842-80C2-48C079429338}"/>
               </a:ext>
             </a:extLst>
           </p:cNvPr>
@@ -12144,7 +11813,7 @@
           <p:cNvPr id="13" name="文本框 12">
             <a:extLst>
               <a:ext uri="{FF2B5EF4-FFF2-40B4-BE49-F238E27FC236}">
-                <a16:creationId xmlns:a16="http://schemas.microsoft.com/office/drawing/2014/main" xmlns="" id="{8E054F89-5FA8-2F47-8710-58E04A67980C}"/>
+                <a16:creationId xmlns:a16="http://schemas.microsoft.com/office/drawing/2014/main" id="{8E054F89-5FA8-2F47-8710-58E04A67980C}"/>
               </a:ext>
             </a:extLst>
           </p:cNvPr>
@@ -12173,13 +11842,13 @@
               </a:lnSpc>
             </a:pPr>
             <a:r>
-              <a:rPr lang="zh-CN" altLang="en-US" sz="2400" dirty="0" smtClean="0">
+              <a:rPr lang="zh-CN" altLang="en-US" sz="2400" dirty="0">
                 <a:latin typeface="Microsoft YaHei" panose="020B0503020204020204" pitchFamily="34" charset="-122"/>
                 <a:ea typeface="Microsoft YaHei" panose="020B0503020204020204" pitchFamily="34" charset="-122"/>
               </a:rPr>
               <a:t>什么是布局</a:t>
             </a:r>
-            <a:endParaRPr lang="en-US" altLang="zh-CN" sz="2400" dirty="0" smtClean="0">
+            <a:endParaRPr lang="en-US" altLang="zh-CN" sz="2400" dirty="0">
               <a:latin typeface="Microsoft YaHei" panose="020B0503020204020204" pitchFamily="34" charset="-122"/>
               <a:ea typeface="Microsoft YaHei" panose="020B0503020204020204" pitchFamily="34" charset="-122"/>
             </a:endParaRPr>
@@ -12191,41 +11860,41 @@
               </a:lnSpc>
             </a:pPr>
             <a:r>
-              <a:rPr lang="zh-CN" altLang="en-US" sz="2400" dirty="0" smtClean="0">
+              <a:rPr lang="zh-CN" altLang="en-US" sz="2400" dirty="0">
                 <a:latin typeface="Microsoft YaHei" panose="020B0503020204020204" pitchFamily="34" charset="-122"/>
                 <a:ea typeface="Microsoft YaHei" panose="020B0503020204020204" pitchFamily="34" charset="-122"/>
               </a:rPr>
               <a:t>布局就是 安排每个</a:t>
             </a:r>
             <a:r>
-              <a:rPr lang="en-US" altLang="zh-CN" sz="2400" dirty="0" smtClean="0">
+              <a:rPr lang="en-US" altLang="zh-CN" sz="2400" dirty="0">
                 <a:latin typeface="Microsoft YaHei" panose="020B0503020204020204" pitchFamily="34" charset="-122"/>
                 <a:ea typeface="Microsoft YaHei" panose="020B0503020204020204" pitchFamily="34" charset="-122"/>
               </a:rPr>
               <a:t>UI</a:t>
             </a:r>
             <a:r>
-              <a:rPr lang="zh-CN" altLang="en-US" sz="2400" dirty="0" smtClean="0">
+              <a:rPr lang="zh-CN" altLang="en-US" sz="2400" dirty="0">
                 <a:latin typeface="Microsoft YaHei" panose="020B0503020204020204" pitchFamily="34" charset="-122"/>
                 <a:ea typeface="Microsoft YaHei" panose="020B0503020204020204" pitchFamily="34" charset="-122"/>
               </a:rPr>
               <a:t>控件放置的位置，我们面对的终端界面还是二维界面，那么在一个</a:t>
             </a:r>
             <a:r>
-              <a:rPr lang="en-US" altLang="zh-CN" sz="2400" dirty="0" err="1" smtClean="0">
+              <a:rPr lang="en-US" altLang="zh-CN" sz="2400" dirty="0" err="1">
                 <a:latin typeface="Microsoft YaHei" panose="020B0503020204020204" pitchFamily="34" charset="-122"/>
                 <a:ea typeface="Microsoft YaHei" panose="020B0503020204020204" pitchFamily="34" charset="-122"/>
               </a:rPr>
               <a:t>x,y</a:t>
             </a:r>
             <a:r>
-              <a:rPr lang="zh-CN" altLang="en-US" sz="2400" dirty="0" smtClean="0">
+              <a:rPr lang="zh-CN" altLang="en-US" sz="2400" dirty="0">
                 <a:latin typeface="Microsoft YaHei" panose="020B0503020204020204" pitchFamily="34" charset="-122"/>
                 <a:ea typeface="Microsoft YaHei" panose="020B0503020204020204" pitchFamily="34" charset="-122"/>
               </a:rPr>
               <a:t>轴形成的坐标轴中，你可以</a:t>
             </a:r>
-            <a:endParaRPr lang="en-US" altLang="zh-CN" sz="2400" dirty="0" smtClean="0">
+            <a:endParaRPr lang="en-US" altLang="zh-CN" sz="2400" dirty="0">
               <a:latin typeface="Microsoft YaHei" panose="020B0503020204020204" pitchFamily="34" charset="-122"/>
               <a:ea typeface="Microsoft YaHei" panose="020B0503020204020204" pitchFamily="34" charset="-122"/>
             </a:endParaRPr>
@@ -12239,13 +11908,13 @@
               <a:buChar char="•"/>
             </a:pPr>
             <a:r>
-              <a:rPr lang="zh-CN" altLang="en-US" sz="2400" dirty="0" smtClean="0">
+              <a:rPr lang="zh-CN" altLang="en-US" sz="2400" dirty="0">
                 <a:latin typeface="Microsoft YaHei" panose="020B0503020204020204" pitchFamily="34" charset="-122"/>
                 <a:ea typeface="Microsoft YaHei" panose="020B0503020204020204" pitchFamily="34" charset="-122"/>
               </a:rPr>
               <a:t>横着放，</a:t>
             </a:r>
-            <a:endParaRPr lang="en-US" altLang="zh-CN" sz="2400" dirty="0" smtClean="0">
+            <a:endParaRPr lang="en-US" altLang="zh-CN" sz="2400" dirty="0">
               <a:latin typeface="Microsoft YaHei" panose="020B0503020204020204" pitchFamily="34" charset="-122"/>
               <a:ea typeface="Microsoft YaHei" panose="020B0503020204020204" pitchFamily="34" charset="-122"/>
             </a:endParaRPr>
@@ -12259,13 +11928,13 @@
               <a:buChar char="•"/>
             </a:pPr>
             <a:r>
-              <a:rPr lang="zh-CN" altLang="en-US" sz="2400" dirty="0" smtClean="0">
+              <a:rPr lang="zh-CN" altLang="en-US" sz="2400" dirty="0">
                 <a:latin typeface="Microsoft YaHei" panose="020B0503020204020204" pitchFamily="34" charset="-122"/>
                 <a:ea typeface="Microsoft YaHei" panose="020B0503020204020204" pitchFamily="34" charset="-122"/>
               </a:rPr>
               <a:t>竖着放，</a:t>
             </a:r>
-            <a:endParaRPr lang="en-US" altLang="zh-CN" sz="2400" dirty="0" smtClean="0">
+            <a:endParaRPr lang="en-US" altLang="zh-CN" sz="2400" dirty="0">
               <a:latin typeface="Microsoft YaHei" panose="020B0503020204020204" pitchFamily="34" charset="-122"/>
               <a:ea typeface="Microsoft YaHei" panose="020B0503020204020204" pitchFamily="34" charset="-122"/>
             </a:endParaRPr>
@@ -12279,13 +11948,13 @@
               <a:buChar char="•"/>
             </a:pPr>
             <a:r>
-              <a:rPr lang="zh-CN" altLang="en-US" sz="2400" dirty="0" smtClean="0">
+              <a:rPr lang="zh-CN" altLang="en-US" sz="2400" dirty="0">
                 <a:latin typeface="Microsoft YaHei" panose="020B0503020204020204" pitchFamily="34" charset="-122"/>
                 <a:ea typeface="Microsoft YaHei" panose="020B0503020204020204" pitchFamily="34" charset="-122"/>
               </a:rPr>
               <a:t>叠着放，</a:t>
             </a:r>
-            <a:endParaRPr lang="en-US" altLang="zh-CN" sz="2400" dirty="0" smtClean="0">
+            <a:endParaRPr lang="en-US" altLang="zh-CN" sz="2400" dirty="0">
               <a:latin typeface="Microsoft YaHei" panose="020B0503020204020204" pitchFamily="34" charset="-122"/>
               <a:ea typeface="Microsoft YaHei" panose="020B0503020204020204" pitchFamily="34" charset="-122"/>
             </a:endParaRPr>
@@ -12299,13 +11968,13 @@
               <a:buChar char="•"/>
             </a:pPr>
             <a:r>
-              <a:rPr lang="zh-CN" altLang="en-US" sz="2400" dirty="0" smtClean="0">
+              <a:rPr lang="zh-CN" altLang="en-US" sz="2400" dirty="0">
                 <a:latin typeface="Microsoft YaHei" panose="020B0503020204020204" pitchFamily="34" charset="-122"/>
                 <a:ea typeface="Microsoft YaHei" panose="020B0503020204020204" pitchFamily="34" charset="-122"/>
               </a:rPr>
               <a:t>分区上下左右放</a:t>
             </a:r>
-            <a:endParaRPr lang="en-US" altLang="zh-CN" sz="2400" dirty="0" smtClean="0">
+            <a:endParaRPr lang="en-US" altLang="zh-CN" sz="2400" dirty="0">
               <a:latin typeface="Microsoft YaHei" panose="020B0503020204020204" pitchFamily="34" charset="-122"/>
               <a:ea typeface="Microsoft YaHei" panose="020B0503020204020204" pitchFamily="34" charset="-122"/>
             </a:endParaRPr>
@@ -12319,13 +11988,13 @@
               <a:buChar char="•"/>
             </a:pPr>
             <a:r>
-              <a:rPr lang="zh-CN" altLang="en-US" sz="2400" dirty="0" smtClean="0">
+              <a:rPr lang="zh-CN" altLang="en-US" sz="2400" dirty="0">
                 <a:latin typeface="Microsoft YaHei" panose="020B0503020204020204" pitchFamily="34" charset="-122"/>
                 <a:ea typeface="Microsoft YaHei" panose="020B0503020204020204" pitchFamily="34" charset="-122"/>
               </a:rPr>
               <a:t>。。。</a:t>
             </a:r>
-            <a:endParaRPr lang="en-US" altLang="zh-CN" sz="2400" dirty="0" smtClean="0">
+            <a:endParaRPr lang="en-US" altLang="zh-CN" sz="2400" dirty="0">
               <a:latin typeface="Microsoft YaHei" panose="020B0503020204020204" pitchFamily="34" charset="-122"/>
               <a:ea typeface="Microsoft YaHei" panose="020B0503020204020204" pitchFamily="34" charset="-122"/>
             </a:endParaRPr>
@@ -12335,7 +12004,7 @@
     </p:spTree>
     <p:extLst>
       <p:ext uri="{BB962C8B-B14F-4D97-AF65-F5344CB8AC3E}">
-        <p14:creationId xmlns:p14="http://schemas.microsoft.com/office/powerpoint/2010/main" xmlns="" val="2103482162"/>
+        <p14:creationId xmlns:p14="http://schemas.microsoft.com/office/powerpoint/2010/main" val="2103482162"/>
       </p:ext>
     </p:extLst>
   </p:cSld>
@@ -12454,7 +12123,7 @@
           <p:cNvPr id="2" name="文本框 1">
             <a:extLst>
               <a:ext uri="{FF2B5EF4-FFF2-40B4-BE49-F238E27FC236}">
-                <a16:creationId xmlns:a16="http://schemas.microsoft.com/office/drawing/2014/main" xmlns="" id="{12AA8BCC-7B15-4842-80C2-48C079429338}"/>
+                <a16:creationId xmlns:a16="http://schemas.microsoft.com/office/drawing/2014/main" id="{12AA8BCC-7B15-4842-80C2-48C079429338}"/>
               </a:ext>
             </a:extLst>
           </p:cNvPr>
@@ -12535,20 +12204,13 @@
     </p:spTree>
     <p:extLst>
       <p:ext uri="{BB962C8B-B14F-4D97-AF65-F5344CB8AC3E}">
-        <p14:creationId xmlns:p14="http://schemas.microsoft.com/office/powerpoint/2010/main" xmlns="" val="2103482162"/>
+        <p14:creationId xmlns:p14="http://schemas.microsoft.com/office/powerpoint/2010/main" val="2103482162"/>
       </p:ext>
     </p:extLst>
   </p:cSld>
   <p:clrMapOvr>
     <a:masterClrMapping/>
   </p:clrMapOvr>
-  <p:timing>
-    <p:tnLst>
-      <p:par>
-        <p:cTn id="1" dur="indefinite" restart="never" nodeType="tmRoot"/>
-      </p:par>
-    </p:tnLst>
-  </p:timing>
 </p:sld>
 </file>
 
@@ -12583,7 +12245,7 @@
           <p:cNvPr id="2" name="文本框 1">
             <a:extLst>
               <a:ext uri="{FF2B5EF4-FFF2-40B4-BE49-F238E27FC236}">
-                <a16:creationId xmlns:a16="http://schemas.microsoft.com/office/drawing/2014/main" xmlns="" id="{12AA8BCC-7B15-4842-80C2-48C079429338}"/>
+                <a16:creationId xmlns:a16="http://schemas.microsoft.com/office/drawing/2014/main" id="{12AA8BCC-7B15-4842-80C2-48C079429338}"/>
               </a:ext>
             </a:extLst>
           </p:cNvPr>
@@ -12619,24 +12281,17 @@
                 <a:latin typeface="Microsoft YaHei" panose="020B0503020204020204" pitchFamily="34" charset="-122"/>
                 <a:ea typeface="Microsoft YaHei" panose="020B0503020204020204" pitchFamily="34" charset="-122"/>
               </a:rPr>
-              <a:t> 布局面</a:t>
-            </a:r>
-            <a:r>
-              <a:rPr kumimoji="1" lang="zh-CN" altLang="en-US" sz="4800" dirty="0" smtClean="0">
-                <a:latin typeface="Microsoft YaHei" panose="020B0503020204020204" pitchFamily="34" charset="-122"/>
-                <a:ea typeface="Microsoft YaHei" panose="020B0503020204020204" pitchFamily="34" charset="-122"/>
-              </a:rPr>
-              <a:t>板</a:t>
-            </a:r>
-            <a:r>
-              <a:rPr kumimoji="1" lang="en-US" altLang="zh-CN" sz="4800" dirty="0" smtClean="0">
+              <a:t> 布局面板</a:t>
+            </a:r>
+            <a:r>
+              <a:rPr kumimoji="1" lang="en-US" altLang="zh-CN" sz="4800" dirty="0">
                 <a:latin typeface="Microsoft YaHei" panose="020B0503020204020204" pitchFamily="34" charset="-122"/>
                 <a:ea typeface="Microsoft YaHei" panose="020B0503020204020204" pitchFamily="34" charset="-122"/>
               </a:rPr>
               <a:t>---</a:t>
             </a:r>
             <a:r>
-              <a:rPr kumimoji="1" lang="en-US" altLang="zh-CN" sz="4800" dirty="0" err="1" smtClean="0">
+              <a:rPr kumimoji="1" lang="en-US" altLang="zh-CN" sz="4800" dirty="0" err="1">
                 <a:latin typeface="Microsoft YaHei" panose="020B0503020204020204" pitchFamily="34" charset="-122"/>
                 <a:ea typeface="Microsoft YaHei" panose="020B0503020204020204" pitchFamily="34" charset="-122"/>
               </a:rPr>
@@ -12672,62 +12327,34 @@
           <a:lstStyle/>
           <a:p>
             <a:r>
-              <a:rPr lang="en-US" altLang="zh-CN" sz="2000" dirty="0" err="1" smtClean="0"/>
+              <a:rPr lang="en-US" altLang="zh-CN" sz="2000" dirty="0" err="1"/>
               <a:t>FlowPane</a:t>
             </a:r>
             <a:r>
-              <a:rPr lang="en-US" altLang="zh-CN" sz="2000" dirty="0" smtClean="0"/>
+              <a:rPr lang="en-US" altLang="zh-CN" sz="2000" dirty="0"/>
               <a:t> </a:t>
             </a:r>
             <a:r>
-              <a:rPr lang="zh-CN" altLang="en-US" sz="2000" dirty="0" smtClean="0"/>
-              <a:t>将节点</a:t>
-            </a:r>
-            <a:r>
-              <a:rPr lang="zh-CN" altLang="en-US" sz="2000" dirty="0" smtClean="0"/>
-              <a:t>按照</a:t>
-            </a:r>
-            <a:r>
-              <a:rPr lang="zh-CN" altLang="en-US" sz="2000" dirty="0" smtClean="0"/>
-              <a:t>加入</a:t>
-            </a:r>
-            <a:r>
-              <a:rPr lang="zh-CN" altLang="en-US" sz="2000" dirty="0" smtClean="0"/>
-              <a:t>的</a:t>
-            </a:r>
-            <a:r>
-              <a:rPr lang="zh-CN" altLang="en-US" sz="2000" dirty="0" smtClean="0"/>
-              <a:t>次序，从左到右水平或者从上到下垂直组织。当一行或者 一列排满的时候，开始新的一行或者一列。可以使用以下两个常数中的一个来确定节点是</a:t>
-            </a:r>
-            <a:r>
-              <a:rPr lang="zh-CN" altLang="en-US" sz="2000" dirty="0" smtClean="0"/>
-              <a:t>水平</a:t>
-            </a:r>
-            <a:r>
-              <a:rPr lang="zh-CN" altLang="en-US" sz="2000" dirty="0" smtClean="0"/>
-              <a:t>还是垂直排列</a:t>
-            </a:r>
-            <a:r>
-              <a:rPr lang="zh-CN" altLang="en-US" sz="2000" dirty="0" smtClean="0"/>
-              <a:t>：</a:t>
-            </a:r>
-            <a:endParaRPr lang="en-US" altLang="zh-CN" sz="2000" dirty="0" smtClean="0"/>
-          </a:p>
-          <a:p>
-            <a:r>
-              <a:rPr lang="en-US" altLang="zh-CN" sz="2000" dirty="0" err="1" smtClean="0"/>
+              <a:rPr lang="zh-CN" altLang="en-US" sz="2000" dirty="0"/>
+              <a:t>将节点按照加入的次序，从左到右水平或者从上到下垂直组织。当一行或者 一列排满的时候，开始新的一行或者一列。可以使用以下两个常数中的一个来确定节点是水平还是垂直排列：</a:t>
+            </a:r>
+            <a:endParaRPr lang="en-US" altLang="zh-CN" sz="2000" dirty="0"/>
+          </a:p>
+          <a:p>
+            <a:r>
+              <a:rPr lang="en-US" altLang="zh-CN" sz="2000" dirty="0" err="1"/>
               <a:t>Orientation.HORIZONTAL</a:t>
             </a:r>
             <a:r>
-              <a:rPr lang="en-US" altLang="zh-CN" sz="2000" dirty="0" smtClean="0"/>
+              <a:rPr lang="en-US" altLang="zh-CN" sz="2000" dirty="0"/>
               <a:t> </a:t>
             </a:r>
             <a:r>
-              <a:rPr lang="zh-CN" altLang="en-US" sz="2000" dirty="0" smtClean="0"/>
+              <a:rPr lang="zh-CN" altLang="en-US" sz="2000" dirty="0"/>
               <a:t>或者 </a:t>
             </a:r>
             <a:r>
-              <a:rPr lang="en-US" altLang="zh-CN" sz="2000" dirty="0" err="1" smtClean="0"/>
+              <a:rPr lang="en-US" altLang="zh-CN" sz="2000" dirty="0" err="1"/>
               <a:t>Orientation.VERTICAL</a:t>
             </a:r>
             <a:endParaRPr lang="zh-CN" altLang="en-US" sz="2000" dirty="0"/>
@@ -12805,7 +12432,7 @@
           <p:cNvPr id="7" name="文本框 6">
             <a:extLst>
               <a:ext uri="{FF2B5EF4-FFF2-40B4-BE49-F238E27FC236}">
-                <a16:creationId xmlns:a16="http://schemas.microsoft.com/office/drawing/2014/main" xmlns="" id="{06371AB4-3CA3-AD48-87A1-8E705B42E675}"/>
+                <a16:creationId xmlns:a16="http://schemas.microsoft.com/office/drawing/2014/main" id="{06371AB4-3CA3-AD48-87A1-8E705B42E675}"/>
               </a:ext>
             </a:extLst>
           </p:cNvPr>
@@ -12831,46 +12458,26 @@
           <a:lstStyle/>
           <a:p>
             <a:r>
-              <a:rPr kumimoji="1" lang="zh-CN" altLang="en-US" dirty="0" smtClean="0">
+              <a:rPr kumimoji="1" lang="zh-CN" altLang="en-US" dirty="0">
                 <a:solidFill>
                   <a:schemeClr val="bg1"/>
                 </a:solidFill>
               </a:rPr>
-              <a:t>看</a:t>
-            </a:r>
-            <a:r>
-              <a:rPr kumimoji="1" lang="zh-CN" altLang="en-US" dirty="0" smtClean="0">
-                <a:solidFill>
-                  <a:schemeClr val="bg1"/>
-                </a:solidFill>
-              </a:rPr>
-              <a:t>实例代码</a:t>
-            </a:r>
-            <a:endParaRPr kumimoji="1" lang="zh-CN" altLang="en-US" dirty="0">
-              <a:solidFill>
-                <a:schemeClr val="bg1"/>
-              </a:solidFill>
-            </a:endParaRPr>
+              <a:t>看实例代码</a:t>
+            </a:r>
           </a:p>
         </p:txBody>
       </p:sp>
     </p:spTree>
     <p:extLst>
       <p:ext uri="{BB962C8B-B14F-4D97-AF65-F5344CB8AC3E}">
-        <p14:creationId xmlns:p14="http://schemas.microsoft.com/office/powerpoint/2010/main" xmlns="" val="2103482162"/>
+        <p14:creationId xmlns:p14="http://schemas.microsoft.com/office/powerpoint/2010/main" val="2103482162"/>
       </p:ext>
     </p:extLst>
   </p:cSld>
   <p:clrMapOvr>
     <a:masterClrMapping/>
   </p:clrMapOvr>
-  <p:timing>
-    <p:tnLst>
-      <p:par>
-        <p:cTn id="1" dur="indefinite" restart="never" nodeType="tmRoot"/>
-      </p:par>
-    </p:tnLst>
-  </p:timing>
 </p:sld>
 </file>
 
@@ -12905,7 +12512,7 @@
           <p:cNvPr id="2" name="文本框 1">
             <a:extLst>
               <a:ext uri="{FF2B5EF4-FFF2-40B4-BE49-F238E27FC236}">
-                <a16:creationId xmlns:a16="http://schemas.microsoft.com/office/drawing/2014/main" xmlns="" id="{12AA8BCC-7B15-4842-80C2-48C079429338}"/>
+                <a16:creationId xmlns:a16="http://schemas.microsoft.com/office/drawing/2014/main" id="{12AA8BCC-7B15-4842-80C2-48C079429338}"/>
               </a:ext>
             </a:extLst>
           </p:cNvPr>
@@ -12941,24 +12548,17 @@
                 <a:latin typeface="Microsoft YaHei" panose="020B0503020204020204" pitchFamily="34" charset="-122"/>
                 <a:ea typeface="Microsoft YaHei" panose="020B0503020204020204" pitchFamily="34" charset="-122"/>
               </a:rPr>
-              <a:t> 布局面</a:t>
-            </a:r>
-            <a:r>
-              <a:rPr kumimoji="1" lang="zh-CN" altLang="en-US" sz="4800" dirty="0" smtClean="0">
-                <a:latin typeface="Microsoft YaHei" panose="020B0503020204020204" pitchFamily="34" charset="-122"/>
-                <a:ea typeface="Microsoft YaHei" panose="020B0503020204020204" pitchFamily="34" charset="-122"/>
-              </a:rPr>
-              <a:t>板</a:t>
-            </a:r>
-            <a:r>
-              <a:rPr kumimoji="1" lang="en-US" altLang="zh-CN" sz="4800" dirty="0" smtClean="0">
+              <a:t> 布局面板</a:t>
+            </a:r>
+            <a:r>
+              <a:rPr kumimoji="1" lang="en-US" altLang="zh-CN" sz="4800" dirty="0">
                 <a:latin typeface="Microsoft YaHei" panose="020B0503020204020204" pitchFamily="34" charset="-122"/>
                 <a:ea typeface="Microsoft YaHei" panose="020B0503020204020204" pitchFamily="34" charset="-122"/>
               </a:rPr>
               <a:t>---</a:t>
             </a:r>
             <a:r>
-              <a:rPr kumimoji="1" lang="en-US" altLang="zh-CN" sz="4800" dirty="0" err="1" smtClean="0">
+              <a:rPr kumimoji="1" lang="en-US" altLang="zh-CN" sz="4800" dirty="0" err="1">
                 <a:latin typeface="Microsoft YaHei" panose="020B0503020204020204" pitchFamily="34" charset="-122"/>
                 <a:ea typeface="Microsoft YaHei" panose="020B0503020204020204" pitchFamily="34" charset="-122"/>
               </a:rPr>
@@ -12994,18 +12594,17 @@
           <a:lstStyle/>
           <a:p>
             <a:r>
-              <a:rPr lang="en-US" altLang="zh-CN" sz="2000" dirty="0" err="1" smtClean="0"/>
+              <a:rPr lang="en-US" altLang="zh-CN" sz="2000" dirty="0" err="1"/>
               <a:t>GridPane</a:t>
             </a:r>
             <a:r>
-              <a:rPr lang="en-US" altLang="zh-CN" sz="2000" dirty="0" smtClean="0"/>
+              <a:rPr lang="en-US" altLang="zh-CN" sz="2000" dirty="0"/>
               <a:t> </a:t>
             </a:r>
             <a:r>
-              <a:rPr lang="zh-CN" altLang="en-US" sz="2000" dirty="0" smtClean="0"/>
+              <a:rPr lang="zh-CN" altLang="en-US" sz="2000" dirty="0"/>
               <a:t>将节点布局在一个网格（矩阵）中。节点放在一个指定的列和行索引中。</a:t>
             </a:r>
-            <a:endParaRPr lang="zh-CN" altLang="en-US" sz="2000" dirty="0"/>
           </a:p>
         </p:txBody>
       </p:sp>
@@ -13014,7 +12613,7 @@
           <p:cNvPr id="7" name="文本框 6">
             <a:extLst>
               <a:ext uri="{FF2B5EF4-FFF2-40B4-BE49-F238E27FC236}">
-                <a16:creationId xmlns:a16="http://schemas.microsoft.com/office/drawing/2014/main" xmlns="" id="{06371AB4-3CA3-AD48-87A1-8E705B42E675}"/>
+                <a16:creationId xmlns:a16="http://schemas.microsoft.com/office/drawing/2014/main" id="{06371AB4-3CA3-AD48-87A1-8E705B42E675}"/>
               </a:ext>
             </a:extLst>
           </p:cNvPr>
@@ -13040,23 +12639,15 @@
           <a:lstStyle/>
           <a:p>
             <a:r>
-              <a:rPr kumimoji="1" lang="zh-CN" altLang="en-US" dirty="0" smtClean="0">
+              <a:rPr kumimoji="1" lang="zh-CN" altLang="en-US" dirty="0">
                 <a:solidFill>
                   <a:schemeClr val="bg1"/>
                 </a:solidFill>
               </a:rPr>
-              <a:t>看</a:t>
-            </a:r>
-            <a:r>
-              <a:rPr kumimoji="1" lang="zh-CN" altLang="en-US" dirty="0" smtClean="0">
-                <a:solidFill>
-                  <a:schemeClr val="bg1"/>
-                </a:solidFill>
-              </a:rPr>
-              <a:t>实例代码 </a:t>
-            </a:r>
-            <a:r>
-              <a:rPr kumimoji="1" lang="en-US" altLang="zh-CN" dirty="0" err="1" smtClean="0">
+              <a:t>看实例代码 </a:t>
+            </a:r>
+            <a:r>
+              <a:rPr kumimoji="1" lang="en-US" altLang="zh-CN" dirty="0" err="1">
                 <a:solidFill>
                   <a:schemeClr val="bg1"/>
                 </a:solidFill>
@@ -13074,20 +12665,13 @@
     </p:spTree>
     <p:extLst>
       <p:ext uri="{BB962C8B-B14F-4D97-AF65-F5344CB8AC3E}">
-        <p14:creationId xmlns:p14="http://schemas.microsoft.com/office/powerpoint/2010/main" xmlns="" val="2103482162"/>
+        <p14:creationId xmlns:p14="http://schemas.microsoft.com/office/powerpoint/2010/main" val="2103482162"/>
       </p:ext>
     </p:extLst>
   </p:cSld>
   <p:clrMapOvr>
     <a:masterClrMapping/>
   </p:clrMapOvr>
-  <p:timing>
-    <p:tnLst>
-      <p:par>
-        <p:cTn id="1" dur="indefinite" restart="never" nodeType="tmRoot"/>
-      </p:par>
-    </p:tnLst>
-  </p:timing>
 </p:sld>
 </file>
 
@@ -13122,7 +12706,7 @@
           <p:cNvPr id="2" name="文本框 1">
             <a:extLst>
               <a:ext uri="{FF2B5EF4-FFF2-40B4-BE49-F238E27FC236}">
-                <a16:creationId xmlns:a16="http://schemas.microsoft.com/office/drawing/2014/main" xmlns="" id="{12AA8BCC-7B15-4842-80C2-48C079429338}"/>
+                <a16:creationId xmlns:a16="http://schemas.microsoft.com/office/drawing/2014/main" id="{12AA8BCC-7B15-4842-80C2-48C079429338}"/>
               </a:ext>
             </a:extLst>
           </p:cNvPr>
@@ -13158,45 +12742,38 @@
                 <a:latin typeface="Microsoft YaHei" panose="020B0503020204020204" pitchFamily="34" charset="-122"/>
                 <a:ea typeface="Microsoft YaHei" panose="020B0503020204020204" pitchFamily="34" charset="-122"/>
               </a:rPr>
-              <a:t> 布局面</a:t>
-            </a:r>
-            <a:r>
-              <a:rPr kumimoji="1" lang="zh-CN" altLang="en-US" sz="4800" dirty="0" smtClean="0">
-                <a:latin typeface="Microsoft YaHei" panose="020B0503020204020204" pitchFamily="34" charset="-122"/>
-                <a:ea typeface="Microsoft YaHei" panose="020B0503020204020204" pitchFamily="34" charset="-122"/>
-              </a:rPr>
-              <a:t>板</a:t>
-            </a:r>
-            <a:r>
-              <a:rPr kumimoji="1" lang="en-US" altLang="zh-CN" sz="4800" dirty="0" smtClean="0">
+              <a:t> 布局面板</a:t>
+            </a:r>
+            <a:r>
+              <a:rPr kumimoji="1" lang="en-US" altLang="zh-CN" sz="4800" dirty="0">
                 <a:latin typeface="Microsoft YaHei" panose="020B0503020204020204" pitchFamily="34" charset="-122"/>
                 <a:ea typeface="Microsoft YaHei" panose="020B0503020204020204" pitchFamily="34" charset="-122"/>
               </a:rPr>
               <a:t>---</a:t>
             </a:r>
             <a:r>
-              <a:rPr kumimoji="1" lang="en-US" altLang="zh-CN" sz="4800" dirty="0" err="1" smtClean="0">
+              <a:rPr kumimoji="1" lang="en-US" altLang="zh-CN" sz="4800" dirty="0" err="1">
                 <a:latin typeface="Microsoft YaHei" panose="020B0503020204020204" pitchFamily="34" charset="-122"/>
                 <a:ea typeface="Microsoft YaHei" panose="020B0503020204020204" pitchFamily="34" charset="-122"/>
               </a:rPr>
               <a:t>HBox</a:t>
             </a:r>
             <a:r>
-              <a:rPr kumimoji="1" lang="en-US" altLang="zh-CN" sz="4800" dirty="0" smtClean="0">
+              <a:rPr kumimoji="1" lang="en-US" altLang="zh-CN" sz="4800" dirty="0">
                 <a:latin typeface="Microsoft YaHei" panose="020B0503020204020204" pitchFamily="34" charset="-122"/>
                 <a:ea typeface="Microsoft YaHei" panose="020B0503020204020204" pitchFamily="34" charset="-122"/>
               </a:rPr>
               <a:t> </a:t>
             </a:r>
             <a:r>
-              <a:rPr kumimoji="1" lang="zh-CN" altLang="en-US" sz="4800" dirty="0" smtClean="0">
+              <a:rPr kumimoji="1" lang="zh-CN" altLang="en-US" sz="4800" dirty="0">
                 <a:latin typeface="Microsoft YaHei" panose="020B0503020204020204" pitchFamily="34" charset="-122"/>
                 <a:ea typeface="Microsoft YaHei" panose="020B0503020204020204" pitchFamily="34" charset="-122"/>
               </a:rPr>
               <a:t>和</a:t>
             </a:r>
             <a:r>
-              <a:rPr kumimoji="1" lang="en-US" altLang="zh-CN" sz="4800" dirty="0" err="1" smtClean="0">
+              <a:rPr kumimoji="1" lang="en-US" altLang="zh-CN" sz="4800" dirty="0" err="1">
                 <a:latin typeface="Microsoft YaHei" panose="020B0503020204020204" pitchFamily="34" charset="-122"/>
                 <a:ea typeface="Microsoft YaHei" panose="020B0503020204020204" pitchFamily="34" charset="-122"/>
               </a:rPr>
@@ -13232,104 +12809,79 @@
           <a:lstStyle/>
           <a:p>
             <a:r>
-              <a:rPr lang="en-US" altLang="zh-CN" sz="2000" dirty="0" err="1" smtClean="0"/>
+              <a:rPr lang="en-US" altLang="zh-CN" sz="2000" dirty="0" err="1"/>
               <a:t>HBox</a:t>
             </a:r>
             <a:r>
-              <a:rPr lang="en-US" altLang="zh-CN" sz="2000" dirty="0" smtClean="0"/>
+              <a:rPr lang="en-US" altLang="zh-CN" sz="2000" dirty="0"/>
               <a:t> </a:t>
             </a:r>
             <a:r>
-              <a:rPr lang="zh-CN" altLang="en-US" sz="2000" dirty="0" smtClean="0"/>
+              <a:rPr lang="zh-CN" altLang="en-US" sz="2000" dirty="0"/>
               <a:t>将它的子节点（</a:t>
             </a:r>
             <a:r>
-              <a:rPr lang="en-US" altLang="zh-CN" sz="2000" dirty="0" smtClean="0"/>
+              <a:rPr lang="en-US" altLang="zh-CN" sz="2000" dirty="0"/>
               <a:t>children) </a:t>
             </a:r>
             <a:r>
-              <a:rPr lang="zh-CN" altLang="en-US" sz="2000" dirty="0" smtClean="0"/>
-              <a:t>布局在单个水</a:t>
-            </a:r>
-            <a:r>
-              <a:rPr lang="zh-CN" altLang="en-US" sz="2000" dirty="0" smtClean="0"/>
-              <a:t>平行</a:t>
-            </a:r>
-            <a:r>
-              <a:rPr lang="zh-CN" altLang="en-US" sz="2000" dirty="0" smtClean="0"/>
-              <a:t>中</a:t>
-            </a:r>
-            <a:r>
-              <a:rPr lang="zh-CN" altLang="en-US" sz="2000" dirty="0" smtClean="0"/>
-              <a:t>。</a:t>
-            </a:r>
-            <a:endParaRPr lang="en-US" altLang="zh-CN" sz="2000" dirty="0" smtClean="0"/>
-          </a:p>
-          <a:p>
-            <a:r>
-              <a:rPr lang="en-US" altLang="zh-CN" sz="2000" dirty="0" err="1" smtClean="0"/>
+              <a:rPr lang="zh-CN" altLang="en-US" sz="2000" dirty="0"/>
+              <a:t>布局在单个水平行中。</a:t>
+            </a:r>
+            <a:endParaRPr lang="en-US" altLang="zh-CN" sz="2000" dirty="0"/>
+          </a:p>
+          <a:p>
+            <a:r>
+              <a:rPr lang="en-US" altLang="zh-CN" sz="2000" dirty="0" err="1"/>
               <a:t>VBox</a:t>
             </a:r>
             <a:r>
-              <a:rPr lang="en-US" altLang="zh-CN" sz="2000" dirty="0" smtClean="0"/>
+              <a:rPr lang="en-US" altLang="zh-CN" sz="2000" dirty="0"/>
               <a:t> </a:t>
             </a:r>
             <a:r>
-              <a:rPr lang="zh-CN" altLang="en-US" sz="2000" dirty="0" smtClean="0"/>
-              <a:t>将它的子节点布局在单个垂直列中</a:t>
-            </a:r>
-            <a:r>
-              <a:rPr lang="zh-CN" altLang="en-US" sz="2000" dirty="0" smtClean="0"/>
-              <a:t>。</a:t>
-            </a:r>
-            <a:endParaRPr lang="en-US" altLang="zh-CN" sz="2000" dirty="0" smtClean="0"/>
-          </a:p>
-          <a:p>
-            <a:r>
-              <a:rPr lang="en-US" altLang="zh-CN" sz="2000" dirty="0" err="1" smtClean="0"/>
+              <a:rPr lang="zh-CN" altLang="en-US" sz="2000" dirty="0"/>
+              <a:t>将它的子节点布局在单个垂直列中。</a:t>
+            </a:r>
+            <a:endParaRPr lang="en-US" altLang="zh-CN" sz="2000" dirty="0"/>
+          </a:p>
+          <a:p>
+            <a:r>
+              <a:rPr lang="en-US" altLang="zh-CN" sz="2000" dirty="0" err="1"/>
               <a:t>FlowPane</a:t>
             </a:r>
             <a:r>
-              <a:rPr lang="en-US" altLang="zh-CN" sz="2000" dirty="0" smtClean="0"/>
+              <a:rPr lang="en-US" altLang="zh-CN" sz="2000" dirty="0"/>
               <a:t> </a:t>
             </a:r>
             <a:r>
-              <a:rPr lang="zh-CN" altLang="en-US" sz="2000" dirty="0" smtClean="0"/>
-              <a:t>可以将它的子节点布局在多行或者多</a:t>
-            </a:r>
-            <a:r>
-              <a:rPr lang="zh-CN" altLang="en-US" sz="2000" dirty="0" smtClean="0"/>
-              <a:t>列中</a:t>
-            </a:r>
-            <a:r>
-              <a:rPr lang="zh-CN" altLang="en-US" sz="2000" dirty="0" smtClean="0"/>
-              <a:t>，但是一个 </a:t>
-            </a:r>
-            <a:r>
-              <a:rPr lang="en-US" altLang="zh-CN" sz="2000" dirty="0" err="1" smtClean="0"/>
+              <a:rPr lang="zh-CN" altLang="en-US" sz="2000" dirty="0"/>
+              <a:t>可以将它的子节点布局在多行或者多列中，但是一个 </a:t>
+            </a:r>
+            <a:r>
+              <a:rPr lang="en-US" altLang="zh-CN" sz="2000" dirty="0" err="1"/>
               <a:t>HBox</a:t>
             </a:r>
             <a:r>
-              <a:rPr lang="en-US" altLang="zh-CN" sz="2000" dirty="0" smtClean="0"/>
+              <a:rPr lang="en-US" altLang="zh-CN" sz="2000" dirty="0"/>
               <a:t> </a:t>
             </a:r>
             <a:r>
-              <a:rPr lang="zh-CN" altLang="en-US" sz="2000" dirty="0" smtClean="0"/>
+              <a:rPr lang="zh-CN" altLang="en-US" sz="2000" dirty="0"/>
               <a:t>或者 </a:t>
             </a:r>
             <a:r>
-              <a:rPr lang="en-US" altLang="zh-CN" sz="2000" dirty="0" err="1" smtClean="0"/>
+              <a:rPr lang="en-US" altLang="zh-CN" sz="2000" dirty="0" err="1"/>
               <a:t>VBox</a:t>
             </a:r>
             <a:r>
-              <a:rPr lang="en-US" altLang="zh-CN" sz="2000" dirty="0" smtClean="0"/>
+              <a:rPr lang="en-US" altLang="zh-CN" sz="2000" dirty="0"/>
               <a:t> </a:t>
             </a:r>
             <a:r>
-              <a:rPr lang="zh-CN" altLang="en-US" sz="2000" dirty="0" smtClean="0"/>
+              <a:rPr lang="zh-CN" altLang="en-US" sz="2000" dirty="0"/>
               <a:t>只能把子节点布局在一 行或者一列中</a:t>
             </a:r>
-            <a:endParaRPr lang="zh-CN" altLang="en-US" sz="2000" dirty="0"/>
           </a:p>
         </p:txBody>
       </p:sp>
@@ -13338,7 +12890,7 @@
           <p:cNvPr id="7" name="文本框 6">
             <a:extLst>
               <a:ext uri="{FF2B5EF4-FFF2-40B4-BE49-F238E27FC236}">
-                <a16:creationId xmlns:a16="http://schemas.microsoft.com/office/drawing/2014/main" xmlns="" id="{06371AB4-3CA3-AD48-87A1-8E705B42E675}"/>
+                <a16:creationId xmlns:a16="http://schemas.microsoft.com/office/drawing/2014/main" id="{06371AB4-3CA3-AD48-87A1-8E705B42E675}"/>
               </a:ext>
             </a:extLst>
           </p:cNvPr>
@@ -13364,23 +12916,15 @@
           <a:lstStyle/>
           <a:p>
             <a:r>
-              <a:rPr kumimoji="1" lang="zh-CN" altLang="en-US" dirty="0" smtClean="0">
+              <a:rPr kumimoji="1" lang="zh-CN" altLang="en-US" dirty="0">
                 <a:solidFill>
                   <a:schemeClr val="bg1"/>
                 </a:solidFill>
               </a:rPr>
-              <a:t>看</a:t>
-            </a:r>
-            <a:r>
-              <a:rPr kumimoji="1" lang="zh-CN" altLang="en-US" dirty="0" smtClean="0">
-                <a:solidFill>
-                  <a:schemeClr val="bg1"/>
-                </a:solidFill>
-              </a:rPr>
-              <a:t>实例代码 </a:t>
-            </a:r>
-            <a:r>
-              <a:rPr kumimoji="1" lang="en-US" altLang="zh-CN" dirty="0" err="1" smtClean="0">
+              <a:t>看实例代码 </a:t>
+            </a:r>
+            <a:r>
+              <a:rPr kumimoji="1" lang="en-US" altLang="zh-CN" dirty="0" err="1">
                 <a:solidFill>
                   <a:schemeClr val="bg1"/>
                 </a:solidFill>
@@ -13398,20 +12942,13 @@
     </p:spTree>
     <p:extLst>
       <p:ext uri="{BB962C8B-B14F-4D97-AF65-F5344CB8AC3E}">
-        <p14:creationId xmlns:p14="http://schemas.microsoft.com/office/powerpoint/2010/main" xmlns="" val="2103482162"/>
+        <p14:creationId xmlns:p14="http://schemas.microsoft.com/office/powerpoint/2010/main" val="2103482162"/>
       </p:ext>
     </p:extLst>
   </p:cSld>
   <p:clrMapOvr>
     <a:masterClrMapping/>
   </p:clrMapOvr>
-  <p:timing>
-    <p:tnLst>
-      <p:par>
-        <p:cTn id="1" dur="indefinite" restart="never" nodeType="tmRoot"/>
-      </p:par>
-    </p:tnLst>
-  </p:timing>
 </p:sld>
 </file>
 
@@ -13446,7 +12983,7 @@
           <p:cNvPr id="2" name="文本框 1">
             <a:extLst>
               <a:ext uri="{FF2B5EF4-FFF2-40B4-BE49-F238E27FC236}">
-                <a16:creationId xmlns:a16="http://schemas.microsoft.com/office/drawing/2014/main" xmlns="" id="{12AA8BCC-7B15-4842-80C2-48C079429338}"/>
+                <a16:creationId xmlns:a16="http://schemas.microsoft.com/office/drawing/2014/main" id="{12AA8BCC-7B15-4842-80C2-48C079429338}"/>
               </a:ext>
             </a:extLst>
           </p:cNvPr>
@@ -13482,28 +13019,7 @@
                 <a:latin typeface="Microsoft YaHei" panose="020B0503020204020204" pitchFamily="34" charset="-122"/>
                 <a:ea typeface="Microsoft YaHei" panose="020B0503020204020204" pitchFamily="34" charset="-122"/>
               </a:rPr>
-              <a:t> </a:t>
-            </a:r>
-            <a:r>
-              <a:rPr kumimoji="1" lang="zh-CN" altLang="en-US" sz="4800" dirty="0" smtClean="0">
-                <a:latin typeface="Microsoft YaHei" panose="020B0503020204020204" pitchFamily="34" charset="-122"/>
-                <a:ea typeface="Microsoft YaHei" panose="020B0503020204020204" pitchFamily="34" charset="-122"/>
-              </a:rPr>
-              <a:t>其他布局</a:t>
-            </a:r>
-            <a:r>
-              <a:rPr kumimoji="1" lang="zh-CN" altLang="en-US" sz="4800" dirty="0">
-                <a:latin typeface="Microsoft YaHei" panose="020B0503020204020204" pitchFamily="34" charset="-122"/>
-                <a:ea typeface="Microsoft YaHei" panose="020B0503020204020204" pitchFamily="34" charset="-122"/>
-              </a:rPr>
-              <a:t>面</a:t>
-            </a:r>
-            <a:r>
-              <a:rPr kumimoji="1" lang="zh-CN" altLang="en-US" sz="4800" dirty="0" smtClean="0">
-                <a:latin typeface="Microsoft YaHei" panose="020B0503020204020204" pitchFamily="34" charset="-122"/>
-                <a:ea typeface="Microsoft YaHei" panose="020B0503020204020204" pitchFamily="34" charset="-122"/>
-              </a:rPr>
-              <a:t>板</a:t>
+              <a:t> 其他布局面板</a:t>
             </a:r>
             <a:endParaRPr kumimoji="1" lang="en-US" altLang="zh-CN" sz="4800" dirty="0">
               <a:latin typeface="Microsoft YaHei" panose="020B0503020204020204" pitchFamily="34" charset="-122"/>
@@ -13535,38 +13051,30 @@
           <a:lstStyle/>
           <a:p>
             <a:r>
-              <a:rPr lang="zh-CN" altLang="en-US" sz="2000" dirty="0" smtClean="0"/>
+              <a:rPr lang="zh-CN" altLang="en-US" sz="2000" dirty="0"/>
               <a:t>其他布局面板请大家课后自己尝试使用，用法和上面讲的几个</a:t>
             </a:r>
             <a:r>
-              <a:rPr lang="en-US" altLang="zh-CN" sz="2000" dirty="0" smtClean="0"/>
+              <a:rPr lang="en-US" altLang="zh-CN" sz="2000" dirty="0"/>
               <a:t>Pane</a:t>
             </a:r>
             <a:r>
-              <a:rPr lang="zh-CN" altLang="en-US" sz="2000" dirty="0" smtClean="0"/>
+              <a:rPr lang="zh-CN" altLang="en-US" sz="2000" dirty="0"/>
               <a:t>类似。</a:t>
             </a:r>
-            <a:endParaRPr lang="zh-CN" altLang="en-US" sz="2000" dirty="0"/>
           </a:p>
         </p:txBody>
       </p:sp>
     </p:spTree>
     <p:extLst>
       <p:ext uri="{BB962C8B-B14F-4D97-AF65-F5344CB8AC3E}">
-        <p14:creationId xmlns:p14="http://schemas.microsoft.com/office/powerpoint/2010/main" xmlns="" val="2103482162"/>
+        <p14:creationId xmlns:p14="http://schemas.microsoft.com/office/powerpoint/2010/main" val="2103482162"/>
       </p:ext>
     </p:extLst>
   </p:cSld>
   <p:clrMapOvr>
     <a:masterClrMapping/>
   </p:clrMapOvr>
-  <p:timing>
-    <p:tnLst>
-      <p:par>
-        <p:cTn id="1" dur="indefinite" restart="never" nodeType="tmRoot"/>
-      </p:par>
-    </p:tnLst>
-  </p:timing>
 </p:sld>
 </file>
 
@@ -13601,7 +13109,7 @@
           <p:cNvPr id="2" name="文本框 1">
             <a:extLst>
               <a:ext uri="{FF2B5EF4-FFF2-40B4-BE49-F238E27FC236}">
-                <a16:creationId xmlns:a16="http://schemas.microsoft.com/office/drawing/2014/main" xmlns="" id="{12AA8BCC-7B15-4842-80C2-48C079429338}"/>
+                <a16:creationId xmlns:a16="http://schemas.microsoft.com/office/drawing/2014/main" id="{12AA8BCC-7B15-4842-80C2-48C079429338}"/>
               </a:ext>
             </a:extLst>
           </p:cNvPr>
@@ -13651,7 +13159,7 @@
           <p:cNvPr id="13" name="文本框 12">
             <a:extLst>
               <a:ext uri="{FF2B5EF4-FFF2-40B4-BE49-F238E27FC236}">
-                <a16:creationId xmlns:a16="http://schemas.microsoft.com/office/drawing/2014/main" xmlns="" id="{8E054F89-5FA8-2F47-8710-58E04A67980C}"/>
+                <a16:creationId xmlns:a16="http://schemas.microsoft.com/office/drawing/2014/main" id="{8E054F89-5FA8-2F47-8710-58E04A67980C}"/>
               </a:ext>
             </a:extLst>
           </p:cNvPr>
@@ -13680,60 +13188,25 @@
               </a:lnSpc>
             </a:pPr>
             <a:r>
-              <a:rPr lang="en-US" altLang="zh-CN" sz="2400" dirty="0" err="1" smtClean="0">
+              <a:rPr lang="en-US" altLang="zh-CN" sz="2400" dirty="0" err="1">
                 <a:latin typeface="Microsoft YaHei" panose="020B0503020204020204" pitchFamily="34" charset="-122"/>
                 <a:ea typeface="Microsoft YaHei" panose="020B0503020204020204" pitchFamily="34" charset="-122"/>
               </a:rPr>
               <a:t>JavaFX</a:t>
             </a:r>
             <a:r>
-              <a:rPr lang="en-US" altLang="zh-CN" sz="2400" dirty="0" smtClean="0">
+              <a:rPr lang="en-US" altLang="zh-CN" sz="2400" dirty="0">
                 <a:latin typeface="Microsoft YaHei" panose="020B0503020204020204" pitchFamily="34" charset="-122"/>
                 <a:ea typeface="Microsoft YaHei" panose="020B0503020204020204" pitchFamily="34" charset="-122"/>
               </a:rPr>
               <a:t> </a:t>
             </a:r>
             <a:r>
-              <a:rPr lang="zh-CN" altLang="en-US" sz="2400" dirty="0" smtClean="0">
-                <a:latin typeface="Microsoft YaHei" panose="020B0503020204020204" pitchFamily="34" charset="-122"/>
-                <a:ea typeface="Microsoft YaHei" panose="020B0503020204020204" pitchFamily="34" charset="-122"/>
-              </a:rPr>
-              <a:t>提供了多种形状类，用于绘制文本</a:t>
-            </a:r>
-            <a:r>
-              <a:rPr lang="zh-CN" altLang="en-US" sz="2400" dirty="0" smtClean="0">
-                <a:latin typeface="Microsoft YaHei" panose="020B0503020204020204" pitchFamily="34" charset="-122"/>
-                <a:ea typeface="Microsoft YaHei" panose="020B0503020204020204" pitchFamily="34" charset="-122"/>
-              </a:rPr>
-              <a:t>、直线、圆、</a:t>
-            </a:r>
-            <a:r>
-              <a:rPr lang="zh-CN" altLang="en-US" sz="2400" dirty="0" smtClean="0">
-                <a:latin typeface="Microsoft YaHei" panose="020B0503020204020204" pitchFamily="34" charset="-122"/>
-                <a:ea typeface="Microsoft YaHei" panose="020B0503020204020204" pitchFamily="34" charset="-122"/>
-              </a:rPr>
-              <a:t>矩形</a:t>
-            </a:r>
-            <a:r>
-              <a:rPr lang="zh-CN" altLang="en-US" sz="2400" dirty="0" smtClean="0">
-                <a:latin typeface="Microsoft YaHei" panose="020B0503020204020204" pitchFamily="34" charset="-122"/>
-                <a:ea typeface="Microsoft YaHei" panose="020B0503020204020204" pitchFamily="34" charset="-122"/>
-              </a:rPr>
-              <a:t>、椭圓</a:t>
-            </a:r>
-            <a:r>
-              <a:rPr lang="zh-CN" altLang="en-US" sz="2400" dirty="0" smtClean="0">
-                <a:latin typeface="Microsoft YaHei" panose="020B0503020204020204" pitchFamily="34" charset="-122"/>
-                <a:ea typeface="Microsoft YaHei" panose="020B0503020204020204" pitchFamily="34" charset="-122"/>
-              </a:rPr>
-              <a:t>、孤、 多 边形以及折线</a:t>
-            </a:r>
-            <a:r>
-              <a:rPr lang="zh-CN" altLang="en-US" sz="2400" dirty="0" smtClean="0">
-                <a:latin typeface="Microsoft YaHei" panose="020B0503020204020204" pitchFamily="34" charset="-122"/>
-                <a:ea typeface="Microsoft YaHei" panose="020B0503020204020204" pitchFamily="34" charset="-122"/>
-              </a:rPr>
-              <a:t>。 下面介绍线条</a:t>
+              <a:rPr lang="zh-CN" altLang="en-US" sz="2400" dirty="0">
+                <a:latin typeface="Microsoft YaHei" panose="020B0503020204020204" pitchFamily="34" charset="-122"/>
+                <a:ea typeface="Microsoft YaHei" panose="020B0503020204020204" pitchFamily="34" charset="-122"/>
+              </a:rPr>
+              <a:t>提供了多种形状类，用于绘制文本、直线、圆、矩形、椭圓、孤、 多 边形以及折线。 下面介绍线条</a:t>
             </a:r>
             <a:endParaRPr lang="en-US" altLang="zh-CN" sz="2400" dirty="0">
               <a:latin typeface="Microsoft YaHei" panose="020B0503020204020204" pitchFamily="34" charset="-122"/>
@@ -13745,7 +13218,7 @@
     </p:spTree>
     <p:extLst>
       <p:ext uri="{BB962C8B-B14F-4D97-AF65-F5344CB8AC3E}">
-        <p14:creationId xmlns:p14="http://schemas.microsoft.com/office/powerpoint/2010/main" xmlns="" val="624428496"/>
+        <p14:creationId xmlns:p14="http://schemas.microsoft.com/office/powerpoint/2010/main" val="624428496"/>
       </p:ext>
     </p:extLst>
   </p:cSld>
@@ -13864,7 +13337,7 @@
           <p:cNvPr id="2" name="文本框 1">
             <a:extLst>
               <a:ext uri="{FF2B5EF4-FFF2-40B4-BE49-F238E27FC236}">
-                <a16:creationId xmlns:a16="http://schemas.microsoft.com/office/drawing/2014/main" xmlns="" id="{12AA8BCC-7B15-4842-80C2-48C079429338}"/>
+                <a16:creationId xmlns:a16="http://schemas.microsoft.com/office/drawing/2014/main" id="{12AA8BCC-7B15-4842-80C2-48C079429338}"/>
               </a:ext>
             </a:extLst>
           </p:cNvPr>
@@ -13900,24 +13373,17 @@
                 <a:latin typeface="Microsoft YaHei" panose="020B0503020204020204" pitchFamily="34" charset="-122"/>
                 <a:ea typeface="Microsoft YaHei" panose="020B0503020204020204" pitchFamily="34" charset="-122"/>
               </a:rPr>
-              <a:t> </a:t>
-            </a:r>
-            <a:r>
-              <a:rPr kumimoji="1" lang="zh-CN" altLang="en-US" sz="4800" dirty="0" smtClean="0">
-                <a:latin typeface="Microsoft YaHei" panose="020B0503020204020204" pitchFamily="34" charset="-122"/>
-                <a:ea typeface="Microsoft YaHei" panose="020B0503020204020204" pitchFamily="34" charset="-122"/>
-              </a:rPr>
-              <a:t>形状</a:t>
-            </a:r>
-            <a:r>
-              <a:rPr kumimoji="1" lang="en-US" altLang="zh-CN" sz="4800" dirty="0" smtClean="0">
+              <a:t> 形状</a:t>
+            </a:r>
+            <a:r>
+              <a:rPr kumimoji="1" lang="en-US" altLang="zh-CN" sz="4800" dirty="0">
                 <a:latin typeface="Microsoft YaHei" panose="020B0503020204020204" pitchFamily="34" charset="-122"/>
                 <a:ea typeface="Microsoft YaHei" panose="020B0503020204020204" pitchFamily="34" charset="-122"/>
               </a:rPr>
               <a:t>---</a:t>
             </a:r>
             <a:r>
-              <a:rPr kumimoji="1" lang="zh-CN" altLang="en-US" sz="4800" dirty="0" smtClean="0">
+              <a:rPr kumimoji="1" lang="zh-CN" altLang="en-US" sz="4800" dirty="0">
                 <a:latin typeface="Microsoft YaHei" panose="020B0503020204020204" pitchFamily="34" charset="-122"/>
                 <a:ea typeface="Microsoft YaHei" panose="020B0503020204020204" pitchFamily="34" charset="-122"/>
               </a:rPr>
@@ -13935,7 +13401,7 @@
           <p:cNvPr id="13" name="文本框 12">
             <a:extLst>
               <a:ext uri="{FF2B5EF4-FFF2-40B4-BE49-F238E27FC236}">
-                <a16:creationId xmlns:a16="http://schemas.microsoft.com/office/drawing/2014/main" xmlns="" id="{8E054F89-5FA8-2F47-8710-58E04A67980C}"/>
+                <a16:creationId xmlns:a16="http://schemas.microsoft.com/office/drawing/2014/main" id="{8E054F89-5FA8-2F47-8710-58E04A67980C}"/>
               </a:ext>
             </a:extLst>
           </p:cNvPr>
@@ -13959,290 +13425,230 @@
           <a:lstStyle/>
           <a:p>
             <a:r>
-              <a:rPr lang="zh-CN" altLang="en-US" sz="2000" dirty="0" smtClean="0"/>
+              <a:rPr lang="zh-CN" altLang="en-US" sz="2000" dirty="0"/>
               <a:t>要创建一个</a:t>
             </a:r>
             <a:r>
-              <a:rPr lang="en-US" altLang="zh-CN" sz="2000" dirty="0" smtClean="0"/>
+              <a:rPr lang="en-US" altLang="zh-CN" sz="2000" dirty="0"/>
               <a:t>Line</a:t>
             </a:r>
             <a:r>
-              <a:rPr lang="zh-CN" altLang="en-US" sz="2000" dirty="0" smtClean="0"/>
+              <a:rPr lang="zh-CN" altLang="en-US" sz="2000" dirty="0"/>
               <a:t>对象，我们需要指定一个</a:t>
             </a:r>
             <a:r>
-              <a:rPr lang="en-US" altLang="zh-CN" sz="2000" dirty="0" smtClean="0"/>
+              <a:rPr lang="en-US" altLang="zh-CN" sz="2000" dirty="0"/>
               <a:t>start(x</a:t>
             </a:r>
             <a:r>
-              <a:rPr lang="zh-CN" altLang="en-US" sz="2000" dirty="0" smtClean="0"/>
+              <a:rPr lang="zh-CN" altLang="en-US" sz="2000" dirty="0"/>
               <a:t>，</a:t>
             </a:r>
             <a:r>
-              <a:rPr lang="en-US" altLang="zh-CN" sz="2000" dirty="0" smtClean="0"/>
+              <a:rPr lang="en-US" altLang="zh-CN" sz="2000" dirty="0"/>
               <a:t>y)</a:t>
             </a:r>
             <a:r>
-              <a:rPr lang="zh-CN" altLang="en-US" sz="2000" dirty="0" smtClean="0"/>
+              <a:rPr lang="zh-CN" altLang="en-US" sz="2000" dirty="0"/>
               <a:t>坐标和一个结束坐标。</a:t>
             </a:r>
             <a:br>
-              <a:rPr lang="zh-CN" altLang="en-US" sz="2000" dirty="0" smtClean="0"/>
+              <a:rPr lang="zh-CN" altLang="en-US" sz="2000" dirty="0"/>
             </a:br>
             <a:r>
-              <a:rPr lang="zh-CN" altLang="en-US" sz="2000" dirty="0" smtClean="0"/>
-              <a:t>在创建线节点时，有两种方法来设置起点和终点</a:t>
-            </a:r>
-            <a:r>
-              <a:rPr lang="zh-CN" altLang="en-US" sz="2000" dirty="0" smtClean="0"/>
-              <a:t>。</a:t>
-            </a:r>
-            <a:endParaRPr lang="en-US" altLang="zh-CN" sz="2000" dirty="0" smtClean="0"/>
-          </a:p>
-          <a:p>
-            <a:endParaRPr lang="zh-CN" altLang="en-US" sz="2000" dirty="0" smtClean="0"/>
-          </a:p>
-          <a:p>
-            <a:r>
-              <a:rPr lang="en-US" altLang="zh-CN" sz="2000" b="1" dirty="0" err="1" smtClean="0"/>
+              <a:rPr lang="zh-CN" altLang="en-US" sz="2000" dirty="0"/>
+              <a:t>在创建线节点时，有两种方法来设置起点和终点。</a:t>
+            </a:r>
+            <a:endParaRPr lang="en-US" altLang="zh-CN" sz="2000" dirty="0"/>
+          </a:p>
+          <a:p>
+            <a:endParaRPr lang="zh-CN" altLang="en-US" sz="2000" dirty="0"/>
+          </a:p>
+          <a:p>
+            <a:r>
+              <a:rPr lang="en-US" altLang="zh-CN" sz="2000" b="1" dirty="0" err="1"/>
               <a:t>startX</a:t>
             </a:r>
             <a:r>
-              <a:rPr lang="zh-CN" altLang="en-US" sz="2000" b="1" dirty="0" smtClean="0"/>
+              <a:rPr lang="zh-CN" altLang="en-US" sz="2000" b="1" dirty="0"/>
               <a:t>，</a:t>
             </a:r>
             <a:r>
-              <a:rPr lang="en-US" altLang="zh-CN" sz="2000" b="1" dirty="0" err="1" smtClean="0"/>
+              <a:rPr lang="en-US" altLang="zh-CN" sz="2000" b="1" dirty="0" err="1"/>
               <a:t>startY</a:t>
             </a:r>
             <a:r>
-              <a:rPr lang="zh-CN" altLang="en-US" sz="2000" b="1" dirty="0" smtClean="0"/>
+              <a:rPr lang="zh-CN" altLang="en-US" sz="2000" b="1" dirty="0"/>
               <a:t>，</a:t>
             </a:r>
             <a:r>
-              <a:rPr lang="en-US" altLang="zh-CN" sz="2000" b="1" dirty="0" err="1" smtClean="0"/>
+              <a:rPr lang="en-US" altLang="zh-CN" sz="2000" b="1" dirty="0" err="1"/>
               <a:t>endX</a:t>
             </a:r>
             <a:r>
-              <a:rPr lang="zh-CN" altLang="en-US" sz="2000" b="1" dirty="0" smtClean="0"/>
+              <a:rPr lang="zh-CN" altLang="en-US" sz="2000" b="1" dirty="0"/>
               <a:t>和</a:t>
             </a:r>
             <a:r>
-              <a:rPr lang="en-US" altLang="zh-CN" sz="2000" b="1" dirty="0" err="1" smtClean="0"/>
+              <a:rPr lang="en-US" altLang="zh-CN" sz="2000" b="1" dirty="0" err="1"/>
               <a:t>endY</a:t>
             </a:r>
             <a:r>
-              <a:rPr lang="zh-CN" altLang="en-US" sz="2000" b="1" dirty="0" smtClean="0"/>
-              <a:t>的构造</a:t>
-            </a:r>
-            <a:r>
-              <a:rPr lang="zh-CN" altLang="en-US" sz="2000" b="1" dirty="0" smtClean="0"/>
-              <a:t>函数</a:t>
-            </a:r>
-            <a:endParaRPr lang="zh-CN" altLang="en-US" sz="2000" b="1" dirty="0" smtClean="0"/>
-          </a:p>
-          <a:p>
-            <a:r>
-              <a:rPr lang="zh-CN" altLang="en-US" sz="2000" dirty="0" smtClean="0"/>
+              <a:rPr lang="zh-CN" altLang="en-US" sz="2000" b="1" dirty="0"/>
+              <a:t>的构造函数</a:t>
+            </a:r>
+          </a:p>
+          <a:p>
+            <a:r>
+              <a:rPr lang="zh-CN" altLang="en-US" sz="2000" dirty="0"/>
               <a:t>以下代码使用构造函数创建一个起点</a:t>
             </a:r>
             <a:r>
-              <a:rPr lang="en-US" altLang="zh-CN" sz="2000" dirty="0" smtClean="0"/>
+              <a:rPr lang="en-US" altLang="zh-CN" sz="2000" dirty="0"/>
               <a:t>(100,10)</a:t>
             </a:r>
             <a:r>
-              <a:rPr lang="zh-CN" altLang="en-US" sz="2000" dirty="0" smtClean="0"/>
+              <a:rPr lang="zh-CN" altLang="en-US" sz="2000" dirty="0"/>
               <a:t>和终点</a:t>
             </a:r>
             <a:r>
-              <a:rPr lang="en-US" altLang="zh-CN" sz="2000" dirty="0" smtClean="0"/>
+              <a:rPr lang="en-US" altLang="zh-CN" sz="2000" dirty="0"/>
               <a:t>(10,110)</a:t>
             </a:r>
             <a:r>
-              <a:rPr lang="zh-CN" altLang="en-US" sz="2000" dirty="0" smtClean="0"/>
+              <a:rPr lang="zh-CN" altLang="en-US" sz="2000" dirty="0"/>
               <a:t>的线条。</a:t>
             </a:r>
           </a:p>
           <a:p>
             <a:r>
-              <a:rPr lang="en-US" altLang="zh-CN" sz="2000" dirty="0" smtClean="0"/>
+              <a:rPr lang="en-US" altLang="zh-CN" sz="2000" dirty="0"/>
               <a:t>Line </a:t>
             </a:r>
             <a:r>
-              <a:rPr lang="en-US" altLang="zh-CN" sz="2000" dirty="0" err="1" smtClean="0"/>
+              <a:rPr lang="en-US" altLang="zh-CN" sz="2000" dirty="0" err="1"/>
               <a:t>line</a:t>
             </a:r>
             <a:r>
-              <a:rPr lang="en-US" altLang="zh-CN" sz="2000" dirty="0" smtClean="0"/>
+              <a:rPr lang="en-US" altLang="zh-CN" sz="2000" dirty="0"/>
               <a:t> = new Line(100, 10, 10, 110); </a:t>
             </a:r>
-            <a:endParaRPr lang="en-US" altLang="zh-CN" sz="2000" dirty="0" smtClean="0"/>
-          </a:p>
-          <a:p>
-            <a:endParaRPr lang="en-US" altLang="zh-CN" sz="2000" dirty="0" smtClean="0"/>
-          </a:p>
-          <a:p>
-            <a:r>
-              <a:rPr lang="zh-CN" altLang="en-US" sz="2000" b="1" dirty="0" smtClean="0"/>
-              <a:t>使用</a:t>
-            </a:r>
-            <a:r>
-              <a:rPr lang="zh-CN" altLang="en-US" sz="2000" b="1" dirty="0" smtClean="0"/>
-              <a:t>空构造函数来实例化一个</a:t>
-            </a:r>
-            <a:r>
-              <a:rPr lang="en-US" altLang="zh-CN" sz="2000" b="1" dirty="0" smtClean="0"/>
+          </a:p>
+          <a:p>
+            <a:endParaRPr lang="en-US" altLang="zh-CN" sz="2000" dirty="0"/>
+          </a:p>
+          <a:p>
+            <a:r>
+              <a:rPr lang="zh-CN" altLang="en-US" sz="2000" b="1" dirty="0"/>
+              <a:t>使用空构造函数来实例化一个</a:t>
+            </a:r>
+            <a:r>
+              <a:rPr lang="en-US" altLang="zh-CN" sz="2000" b="1" dirty="0"/>
               <a:t>Line</a:t>
             </a:r>
             <a:r>
-              <a:rPr lang="zh-CN" altLang="en-US" sz="2000" b="1" dirty="0" smtClean="0"/>
+              <a:rPr lang="zh-CN" altLang="en-US" sz="2000" b="1" dirty="0"/>
               <a:t>类，然后使用</a:t>
             </a:r>
             <a:r>
-              <a:rPr lang="en-US" altLang="zh-CN" sz="2000" b="1" dirty="0" smtClean="0"/>
+              <a:rPr lang="en-US" altLang="zh-CN" sz="2000" b="1" dirty="0"/>
               <a:t>setter</a:t>
             </a:r>
             <a:r>
-              <a:rPr lang="zh-CN" altLang="en-US" sz="2000" b="1" dirty="0" smtClean="0"/>
-              <a:t>方法设置每个</a:t>
-            </a:r>
-            <a:r>
-              <a:rPr lang="zh-CN" altLang="en-US" sz="2000" b="1" dirty="0" smtClean="0"/>
-              <a:t>属性</a:t>
-            </a:r>
-            <a:endParaRPr lang="en-US" altLang="zh-CN" sz="2000" dirty="0" smtClean="0"/>
-          </a:p>
-          <a:p>
-            <a:r>
-              <a:rPr lang="en-US" sz="2000" dirty="0" smtClean="0"/>
+              <a:rPr lang="zh-CN" altLang="en-US" sz="2000" b="1" dirty="0"/>
+              <a:t>方法设置每个属性</a:t>
+            </a:r>
+            <a:endParaRPr lang="en-US" altLang="zh-CN" sz="2000" dirty="0"/>
+          </a:p>
+          <a:p>
+            <a:r>
+              <a:rPr lang="en-US" sz="2000" dirty="0"/>
               <a:t>Line </a:t>
             </a:r>
             <a:r>
-              <a:rPr lang="en-US" sz="2000" dirty="0" err="1" smtClean="0"/>
+              <a:rPr lang="en-US" sz="2000" dirty="0" err="1"/>
               <a:t>line</a:t>
             </a:r>
             <a:r>
-              <a:rPr lang="en-US" sz="2000" dirty="0" smtClean="0"/>
-              <a:t> = new Line</a:t>
-            </a:r>
-            <a:r>
-              <a:rPr lang="en-US" sz="2000" dirty="0" smtClean="0"/>
-              <a:t>();</a:t>
-            </a:r>
-          </a:p>
-          <a:p>
-            <a:r>
-              <a:rPr lang="en-US" sz="2000" dirty="0" smtClean="0"/>
+              <a:rPr lang="en-US" sz="2000" dirty="0"/>
+              <a:t> = new Line();</a:t>
+            </a:r>
+          </a:p>
+          <a:p>
+            <a:r>
+              <a:rPr lang="en-US" sz="2000" dirty="0"/>
               <a:t> </a:t>
             </a:r>
             <a:r>
-              <a:rPr lang="en-US" sz="2000" dirty="0" err="1" smtClean="0"/>
+              <a:rPr lang="en-US" sz="2000" dirty="0" err="1"/>
               <a:t>line.setStartX</a:t>
             </a:r>
             <a:r>
-              <a:rPr lang="en-US" sz="2000" dirty="0" smtClean="0"/>
-              <a:t>(100</a:t>
-            </a:r>
-            <a:r>
-              <a:rPr lang="en-US" sz="2000" dirty="0" smtClean="0"/>
-              <a:t>);</a:t>
-            </a:r>
-          </a:p>
-          <a:p>
-            <a:r>
-              <a:rPr lang="en-US" sz="2000" dirty="0" smtClean="0"/>
+              <a:rPr lang="en-US" sz="2000" dirty="0"/>
+              <a:t>(100);</a:t>
+            </a:r>
+          </a:p>
+          <a:p>
+            <a:r>
+              <a:rPr lang="en-US" sz="2000" dirty="0"/>
               <a:t> </a:t>
             </a:r>
             <a:r>
-              <a:rPr lang="en-US" sz="2000" dirty="0" err="1" smtClean="0"/>
+              <a:rPr lang="en-US" sz="2000" dirty="0" err="1"/>
               <a:t>line.setStartY</a:t>
             </a:r>
             <a:r>
-              <a:rPr lang="en-US" sz="2000" dirty="0" smtClean="0"/>
+              <a:rPr lang="en-US" sz="2000" dirty="0"/>
               <a:t>(10); </a:t>
             </a:r>
-            <a:endParaRPr lang="en-US" sz="2000" dirty="0" smtClean="0"/>
-          </a:p>
-          <a:p>
-            <a:r>
-              <a:rPr lang="en-US" sz="2000" dirty="0" err="1" smtClean="0"/>
+          </a:p>
+          <a:p>
+            <a:r>
+              <a:rPr lang="en-US" sz="2000" dirty="0" err="1"/>
               <a:t>line.setEndX</a:t>
             </a:r>
             <a:r>
-              <a:rPr lang="en-US" sz="2000" dirty="0" smtClean="0"/>
-              <a:t>(10</a:t>
-            </a:r>
-            <a:r>
-              <a:rPr lang="en-US" sz="2000" dirty="0" smtClean="0"/>
-              <a:t>); </a:t>
-            </a:r>
-            <a:endParaRPr lang="en-US" sz="2000" dirty="0" smtClean="0"/>
-          </a:p>
-          <a:p>
-            <a:r>
-              <a:rPr lang="en-US" sz="2000" dirty="0" err="1" smtClean="0"/>
+              <a:rPr lang="en-US" sz="2000" dirty="0"/>
+              <a:t>(10); </a:t>
+            </a:r>
+          </a:p>
+          <a:p>
+            <a:r>
+              <a:rPr lang="en-US" sz="2000" dirty="0" err="1"/>
               <a:t>line.setEndY</a:t>
             </a:r>
             <a:r>
-              <a:rPr lang="en-US" sz="2000" dirty="0" smtClean="0"/>
-              <a:t>(110</a:t>
-            </a:r>
-            <a:r>
-              <a:rPr lang="en-US" sz="2000" dirty="0" smtClean="0"/>
-              <a:t>); </a:t>
+              <a:rPr lang="en-US" sz="2000" dirty="0"/>
+              <a:t>(110); </a:t>
             </a:r>
             <a:br>
-              <a:rPr lang="en-US" sz="2000" dirty="0" smtClean="0"/>
+              <a:rPr lang="en-US" sz="2000" dirty="0"/>
             </a:br>
-            <a:r>
-              <a:rPr lang="en-US" sz="2000" dirty="0" smtClean="0"/>
-              <a:t/>
-            </a:r>
             <a:br>
-              <a:rPr lang="en-US" sz="2000" dirty="0" smtClean="0"/>
+              <a:rPr lang="en-US" sz="2000" dirty="0"/>
             </a:br>
-            <a:endParaRPr lang="en-US" sz="2000" dirty="0" smtClean="0"/>
-          </a:p>
-          <a:p>
-            <a:r>
-              <a:rPr lang="zh-CN" altLang="en-US" sz="2000" dirty="0" smtClean="0"/>
-              <a:t/>
-            </a:r>
+            <a:endParaRPr lang="en-US" sz="2000" dirty="0"/>
+          </a:p>
+          <a:p>
             <a:br>
-              <a:rPr lang="zh-CN" altLang="en-US" sz="2000" dirty="0" smtClean="0"/>
+              <a:rPr lang="zh-CN" altLang="en-US" sz="2000" dirty="0"/>
             </a:br>
-            <a:r>
-              <a:rPr lang="en-US" altLang="zh-CN" sz="2000" dirty="0" smtClean="0"/>
-              <a:t/>
-            </a:r>
             <a:br>
-              <a:rPr lang="en-US" altLang="zh-CN" sz="2000" dirty="0" smtClean="0"/>
+              <a:rPr lang="en-US" altLang="zh-CN" sz="2000" dirty="0"/>
             </a:br>
-            <a:r>
-              <a:rPr lang="en-US" altLang="zh-CN" sz="2000" dirty="0" smtClean="0"/>
-              <a:t/>
-            </a:r>
             <a:br>
-              <a:rPr lang="en-US" altLang="zh-CN" sz="2000" dirty="0" smtClean="0"/>
+              <a:rPr lang="en-US" altLang="zh-CN" sz="2000" dirty="0"/>
             </a:br>
-            <a:endParaRPr lang="en-US" altLang="zh-CN" sz="2000" dirty="0" smtClean="0"/>
-          </a:p>
-          <a:p>
-            <a:r>
-              <a:rPr lang="en-US" altLang="zh-CN" sz="2000" dirty="0" smtClean="0"/>
-              <a:t/>
-            </a:r>
+            <a:endParaRPr lang="en-US" altLang="zh-CN" sz="2000" dirty="0"/>
+          </a:p>
+          <a:p>
             <a:br>
-              <a:rPr lang="en-US" altLang="zh-CN" sz="2000" dirty="0" smtClean="0"/>
+              <a:rPr lang="en-US" altLang="zh-CN" sz="2000" dirty="0"/>
             </a:br>
-            <a:r>
-              <a:rPr lang="en-US" altLang="zh-CN" sz="2000" dirty="0" smtClean="0"/>
-              <a:t/>
-            </a:r>
             <a:br>
-              <a:rPr lang="en-US" altLang="zh-CN" sz="2000" dirty="0" smtClean="0"/>
+              <a:rPr lang="en-US" altLang="zh-CN" sz="2000" dirty="0"/>
             </a:br>
-            <a:endParaRPr lang="en-US" altLang="zh-CN" sz="2000" dirty="0" smtClean="0"/>
+            <a:endParaRPr lang="en-US" altLang="zh-CN" sz="2000" dirty="0"/>
           </a:p>
           <a:p>
             <a:pPr>
@@ -14262,7 +13668,7 @@
           <p:cNvPr id="4" name="文本框 6">
             <a:extLst>
               <a:ext uri="{FF2B5EF4-FFF2-40B4-BE49-F238E27FC236}">
-                <a16:creationId xmlns:a16="http://schemas.microsoft.com/office/drawing/2014/main" xmlns="" id="{06371AB4-3CA3-AD48-87A1-8E705B42E675}"/>
+                <a16:creationId xmlns:a16="http://schemas.microsoft.com/office/drawing/2014/main" id="{06371AB4-3CA3-AD48-87A1-8E705B42E675}"/>
               </a:ext>
             </a:extLst>
           </p:cNvPr>
@@ -14288,23 +13694,15 @@
           <a:lstStyle/>
           <a:p>
             <a:r>
-              <a:rPr kumimoji="1" lang="zh-CN" altLang="en-US" dirty="0" smtClean="0">
+              <a:rPr kumimoji="1" lang="zh-CN" altLang="en-US" dirty="0">
                 <a:solidFill>
                   <a:schemeClr val="bg1"/>
                 </a:solidFill>
               </a:rPr>
-              <a:t>看</a:t>
-            </a:r>
-            <a:r>
-              <a:rPr kumimoji="1" lang="zh-CN" altLang="en-US" dirty="0" smtClean="0">
-                <a:solidFill>
-                  <a:schemeClr val="bg1"/>
-                </a:solidFill>
-              </a:rPr>
-              <a:t>实例代码 </a:t>
-            </a:r>
-            <a:r>
-              <a:rPr kumimoji="1" lang="en-US" altLang="zh-CN" dirty="0" err="1" smtClean="0">
+              <a:t>看实例代码 </a:t>
+            </a:r>
+            <a:r>
+              <a:rPr kumimoji="1" lang="en-US" altLang="zh-CN" dirty="0" err="1">
                 <a:solidFill>
                   <a:schemeClr val="bg1"/>
                 </a:solidFill>
@@ -14322,7 +13720,7 @@
     </p:spTree>
     <p:extLst>
       <p:ext uri="{BB962C8B-B14F-4D97-AF65-F5344CB8AC3E}">
-        <p14:creationId xmlns:p14="http://schemas.microsoft.com/office/powerpoint/2010/main" xmlns="" val="624428496"/>
+        <p14:creationId xmlns:p14="http://schemas.microsoft.com/office/powerpoint/2010/main" val="624428496"/>
       </p:ext>
     </p:extLst>
   </p:cSld>
@@ -14441,7 +13839,7 @@
           <p:cNvPr id="2" name="文本框 1">
             <a:extLst>
               <a:ext uri="{FF2B5EF4-FFF2-40B4-BE49-F238E27FC236}">
-                <a16:creationId xmlns:a16="http://schemas.microsoft.com/office/drawing/2014/main" xmlns="" id="{12AA8BCC-7B15-4842-80C2-48C079429338}"/>
+                <a16:creationId xmlns:a16="http://schemas.microsoft.com/office/drawing/2014/main" id="{12AA8BCC-7B15-4842-80C2-48C079429338}"/>
               </a:ext>
             </a:extLst>
           </p:cNvPr>
@@ -14477,21 +13875,7 @@
                 <a:latin typeface="Microsoft YaHei" panose="020B0503020204020204" pitchFamily="34" charset="-122"/>
                 <a:ea typeface="Microsoft YaHei" panose="020B0503020204020204" pitchFamily="34" charset="-122"/>
               </a:rPr>
-              <a:t> </a:t>
-            </a:r>
-            <a:r>
-              <a:rPr kumimoji="1" lang="zh-CN" altLang="en-US" sz="4800" dirty="0" smtClean="0">
-                <a:latin typeface="Microsoft YaHei" panose="020B0503020204020204" pitchFamily="34" charset="-122"/>
-                <a:ea typeface="Microsoft YaHei" panose="020B0503020204020204" pitchFamily="34" charset="-122"/>
-              </a:rPr>
-              <a:t>其他</a:t>
-            </a:r>
-            <a:r>
-              <a:rPr kumimoji="1" lang="zh-CN" altLang="en-US" sz="4800" dirty="0" smtClean="0">
-                <a:latin typeface="Microsoft YaHei" panose="020B0503020204020204" pitchFamily="34" charset="-122"/>
-                <a:ea typeface="Microsoft YaHei" panose="020B0503020204020204" pitchFamily="34" charset="-122"/>
-              </a:rPr>
-              <a:t>形状</a:t>
+              <a:t> 其他形状</a:t>
             </a:r>
             <a:endParaRPr kumimoji="1" lang="en-US" altLang="zh-CN" sz="4800" dirty="0">
               <a:latin typeface="Microsoft YaHei" panose="020B0503020204020204" pitchFamily="34" charset="-122"/>
@@ -14505,7 +13889,7 @@
           <p:cNvPr id="13" name="文本框 12">
             <a:extLst>
               <a:ext uri="{FF2B5EF4-FFF2-40B4-BE49-F238E27FC236}">
-                <a16:creationId xmlns:a16="http://schemas.microsoft.com/office/drawing/2014/main" xmlns="" id="{8E054F89-5FA8-2F47-8710-58E04A67980C}"/>
+                <a16:creationId xmlns:a16="http://schemas.microsoft.com/office/drawing/2014/main" id="{8E054F89-5FA8-2F47-8710-58E04A67980C}"/>
               </a:ext>
             </a:extLst>
           </p:cNvPr>
@@ -14529,73 +13913,45 @@
           <a:lstStyle/>
           <a:p>
             <a:r>
-              <a:rPr lang="zh-CN" altLang="en-US" sz="2000" dirty="0" smtClean="0"/>
+              <a:rPr lang="zh-CN" altLang="en-US" sz="2000" dirty="0"/>
               <a:t>其他形状的使用和</a:t>
             </a:r>
             <a:r>
-              <a:rPr lang="en-US" altLang="zh-CN" sz="2000" dirty="0" smtClean="0"/>
+              <a:rPr lang="en-US" altLang="zh-CN" sz="2000" dirty="0"/>
               <a:t>Line</a:t>
             </a:r>
             <a:r>
-              <a:rPr lang="zh-CN" altLang="en-US" sz="2000" dirty="0" smtClean="0"/>
+              <a:rPr lang="zh-CN" altLang="en-US" sz="2000" dirty="0"/>
               <a:t>有很多类似之处，请扩展学习</a:t>
             </a:r>
-            <a:r>
-              <a:rPr lang="en-US" sz="2000" dirty="0" smtClean="0"/>
-              <a:t/>
-            </a:r>
             <a:br>
-              <a:rPr lang="en-US" sz="2000" dirty="0" smtClean="0"/>
+              <a:rPr lang="en-US" sz="2000" dirty="0"/>
             </a:br>
-            <a:r>
-              <a:rPr lang="en-US" sz="2000" dirty="0" smtClean="0"/>
-              <a:t/>
-            </a:r>
             <a:br>
-              <a:rPr lang="en-US" sz="2000" dirty="0" smtClean="0"/>
+              <a:rPr lang="en-US" sz="2000" dirty="0"/>
             </a:br>
-            <a:endParaRPr lang="en-US" sz="2000" dirty="0" smtClean="0"/>
-          </a:p>
-          <a:p>
-            <a:r>
-              <a:rPr lang="zh-CN" altLang="en-US" sz="2000" dirty="0" smtClean="0"/>
-              <a:t/>
-            </a:r>
+            <a:endParaRPr lang="en-US" sz="2000" dirty="0"/>
+          </a:p>
+          <a:p>
             <a:br>
-              <a:rPr lang="zh-CN" altLang="en-US" sz="2000" dirty="0" smtClean="0"/>
+              <a:rPr lang="zh-CN" altLang="en-US" sz="2000" dirty="0"/>
             </a:br>
-            <a:r>
-              <a:rPr lang="en-US" altLang="zh-CN" sz="2000" dirty="0" smtClean="0"/>
-              <a:t/>
-            </a:r>
             <a:br>
-              <a:rPr lang="en-US" altLang="zh-CN" sz="2000" dirty="0" smtClean="0"/>
+              <a:rPr lang="en-US" altLang="zh-CN" sz="2000" dirty="0"/>
             </a:br>
-            <a:r>
-              <a:rPr lang="en-US" altLang="zh-CN" sz="2000" dirty="0" smtClean="0"/>
-              <a:t/>
-            </a:r>
             <a:br>
-              <a:rPr lang="en-US" altLang="zh-CN" sz="2000" dirty="0" smtClean="0"/>
+              <a:rPr lang="en-US" altLang="zh-CN" sz="2000" dirty="0"/>
             </a:br>
-            <a:endParaRPr lang="en-US" altLang="zh-CN" sz="2000" dirty="0" smtClean="0"/>
-          </a:p>
-          <a:p>
-            <a:r>
-              <a:rPr lang="en-US" altLang="zh-CN" sz="2000" dirty="0" smtClean="0"/>
-              <a:t/>
-            </a:r>
+            <a:endParaRPr lang="en-US" altLang="zh-CN" sz="2000" dirty="0"/>
+          </a:p>
+          <a:p>
             <a:br>
-              <a:rPr lang="en-US" altLang="zh-CN" sz="2000" dirty="0" smtClean="0"/>
+              <a:rPr lang="en-US" altLang="zh-CN" sz="2000" dirty="0"/>
             </a:br>
-            <a:r>
-              <a:rPr lang="en-US" altLang="zh-CN" sz="2000" dirty="0" smtClean="0"/>
-              <a:t/>
-            </a:r>
             <a:br>
-              <a:rPr lang="en-US" altLang="zh-CN" sz="2000" dirty="0" smtClean="0"/>
+              <a:rPr lang="en-US" altLang="zh-CN" sz="2000" dirty="0"/>
             </a:br>
-            <a:endParaRPr lang="en-US" altLang="zh-CN" sz="2000" dirty="0" smtClean="0"/>
+            <a:endParaRPr lang="en-US" altLang="zh-CN" sz="2000" dirty="0"/>
           </a:p>
           <a:p>
             <a:pPr>
@@ -14613,7 +13969,7 @@
     </p:spTree>
     <p:extLst>
       <p:ext uri="{BB962C8B-B14F-4D97-AF65-F5344CB8AC3E}">
-        <p14:creationId xmlns:p14="http://schemas.microsoft.com/office/powerpoint/2010/main" xmlns="" val="624428496"/>
+        <p14:creationId xmlns:p14="http://schemas.microsoft.com/office/powerpoint/2010/main" val="624428496"/>
       </p:ext>
     </p:extLst>
   </p:cSld>
@@ -14732,7 +14088,7 @@
           <p:cNvPr id="2" name="文本框 1">
             <a:extLst>
               <a:ext uri="{FF2B5EF4-FFF2-40B4-BE49-F238E27FC236}">
-                <a16:creationId xmlns:a16="http://schemas.microsoft.com/office/drawing/2014/main" xmlns="" id="{12AA8BCC-7B15-4842-80C2-48C079429338}"/>
+                <a16:creationId xmlns:a16="http://schemas.microsoft.com/office/drawing/2014/main" id="{12AA8BCC-7B15-4842-80C2-48C079429338}"/>
               </a:ext>
             </a:extLst>
           </p:cNvPr>
@@ -14788,7 +14144,7 @@
           <p:cNvPr id="13" name="文本框 12">
             <a:extLst>
               <a:ext uri="{FF2B5EF4-FFF2-40B4-BE49-F238E27FC236}">
-                <a16:creationId xmlns:a16="http://schemas.microsoft.com/office/drawing/2014/main" xmlns="" id="{8E054F89-5FA8-2F47-8710-58E04A67980C}"/>
+                <a16:creationId xmlns:a16="http://schemas.microsoft.com/office/drawing/2014/main" id="{8E054F89-5FA8-2F47-8710-58E04A67980C}"/>
               </a:ext>
             </a:extLst>
           </p:cNvPr>
@@ -14865,7 +14221,7 @@
     </p:spTree>
     <p:extLst>
       <p:ext uri="{BB962C8B-B14F-4D97-AF65-F5344CB8AC3E}">
-        <p14:creationId xmlns:p14="http://schemas.microsoft.com/office/powerpoint/2010/main" xmlns="" val="1704893599"/>
+        <p14:creationId xmlns:p14="http://schemas.microsoft.com/office/powerpoint/2010/main" val="1704893599"/>
       </p:ext>
     </p:extLst>
   </p:cSld>
@@ -14984,7 +14340,7 @@
           <p:cNvPr id="2" name="文本框 1">
             <a:extLst>
               <a:ext uri="{FF2B5EF4-FFF2-40B4-BE49-F238E27FC236}">
-                <a16:creationId xmlns:a16="http://schemas.microsoft.com/office/drawing/2014/main" xmlns="" id="{12AA8BCC-7B15-4842-80C2-48C079429338}"/>
+                <a16:creationId xmlns:a16="http://schemas.microsoft.com/office/drawing/2014/main" id="{12AA8BCC-7B15-4842-80C2-48C079429338}"/>
               </a:ext>
             </a:extLst>
           </p:cNvPr>
@@ -15020,38 +14376,31 @@
                 <a:latin typeface="Microsoft YaHei" panose="020B0503020204020204" pitchFamily="34" charset="-122"/>
                 <a:ea typeface="Microsoft YaHei" panose="020B0503020204020204" pitchFamily="34" charset="-122"/>
               </a:rPr>
+              <a:t> 形状的例子</a:t>
+            </a:r>
+            <a:r>
+              <a:rPr kumimoji="1" lang="en-US" altLang="zh-CN" sz="4800" dirty="0">
+                <a:latin typeface="Microsoft YaHei" panose="020B0503020204020204" pitchFamily="34" charset="-122"/>
+                <a:ea typeface="Microsoft YaHei" panose="020B0503020204020204" pitchFamily="34" charset="-122"/>
+              </a:rPr>
+              <a:t>---</a:t>
+            </a:r>
+            <a:r>
+              <a:rPr kumimoji="1" lang="zh-CN" altLang="en-US" sz="4800" dirty="0">
+                <a:latin typeface="Microsoft YaHei" panose="020B0503020204020204" pitchFamily="34" charset="-122"/>
+                <a:ea typeface="Microsoft YaHei" panose="020B0503020204020204" pitchFamily="34" charset="-122"/>
+              </a:rPr>
               <a:t> </a:t>
             </a:r>
             <a:r>
-              <a:rPr kumimoji="1" lang="zh-CN" altLang="en-US" sz="4800" dirty="0" smtClean="0">
-                <a:latin typeface="Microsoft YaHei" panose="020B0503020204020204" pitchFamily="34" charset="-122"/>
-                <a:ea typeface="Microsoft YaHei" panose="020B0503020204020204" pitchFamily="34" charset="-122"/>
-              </a:rPr>
-              <a:t>形状的例子</a:t>
-            </a:r>
-            <a:r>
-              <a:rPr kumimoji="1" lang="en-US" altLang="zh-CN" sz="4800" dirty="0" smtClean="0">
-                <a:latin typeface="Microsoft YaHei" panose="020B0503020204020204" pitchFamily="34" charset="-122"/>
-                <a:ea typeface="Microsoft YaHei" panose="020B0503020204020204" pitchFamily="34" charset="-122"/>
-              </a:rPr>
-              <a:t>---</a:t>
-            </a:r>
-            <a:r>
-              <a:rPr kumimoji="1" lang="zh-CN" altLang="en-US" sz="4800" dirty="0" smtClean="0">
-                <a:latin typeface="Microsoft YaHei" panose="020B0503020204020204" pitchFamily="34" charset="-122"/>
-                <a:ea typeface="Microsoft YaHei" panose="020B0503020204020204" pitchFamily="34" charset="-122"/>
-              </a:rPr>
-              <a:t> </a:t>
-            </a:r>
-            <a:r>
-              <a:rPr kumimoji="1" lang="en-US" altLang="zh-CN" sz="4800" dirty="0" err="1" smtClean="0">
+              <a:rPr kumimoji="1" lang="en-US" altLang="zh-CN" sz="4800" dirty="0" err="1">
                 <a:latin typeface="Microsoft YaHei" panose="020B0503020204020204" pitchFamily="34" charset="-122"/>
                 <a:ea typeface="Microsoft YaHei" panose="020B0503020204020204" pitchFamily="34" charset="-122"/>
               </a:rPr>
               <a:t>ClockPane</a:t>
             </a:r>
             <a:r>
-              <a:rPr kumimoji="1" lang="zh-CN" altLang="en-US" sz="4800" dirty="0" smtClean="0">
+              <a:rPr kumimoji="1" lang="zh-CN" altLang="en-US" sz="4800" dirty="0">
                 <a:latin typeface="Microsoft YaHei" panose="020B0503020204020204" pitchFamily="34" charset="-122"/>
                 <a:ea typeface="Microsoft YaHei" panose="020B0503020204020204" pitchFamily="34" charset="-122"/>
               </a:rPr>
@@ -15072,7 +14421,7 @@
           <p:cNvPr id="13" name="文本框 12">
             <a:extLst>
               <a:ext uri="{FF2B5EF4-FFF2-40B4-BE49-F238E27FC236}">
-                <a16:creationId xmlns:a16="http://schemas.microsoft.com/office/drawing/2014/main" xmlns="" id="{8E054F89-5FA8-2F47-8710-58E04A67980C}"/>
+                <a16:creationId xmlns:a16="http://schemas.microsoft.com/office/drawing/2014/main" id="{8E054F89-5FA8-2F47-8710-58E04A67980C}"/>
               </a:ext>
             </a:extLst>
           </p:cNvPr>
@@ -15096,65 +14445,37 @@
           <a:lstStyle/>
           <a:p>
             <a:r>
-              <a:rPr lang="zh-CN" altLang="en-US" sz="2000" dirty="0" smtClean="0"/>
+              <a:rPr lang="zh-CN" altLang="en-US" sz="2000" dirty="0"/>
               <a:t>看教材中的例子</a:t>
             </a:r>
-            <a:r>
-              <a:rPr lang="en-US" sz="2000" dirty="0" smtClean="0"/>
-              <a:t/>
-            </a:r>
             <a:br>
-              <a:rPr lang="en-US" sz="2000" dirty="0" smtClean="0"/>
+              <a:rPr lang="en-US" sz="2000" dirty="0"/>
             </a:br>
-            <a:r>
-              <a:rPr lang="en-US" sz="2000" dirty="0" smtClean="0"/>
-              <a:t/>
-            </a:r>
             <a:br>
-              <a:rPr lang="en-US" sz="2000" dirty="0" smtClean="0"/>
+              <a:rPr lang="en-US" sz="2000" dirty="0"/>
             </a:br>
-            <a:endParaRPr lang="en-US" sz="2000" dirty="0" smtClean="0"/>
-          </a:p>
-          <a:p>
-            <a:r>
-              <a:rPr lang="zh-CN" altLang="en-US" sz="2000" dirty="0" smtClean="0"/>
-              <a:t/>
-            </a:r>
+            <a:endParaRPr lang="en-US" sz="2000" dirty="0"/>
+          </a:p>
+          <a:p>
             <a:br>
-              <a:rPr lang="zh-CN" altLang="en-US" sz="2000" dirty="0" smtClean="0"/>
+              <a:rPr lang="zh-CN" altLang="en-US" sz="2000" dirty="0"/>
             </a:br>
-            <a:r>
-              <a:rPr lang="en-US" altLang="zh-CN" sz="2000" dirty="0" smtClean="0"/>
-              <a:t/>
-            </a:r>
             <a:br>
-              <a:rPr lang="en-US" altLang="zh-CN" sz="2000" dirty="0" smtClean="0"/>
+              <a:rPr lang="en-US" altLang="zh-CN" sz="2000" dirty="0"/>
             </a:br>
-            <a:r>
-              <a:rPr lang="en-US" altLang="zh-CN" sz="2000" dirty="0" smtClean="0"/>
-              <a:t/>
-            </a:r>
             <a:br>
-              <a:rPr lang="en-US" altLang="zh-CN" sz="2000" dirty="0" smtClean="0"/>
+              <a:rPr lang="en-US" altLang="zh-CN" sz="2000" dirty="0"/>
             </a:br>
-            <a:endParaRPr lang="en-US" altLang="zh-CN" sz="2000" dirty="0" smtClean="0"/>
-          </a:p>
-          <a:p>
-            <a:r>
-              <a:rPr lang="en-US" altLang="zh-CN" sz="2000" dirty="0" smtClean="0"/>
-              <a:t/>
-            </a:r>
+            <a:endParaRPr lang="en-US" altLang="zh-CN" sz="2000" dirty="0"/>
+          </a:p>
+          <a:p>
             <a:br>
-              <a:rPr lang="en-US" altLang="zh-CN" sz="2000" dirty="0" smtClean="0"/>
+              <a:rPr lang="en-US" altLang="zh-CN" sz="2000" dirty="0"/>
             </a:br>
-            <a:r>
-              <a:rPr lang="en-US" altLang="zh-CN" sz="2000" dirty="0" smtClean="0"/>
-              <a:t/>
-            </a:r>
             <a:br>
-              <a:rPr lang="en-US" altLang="zh-CN" sz="2000" dirty="0" smtClean="0"/>
+              <a:rPr lang="en-US" altLang="zh-CN" sz="2000" dirty="0"/>
             </a:br>
-            <a:endParaRPr lang="en-US" altLang="zh-CN" sz="2000" dirty="0" smtClean="0"/>
+            <a:endParaRPr lang="en-US" altLang="zh-CN" sz="2000" dirty="0"/>
           </a:p>
           <a:p>
             <a:pPr>
@@ -15205,7 +14526,7 @@
     </p:spTree>
     <p:extLst>
       <p:ext uri="{BB962C8B-B14F-4D97-AF65-F5344CB8AC3E}">
-        <p14:creationId xmlns:p14="http://schemas.microsoft.com/office/powerpoint/2010/main" xmlns="" val="624428496"/>
+        <p14:creationId xmlns:p14="http://schemas.microsoft.com/office/powerpoint/2010/main" val="624428496"/>
       </p:ext>
     </p:extLst>
   </p:cSld>
@@ -15324,7 +14645,7 @@
           <p:cNvPr id="4" name="文本框 3">
             <a:extLst>
               <a:ext uri="{FF2B5EF4-FFF2-40B4-BE49-F238E27FC236}">
-                <a16:creationId xmlns:a16="http://schemas.microsoft.com/office/drawing/2014/main" xmlns="" id="{F406AE9C-CD2E-654C-823A-C4227D48DE96}"/>
+                <a16:creationId xmlns:a16="http://schemas.microsoft.com/office/drawing/2014/main" id="{F406AE9C-CD2E-654C-823A-C4227D48DE96}"/>
               </a:ext>
             </a:extLst>
           </p:cNvPr>
@@ -15364,7 +14685,7 @@
     </p:spTree>
     <p:extLst>
       <p:ext uri="{BB962C8B-B14F-4D97-AF65-F5344CB8AC3E}">
-        <p14:creationId xmlns:p14="http://schemas.microsoft.com/office/powerpoint/2010/main" xmlns="" val="2502446324"/>
+        <p14:creationId xmlns:p14="http://schemas.microsoft.com/office/powerpoint/2010/main" val="2502446324"/>
       </p:ext>
     </p:extLst>
   </p:cSld>
@@ -15408,7 +14729,7 @@
     </p:spTree>
     <p:extLst>
       <p:ext uri="{BB962C8B-B14F-4D97-AF65-F5344CB8AC3E}">
-        <p14:creationId xmlns:p14="http://schemas.microsoft.com/office/powerpoint/2010/main" xmlns="" val="2502446324"/>
+        <p14:creationId xmlns:p14="http://schemas.microsoft.com/office/powerpoint/2010/main" val="2502446324"/>
       </p:ext>
     </p:extLst>
   </p:cSld>
@@ -15449,7 +14770,7 @@
           <p:cNvPr id="2" name="文本框 1">
             <a:extLst>
               <a:ext uri="{FF2B5EF4-FFF2-40B4-BE49-F238E27FC236}">
-                <a16:creationId xmlns:a16="http://schemas.microsoft.com/office/drawing/2014/main" xmlns="" id="{12AA8BCC-7B15-4842-80C2-48C079429338}"/>
+                <a16:creationId xmlns:a16="http://schemas.microsoft.com/office/drawing/2014/main" id="{12AA8BCC-7B15-4842-80C2-48C079429338}"/>
               </a:ext>
             </a:extLst>
           </p:cNvPr>
@@ -15545,7 +14866,7 @@
           <p:cNvPr id="3" name="文本框 2">
             <a:extLst>
               <a:ext uri="{FF2B5EF4-FFF2-40B4-BE49-F238E27FC236}">
-                <a16:creationId xmlns:a16="http://schemas.microsoft.com/office/drawing/2014/main" xmlns="" id="{1F1F94A7-BA59-9B48-9AA2-00064126CA55}"/>
+                <a16:creationId xmlns:a16="http://schemas.microsoft.com/office/drawing/2014/main" id="{1F1F94A7-BA59-9B48-9AA2-00064126CA55}"/>
               </a:ext>
             </a:extLst>
           </p:cNvPr>
@@ -15955,7 +15276,7 @@
     </p:spTree>
     <p:extLst>
       <p:ext uri="{BB962C8B-B14F-4D97-AF65-F5344CB8AC3E}">
-        <p14:creationId xmlns:p14="http://schemas.microsoft.com/office/powerpoint/2010/main" xmlns="" val="3685596919"/>
+        <p14:creationId xmlns:p14="http://schemas.microsoft.com/office/powerpoint/2010/main" val="3685596919"/>
       </p:ext>
     </p:extLst>
   </p:cSld>
@@ -15996,7 +15317,7 @@
           <p:cNvPr id="2" name="文本框 1">
             <a:extLst>
               <a:ext uri="{FF2B5EF4-FFF2-40B4-BE49-F238E27FC236}">
-                <a16:creationId xmlns:a16="http://schemas.microsoft.com/office/drawing/2014/main" xmlns="" id="{12AA8BCC-7B15-4842-80C2-48C079429338}"/>
+                <a16:creationId xmlns:a16="http://schemas.microsoft.com/office/drawing/2014/main" id="{12AA8BCC-7B15-4842-80C2-48C079429338}"/>
               </a:ext>
             </a:extLst>
           </p:cNvPr>
@@ -16057,7 +15378,7 @@
           <p:cNvPr id="3" name="文本框 2">
             <a:extLst>
               <a:ext uri="{FF2B5EF4-FFF2-40B4-BE49-F238E27FC236}">
-                <a16:creationId xmlns:a16="http://schemas.microsoft.com/office/drawing/2014/main" xmlns="" id="{1F1F94A7-BA59-9B48-9AA2-00064126CA55}"/>
+                <a16:creationId xmlns:a16="http://schemas.microsoft.com/office/drawing/2014/main" id="{1F1F94A7-BA59-9B48-9AA2-00064126CA55}"/>
               </a:ext>
             </a:extLst>
           </p:cNvPr>
@@ -16228,7 +15549,7 @@
     </p:spTree>
     <p:extLst>
       <p:ext uri="{BB962C8B-B14F-4D97-AF65-F5344CB8AC3E}">
-        <p14:creationId xmlns:p14="http://schemas.microsoft.com/office/powerpoint/2010/main" xmlns="" val="2826992496"/>
+        <p14:creationId xmlns:p14="http://schemas.microsoft.com/office/powerpoint/2010/main" val="2826992496"/>
       </p:ext>
     </p:extLst>
   </p:cSld>
@@ -16269,7 +15590,7 @@
           <p:cNvPr id="2" name="文本框 1">
             <a:extLst>
               <a:ext uri="{FF2B5EF4-FFF2-40B4-BE49-F238E27FC236}">
-                <a16:creationId xmlns:a16="http://schemas.microsoft.com/office/drawing/2014/main" xmlns="" id="{12AA8BCC-7B15-4842-80C2-48C079429338}"/>
+                <a16:creationId xmlns:a16="http://schemas.microsoft.com/office/drawing/2014/main" id="{12AA8BCC-7B15-4842-80C2-48C079429338}"/>
               </a:ext>
             </a:extLst>
           </p:cNvPr>
@@ -16333,7 +15654,7 @@
           <p:cNvPr id="3" name="图片 2">
             <a:extLst>
               <a:ext uri="{FF2B5EF4-FFF2-40B4-BE49-F238E27FC236}">
-                <a16:creationId xmlns:a16="http://schemas.microsoft.com/office/drawing/2014/main" xmlns="" id="{9926D275-1743-9648-A53F-963D5F73102E}"/>
+                <a16:creationId xmlns:a16="http://schemas.microsoft.com/office/drawing/2014/main" id="{9926D275-1743-9648-A53F-963D5F73102E}"/>
               </a:ext>
             </a:extLst>
           </p:cNvPr>
@@ -16363,7 +15684,7 @@
           <p:cNvPr id="4" name="文本框 3">
             <a:extLst>
               <a:ext uri="{FF2B5EF4-FFF2-40B4-BE49-F238E27FC236}">
-                <a16:creationId xmlns:a16="http://schemas.microsoft.com/office/drawing/2014/main" xmlns="" id="{3EEA93DD-7B32-B543-97F1-61985EDFC740}"/>
+                <a16:creationId xmlns:a16="http://schemas.microsoft.com/office/drawing/2014/main" id="{3EEA93DD-7B32-B543-97F1-61985EDFC740}"/>
               </a:ext>
             </a:extLst>
           </p:cNvPr>
@@ -16417,7 +15738,7 @@
           <p:cNvPr id="7" name="文本框 6">
             <a:extLst>
               <a:ext uri="{FF2B5EF4-FFF2-40B4-BE49-F238E27FC236}">
-                <a16:creationId xmlns:a16="http://schemas.microsoft.com/office/drawing/2014/main" xmlns="" id="{06371AB4-3CA3-AD48-87A1-8E705B42E675}"/>
+                <a16:creationId xmlns:a16="http://schemas.microsoft.com/office/drawing/2014/main" id="{06371AB4-3CA3-AD48-87A1-8E705B42E675}"/>
               </a:ext>
             </a:extLst>
           </p:cNvPr>
@@ -16482,7 +15803,7 @@
           <p:cNvPr id="6" name="文本框 5">
             <a:extLst>
               <a:ext uri="{FF2B5EF4-FFF2-40B4-BE49-F238E27FC236}">
-                <a16:creationId xmlns:a16="http://schemas.microsoft.com/office/drawing/2014/main" xmlns="" id="{B0497F51-CCA4-A544-BCF0-975E9EBAFC42}"/>
+                <a16:creationId xmlns:a16="http://schemas.microsoft.com/office/drawing/2014/main" id="{B0497F51-CCA4-A544-BCF0-975E9EBAFC42}"/>
               </a:ext>
             </a:extLst>
           </p:cNvPr>
@@ -16681,14 +16002,6 @@
               </a:rPr>
               <a:t>程 序 的 时 候，</a:t>
             </a:r>
-            <a:r>
-              <a:rPr lang="en-US" altLang="zh-CN" dirty="0">
-                <a:solidFill>
-                  <a:schemeClr val="bg1"/>
-                </a:solidFill>
-              </a:rPr>
-              <a:t/>
-            </a:r>
             <a:br>
               <a:rPr lang="en-US" altLang="zh-CN" dirty="0">
                 <a:solidFill>
@@ -16742,7 +16055,7 @@
     </p:spTree>
     <p:extLst>
       <p:ext uri="{BB962C8B-B14F-4D97-AF65-F5344CB8AC3E}">
-        <p14:creationId xmlns:p14="http://schemas.microsoft.com/office/powerpoint/2010/main" xmlns="" val="2817449584"/>
+        <p14:creationId xmlns:p14="http://schemas.microsoft.com/office/powerpoint/2010/main" val="2817449584"/>
       </p:ext>
     </p:extLst>
   </p:cSld>
@@ -16783,7 +16096,7 @@
           <p:cNvPr id="2" name="文本框 1">
             <a:extLst>
               <a:ext uri="{FF2B5EF4-FFF2-40B4-BE49-F238E27FC236}">
-                <a16:creationId xmlns:a16="http://schemas.microsoft.com/office/drawing/2014/main" xmlns="" id="{12AA8BCC-7B15-4842-80C2-48C079429338}"/>
+                <a16:creationId xmlns:a16="http://schemas.microsoft.com/office/drawing/2014/main" id="{12AA8BCC-7B15-4842-80C2-48C079429338}"/>
               </a:ext>
             </a:extLst>
           </p:cNvPr>
@@ -16861,7 +16174,7 @@
           <p:cNvPr id="13" name="文本框 12">
             <a:extLst>
               <a:ext uri="{FF2B5EF4-FFF2-40B4-BE49-F238E27FC236}">
-                <a16:creationId xmlns:a16="http://schemas.microsoft.com/office/drawing/2014/main" xmlns="" id="{8E054F89-5FA8-2F47-8710-58E04A67980C}"/>
+                <a16:creationId xmlns:a16="http://schemas.microsoft.com/office/drawing/2014/main" id="{8E054F89-5FA8-2F47-8710-58E04A67980C}"/>
               </a:ext>
             </a:extLst>
           </p:cNvPr>
@@ -16986,7 +16299,7 @@
     </p:spTree>
     <p:extLst>
       <p:ext uri="{BB962C8B-B14F-4D97-AF65-F5344CB8AC3E}">
-        <p14:creationId xmlns:p14="http://schemas.microsoft.com/office/powerpoint/2010/main" xmlns="" val="2043610943"/>
+        <p14:creationId xmlns:p14="http://schemas.microsoft.com/office/powerpoint/2010/main" val="2043610943"/>
       </p:ext>
     </p:extLst>
   </p:cSld>
@@ -17105,7 +16418,7 @@
           <p:cNvPr id="2" name="文本框 1">
             <a:extLst>
               <a:ext uri="{FF2B5EF4-FFF2-40B4-BE49-F238E27FC236}">
-                <a16:creationId xmlns:a16="http://schemas.microsoft.com/office/drawing/2014/main" xmlns="" id="{12AA8BCC-7B15-4842-80C2-48C079429338}"/>
+                <a16:creationId xmlns:a16="http://schemas.microsoft.com/office/drawing/2014/main" id="{12AA8BCC-7B15-4842-80C2-48C079429338}"/>
               </a:ext>
             </a:extLst>
           </p:cNvPr>
@@ -17134,28 +16447,14 @@
                 <a:latin typeface="Microsoft YaHei" panose="020B0503020204020204" pitchFamily="34" charset="-122"/>
                 <a:ea typeface="Microsoft YaHei" panose="020B0503020204020204" pitchFamily="34" charset="-122"/>
               </a:rPr>
-              <a:t>4</a:t>
-            </a:r>
-            <a:r>
-              <a:rPr kumimoji="1" lang="en-US" altLang="zh-CN" sz="4800" dirty="0" smtClean="0">
-                <a:latin typeface="Microsoft YaHei" panose="020B0503020204020204" pitchFamily="34" charset="-122"/>
-                <a:ea typeface="Microsoft YaHei" panose="020B0503020204020204" pitchFamily="34" charset="-122"/>
-              </a:rPr>
-              <a:t>. </a:t>
-            </a:r>
-            <a:r>
-              <a:rPr kumimoji="1" lang="zh-CN" altLang="en-US" sz="4800" dirty="0" smtClean="0">
-                <a:latin typeface="Microsoft YaHei" panose="020B0503020204020204" pitchFamily="34" charset="-122"/>
-                <a:ea typeface="Microsoft YaHei" panose="020B0503020204020204" pitchFamily="34" charset="-122"/>
-              </a:rPr>
-              <a:t>面</a:t>
+              <a:t>4. </a:t>
             </a:r>
             <a:r>
               <a:rPr kumimoji="1" lang="zh-CN" altLang="en-US" sz="4800" dirty="0">
                 <a:latin typeface="Microsoft YaHei" panose="020B0503020204020204" pitchFamily="34" charset="-122"/>
                 <a:ea typeface="Microsoft YaHei" panose="020B0503020204020204" pitchFamily="34" charset="-122"/>
               </a:rPr>
-              <a:t>板，</a:t>
+              <a:t>面板，</a:t>
             </a:r>
             <a:r>
               <a:rPr kumimoji="1" lang="en-US" altLang="zh-CN" sz="4800" dirty="0">
@@ -17183,7 +16482,7 @@
           <p:cNvPr id="3" name="图片 2">
             <a:extLst>
               <a:ext uri="{FF2B5EF4-FFF2-40B4-BE49-F238E27FC236}">
-                <a16:creationId xmlns:a16="http://schemas.microsoft.com/office/drawing/2014/main" xmlns="" id="{40519421-AA2D-234E-BD9D-024EA6A3C394}"/>
+                <a16:creationId xmlns:a16="http://schemas.microsoft.com/office/drawing/2014/main" id="{40519421-AA2D-234E-BD9D-024EA6A3C394}"/>
               </a:ext>
             </a:extLst>
           </p:cNvPr>
@@ -17213,7 +16512,7 @@
           <p:cNvPr id="4" name="文本框 3">
             <a:extLst>
               <a:ext uri="{FF2B5EF4-FFF2-40B4-BE49-F238E27FC236}">
-                <a16:creationId xmlns:a16="http://schemas.microsoft.com/office/drawing/2014/main" xmlns="" id="{D82C30EF-2985-8640-B9E0-DB6A2C0737F8}"/>
+                <a16:creationId xmlns:a16="http://schemas.microsoft.com/office/drawing/2014/main" id="{D82C30EF-2985-8640-B9E0-DB6A2C0737F8}"/>
               </a:ext>
             </a:extLst>
           </p:cNvPr>
@@ -17270,7 +16569,7 @@
           <p:cNvPr id="5" name="文本框 4">
             <a:extLst>
               <a:ext uri="{FF2B5EF4-FFF2-40B4-BE49-F238E27FC236}">
-                <a16:creationId xmlns:a16="http://schemas.microsoft.com/office/drawing/2014/main" xmlns="" id="{17AEDE23-F605-E246-8F92-1430F2C11FA2}"/>
+                <a16:creationId xmlns:a16="http://schemas.microsoft.com/office/drawing/2014/main" id="{17AEDE23-F605-E246-8F92-1430F2C11FA2}"/>
               </a:ext>
             </a:extLst>
           </p:cNvPr>
@@ -17374,7 +16673,7 @@
     </p:spTree>
     <p:extLst>
       <p:ext uri="{BB962C8B-B14F-4D97-AF65-F5344CB8AC3E}">
-        <p14:creationId xmlns:p14="http://schemas.microsoft.com/office/powerpoint/2010/main" xmlns="" val="3312448662"/>
+        <p14:creationId xmlns:p14="http://schemas.microsoft.com/office/powerpoint/2010/main" val="3312448662"/>
       </p:ext>
     </p:extLst>
   </p:cSld>
@@ -17415,7 +16714,7 @@
           <p:cNvPr id="2" name="文本框 1">
             <a:extLst>
               <a:ext uri="{FF2B5EF4-FFF2-40B4-BE49-F238E27FC236}">
-                <a16:creationId xmlns:a16="http://schemas.microsoft.com/office/drawing/2014/main" xmlns="" id="{12AA8BCC-7B15-4842-80C2-48C079429338}"/>
+                <a16:creationId xmlns:a16="http://schemas.microsoft.com/office/drawing/2014/main" id="{12AA8BCC-7B15-4842-80C2-48C079429338}"/>
               </a:ext>
             </a:extLst>
           </p:cNvPr>
@@ -17440,39 +16739,32 @@
           <a:p>
             <a:pPr algn="ctr"/>
             <a:r>
-              <a:rPr kumimoji="1" lang="en-US" altLang="zh-CN" sz="4800" dirty="0" smtClean="0">
+              <a:rPr kumimoji="1" lang="en-US" altLang="zh-CN" sz="4800" dirty="0">
                 <a:latin typeface="Microsoft YaHei" panose="020B0503020204020204" pitchFamily="34" charset="-122"/>
                 <a:ea typeface="Microsoft YaHei" panose="020B0503020204020204" pitchFamily="34" charset="-122"/>
               </a:rPr>
               <a:t>4.1 . </a:t>
             </a:r>
             <a:r>
-              <a:rPr kumimoji="1" lang="zh-CN" altLang="en-US" sz="4800" dirty="0" smtClean="0">
+              <a:rPr kumimoji="1" lang="zh-CN" altLang="en-US" sz="4800" dirty="0">
                 <a:latin typeface="Microsoft YaHei" panose="020B0503020204020204" pitchFamily="34" charset="-122"/>
                 <a:ea typeface="Microsoft YaHei" panose="020B0503020204020204" pitchFamily="34" charset="-122"/>
               </a:rPr>
               <a:t>面板，</a:t>
             </a:r>
             <a:r>
-              <a:rPr kumimoji="1" lang="en-US" altLang="zh-CN" sz="4800" dirty="0" smtClean="0">
+              <a:rPr kumimoji="1" lang="en-US" altLang="zh-CN" sz="4800" dirty="0">
                 <a:latin typeface="Microsoft YaHei" panose="020B0503020204020204" pitchFamily="34" charset="-122"/>
                 <a:ea typeface="Microsoft YaHei" panose="020B0503020204020204" pitchFamily="34" charset="-122"/>
               </a:rPr>
               <a:t>UI</a:t>
             </a:r>
             <a:r>
-              <a:rPr kumimoji="1" lang="zh-CN" altLang="en-US" sz="4800" dirty="0" smtClean="0">
-                <a:latin typeface="Microsoft YaHei" panose="020B0503020204020204" pitchFamily="34" charset="-122"/>
-                <a:ea typeface="Microsoft YaHei" panose="020B0503020204020204" pitchFamily="34" charset="-122"/>
-              </a:rPr>
-              <a:t>组件以及</a:t>
-            </a:r>
-            <a:r>
-              <a:rPr kumimoji="1" lang="zh-CN" altLang="en-US" sz="4800" dirty="0" smtClean="0">
-                <a:latin typeface="Microsoft YaHei" panose="020B0503020204020204" pitchFamily="34" charset="-122"/>
-                <a:ea typeface="Microsoft YaHei" panose="020B0503020204020204" pitchFamily="34" charset="-122"/>
-              </a:rPr>
-              <a:t>形状图形化布局例子</a:t>
+              <a:rPr kumimoji="1" lang="zh-CN" altLang="en-US" sz="4800" dirty="0">
+                <a:latin typeface="Microsoft YaHei" panose="020B0503020204020204" pitchFamily="34" charset="-122"/>
+                <a:ea typeface="Microsoft YaHei" panose="020B0503020204020204" pitchFamily="34" charset="-122"/>
+              </a:rPr>
+              <a:t>组件以及形状图形化布局例子</a:t>
             </a:r>
             <a:endParaRPr kumimoji="1" lang="en-US" altLang="zh-CN" sz="4800" dirty="0">
               <a:latin typeface="Microsoft YaHei" panose="020B0503020204020204" pitchFamily="34" charset="-122"/>
@@ -17486,7 +16778,7 @@
           <p:cNvPr id="5" name="文本框 4">
             <a:extLst>
               <a:ext uri="{FF2B5EF4-FFF2-40B4-BE49-F238E27FC236}">
-                <a16:creationId xmlns:a16="http://schemas.microsoft.com/office/drawing/2014/main" xmlns="" id="{51C5AD9E-2F60-D249-8D13-CCE82F7F1E6B}"/>
+                <a16:creationId xmlns:a16="http://schemas.microsoft.com/office/drawing/2014/main" id="{51C5AD9E-2F60-D249-8D13-CCE82F7F1E6B}"/>
               </a:ext>
             </a:extLst>
           </p:cNvPr>
@@ -17726,7 +17018,7 @@
           <p:cNvPr id="1026" name="Picture 2">
             <a:extLst>
               <a:ext uri="{FF2B5EF4-FFF2-40B4-BE49-F238E27FC236}">
-                <a16:creationId xmlns:a16="http://schemas.microsoft.com/office/drawing/2014/main" xmlns="" id="{71E15F92-42DE-8E4E-9FE1-18D053566444}"/>
+                <a16:creationId xmlns:a16="http://schemas.microsoft.com/office/drawing/2014/main" id="{71E15F92-42DE-8E4E-9FE1-18D053566444}"/>
               </a:ext>
             </a:extLst>
           </p:cNvPr>
@@ -17739,7 +17031,7 @@
           <a:blip r:embed="rId4">
             <a:extLst>
               <a:ext uri="{28A0092B-C50C-407E-A947-70E740481C1C}">
-                <a14:useLocalDpi xmlns:a14="http://schemas.microsoft.com/office/drawing/2010/main" xmlns="" val="0"/>
+                <a14:useLocalDpi xmlns:a14="http://schemas.microsoft.com/office/drawing/2010/main" val="0"/>
               </a:ext>
             </a:extLst>
           </a:blip>
@@ -17759,7 +17051,7 @@
           <a:noFill/>
           <a:extLst>
             <a:ext uri="{909E8E84-426E-40DD-AFC4-6F175D3DCCD1}">
-              <a14:hiddenFill xmlns:a14="http://schemas.microsoft.com/office/drawing/2010/main" xmlns="">
+              <a14:hiddenFill xmlns:a14="http://schemas.microsoft.com/office/drawing/2010/main">
                 <a:solidFill>
                   <a:srgbClr val="FFFFFF"/>
                 </a:solidFill>
@@ -17771,7 +17063,7 @@
     </p:spTree>
     <p:extLst>
       <p:ext uri="{BB962C8B-B14F-4D97-AF65-F5344CB8AC3E}">
-        <p14:creationId xmlns:p14="http://schemas.microsoft.com/office/powerpoint/2010/main" xmlns="" val="2558045461"/>
+        <p14:creationId xmlns:p14="http://schemas.microsoft.com/office/powerpoint/2010/main" val="2558045461"/>
       </p:ext>
     </p:extLst>
   </p:cSld>
@@ -18070,7 +17362,7 @@
   <a:extraClrSchemeLst/>
   <a:extLst>
     <a:ext uri="{05A4C25C-085E-4340-85A3-A5531E510DB2}">
-      <thm15:themeFamily xmlns:thm15="http://schemas.microsoft.com/office/thememl/2012/main" xmlns="" name="Office Theme" id="{62F939B6-93AF-4DB8-9C6B-D6C7DFDC589F}" vid="{4A3C46E8-61CC-4603-A589-7422A47A8E4A}"/>
+      <thm15:themeFamily xmlns:thm15="http://schemas.microsoft.com/office/thememl/2012/main" name="Office Theme" id="{62F939B6-93AF-4DB8-9C6B-D6C7DFDC589F}" vid="{4A3C46E8-61CC-4603-A589-7422A47A8E4A}"/>
     </a:ext>
   </a:extLst>
 </a:theme>
@@ -18365,7 +17657,7 @@
   <a:extraClrSchemeLst/>
   <a:extLst>
     <a:ext uri="{05A4C25C-085E-4340-85A3-A5531E510DB2}">
-      <thm15:themeFamily xmlns:thm15="http://schemas.microsoft.com/office/thememl/2012/main" xmlns="" name="Office Theme" id="{62F939B6-93AF-4DB8-9C6B-D6C7DFDC589F}" vid="{4A3C46E8-61CC-4603-A589-7422A47A8E4A}"/>
+      <thm15:themeFamily xmlns:thm15="http://schemas.microsoft.com/office/thememl/2012/main" name="Office Theme" id="{62F939B6-93AF-4DB8-9C6B-D6C7DFDC589F}" vid="{4A3C46E8-61CC-4603-A589-7422A47A8E4A}"/>
     </a:ext>
   </a:extLst>
 </a:theme>
